--- a/Work/CurrentResults.pptx
+++ b/Work/CurrentResults.pptx
@@ -5,13 +5,27 @@
     <p:sldMasterId id="2147483648" r:id="rId1"/>
   </p:sldMasterIdLst>
   <p:notesMasterIdLst>
-    <p:notesMasterId r:id="rId6"/>
+    <p:notesMasterId r:id="rId20"/>
   </p:notesMasterIdLst>
   <p:sldIdLst>
     <p:sldId id="442" r:id="rId2"/>
-    <p:sldId id="455" r:id="rId3"/>
-    <p:sldId id="444" r:id="rId4"/>
-    <p:sldId id="303" r:id="rId5"/>
+    <p:sldId id="457" r:id="rId3"/>
+    <p:sldId id="458" r:id="rId4"/>
+    <p:sldId id="466" r:id="rId5"/>
+    <p:sldId id="444" r:id="rId6"/>
+    <p:sldId id="459" r:id="rId7"/>
+    <p:sldId id="463" r:id="rId8"/>
+    <p:sldId id="464" r:id="rId9"/>
+    <p:sldId id="465" r:id="rId10"/>
+    <p:sldId id="455" r:id="rId11"/>
+    <p:sldId id="467" r:id="rId12"/>
+    <p:sldId id="468" r:id="rId13"/>
+    <p:sldId id="469" r:id="rId14"/>
+    <p:sldId id="470" r:id="rId15"/>
+    <p:sldId id="471" r:id="rId16"/>
+    <p:sldId id="472" r:id="rId17"/>
+    <p:sldId id="473" r:id="rId18"/>
+    <p:sldId id="303" r:id="rId19"/>
   </p:sldIdLst>
   <p:sldSz cx="12192000" cy="6858000"/>
   <p:notesSz cx="6858000" cy="9144000"/>
@@ -563,6 +577,698 @@
 </p:notes>
 </file>
 
+<file path=ppt/notesSlides/notesSlide10.xml><?xml version="1.0" encoding="utf-8"?>
+<p:notes xmlns:a="http://schemas.openxmlformats.org/drawingml/2006/main" xmlns:r="http://schemas.openxmlformats.org/officeDocument/2006/relationships" xmlns:p="http://schemas.openxmlformats.org/presentationml/2006/main">
+  <p:cSld>
+    <p:spTree>
+      <p:nvGrpSpPr>
+        <p:cNvPr id="1" name=""/>
+        <p:cNvGrpSpPr/>
+        <p:nvPr/>
+      </p:nvGrpSpPr>
+      <p:grpSpPr>
+        <a:xfrm>
+          <a:off x="0" y="0"/>
+          <a:ext cx="0" cy="0"/>
+          <a:chOff x="0" y="0"/>
+          <a:chExt cx="0" cy="0"/>
+        </a:xfrm>
+      </p:grpSpPr>
+      <p:sp>
+        <p:nvSpPr>
+          <p:cNvPr id="2" name="幻灯片图像占位符 1"/>
+          <p:cNvSpPr>
+            <a:spLocks noGrp="1" noRot="1" noChangeAspect="1"/>
+          </p:cNvSpPr>
+          <p:nvPr>
+            <p:ph type="sldImg"/>
+          </p:nvPr>
+        </p:nvSpPr>
+        <p:spPr/>
+      </p:sp>
+      <p:sp>
+        <p:nvSpPr>
+          <p:cNvPr id="3" name="备注占位符 2"/>
+          <p:cNvSpPr>
+            <a:spLocks noGrp="1"/>
+          </p:cNvSpPr>
+          <p:nvPr>
+            <p:ph type="body" idx="1"/>
+          </p:nvPr>
+        </p:nvSpPr>
+        <p:spPr/>
+        <p:txBody>
+          <a:bodyPr/>
+          <a:lstStyle/>
+          <a:p>
+            <a:endParaRPr lang="zh-CN" altLang="en-US" dirty="0"/>
+          </a:p>
+        </p:txBody>
+      </p:sp>
+      <p:sp>
+        <p:nvSpPr>
+          <p:cNvPr id="4" name="灯片编号占位符 3"/>
+          <p:cNvSpPr>
+            <a:spLocks noGrp="1"/>
+          </p:cNvSpPr>
+          <p:nvPr>
+            <p:ph type="sldNum" sz="quarter" idx="10"/>
+          </p:nvPr>
+        </p:nvSpPr>
+        <p:spPr/>
+        <p:txBody>
+          <a:bodyPr/>
+          <a:lstStyle/>
+          <a:p>
+            <a:fld id="{DD202784-B46A-4EF4-B218-4316F9133D14}" type="slidenum">
+              <a:rPr lang="zh-CN" altLang="en-US" smtClean="0"/>
+              <a:t>10</a:t>
+            </a:fld>
+            <a:endParaRPr lang="zh-CN" altLang="en-US"/>
+          </a:p>
+        </p:txBody>
+      </p:sp>
+    </p:spTree>
+    <p:extLst>
+      <p:ext uri="{BB962C8B-B14F-4D97-AF65-F5344CB8AC3E}">
+        <p14:creationId xmlns:p14="http://schemas.microsoft.com/office/powerpoint/2010/main" val="2904033859"/>
+      </p:ext>
+    </p:extLst>
+  </p:cSld>
+  <p:clrMapOvr>
+    <a:masterClrMapping/>
+  </p:clrMapOvr>
+</p:notes>
+</file>
+
+<file path=ppt/notesSlides/notesSlide11.xml><?xml version="1.0" encoding="utf-8"?>
+<p:notes xmlns:a="http://schemas.openxmlformats.org/drawingml/2006/main" xmlns:r="http://schemas.openxmlformats.org/officeDocument/2006/relationships" xmlns:p="http://schemas.openxmlformats.org/presentationml/2006/main">
+  <p:cSld>
+    <p:spTree>
+      <p:nvGrpSpPr>
+        <p:cNvPr id="1" name=""/>
+        <p:cNvGrpSpPr/>
+        <p:nvPr/>
+      </p:nvGrpSpPr>
+      <p:grpSpPr>
+        <a:xfrm>
+          <a:off x="0" y="0"/>
+          <a:ext cx="0" cy="0"/>
+          <a:chOff x="0" y="0"/>
+          <a:chExt cx="0" cy="0"/>
+        </a:xfrm>
+      </p:grpSpPr>
+      <p:sp>
+        <p:nvSpPr>
+          <p:cNvPr id="2" name="幻灯片图像占位符 1"/>
+          <p:cNvSpPr>
+            <a:spLocks noGrp="1" noRot="1" noChangeAspect="1"/>
+          </p:cNvSpPr>
+          <p:nvPr>
+            <p:ph type="sldImg"/>
+          </p:nvPr>
+        </p:nvSpPr>
+        <p:spPr/>
+      </p:sp>
+      <p:sp>
+        <p:nvSpPr>
+          <p:cNvPr id="3" name="备注占位符 2"/>
+          <p:cNvSpPr>
+            <a:spLocks noGrp="1"/>
+          </p:cNvSpPr>
+          <p:nvPr>
+            <p:ph type="body" idx="1"/>
+          </p:nvPr>
+        </p:nvSpPr>
+        <p:spPr/>
+        <p:txBody>
+          <a:bodyPr/>
+          <a:lstStyle/>
+          <a:p>
+            <a:endParaRPr lang="zh-CN" altLang="en-US" dirty="0"/>
+          </a:p>
+        </p:txBody>
+      </p:sp>
+      <p:sp>
+        <p:nvSpPr>
+          <p:cNvPr id="4" name="灯片编号占位符 3"/>
+          <p:cNvSpPr>
+            <a:spLocks noGrp="1"/>
+          </p:cNvSpPr>
+          <p:nvPr>
+            <p:ph type="sldNum" sz="quarter" idx="10"/>
+          </p:nvPr>
+        </p:nvSpPr>
+        <p:spPr/>
+        <p:txBody>
+          <a:bodyPr/>
+          <a:lstStyle/>
+          <a:p>
+            <a:fld id="{DD202784-B46A-4EF4-B218-4316F9133D14}" type="slidenum">
+              <a:rPr lang="zh-CN" altLang="en-US" smtClean="0"/>
+              <a:t>11</a:t>
+            </a:fld>
+            <a:endParaRPr lang="zh-CN" altLang="en-US"/>
+          </a:p>
+        </p:txBody>
+      </p:sp>
+    </p:spTree>
+    <p:extLst>
+      <p:ext uri="{BB962C8B-B14F-4D97-AF65-F5344CB8AC3E}">
+        <p14:creationId xmlns:p14="http://schemas.microsoft.com/office/powerpoint/2010/main" val="3776015239"/>
+      </p:ext>
+    </p:extLst>
+  </p:cSld>
+  <p:clrMapOvr>
+    <a:masterClrMapping/>
+  </p:clrMapOvr>
+</p:notes>
+</file>
+
+<file path=ppt/notesSlides/notesSlide12.xml><?xml version="1.0" encoding="utf-8"?>
+<p:notes xmlns:a="http://schemas.openxmlformats.org/drawingml/2006/main" xmlns:r="http://schemas.openxmlformats.org/officeDocument/2006/relationships" xmlns:p="http://schemas.openxmlformats.org/presentationml/2006/main">
+  <p:cSld>
+    <p:spTree>
+      <p:nvGrpSpPr>
+        <p:cNvPr id="1" name=""/>
+        <p:cNvGrpSpPr/>
+        <p:nvPr/>
+      </p:nvGrpSpPr>
+      <p:grpSpPr>
+        <a:xfrm>
+          <a:off x="0" y="0"/>
+          <a:ext cx="0" cy="0"/>
+          <a:chOff x="0" y="0"/>
+          <a:chExt cx="0" cy="0"/>
+        </a:xfrm>
+      </p:grpSpPr>
+      <p:sp>
+        <p:nvSpPr>
+          <p:cNvPr id="2" name="幻灯片图像占位符 1"/>
+          <p:cNvSpPr>
+            <a:spLocks noGrp="1" noRot="1" noChangeAspect="1"/>
+          </p:cNvSpPr>
+          <p:nvPr>
+            <p:ph type="sldImg"/>
+          </p:nvPr>
+        </p:nvSpPr>
+        <p:spPr/>
+      </p:sp>
+      <p:sp>
+        <p:nvSpPr>
+          <p:cNvPr id="3" name="备注占位符 2"/>
+          <p:cNvSpPr>
+            <a:spLocks noGrp="1"/>
+          </p:cNvSpPr>
+          <p:nvPr>
+            <p:ph type="body" idx="1"/>
+          </p:nvPr>
+        </p:nvSpPr>
+        <p:spPr/>
+        <p:txBody>
+          <a:bodyPr/>
+          <a:lstStyle/>
+          <a:p>
+            <a:r>
+              <a:rPr lang="en-US" altLang="zh-CN" dirty="0" smtClean="0"/>
+              <a:t>Explain</a:t>
+            </a:r>
+            <a:r>
+              <a:rPr lang="en-US" altLang="zh-CN" baseline="0" dirty="0" smtClean="0"/>
+              <a:t> why these modules show increase or decrease variability across subjects along dose</a:t>
+            </a:r>
+            <a:endParaRPr lang="zh-CN" altLang="en-US" dirty="0"/>
+          </a:p>
+        </p:txBody>
+      </p:sp>
+      <p:sp>
+        <p:nvSpPr>
+          <p:cNvPr id="4" name="灯片编号占位符 3"/>
+          <p:cNvSpPr>
+            <a:spLocks noGrp="1"/>
+          </p:cNvSpPr>
+          <p:nvPr>
+            <p:ph type="sldNum" sz="quarter" idx="10"/>
+          </p:nvPr>
+        </p:nvSpPr>
+        <p:spPr/>
+        <p:txBody>
+          <a:bodyPr/>
+          <a:lstStyle/>
+          <a:p>
+            <a:fld id="{DD202784-B46A-4EF4-B218-4316F9133D14}" type="slidenum">
+              <a:rPr lang="zh-CN" altLang="en-US" smtClean="0"/>
+              <a:t>12</a:t>
+            </a:fld>
+            <a:endParaRPr lang="zh-CN" altLang="en-US"/>
+          </a:p>
+        </p:txBody>
+      </p:sp>
+    </p:spTree>
+    <p:extLst>
+      <p:ext uri="{BB962C8B-B14F-4D97-AF65-F5344CB8AC3E}">
+        <p14:creationId xmlns:p14="http://schemas.microsoft.com/office/powerpoint/2010/main" val="3776015239"/>
+      </p:ext>
+    </p:extLst>
+  </p:cSld>
+  <p:clrMapOvr>
+    <a:masterClrMapping/>
+  </p:clrMapOvr>
+</p:notes>
+</file>
+
+<file path=ppt/notesSlides/notesSlide13.xml><?xml version="1.0" encoding="utf-8"?>
+<p:notes xmlns:a="http://schemas.openxmlformats.org/drawingml/2006/main" xmlns:r="http://schemas.openxmlformats.org/officeDocument/2006/relationships" xmlns:p="http://schemas.openxmlformats.org/presentationml/2006/main">
+  <p:cSld>
+    <p:spTree>
+      <p:nvGrpSpPr>
+        <p:cNvPr id="1" name=""/>
+        <p:cNvGrpSpPr/>
+        <p:nvPr/>
+      </p:nvGrpSpPr>
+      <p:grpSpPr>
+        <a:xfrm>
+          <a:off x="0" y="0"/>
+          <a:ext cx="0" cy="0"/>
+          <a:chOff x="0" y="0"/>
+          <a:chExt cx="0" cy="0"/>
+        </a:xfrm>
+      </p:grpSpPr>
+      <p:sp>
+        <p:nvSpPr>
+          <p:cNvPr id="2" name="幻灯片图像占位符 1"/>
+          <p:cNvSpPr>
+            <a:spLocks noGrp="1" noRot="1" noChangeAspect="1"/>
+          </p:cNvSpPr>
+          <p:nvPr>
+            <p:ph type="sldImg"/>
+          </p:nvPr>
+        </p:nvSpPr>
+        <p:spPr/>
+      </p:sp>
+      <p:sp>
+        <p:nvSpPr>
+          <p:cNvPr id="3" name="备注占位符 2"/>
+          <p:cNvSpPr>
+            <a:spLocks noGrp="1"/>
+          </p:cNvSpPr>
+          <p:nvPr>
+            <p:ph type="body" idx="1"/>
+          </p:nvPr>
+        </p:nvSpPr>
+        <p:spPr/>
+        <p:txBody>
+          <a:bodyPr/>
+          <a:lstStyle/>
+          <a:p>
+            <a:r>
+              <a:rPr lang="en-US" altLang="zh-CN" dirty="0" smtClean="0"/>
+              <a:t>May explain the increase</a:t>
+            </a:r>
+            <a:r>
+              <a:rPr lang="en-US" altLang="zh-CN" baseline="0" dirty="0" smtClean="0"/>
+              <a:t> or decrease between low&amp;mid or mid&amp;hgih</a:t>
+            </a:r>
+            <a:endParaRPr lang="zh-CN" altLang="en-US" dirty="0"/>
+          </a:p>
+        </p:txBody>
+      </p:sp>
+      <p:sp>
+        <p:nvSpPr>
+          <p:cNvPr id="4" name="灯片编号占位符 3"/>
+          <p:cNvSpPr>
+            <a:spLocks noGrp="1"/>
+          </p:cNvSpPr>
+          <p:nvPr>
+            <p:ph type="sldNum" sz="quarter" idx="10"/>
+          </p:nvPr>
+        </p:nvSpPr>
+        <p:spPr/>
+        <p:txBody>
+          <a:bodyPr/>
+          <a:lstStyle/>
+          <a:p>
+            <a:fld id="{DD202784-B46A-4EF4-B218-4316F9133D14}" type="slidenum">
+              <a:rPr lang="zh-CN" altLang="en-US" smtClean="0"/>
+              <a:t>13</a:t>
+            </a:fld>
+            <a:endParaRPr lang="zh-CN" altLang="en-US"/>
+          </a:p>
+        </p:txBody>
+      </p:sp>
+    </p:spTree>
+    <p:extLst>
+      <p:ext uri="{BB962C8B-B14F-4D97-AF65-F5344CB8AC3E}">
+        <p14:creationId xmlns:p14="http://schemas.microsoft.com/office/powerpoint/2010/main" val="3776015239"/>
+      </p:ext>
+    </p:extLst>
+  </p:cSld>
+  <p:clrMapOvr>
+    <a:masterClrMapping/>
+  </p:clrMapOvr>
+</p:notes>
+</file>
+
+<file path=ppt/notesSlides/notesSlide14.xml><?xml version="1.0" encoding="utf-8"?>
+<p:notes xmlns:a="http://schemas.openxmlformats.org/drawingml/2006/main" xmlns:r="http://schemas.openxmlformats.org/officeDocument/2006/relationships" xmlns:p="http://schemas.openxmlformats.org/presentationml/2006/main">
+  <p:cSld>
+    <p:spTree>
+      <p:nvGrpSpPr>
+        <p:cNvPr id="1" name=""/>
+        <p:cNvGrpSpPr/>
+        <p:nvPr/>
+      </p:nvGrpSpPr>
+      <p:grpSpPr>
+        <a:xfrm>
+          <a:off x="0" y="0"/>
+          <a:ext cx="0" cy="0"/>
+          <a:chOff x="0" y="0"/>
+          <a:chExt cx="0" cy="0"/>
+        </a:xfrm>
+      </p:grpSpPr>
+      <p:sp>
+        <p:nvSpPr>
+          <p:cNvPr id="2" name="幻灯片图像占位符 1"/>
+          <p:cNvSpPr>
+            <a:spLocks noGrp="1" noRot="1" noChangeAspect="1"/>
+          </p:cNvSpPr>
+          <p:nvPr>
+            <p:ph type="sldImg"/>
+          </p:nvPr>
+        </p:nvSpPr>
+        <p:spPr/>
+      </p:sp>
+      <p:sp>
+        <p:nvSpPr>
+          <p:cNvPr id="3" name="备注占位符 2"/>
+          <p:cNvSpPr>
+            <a:spLocks noGrp="1"/>
+          </p:cNvSpPr>
+          <p:nvPr>
+            <p:ph type="body" idx="1"/>
+          </p:nvPr>
+        </p:nvSpPr>
+        <p:spPr/>
+        <p:txBody>
+          <a:bodyPr/>
+          <a:lstStyle/>
+          <a:p>
+            <a:endParaRPr lang="zh-CN" altLang="en-US" dirty="0"/>
+          </a:p>
+        </p:txBody>
+      </p:sp>
+      <p:sp>
+        <p:nvSpPr>
+          <p:cNvPr id="4" name="灯片编号占位符 3"/>
+          <p:cNvSpPr>
+            <a:spLocks noGrp="1"/>
+          </p:cNvSpPr>
+          <p:nvPr>
+            <p:ph type="sldNum" sz="quarter" idx="10"/>
+          </p:nvPr>
+        </p:nvSpPr>
+        <p:spPr/>
+        <p:txBody>
+          <a:bodyPr/>
+          <a:lstStyle/>
+          <a:p>
+            <a:fld id="{DD202784-B46A-4EF4-B218-4316F9133D14}" type="slidenum">
+              <a:rPr lang="zh-CN" altLang="en-US" smtClean="0"/>
+              <a:t>14</a:t>
+            </a:fld>
+            <a:endParaRPr lang="zh-CN" altLang="en-US"/>
+          </a:p>
+        </p:txBody>
+      </p:sp>
+    </p:spTree>
+    <p:extLst>
+      <p:ext uri="{BB962C8B-B14F-4D97-AF65-F5344CB8AC3E}">
+        <p14:creationId xmlns:p14="http://schemas.microsoft.com/office/powerpoint/2010/main" val="3776015239"/>
+      </p:ext>
+    </p:extLst>
+  </p:cSld>
+  <p:clrMapOvr>
+    <a:masterClrMapping/>
+  </p:clrMapOvr>
+</p:notes>
+</file>
+
+<file path=ppt/notesSlides/notesSlide15.xml><?xml version="1.0" encoding="utf-8"?>
+<p:notes xmlns:a="http://schemas.openxmlformats.org/drawingml/2006/main" xmlns:r="http://schemas.openxmlformats.org/officeDocument/2006/relationships" xmlns:p="http://schemas.openxmlformats.org/presentationml/2006/main">
+  <p:cSld>
+    <p:spTree>
+      <p:nvGrpSpPr>
+        <p:cNvPr id="1" name=""/>
+        <p:cNvGrpSpPr/>
+        <p:nvPr/>
+      </p:nvGrpSpPr>
+      <p:grpSpPr>
+        <a:xfrm>
+          <a:off x="0" y="0"/>
+          <a:ext cx="0" cy="0"/>
+          <a:chOff x="0" y="0"/>
+          <a:chExt cx="0" cy="0"/>
+        </a:xfrm>
+      </p:grpSpPr>
+      <p:sp>
+        <p:nvSpPr>
+          <p:cNvPr id="2" name="幻灯片图像占位符 1"/>
+          <p:cNvSpPr>
+            <a:spLocks noGrp="1" noRot="1" noChangeAspect="1"/>
+          </p:cNvSpPr>
+          <p:nvPr>
+            <p:ph type="sldImg"/>
+          </p:nvPr>
+        </p:nvSpPr>
+        <p:spPr/>
+      </p:sp>
+      <p:sp>
+        <p:nvSpPr>
+          <p:cNvPr id="3" name="备注占位符 2"/>
+          <p:cNvSpPr>
+            <a:spLocks noGrp="1"/>
+          </p:cNvSpPr>
+          <p:nvPr>
+            <p:ph type="body" idx="1"/>
+          </p:nvPr>
+        </p:nvSpPr>
+        <p:spPr/>
+        <p:txBody>
+          <a:bodyPr/>
+          <a:lstStyle/>
+          <a:p>
+            <a:r>
+              <a:rPr lang="en-US" altLang="zh-CN" dirty="0" smtClean="0"/>
+              <a:t>So we can explain why</a:t>
+            </a:r>
+            <a:endParaRPr lang="zh-CN" altLang="en-US" dirty="0"/>
+          </a:p>
+        </p:txBody>
+      </p:sp>
+      <p:sp>
+        <p:nvSpPr>
+          <p:cNvPr id="4" name="灯片编号占位符 3"/>
+          <p:cNvSpPr>
+            <a:spLocks noGrp="1"/>
+          </p:cNvSpPr>
+          <p:nvPr>
+            <p:ph type="sldNum" sz="quarter" idx="10"/>
+          </p:nvPr>
+        </p:nvSpPr>
+        <p:spPr/>
+        <p:txBody>
+          <a:bodyPr/>
+          <a:lstStyle/>
+          <a:p>
+            <a:fld id="{DD202784-B46A-4EF4-B218-4316F9133D14}" type="slidenum">
+              <a:rPr lang="zh-CN" altLang="en-US" smtClean="0"/>
+              <a:t>15</a:t>
+            </a:fld>
+            <a:endParaRPr lang="zh-CN" altLang="en-US"/>
+          </a:p>
+        </p:txBody>
+      </p:sp>
+    </p:spTree>
+    <p:extLst>
+      <p:ext uri="{BB962C8B-B14F-4D97-AF65-F5344CB8AC3E}">
+        <p14:creationId xmlns:p14="http://schemas.microsoft.com/office/powerpoint/2010/main" val="3776015239"/>
+      </p:ext>
+    </p:extLst>
+  </p:cSld>
+  <p:clrMapOvr>
+    <a:masterClrMapping/>
+  </p:clrMapOvr>
+</p:notes>
+</file>
+
+<file path=ppt/notesSlides/notesSlide16.xml><?xml version="1.0" encoding="utf-8"?>
+<p:notes xmlns:a="http://schemas.openxmlformats.org/drawingml/2006/main" xmlns:r="http://schemas.openxmlformats.org/officeDocument/2006/relationships" xmlns:p="http://schemas.openxmlformats.org/presentationml/2006/main">
+  <p:cSld>
+    <p:spTree>
+      <p:nvGrpSpPr>
+        <p:cNvPr id="1" name=""/>
+        <p:cNvGrpSpPr/>
+        <p:nvPr/>
+      </p:nvGrpSpPr>
+      <p:grpSpPr>
+        <a:xfrm>
+          <a:off x="0" y="0"/>
+          <a:ext cx="0" cy="0"/>
+          <a:chOff x="0" y="0"/>
+          <a:chExt cx="0" cy="0"/>
+        </a:xfrm>
+      </p:grpSpPr>
+      <p:sp>
+        <p:nvSpPr>
+          <p:cNvPr id="2" name="幻灯片图像占位符 1"/>
+          <p:cNvSpPr>
+            <a:spLocks noGrp="1" noRot="1" noChangeAspect="1"/>
+          </p:cNvSpPr>
+          <p:nvPr>
+            <p:ph type="sldImg"/>
+          </p:nvPr>
+        </p:nvSpPr>
+        <p:spPr/>
+      </p:sp>
+      <p:sp>
+        <p:nvSpPr>
+          <p:cNvPr id="3" name="备注占位符 2"/>
+          <p:cNvSpPr>
+            <a:spLocks noGrp="1"/>
+          </p:cNvSpPr>
+          <p:nvPr>
+            <p:ph type="body" idx="1"/>
+          </p:nvPr>
+        </p:nvSpPr>
+        <p:spPr/>
+        <p:txBody>
+          <a:bodyPr/>
+          <a:lstStyle/>
+          <a:p>
+            <a:endParaRPr lang="zh-CN" altLang="en-US" dirty="0"/>
+          </a:p>
+        </p:txBody>
+      </p:sp>
+      <p:sp>
+        <p:nvSpPr>
+          <p:cNvPr id="4" name="灯片编号占位符 3"/>
+          <p:cNvSpPr>
+            <a:spLocks noGrp="1"/>
+          </p:cNvSpPr>
+          <p:nvPr>
+            <p:ph type="sldNum" sz="quarter" idx="10"/>
+          </p:nvPr>
+        </p:nvSpPr>
+        <p:spPr/>
+        <p:txBody>
+          <a:bodyPr/>
+          <a:lstStyle/>
+          <a:p>
+            <a:fld id="{DD202784-B46A-4EF4-B218-4316F9133D14}" type="slidenum">
+              <a:rPr lang="zh-CN" altLang="en-US" smtClean="0"/>
+              <a:t>16</a:t>
+            </a:fld>
+            <a:endParaRPr lang="zh-CN" altLang="en-US"/>
+          </a:p>
+        </p:txBody>
+      </p:sp>
+    </p:spTree>
+    <p:extLst>
+      <p:ext uri="{BB962C8B-B14F-4D97-AF65-F5344CB8AC3E}">
+        <p14:creationId xmlns:p14="http://schemas.microsoft.com/office/powerpoint/2010/main" val="3776015239"/>
+      </p:ext>
+    </p:extLst>
+  </p:cSld>
+  <p:clrMapOvr>
+    <a:masterClrMapping/>
+  </p:clrMapOvr>
+</p:notes>
+</file>
+
+<file path=ppt/notesSlides/notesSlide17.xml><?xml version="1.0" encoding="utf-8"?>
+<p:notes xmlns:a="http://schemas.openxmlformats.org/drawingml/2006/main" xmlns:r="http://schemas.openxmlformats.org/officeDocument/2006/relationships" xmlns:p="http://schemas.openxmlformats.org/presentationml/2006/main">
+  <p:cSld>
+    <p:spTree>
+      <p:nvGrpSpPr>
+        <p:cNvPr id="1" name=""/>
+        <p:cNvGrpSpPr/>
+        <p:nvPr/>
+      </p:nvGrpSpPr>
+      <p:grpSpPr>
+        <a:xfrm>
+          <a:off x="0" y="0"/>
+          <a:ext cx="0" cy="0"/>
+          <a:chOff x="0" y="0"/>
+          <a:chExt cx="0" cy="0"/>
+        </a:xfrm>
+      </p:grpSpPr>
+      <p:sp>
+        <p:nvSpPr>
+          <p:cNvPr id="2" name="幻灯片图像占位符 1"/>
+          <p:cNvSpPr>
+            <a:spLocks noGrp="1" noRot="1" noChangeAspect="1"/>
+          </p:cNvSpPr>
+          <p:nvPr>
+            <p:ph type="sldImg"/>
+          </p:nvPr>
+        </p:nvSpPr>
+        <p:spPr/>
+      </p:sp>
+      <p:sp>
+        <p:nvSpPr>
+          <p:cNvPr id="3" name="备注占位符 2"/>
+          <p:cNvSpPr>
+            <a:spLocks noGrp="1"/>
+          </p:cNvSpPr>
+          <p:nvPr>
+            <p:ph type="body" idx="1"/>
+          </p:nvPr>
+        </p:nvSpPr>
+        <p:spPr/>
+        <p:txBody>
+          <a:bodyPr/>
+          <a:lstStyle/>
+          <a:p>
+            <a:endParaRPr lang="zh-CN" altLang="en-US" dirty="0"/>
+          </a:p>
+        </p:txBody>
+      </p:sp>
+      <p:sp>
+        <p:nvSpPr>
+          <p:cNvPr id="4" name="灯片编号占位符 3"/>
+          <p:cNvSpPr>
+            <a:spLocks noGrp="1"/>
+          </p:cNvSpPr>
+          <p:nvPr>
+            <p:ph type="sldNum" sz="quarter" idx="10"/>
+          </p:nvPr>
+        </p:nvSpPr>
+        <p:spPr/>
+        <p:txBody>
+          <a:bodyPr/>
+          <a:lstStyle/>
+          <a:p>
+            <a:fld id="{DD202784-B46A-4EF4-B218-4316F9133D14}" type="slidenum">
+              <a:rPr lang="zh-CN" altLang="en-US" smtClean="0"/>
+              <a:t>17</a:t>
+            </a:fld>
+            <a:endParaRPr lang="zh-CN" altLang="en-US"/>
+          </a:p>
+        </p:txBody>
+      </p:sp>
+    </p:spTree>
+    <p:extLst>
+      <p:ext uri="{BB962C8B-B14F-4D97-AF65-F5344CB8AC3E}">
+        <p14:creationId xmlns:p14="http://schemas.microsoft.com/office/powerpoint/2010/main" val="3776015239"/>
+      </p:ext>
+    </p:extLst>
+  </p:cSld>
+  <p:clrMapOvr>
+    <a:masterClrMapping/>
+  </p:clrMapOvr>
+</p:notes>
+</file>
+
 <file path=ppt/notesSlides/notesSlide2.xml><?xml version="1.0" encoding="utf-8"?>
 <p:notes xmlns:a="http://schemas.openxmlformats.org/drawingml/2006/main" xmlns:r="http://schemas.openxmlformats.org/officeDocument/2006/relationships" xmlns:p="http://schemas.openxmlformats.org/presentationml/2006/main">
   <p:cSld>
@@ -607,6 +1313,14 @@
           <a:bodyPr/>
           <a:lstStyle/>
           <a:p>
+            <a:r>
+              <a:rPr lang="en-US" altLang="zh-CN" dirty="0" smtClean="0"/>
+              <a:t>Some conclusions</a:t>
+            </a:r>
+            <a:r>
+              <a:rPr lang="en-US" altLang="zh-CN" baseline="0" dirty="0" smtClean="0"/>
+              <a:t> this slice and the next slice</a:t>
+            </a:r>
             <a:endParaRPr lang="zh-CN" altLang="en-US" dirty="0"/>
           </a:p>
         </p:txBody>
@@ -637,7 +1351,7 @@
     </p:spTree>
     <p:extLst>
       <p:ext uri="{BB962C8B-B14F-4D97-AF65-F5344CB8AC3E}">
-        <p14:creationId xmlns:p14="http://schemas.microsoft.com/office/powerpoint/2010/main" val="2904033859"/>
+        <p14:creationId xmlns:p14="http://schemas.microsoft.com/office/powerpoint/2010/main" val="3776015239"/>
       </p:ext>
     </p:extLst>
   </p:cSld>
@@ -691,6 +1405,14 @@
           <a:bodyPr/>
           <a:lstStyle/>
           <a:p>
+            <a:r>
+              <a:rPr lang="en-US" altLang="zh-CN" dirty="0" smtClean="0"/>
+              <a:t>Also</a:t>
+            </a:r>
+            <a:r>
+              <a:rPr lang="en-US" altLang="zh-CN" baseline="0" dirty="0" smtClean="0"/>
+              <a:t> conclusion</a:t>
+            </a:r>
             <a:endParaRPr lang="zh-CN" altLang="en-US" dirty="0"/>
           </a:p>
         </p:txBody>
@@ -713,6 +1435,746 @@
             <a:fld id="{DD202784-B46A-4EF4-B218-4316F9133D14}" type="slidenum">
               <a:rPr lang="zh-CN" altLang="en-US" smtClean="0"/>
               <a:t>3</a:t>
+            </a:fld>
+            <a:endParaRPr lang="zh-CN" altLang="en-US"/>
+          </a:p>
+        </p:txBody>
+      </p:sp>
+    </p:spTree>
+    <p:extLst>
+      <p:ext uri="{BB962C8B-B14F-4D97-AF65-F5344CB8AC3E}">
+        <p14:creationId xmlns:p14="http://schemas.microsoft.com/office/powerpoint/2010/main" val="3776015239"/>
+      </p:ext>
+    </p:extLst>
+  </p:cSld>
+  <p:clrMapOvr>
+    <a:masterClrMapping/>
+  </p:clrMapOvr>
+</p:notes>
+</file>
+
+<file path=ppt/notesSlides/notesSlide4.xml><?xml version="1.0" encoding="utf-8"?>
+<p:notes xmlns:a="http://schemas.openxmlformats.org/drawingml/2006/main" xmlns:r="http://schemas.openxmlformats.org/officeDocument/2006/relationships" xmlns:p="http://schemas.openxmlformats.org/presentationml/2006/main">
+  <p:cSld>
+    <p:spTree>
+      <p:nvGrpSpPr>
+        <p:cNvPr id="1" name=""/>
+        <p:cNvGrpSpPr/>
+        <p:nvPr/>
+      </p:nvGrpSpPr>
+      <p:grpSpPr>
+        <a:xfrm>
+          <a:off x="0" y="0"/>
+          <a:ext cx="0" cy="0"/>
+          <a:chOff x="0" y="0"/>
+          <a:chExt cx="0" cy="0"/>
+        </a:xfrm>
+      </p:grpSpPr>
+      <p:sp>
+        <p:nvSpPr>
+          <p:cNvPr id="2" name="幻灯片图像占位符 1"/>
+          <p:cNvSpPr>
+            <a:spLocks noGrp="1" noRot="1" noChangeAspect="1"/>
+          </p:cNvSpPr>
+          <p:nvPr>
+            <p:ph type="sldImg"/>
+          </p:nvPr>
+        </p:nvSpPr>
+        <p:spPr/>
+      </p:sp>
+      <p:sp>
+        <p:nvSpPr>
+          <p:cNvPr id="3" name="备注占位符 2"/>
+          <p:cNvSpPr>
+            <a:spLocks noGrp="1"/>
+          </p:cNvSpPr>
+          <p:nvPr>
+            <p:ph type="body" idx="1"/>
+          </p:nvPr>
+        </p:nvSpPr>
+        <p:spPr/>
+        <p:txBody>
+          <a:bodyPr/>
+          <a:lstStyle/>
+          <a:p>
+            <a:endParaRPr lang="zh-CN" altLang="en-US" dirty="0"/>
+          </a:p>
+        </p:txBody>
+      </p:sp>
+      <p:sp>
+        <p:nvSpPr>
+          <p:cNvPr id="4" name="灯片编号占位符 3"/>
+          <p:cNvSpPr>
+            <a:spLocks noGrp="1"/>
+          </p:cNvSpPr>
+          <p:nvPr>
+            <p:ph type="sldNum" sz="quarter" idx="10"/>
+          </p:nvPr>
+        </p:nvSpPr>
+        <p:spPr/>
+        <p:txBody>
+          <a:bodyPr/>
+          <a:lstStyle/>
+          <a:p>
+            <a:fld id="{DD202784-B46A-4EF4-B218-4316F9133D14}" type="slidenum">
+              <a:rPr lang="zh-CN" altLang="en-US" smtClean="0"/>
+              <a:t>4</a:t>
+            </a:fld>
+            <a:endParaRPr lang="zh-CN" altLang="en-US"/>
+          </a:p>
+        </p:txBody>
+      </p:sp>
+    </p:spTree>
+    <p:extLst>
+      <p:ext uri="{BB962C8B-B14F-4D97-AF65-F5344CB8AC3E}">
+        <p14:creationId xmlns:p14="http://schemas.microsoft.com/office/powerpoint/2010/main" val="3776015239"/>
+      </p:ext>
+    </p:extLst>
+  </p:cSld>
+  <p:clrMapOvr>
+    <a:masterClrMapping/>
+  </p:clrMapOvr>
+</p:notes>
+</file>
+
+<file path=ppt/notesSlides/notesSlide5.xml><?xml version="1.0" encoding="utf-8"?>
+<p:notes xmlns:a="http://schemas.openxmlformats.org/drawingml/2006/main" xmlns:r="http://schemas.openxmlformats.org/officeDocument/2006/relationships" xmlns:p="http://schemas.openxmlformats.org/presentationml/2006/main">
+  <p:cSld>
+    <p:spTree>
+      <p:nvGrpSpPr>
+        <p:cNvPr id="1" name=""/>
+        <p:cNvGrpSpPr/>
+        <p:nvPr/>
+      </p:nvGrpSpPr>
+      <p:grpSpPr>
+        <a:xfrm>
+          <a:off x="0" y="0"/>
+          <a:ext cx="0" cy="0"/>
+          <a:chOff x="0" y="0"/>
+          <a:chExt cx="0" cy="0"/>
+        </a:xfrm>
+      </p:grpSpPr>
+      <p:sp>
+        <p:nvSpPr>
+          <p:cNvPr id="2" name="幻灯片图像占位符 1"/>
+          <p:cNvSpPr>
+            <a:spLocks noGrp="1" noRot="1" noChangeAspect="1"/>
+          </p:cNvSpPr>
+          <p:nvPr>
+            <p:ph type="sldImg"/>
+          </p:nvPr>
+        </p:nvSpPr>
+        <p:spPr/>
+      </p:sp>
+      <p:sp>
+        <p:nvSpPr>
+          <p:cNvPr id="3" name="备注占位符 2"/>
+          <p:cNvSpPr>
+            <a:spLocks noGrp="1"/>
+          </p:cNvSpPr>
+          <p:nvPr>
+            <p:ph type="body" idx="1"/>
+          </p:nvPr>
+        </p:nvSpPr>
+        <p:spPr/>
+        <p:txBody>
+          <a:bodyPr/>
+          <a:lstStyle/>
+          <a:p>
+            <a:r>
+              <a:rPr lang="en-US" altLang="zh-CN" dirty="0" smtClean="0"/>
+              <a:t>Explain</a:t>
+            </a:r>
+            <a:r>
+              <a:rPr lang="en-US" altLang="zh-CN" baseline="0" dirty="0" smtClean="0"/>
+              <a:t> what MV is from this slice</a:t>
+            </a:r>
+            <a:endParaRPr lang="zh-CN" altLang="en-US" dirty="0"/>
+          </a:p>
+        </p:txBody>
+      </p:sp>
+      <p:sp>
+        <p:nvSpPr>
+          <p:cNvPr id="4" name="灯片编号占位符 3"/>
+          <p:cNvSpPr>
+            <a:spLocks noGrp="1"/>
+          </p:cNvSpPr>
+          <p:nvPr>
+            <p:ph type="sldNum" sz="quarter" idx="10"/>
+          </p:nvPr>
+        </p:nvSpPr>
+        <p:spPr/>
+        <p:txBody>
+          <a:bodyPr/>
+          <a:lstStyle/>
+          <a:p>
+            <a:fld id="{DD202784-B46A-4EF4-B218-4316F9133D14}" type="slidenum">
+              <a:rPr lang="zh-CN" altLang="en-US" smtClean="0"/>
+              <a:t>5</a:t>
+            </a:fld>
+            <a:endParaRPr lang="zh-CN" altLang="en-US"/>
+          </a:p>
+        </p:txBody>
+      </p:sp>
+    </p:spTree>
+    <p:extLst>
+      <p:ext uri="{BB962C8B-B14F-4D97-AF65-F5344CB8AC3E}">
+        <p14:creationId xmlns:p14="http://schemas.microsoft.com/office/powerpoint/2010/main" val="3776015239"/>
+      </p:ext>
+    </p:extLst>
+  </p:cSld>
+  <p:clrMapOvr>
+    <a:masterClrMapping/>
+  </p:clrMapOvr>
+</p:notes>
+</file>
+
+<file path=ppt/notesSlides/notesSlide6.xml><?xml version="1.0" encoding="utf-8"?>
+<p:notes xmlns:a="http://schemas.openxmlformats.org/drawingml/2006/main" xmlns:r="http://schemas.openxmlformats.org/officeDocument/2006/relationships" xmlns:p="http://schemas.openxmlformats.org/presentationml/2006/main">
+  <p:cSld>
+    <p:spTree>
+      <p:nvGrpSpPr>
+        <p:cNvPr id="1" name=""/>
+        <p:cNvGrpSpPr/>
+        <p:nvPr/>
+      </p:nvGrpSpPr>
+      <p:grpSpPr>
+        <a:xfrm>
+          <a:off x="0" y="0"/>
+          <a:ext cx="0" cy="0"/>
+          <a:chOff x="0" y="0"/>
+          <a:chExt cx="0" cy="0"/>
+        </a:xfrm>
+      </p:grpSpPr>
+      <p:sp>
+        <p:nvSpPr>
+          <p:cNvPr id="2" name="幻灯片图像占位符 1"/>
+          <p:cNvSpPr>
+            <a:spLocks noGrp="1" noRot="1" noChangeAspect="1"/>
+          </p:cNvSpPr>
+          <p:nvPr>
+            <p:ph type="sldImg"/>
+          </p:nvPr>
+        </p:nvSpPr>
+        <p:spPr/>
+      </p:sp>
+      <p:sp>
+        <p:nvSpPr>
+          <p:cNvPr id="3" name="备注占位符 2"/>
+          <p:cNvSpPr>
+            <a:spLocks noGrp="1"/>
+          </p:cNvSpPr>
+          <p:nvPr>
+            <p:ph type="body" idx="1"/>
+          </p:nvPr>
+        </p:nvSpPr>
+        <p:spPr/>
+        <p:txBody>
+          <a:bodyPr/>
+          <a:lstStyle/>
+          <a:p>
+            <a:endParaRPr lang="zh-CN" altLang="en-US" dirty="0"/>
+          </a:p>
+        </p:txBody>
+      </p:sp>
+      <p:sp>
+        <p:nvSpPr>
+          <p:cNvPr id="4" name="灯片编号占位符 3"/>
+          <p:cNvSpPr>
+            <a:spLocks noGrp="1"/>
+          </p:cNvSpPr>
+          <p:nvPr>
+            <p:ph type="sldNum" sz="quarter" idx="10"/>
+          </p:nvPr>
+        </p:nvSpPr>
+        <p:spPr/>
+        <p:txBody>
+          <a:bodyPr/>
+          <a:lstStyle/>
+          <a:p>
+            <a:fld id="{DD202784-B46A-4EF4-B218-4316F9133D14}" type="slidenum">
+              <a:rPr lang="zh-CN" altLang="en-US" smtClean="0"/>
+              <a:t>6</a:t>
+            </a:fld>
+            <a:endParaRPr lang="zh-CN" altLang="en-US"/>
+          </a:p>
+        </p:txBody>
+      </p:sp>
+    </p:spTree>
+    <p:extLst>
+      <p:ext uri="{BB962C8B-B14F-4D97-AF65-F5344CB8AC3E}">
+        <p14:creationId xmlns:p14="http://schemas.microsoft.com/office/powerpoint/2010/main" val="3776015239"/>
+      </p:ext>
+    </p:extLst>
+  </p:cSld>
+  <p:clrMapOvr>
+    <a:masterClrMapping/>
+  </p:clrMapOvr>
+</p:notes>
+</file>
+
+<file path=ppt/notesSlides/notesSlide7.xml><?xml version="1.0" encoding="utf-8"?>
+<p:notes xmlns:a="http://schemas.openxmlformats.org/drawingml/2006/main" xmlns:r="http://schemas.openxmlformats.org/officeDocument/2006/relationships" xmlns:p="http://schemas.openxmlformats.org/presentationml/2006/main">
+  <p:cSld>
+    <p:spTree>
+      <p:nvGrpSpPr>
+        <p:cNvPr id="1" name=""/>
+        <p:cNvGrpSpPr/>
+        <p:nvPr/>
+      </p:nvGrpSpPr>
+      <p:grpSpPr>
+        <a:xfrm>
+          <a:off x="0" y="0"/>
+          <a:ext cx="0" cy="0"/>
+          <a:chOff x="0" y="0"/>
+          <a:chExt cx="0" cy="0"/>
+        </a:xfrm>
+      </p:grpSpPr>
+      <p:sp>
+        <p:nvSpPr>
+          <p:cNvPr id="2" name="幻灯片图像占位符 1"/>
+          <p:cNvSpPr>
+            <a:spLocks noGrp="1" noRot="1" noChangeAspect="1"/>
+          </p:cNvSpPr>
+          <p:nvPr>
+            <p:ph type="sldImg"/>
+          </p:nvPr>
+        </p:nvSpPr>
+        <p:spPr/>
+      </p:sp>
+      <p:sp>
+        <p:nvSpPr>
+          <p:cNvPr id="3" name="备注占位符 2"/>
+          <p:cNvSpPr>
+            <a:spLocks noGrp="1"/>
+          </p:cNvSpPr>
+          <p:nvPr>
+            <p:ph type="body" idx="1"/>
+          </p:nvPr>
+        </p:nvSpPr>
+        <p:spPr/>
+        <p:txBody>
+          <a:bodyPr/>
+          <a:lstStyle/>
+          <a:p>
+            <a:r>
+              <a:rPr lang="en-US" altLang="zh-CN" dirty="0" smtClean="0"/>
+              <a:t>0: no difference</a:t>
+            </a:r>
+          </a:p>
+          <a:p>
+            <a:r>
+              <a:rPr lang="en-US" altLang="zh-CN" dirty="0" smtClean="0"/>
+              <a:t>Not</a:t>
+            </a:r>
+            <a:r>
+              <a:rPr lang="en-US" altLang="zh-CN" baseline="0" dirty="0" smtClean="0"/>
+              <a:t> 0, small figure near 0: there node escape or join in the module this node belong , but not this node itself</a:t>
+            </a:r>
+          </a:p>
+          <a:p>
+            <a:r>
+              <a:rPr lang="en-US" altLang="zh-CN" baseline="0" dirty="0" smtClean="0"/>
+              <a:t>Not 0, big figure: this node k doesn’t belongs to the same module along subjects </a:t>
+            </a:r>
+            <a:endParaRPr lang="zh-CN" altLang="en-US" dirty="0"/>
+          </a:p>
+        </p:txBody>
+      </p:sp>
+      <p:sp>
+        <p:nvSpPr>
+          <p:cNvPr id="4" name="灯片编号占位符 3"/>
+          <p:cNvSpPr>
+            <a:spLocks noGrp="1"/>
+          </p:cNvSpPr>
+          <p:nvPr>
+            <p:ph type="sldNum" sz="quarter" idx="10"/>
+          </p:nvPr>
+        </p:nvSpPr>
+        <p:spPr/>
+        <p:txBody>
+          <a:bodyPr/>
+          <a:lstStyle/>
+          <a:p>
+            <a:fld id="{DD202784-B46A-4EF4-B218-4316F9133D14}" type="slidenum">
+              <a:rPr lang="zh-CN" altLang="en-US" smtClean="0"/>
+              <a:t>7</a:t>
+            </a:fld>
+            <a:endParaRPr lang="zh-CN" altLang="en-US"/>
+          </a:p>
+        </p:txBody>
+      </p:sp>
+    </p:spTree>
+    <p:extLst>
+      <p:ext uri="{BB962C8B-B14F-4D97-AF65-F5344CB8AC3E}">
+        <p14:creationId xmlns:p14="http://schemas.microsoft.com/office/powerpoint/2010/main" val="3776015239"/>
+      </p:ext>
+    </p:extLst>
+  </p:cSld>
+  <p:clrMapOvr>
+    <a:masterClrMapping/>
+  </p:clrMapOvr>
+</p:notes>
+</file>
+
+<file path=ppt/notesSlides/notesSlide8.xml><?xml version="1.0" encoding="utf-8"?>
+<p:notes xmlns:a="http://schemas.openxmlformats.org/drawingml/2006/main" xmlns:r="http://schemas.openxmlformats.org/officeDocument/2006/relationships" xmlns:p="http://schemas.openxmlformats.org/presentationml/2006/main">
+  <p:cSld>
+    <p:spTree>
+      <p:nvGrpSpPr>
+        <p:cNvPr id="1" name=""/>
+        <p:cNvGrpSpPr/>
+        <p:nvPr/>
+      </p:nvGrpSpPr>
+      <p:grpSpPr>
+        <a:xfrm>
+          <a:off x="0" y="0"/>
+          <a:ext cx="0" cy="0"/>
+          <a:chOff x="0" y="0"/>
+          <a:chExt cx="0" cy="0"/>
+        </a:xfrm>
+      </p:grpSpPr>
+      <p:sp>
+        <p:nvSpPr>
+          <p:cNvPr id="2" name="幻灯片图像占位符 1"/>
+          <p:cNvSpPr>
+            <a:spLocks noGrp="1" noRot="1" noChangeAspect="1"/>
+          </p:cNvSpPr>
+          <p:nvPr>
+            <p:ph type="sldImg"/>
+          </p:nvPr>
+        </p:nvSpPr>
+        <p:spPr/>
+      </p:sp>
+      <p:sp>
+        <p:nvSpPr>
+          <p:cNvPr id="3" name="备注占位符 2"/>
+          <p:cNvSpPr>
+            <a:spLocks noGrp="1"/>
+          </p:cNvSpPr>
+          <p:nvPr>
+            <p:ph type="body" idx="1"/>
+          </p:nvPr>
+        </p:nvSpPr>
+        <p:spPr/>
+        <p:txBody>
+          <a:bodyPr/>
+          <a:lstStyle/>
+          <a:p>
+            <a:r>
+              <a:rPr lang="en-US" altLang="zh-CN" dirty="0" smtClean="0"/>
+              <a:t>How</a:t>
+            </a:r>
+            <a:r>
+              <a:rPr lang="en-US" altLang="zh-CN" baseline="0" dirty="0" smtClean="0"/>
+              <a:t> we use MV to do statistics</a:t>
+            </a:r>
+          </a:p>
+          <a:p>
+            <a:endParaRPr lang="en-US" altLang="zh-CN" baseline="0" dirty="0" smtClean="0"/>
+          </a:p>
+          <a:p>
+            <a:r>
+              <a:rPr lang="en-US" altLang="zh-CN" baseline="0" dirty="0" smtClean="0"/>
+              <a:t>Do muticompare after two-way ANOVA ,there’re significance in:</a:t>
+            </a:r>
+          </a:p>
+          <a:p>
+            <a:r>
+              <a:rPr lang="en-US" altLang="zh-CN" dirty="0" smtClean="0"/>
+              <a:t>Module</a:t>
+            </a:r>
+            <a:r>
+              <a:rPr lang="en-US" altLang="zh-CN" dirty="0" smtClean="0">
+                <a:sym typeface="Wingdings" panose="05000000000000000000" pitchFamily="2" charset="2"/>
+              </a:rPr>
+              <a:t>:</a:t>
+            </a:r>
+            <a:r>
+              <a:rPr lang="en-US" altLang="zh-CN" baseline="0" dirty="0" smtClean="0">
+                <a:sym typeface="Wingdings" panose="05000000000000000000" pitchFamily="2" charset="2"/>
+              </a:rPr>
+              <a:t> (1)insular, pos-DMN, hypothalamus</a:t>
+            </a:r>
+          </a:p>
+          <a:p>
+            <a:r>
+              <a:rPr lang="en-US" altLang="zh-CN" baseline="0" dirty="0" smtClean="0">
+                <a:sym typeface="Wingdings" panose="05000000000000000000" pitchFamily="2" charset="2"/>
+              </a:rPr>
+              <a:t>        (2)sensory,striatum</a:t>
+            </a:r>
+          </a:p>
+          <a:p>
+            <a:r>
+              <a:rPr lang="en-US" altLang="zh-CN" baseline="0" dirty="0" smtClean="0">
+                <a:sym typeface="Wingdings" panose="05000000000000000000" pitchFamily="2" charset="2"/>
+              </a:rPr>
+              <a:t>        (3)ant-DMN, other 6 modules</a:t>
+            </a:r>
+          </a:p>
+          <a:p>
+            <a:r>
+              <a:rPr lang="en-US" altLang="zh-CN" baseline="0" dirty="0" smtClean="0">
+                <a:sym typeface="Wingdings" panose="05000000000000000000" pitchFamily="2" charset="2"/>
+              </a:rPr>
+              <a:t>Dose: low ,high</a:t>
+            </a:r>
+          </a:p>
+          <a:p>
+            <a:r>
+              <a:rPr lang="en-US" altLang="zh-CN" baseline="0" dirty="0" smtClean="0">
+                <a:sym typeface="Wingdings" panose="05000000000000000000" pitchFamily="2" charset="2"/>
+              </a:rPr>
+              <a:t>      mid,high</a:t>
+            </a:r>
+            <a:endParaRPr lang="zh-CN" altLang="en-US" dirty="0"/>
+          </a:p>
+        </p:txBody>
+      </p:sp>
+      <p:sp>
+        <p:nvSpPr>
+          <p:cNvPr id="4" name="灯片编号占位符 3"/>
+          <p:cNvSpPr>
+            <a:spLocks noGrp="1"/>
+          </p:cNvSpPr>
+          <p:nvPr>
+            <p:ph type="sldNum" sz="quarter" idx="10"/>
+          </p:nvPr>
+        </p:nvSpPr>
+        <p:spPr/>
+        <p:txBody>
+          <a:bodyPr/>
+          <a:lstStyle/>
+          <a:p>
+            <a:fld id="{DD202784-B46A-4EF4-B218-4316F9133D14}" type="slidenum">
+              <a:rPr lang="zh-CN" altLang="en-US" smtClean="0"/>
+              <a:t>8</a:t>
+            </a:fld>
+            <a:endParaRPr lang="zh-CN" altLang="en-US"/>
+          </a:p>
+        </p:txBody>
+      </p:sp>
+    </p:spTree>
+    <p:extLst>
+      <p:ext uri="{BB962C8B-B14F-4D97-AF65-F5344CB8AC3E}">
+        <p14:creationId xmlns:p14="http://schemas.microsoft.com/office/powerpoint/2010/main" val="3776015239"/>
+      </p:ext>
+    </p:extLst>
+  </p:cSld>
+  <p:clrMapOvr>
+    <a:masterClrMapping/>
+  </p:clrMapOvr>
+</p:notes>
+</file>
+
+<file path=ppt/notesSlides/notesSlide9.xml><?xml version="1.0" encoding="utf-8"?>
+<p:notes xmlns:a="http://schemas.openxmlformats.org/drawingml/2006/main" xmlns:r="http://schemas.openxmlformats.org/officeDocument/2006/relationships" xmlns:p="http://schemas.openxmlformats.org/presentationml/2006/main">
+  <p:cSld>
+    <p:spTree>
+      <p:nvGrpSpPr>
+        <p:cNvPr id="1" name=""/>
+        <p:cNvGrpSpPr/>
+        <p:nvPr/>
+      </p:nvGrpSpPr>
+      <p:grpSpPr>
+        <a:xfrm>
+          <a:off x="0" y="0"/>
+          <a:ext cx="0" cy="0"/>
+          <a:chOff x="0" y="0"/>
+          <a:chExt cx="0" cy="0"/>
+        </a:xfrm>
+      </p:grpSpPr>
+      <p:sp>
+        <p:nvSpPr>
+          <p:cNvPr id="2" name="幻灯片图像占位符 1"/>
+          <p:cNvSpPr>
+            <a:spLocks noGrp="1" noRot="1" noChangeAspect="1"/>
+          </p:cNvSpPr>
+          <p:nvPr>
+            <p:ph type="sldImg"/>
+          </p:nvPr>
+        </p:nvSpPr>
+        <p:spPr/>
+      </p:sp>
+      <p:sp>
+        <p:nvSpPr>
+          <p:cNvPr id="3" name="备注占位符 2"/>
+          <p:cNvSpPr>
+            <a:spLocks noGrp="1"/>
+          </p:cNvSpPr>
+          <p:nvPr>
+            <p:ph type="body" idx="1"/>
+          </p:nvPr>
+        </p:nvSpPr>
+        <p:spPr/>
+        <p:txBody>
+          <a:bodyPr/>
+          <a:lstStyle/>
+          <a:p>
+            <a:pPr marL="0" marR="0" indent="0" algn="l" defTabSz="914400" rtl="0" eaLnBrk="1" fontAlgn="auto" latinLnBrk="0" hangingPunct="1">
+              <a:lnSpc>
+                <a:spcPct val="100000"/>
+              </a:lnSpc>
+              <a:spcBef>
+                <a:spcPts val="0"/>
+              </a:spcBef>
+              <a:spcAft>
+                <a:spcPts val="0"/>
+              </a:spcAft>
+              <a:buClrTx/>
+              <a:buSzTx/>
+              <a:buFontTx/>
+              <a:buNone/>
+              <a:tabLst/>
+              <a:defRPr/>
+            </a:pPr>
+            <a:r>
+              <a:rPr lang="en-US" altLang="zh-CN" sz="1200" dirty="0" smtClean="0">
+                <a:latin typeface="Meiryo" panose="020B0604030504040204" pitchFamily="34" charset="-128"/>
+                <a:ea typeface="Meiryo" panose="020B0604030504040204" pitchFamily="34" charset="-128"/>
+                <a:cs typeface="Meiryo" panose="020B0604030504040204" pitchFamily="34" charset="-128"/>
+              </a:rPr>
+              <a:t>Multicomparision</a:t>
+            </a:r>
+            <a:r>
+              <a:rPr lang="en-US" altLang="zh-CN" sz="1200" baseline="0" dirty="0" smtClean="0">
+                <a:latin typeface="Meiryo" panose="020B0604030504040204" pitchFamily="34" charset="-128"/>
+                <a:ea typeface="Meiryo" panose="020B0604030504040204" pitchFamily="34" charset="-128"/>
+                <a:cs typeface="Meiryo" panose="020B0604030504040204" pitchFamily="34" charset="-128"/>
+              </a:rPr>
+              <a:t> after </a:t>
+            </a:r>
+            <a:r>
+              <a:rPr lang="en-US" altLang="zh-CN" sz="1200" dirty="0" smtClean="0">
+                <a:latin typeface="Meiryo" panose="020B0604030504040204" pitchFamily="34" charset="-128"/>
+                <a:ea typeface="Meiryo" panose="020B0604030504040204" pitchFamily="34" charset="-128"/>
+                <a:cs typeface="Meiryo" panose="020B0604030504040204" pitchFamily="34" charset="-128"/>
+              </a:rPr>
+              <a:t>One-way ANOVA for each dose(module as the factor): pos-DMN</a:t>
+            </a:r>
+            <a:r>
+              <a:rPr lang="en-US" altLang="zh-CN" sz="1200" baseline="0" dirty="0" smtClean="0">
+                <a:latin typeface="Meiryo" panose="020B0604030504040204" pitchFamily="34" charset="-128"/>
+                <a:ea typeface="Meiryo" panose="020B0604030504040204" pitchFamily="34" charset="-128"/>
+                <a:cs typeface="Meiryo" panose="020B0604030504040204" pitchFamily="34" charset="-128"/>
+              </a:rPr>
+              <a:t> is significant smaller in </a:t>
+            </a:r>
+            <a:r>
+              <a:rPr lang="en-US" altLang="zh-CN" sz="1200" b="0" dirty="0" smtClean="0">
+                <a:solidFill>
+                  <a:srgbClr val="00ABB4"/>
+                </a:solidFill>
+                <a:latin typeface="微软雅黑" panose="020B0503020204020204" pitchFamily="34" charset="-122"/>
+                <a:ea typeface="微软雅黑" panose="020B0503020204020204" pitchFamily="34" charset="-122"/>
+              </a:rPr>
+              <a:t>MV k (i)</a:t>
+            </a:r>
+            <a:r>
+              <a:rPr lang="en-US" altLang="zh-CN" sz="1200" b="0" baseline="0" dirty="0" smtClean="0">
+                <a:solidFill>
+                  <a:srgbClr val="00ABB4"/>
+                </a:solidFill>
+                <a:latin typeface="微软雅黑" panose="020B0503020204020204" pitchFamily="34" charset="-122"/>
+                <a:ea typeface="微软雅黑" panose="020B0503020204020204" pitchFamily="34" charset="-122"/>
+              </a:rPr>
+              <a:t> in each dose</a:t>
+            </a:r>
+            <a:endParaRPr lang="en-US" altLang="zh-CN" sz="1200" b="0" dirty="0" smtClean="0">
+              <a:latin typeface="Meiryo" panose="020B0604030504040204" pitchFamily="34" charset="-128"/>
+              <a:ea typeface="Meiryo" panose="020B0604030504040204" pitchFamily="34" charset="-128"/>
+              <a:cs typeface="Meiryo" panose="020B0604030504040204" pitchFamily="34" charset="-128"/>
+            </a:endParaRPr>
+          </a:p>
+          <a:p>
+            <a:endParaRPr lang="en-US" altLang="zh-CN" dirty="0" smtClean="0"/>
+          </a:p>
+          <a:p>
+            <a:r>
+              <a:rPr lang="en-US" altLang="zh-CN" sz="1200" dirty="0" smtClean="0">
+                <a:latin typeface="Meiryo" panose="020B0604030504040204" pitchFamily="34" charset="-128"/>
+                <a:ea typeface="Meiryo" panose="020B0604030504040204" pitchFamily="34" charset="-128"/>
+                <a:cs typeface="Meiryo" panose="020B0604030504040204" pitchFamily="34" charset="-128"/>
+              </a:rPr>
+              <a:t>Multicomparision</a:t>
+            </a:r>
+            <a:r>
+              <a:rPr lang="en-US" altLang="zh-CN" sz="1200" baseline="0" dirty="0" smtClean="0">
+                <a:latin typeface="Meiryo" panose="020B0604030504040204" pitchFamily="34" charset="-128"/>
+                <a:ea typeface="Meiryo" panose="020B0604030504040204" pitchFamily="34" charset="-128"/>
+                <a:cs typeface="Meiryo" panose="020B0604030504040204" pitchFamily="34" charset="-128"/>
+              </a:rPr>
+              <a:t> after </a:t>
+            </a:r>
+            <a:r>
+              <a:rPr lang="en-US" altLang="zh-CN" sz="1200" dirty="0" smtClean="0">
+                <a:latin typeface="Meiryo" panose="020B0604030504040204" pitchFamily="34" charset="-128"/>
+                <a:ea typeface="Meiryo" panose="020B0604030504040204" pitchFamily="34" charset="-128"/>
+                <a:cs typeface="Meiryo" panose="020B0604030504040204" pitchFamily="34" charset="-128"/>
+              </a:rPr>
+              <a:t>One-way ANOVA for each module(dose as the factor): </a:t>
+            </a:r>
+          </a:p>
+          <a:p>
+            <a:r>
+              <a:rPr lang="en-US" altLang="zh-CN" sz="1200" dirty="0" smtClean="0">
+                <a:latin typeface="Meiryo" panose="020B0604030504040204" pitchFamily="34" charset="-128"/>
+                <a:ea typeface="Meiryo" panose="020B0604030504040204" pitchFamily="34" charset="-128"/>
+                <a:cs typeface="Meiryo" panose="020B0604030504040204" pitchFamily="34" charset="-128"/>
+              </a:rPr>
+              <a:t>	insular: low,mid</a:t>
+            </a:r>
+          </a:p>
+          <a:p>
+            <a:r>
+              <a:rPr lang="en-US" altLang="zh-CN" sz="1200" dirty="0" smtClean="0">
+                <a:latin typeface="Meiryo" panose="020B0604030504040204" pitchFamily="34" charset="-128"/>
+                <a:ea typeface="Meiryo" panose="020B0604030504040204" pitchFamily="34" charset="-128"/>
+                <a:cs typeface="Meiryo" panose="020B0604030504040204" pitchFamily="34" charset="-128"/>
+              </a:rPr>
+              <a:t>	ant-DMN:</a:t>
+            </a:r>
+            <a:r>
+              <a:rPr lang="en-US" altLang="zh-CN" sz="1200" baseline="0" dirty="0" smtClean="0">
+                <a:latin typeface="Meiryo" panose="020B0604030504040204" pitchFamily="34" charset="-128"/>
+                <a:ea typeface="Meiryo" panose="020B0604030504040204" pitchFamily="34" charset="-128"/>
+                <a:cs typeface="Meiryo" panose="020B0604030504040204" pitchFamily="34" charset="-128"/>
+              </a:rPr>
+              <a:t> (1)low,mid    (2)low,high</a:t>
+            </a:r>
+          </a:p>
+          <a:p>
+            <a:r>
+              <a:rPr lang="en-US" altLang="zh-CN" sz="1200" baseline="0" dirty="0" smtClean="0">
+                <a:latin typeface="Meiryo" panose="020B0604030504040204" pitchFamily="34" charset="-128"/>
+                <a:ea typeface="Meiryo" panose="020B0604030504040204" pitchFamily="34" charset="-128"/>
+                <a:cs typeface="Meiryo" panose="020B0604030504040204" pitchFamily="34" charset="-128"/>
+              </a:rPr>
+              <a:t>	hypothalamus: low,high</a:t>
+            </a:r>
+            <a:endParaRPr lang="zh-CN" altLang="en-US" dirty="0"/>
+          </a:p>
+        </p:txBody>
+      </p:sp>
+      <p:sp>
+        <p:nvSpPr>
+          <p:cNvPr id="4" name="灯片编号占位符 3"/>
+          <p:cNvSpPr>
+            <a:spLocks noGrp="1"/>
+          </p:cNvSpPr>
+          <p:nvPr>
+            <p:ph type="sldNum" sz="quarter" idx="10"/>
+          </p:nvPr>
+        </p:nvSpPr>
+        <p:spPr/>
+        <p:txBody>
+          <a:bodyPr/>
+          <a:lstStyle/>
+          <a:p>
+            <a:fld id="{DD202784-B46A-4EF4-B218-4316F9133D14}" type="slidenum">
+              <a:rPr lang="zh-CN" altLang="en-US" smtClean="0"/>
+              <a:t>9</a:t>
             </a:fld>
             <a:endParaRPr lang="zh-CN" altLang="en-US"/>
           </a:p>
@@ -3647,7 +5109,2575 @@
               </a:rPr>
               <a:t>Anesthetized Rats</a:t>
             </a:r>
-            <a:endParaRPr lang="en-US" altLang="zh-CN" sz="6000" b="1" dirty="0" smtClean="0">
+          </a:p>
+        </p:txBody>
+      </p:sp>
+    </p:spTree>
+    <p:extLst>
+      <p:ext uri="{BB962C8B-B14F-4D97-AF65-F5344CB8AC3E}">
+        <p14:creationId xmlns:p14="http://schemas.microsoft.com/office/powerpoint/2010/main" val="3247952448"/>
+      </p:ext>
+    </p:extLst>
+  </p:cSld>
+  <p:clrMapOvr>
+    <a:masterClrMapping/>
+  </p:clrMapOvr>
+  <p:timing>
+    <p:tnLst>
+      <p:par>
+        <p:cTn id="1" dur="indefinite" restart="never" nodeType="tmRoot"/>
+      </p:par>
+    </p:tnLst>
+  </p:timing>
+</p:sld>
+</file>
+
+<file path=ppt/slides/slide10.xml><?xml version="1.0" encoding="utf-8"?>
+<p:sld xmlns:a="http://schemas.openxmlformats.org/drawingml/2006/main" xmlns:r="http://schemas.openxmlformats.org/officeDocument/2006/relationships" xmlns:p="http://schemas.openxmlformats.org/presentationml/2006/main">
+  <p:cSld>
+    <p:spTree>
+      <p:nvGrpSpPr>
+        <p:cNvPr id="1" name=""/>
+        <p:cNvGrpSpPr/>
+        <p:nvPr/>
+      </p:nvGrpSpPr>
+      <p:grpSpPr>
+        <a:xfrm>
+          <a:off x="0" y="0"/>
+          <a:ext cx="0" cy="0"/>
+          <a:chOff x="0" y="0"/>
+          <a:chExt cx="0" cy="0"/>
+        </a:xfrm>
+      </p:grpSpPr>
+      <p:sp>
+        <p:nvSpPr>
+          <p:cNvPr id="4" name="文本框 29"/>
+          <p:cNvSpPr txBox="1"/>
+          <p:nvPr/>
+        </p:nvSpPr>
+        <p:spPr>
+          <a:xfrm>
+            <a:off x="662538" y="294935"/>
+            <a:ext cx="10538862" cy="769441"/>
+          </a:xfrm>
+          <a:prstGeom prst="rect">
+            <a:avLst/>
+          </a:prstGeom>
+          <a:noFill/>
+        </p:spPr>
+        <p:txBody>
+          <a:bodyPr wrap="square" rtlCol="0">
+            <a:spAutoFit/>
+          </a:bodyPr>
+          <a:lstStyle/>
+          <a:p>
+            <a:pPr marL="0" lvl="1"/>
+            <a:r>
+              <a:rPr lang="en-US" altLang="zh-CN" sz="4400" b="1" dirty="0" smtClean="0">
+                <a:solidFill>
+                  <a:srgbClr val="00ABB4"/>
+                </a:solidFill>
+                <a:latin typeface="微软雅黑" panose="020B0503020204020204" pitchFamily="34" charset="-122"/>
+                <a:ea typeface="微软雅黑" panose="020B0503020204020204" pitchFamily="34" charset="-122"/>
+              </a:rPr>
+              <a:t>Statistical Measurement --</a:t>
+            </a:r>
+            <a:r>
+              <a:rPr lang="en-US" altLang="zh-CN" sz="4400" b="1" dirty="0">
+                <a:solidFill>
+                  <a:srgbClr val="00ABB4"/>
+                </a:solidFill>
+                <a:latin typeface="微软雅黑" panose="020B0503020204020204" pitchFamily="34" charset="-122"/>
+                <a:ea typeface="微软雅黑" panose="020B0503020204020204" pitchFamily="34" charset="-122"/>
+              </a:rPr>
+              <a:t>MV </a:t>
+            </a:r>
+            <a:r>
+              <a:rPr lang="en-US" altLang="zh-CN" sz="4400" b="1" baseline="-25000" dirty="0">
+                <a:solidFill>
+                  <a:srgbClr val="00ABB4"/>
+                </a:solidFill>
+                <a:latin typeface="微软雅黑" panose="020B0503020204020204" pitchFamily="34" charset="-122"/>
+                <a:ea typeface="微软雅黑" panose="020B0503020204020204" pitchFamily="34" charset="-122"/>
+              </a:rPr>
+              <a:t>k</a:t>
+            </a:r>
+            <a:r>
+              <a:rPr lang="en-US" altLang="zh-CN" sz="4400" b="1" dirty="0">
+                <a:solidFill>
+                  <a:srgbClr val="00ABB4"/>
+                </a:solidFill>
+                <a:latin typeface="微软雅黑" panose="020B0503020204020204" pitchFamily="34" charset="-122"/>
+                <a:ea typeface="微软雅黑" panose="020B0503020204020204" pitchFamily="34" charset="-122"/>
+              </a:rPr>
+              <a:t> </a:t>
+            </a:r>
+            <a:r>
+              <a:rPr lang="en-US" altLang="zh-CN" sz="4400" b="1" dirty="0" smtClean="0">
+                <a:solidFill>
+                  <a:srgbClr val="00ABB4"/>
+                </a:solidFill>
+                <a:latin typeface="微软雅黑" panose="020B0503020204020204" pitchFamily="34" charset="-122"/>
+                <a:ea typeface="微软雅黑" panose="020B0503020204020204" pitchFamily="34" charset="-122"/>
+              </a:rPr>
+              <a:t>:</a:t>
+            </a:r>
+            <a:endParaRPr lang="en-US" altLang="zh-CN" sz="4400" b="1" dirty="0">
+              <a:solidFill>
+                <a:srgbClr val="00ABB4"/>
+              </a:solidFill>
+              <a:latin typeface="微软雅黑" panose="020B0503020204020204" pitchFamily="34" charset="-122"/>
+              <a:ea typeface="微软雅黑" panose="020B0503020204020204" pitchFamily="34" charset="-122"/>
+            </a:endParaRPr>
+          </a:p>
+        </p:txBody>
+      </p:sp>
+      <p:pic>
+        <p:nvPicPr>
+          <p:cNvPr id="1027" name="Picture 3"/>
+          <p:cNvPicPr>
+            <a:picLocks noChangeAspect="1" noChangeArrowheads="1"/>
+          </p:cNvPicPr>
+          <p:nvPr/>
+        </p:nvPicPr>
+        <p:blipFill>
+          <a:blip r:embed="rId3">
+            <a:extLst>
+              <a:ext uri="{28A0092B-C50C-407E-A947-70E740481C1C}">
+                <a14:useLocalDpi xmlns:a14="http://schemas.microsoft.com/office/drawing/2010/main" val="0"/>
+              </a:ext>
+            </a:extLst>
+          </a:blip>
+          <a:srcRect/>
+          <a:stretch>
+            <a:fillRect/>
+          </a:stretch>
+        </p:blipFill>
+        <p:spPr bwMode="auto">
+          <a:xfrm>
+            <a:off x="457200" y="1384259"/>
+            <a:ext cx="11526536" cy="4597441"/>
+          </a:xfrm>
+          <a:prstGeom prst="rect">
+            <a:avLst/>
+          </a:prstGeom>
+          <a:noFill/>
+          <a:ln>
+            <a:noFill/>
+          </a:ln>
+          <a:extLst>
+            <a:ext uri="{909E8E84-426E-40DD-AFC4-6F175D3DCCD1}">
+              <a14:hiddenFill xmlns:a14="http://schemas.microsoft.com/office/drawing/2010/main">
+                <a:solidFill>
+                  <a:schemeClr val="accent1"/>
+                </a:solidFill>
+              </a14:hiddenFill>
+            </a:ext>
+            <a:ext uri="{91240B29-F687-4F45-9708-019B960494DF}">
+              <a14:hiddenLine xmlns:a14="http://schemas.microsoft.com/office/drawing/2010/main" w="9525">
+                <a:solidFill>
+                  <a:schemeClr val="tx1"/>
+                </a:solidFill>
+                <a:miter lim="800000"/>
+                <a:headEnd/>
+                <a:tailEnd/>
+              </a14:hiddenLine>
+            </a:ext>
+          </a:extLst>
+        </p:spPr>
+      </p:pic>
+    </p:spTree>
+    <p:extLst>
+      <p:ext uri="{BB962C8B-B14F-4D97-AF65-F5344CB8AC3E}">
+        <p14:creationId xmlns:p14="http://schemas.microsoft.com/office/powerpoint/2010/main" val="844743312"/>
+      </p:ext>
+    </p:extLst>
+  </p:cSld>
+  <p:clrMapOvr>
+    <a:masterClrMapping/>
+  </p:clrMapOvr>
+  <p:timing>
+    <p:tnLst>
+      <p:par>
+        <p:cTn id="1" dur="indefinite" restart="never" nodeType="tmRoot"/>
+      </p:par>
+    </p:tnLst>
+  </p:timing>
+</p:sld>
+</file>
+
+<file path=ppt/slides/slide11.xml><?xml version="1.0" encoding="utf-8"?>
+<p:sld xmlns:a="http://schemas.openxmlformats.org/drawingml/2006/main" xmlns:r="http://schemas.openxmlformats.org/officeDocument/2006/relationships" xmlns:p="http://schemas.openxmlformats.org/presentationml/2006/main">
+  <p:cSld>
+    <p:spTree>
+      <p:nvGrpSpPr>
+        <p:cNvPr id="1" name=""/>
+        <p:cNvGrpSpPr/>
+        <p:nvPr/>
+      </p:nvGrpSpPr>
+      <p:grpSpPr>
+        <a:xfrm>
+          <a:off x="0" y="0"/>
+          <a:ext cx="0" cy="0"/>
+          <a:chOff x="0" y="0"/>
+          <a:chExt cx="0" cy="0"/>
+        </a:xfrm>
+      </p:grpSpPr>
+      <p:sp>
+        <p:nvSpPr>
+          <p:cNvPr id="5" name="矩形 4"/>
+          <p:cNvSpPr/>
+          <p:nvPr/>
+        </p:nvSpPr>
+        <p:spPr>
+          <a:xfrm>
+            <a:off x="6005399" y="3447534"/>
+            <a:ext cx="6172200" cy="3410465"/>
+          </a:xfrm>
+          <a:prstGeom prst="rect">
+            <a:avLst/>
+          </a:prstGeom>
+          <a:solidFill>
+            <a:schemeClr val="bg1">
+              <a:lumMod val="95000"/>
+            </a:schemeClr>
+          </a:solidFill>
+          <a:ln>
+            <a:noFill/>
+          </a:ln>
+        </p:spPr>
+        <p:style>
+          <a:lnRef idx="2">
+            <a:schemeClr val="accent1">
+              <a:shade val="50000"/>
+            </a:schemeClr>
+          </a:lnRef>
+          <a:fillRef idx="1">
+            <a:schemeClr val="accent1"/>
+          </a:fillRef>
+          <a:effectRef idx="0">
+            <a:schemeClr val="accent1"/>
+          </a:effectRef>
+          <a:fontRef idx="minor">
+            <a:schemeClr val="lt1"/>
+          </a:fontRef>
+        </p:style>
+        <p:txBody>
+          <a:bodyPr rtlCol="0" anchor="ctr"/>
+          <a:lstStyle/>
+          <a:p>
+            <a:pPr algn="ctr"/>
+            <a:endParaRPr lang="zh-CN" altLang="en-US"/>
+          </a:p>
+        </p:txBody>
+      </p:sp>
+      <p:sp>
+        <p:nvSpPr>
+          <p:cNvPr id="29" name="矩形 28"/>
+          <p:cNvSpPr/>
+          <p:nvPr/>
+        </p:nvSpPr>
+        <p:spPr>
+          <a:xfrm>
+            <a:off x="12346" y="1"/>
+            <a:ext cx="6006821" cy="3447534"/>
+          </a:xfrm>
+          <a:prstGeom prst="rect">
+            <a:avLst/>
+          </a:prstGeom>
+          <a:solidFill>
+            <a:schemeClr val="bg1">
+              <a:lumMod val="95000"/>
+            </a:schemeClr>
+          </a:solidFill>
+          <a:ln>
+            <a:noFill/>
+          </a:ln>
+        </p:spPr>
+        <p:style>
+          <a:lnRef idx="2">
+            <a:schemeClr val="accent1">
+              <a:shade val="50000"/>
+            </a:schemeClr>
+          </a:lnRef>
+          <a:fillRef idx="1">
+            <a:schemeClr val="accent1"/>
+          </a:fillRef>
+          <a:effectRef idx="0">
+            <a:schemeClr val="accent1"/>
+          </a:effectRef>
+          <a:fontRef idx="minor">
+            <a:schemeClr val="lt1"/>
+          </a:fontRef>
+        </p:style>
+        <p:txBody>
+          <a:bodyPr rtlCol="0" anchor="ctr"/>
+          <a:lstStyle/>
+          <a:p>
+            <a:pPr algn="ctr"/>
+            <a:endParaRPr lang="zh-CN" altLang="en-US"/>
+          </a:p>
+        </p:txBody>
+      </p:sp>
+      <p:sp>
+        <p:nvSpPr>
+          <p:cNvPr id="30" name="文本框 29"/>
+          <p:cNvSpPr txBox="1"/>
+          <p:nvPr/>
+        </p:nvSpPr>
+        <p:spPr>
+          <a:xfrm>
+            <a:off x="662538" y="294935"/>
+            <a:ext cx="9205361" cy="1446550"/>
+          </a:xfrm>
+          <a:prstGeom prst="rect">
+            <a:avLst/>
+          </a:prstGeom>
+          <a:noFill/>
+        </p:spPr>
+        <p:txBody>
+          <a:bodyPr wrap="square" rtlCol="0">
+            <a:spAutoFit/>
+          </a:bodyPr>
+          <a:lstStyle/>
+          <a:p>
+            <a:r>
+              <a:rPr lang="en-US" altLang="zh-CN" sz="4400" b="1" dirty="0" smtClean="0">
+                <a:solidFill>
+                  <a:srgbClr val="00ABB4"/>
+                </a:solidFill>
+                <a:latin typeface="微软雅黑" panose="020B0503020204020204" pitchFamily="34" charset="-122"/>
+                <a:ea typeface="微软雅黑" panose="020B0503020204020204" pitchFamily="34" charset="-122"/>
+              </a:rPr>
+              <a:t>Statistical </a:t>
+            </a:r>
+            <a:r>
+              <a:rPr lang="en-US" altLang="zh-CN" sz="4400" b="1" dirty="0" smtClean="0">
+                <a:solidFill>
+                  <a:srgbClr val="00ABB4"/>
+                </a:solidFill>
+                <a:latin typeface="微软雅黑" panose="020B0503020204020204" pitchFamily="34" charset="-122"/>
+                <a:ea typeface="微软雅黑" panose="020B0503020204020204" pitchFamily="34" charset="-122"/>
+              </a:rPr>
+              <a:t>Measurement –</a:t>
+            </a:r>
+          </a:p>
+          <a:p>
+            <a:r>
+              <a:rPr lang="en-US" altLang="zh-CN" sz="4400" b="1" dirty="0" smtClean="0">
+                <a:solidFill>
+                  <a:srgbClr val="00ABB4"/>
+                </a:solidFill>
+                <a:latin typeface="微软雅黑" panose="020B0503020204020204" pitchFamily="34" charset="-122"/>
+                <a:ea typeface="微软雅黑" panose="020B0503020204020204" pitchFamily="34" charset="-122"/>
+              </a:rPr>
+              <a:t>Sub-</a:t>
+            </a:r>
+            <a:r>
+              <a:rPr lang="en-US" altLang="zh-CN" sz="4400" b="1" dirty="0" smtClean="0">
+                <a:solidFill>
+                  <a:srgbClr val="00ABB4"/>
+                </a:solidFill>
+                <a:latin typeface="微软雅黑" panose="020B0503020204020204" pitchFamily="34" charset="-122"/>
+                <a:ea typeface="微软雅黑" panose="020B0503020204020204" pitchFamily="34" charset="-122"/>
+              </a:rPr>
+              <a:t>Modularity</a:t>
+            </a:r>
+            <a:endParaRPr lang="en-US" altLang="zh-CN" sz="4400" b="1" dirty="0">
+              <a:solidFill>
+                <a:srgbClr val="00ABB4"/>
+              </a:solidFill>
+              <a:latin typeface="微软雅黑" panose="020B0503020204020204" pitchFamily="34" charset="-122"/>
+              <a:ea typeface="微软雅黑" panose="020B0503020204020204" pitchFamily="34" charset="-122"/>
+            </a:endParaRPr>
+          </a:p>
+        </p:txBody>
+      </p:sp>
+      <p:sp>
+        <p:nvSpPr>
+          <p:cNvPr id="31" name="Rectangle 96"/>
+          <p:cNvSpPr/>
+          <p:nvPr/>
+        </p:nvSpPr>
+        <p:spPr>
+          <a:xfrm>
+            <a:off x="882747" y="1787520"/>
+            <a:ext cx="10245297" cy="4401205"/>
+          </a:xfrm>
+          <a:prstGeom prst="rect">
+            <a:avLst/>
+          </a:prstGeom>
+        </p:spPr>
+        <p:txBody>
+          <a:bodyPr wrap="square">
+            <a:spAutoFit/>
+          </a:bodyPr>
+          <a:lstStyle/>
+          <a:p>
+            <a:pPr marL="342900" indent="-342900">
+              <a:lnSpc>
+                <a:spcPct val="200000"/>
+              </a:lnSpc>
+              <a:buFont typeface="Arial" panose="020B0604020202020204" pitchFamily="34" charset="0"/>
+              <a:buChar char="•"/>
+            </a:pPr>
+            <a:r>
+              <a:rPr lang="en-US" altLang="zh-CN" sz="2800" b="1" dirty="0" smtClean="0">
+                <a:latin typeface="Meiryo" panose="020B0604030504040204" pitchFamily="34" charset="-128"/>
+                <a:ea typeface="Meiryo" panose="020B0604030504040204" pitchFamily="34" charset="-128"/>
+                <a:cs typeface="Meiryo" panose="020B0604030504040204" pitchFamily="34" charset="-128"/>
+              </a:rPr>
+              <a:t>Do modularity in modules:</a:t>
+            </a:r>
+            <a:endParaRPr lang="en-US" altLang="zh-CN" sz="2800" b="1" dirty="0" smtClean="0">
+              <a:latin typeface="Meiryo" panose="020B0604030504040204" pitchFamily="34" charset="-128"/>
+              <a:ea typeface="Meiryo" panose="020B0604030504040204" pitchFamily="34" charset="-128"/>
+              <a:cs typeface="Meiryo" panose="020B0604030504040204" pitchFamily="34" charset="-128"/>
+            </a:endParaRPr>
+          </a:p>
+          <a:p>
+            <a:pPr marL="914400" lvl="1" indent="-457200">
+              <a:lnSpc>
+                <a:spcPct val="200000"/>
+              </a:lnSpc>
+              <a:buFont typeface="Arial" panose="020B0604020202020204" pitchFamily="34" charset="0"/>
+              <a:buChar char="•"/>
+            </a:pPr>
+            <a:r>
+              <a:rPr lang="en-US" altLang="zh-CN" sz="2800" dirty="0" smtClean="0">
+                <a:latin typeface="Meiryo" panose="020B0604030504040204" pitchFamily="34" charset="-128"/>
+                <a:ea typeface="Meiryo" panose="020B0604030504040204" pitchFamily="34" charset="-128"/>
+                <a:cs typeface="Meiryo" panose="020B0604030504040204" pitchFamily="34" charset="-128"/>
+              </a:rPr>
+              <a:t>Insular,  </a:t>
+            </a:r>
+            <a:r>
+              <a:rPr lang="en-US" altLang="zh-CN" sz="2800" dirty="0" smtClean="0">
+                <a:latin typeface="Meiryo" panose="020B0604030504040204" pitchFamily="34" charset="-128"/>
+                <a:ea typeface="Meiryo" panose="020B0604030504040204" pitchFamily="34" charset="-128"/>
+                <a:cs typeface="Meiryo" panose="020B0604030504040204" pitchFamily="34" charset="-128"/>
+              </a:rPr>
+              <a:t>Anterior DMN, </a:t>
+            </a:r>
+            <a:r>
+              <a:rPr lang="en-US" altLang="zh-CN" sz="2800" dirty="0" smtClean="0">
+                <a:latin typeface="Meiryo" panose="020B0604030504040204" pitchFamily="34" charset="-128"/>
+                <a:ea typeface="Meiryo" panose="020B0604030504040204" pitchFamily="34" charset="-128"/>
+                <a:cs typeface="Meiryo" panose="020B0604030504040204" pitchFamily="34" charset="-128"/>
+              </a:rPr>
+              <a:t>Hypothalamus</a:t>
+            </a:r>
+          </a:p>
+          <a:p>
+            <a:pPr marL="914400" lvl="1" indent="-457200">
+              <a:lnSpc>
+                <a:spcPct val="200000"/>
+              </a:lnSpc>
+              <a:buFont typeface="Arial" panose="020B0604020202020204" pitchFamily="34" charset="0"/>
+              <a:buChar char="•"/>
+            </a:pPr>
+            <a:r>
+              <a:rPr lang="en-US" altLang="zh-CN" sz="2800" dirty="0" smtClean="0">
+                <a:latin typeface="Meiryo" panose="020B0604030504040204" pitchFamily="34" charset="-128"/>
+                <a:ea typeface="Meiryo" panose="020B0604030504040204" pitchFamily="34" charset="-128"/>
+                <a:cs typeface="Meiryo" panose="020B0604030504040204" pitchFamily="34" charset="-128"/>
+              </a:rPr>
+              <a:t>The modules above show significantly increase(ant-DMN and Hypo) or decrease(Insular) in MV along dose</a:t>
+            </a:r>
+            <a:endParaRPr lang="en-US" altLang="zh-CN" sz="2800" dirty="0" smtClean="0">
+              <a:latin typeface="Meiryo" panose="020B0604030504040204" pitchFamily="34" charset="-128"/>
+              <a:ea typeface="Meiryo" panose="020B0604030504040204" pitchFamily="34" charset="-128"/>
+              <a:cs typeface="Meiryo" panose="020B0604030504040204" pitchFamily="34" charset="-128"/>
+            </a:endParaRPr>
+          </a:p>
+        </p:txBody>
+      </p:sp>
+    </p:spTree>
+    <p:extLst>
+      <p:ext uri="{BB962C8B-B14F-4D97-AF65-F5344CB8AC3E}">
+        <p14:creationId xmlns:p14="http://schemas.microsoft.com/office/powerpoint/2010/main" val="1646925492"/>
+      </p:ext>
+    </p:extLst>
+  </p:cSld>
+  <p:clrMapOvr>
+    <a:masterClrMapping/>
+  </p:clrMapOvr>
+  <p:timing>
+    <p:tnLst>
+      <p:par>
+        <p:cTn id="1" dur="indefinite" restart="never" nodeType="tmRoot"/>
+      </p:par>
+    </p:tnLst>
+  </p:timing>
+</p:sld>
+</file>
+
+<file path=ppt/slides/slide12.xml><?xml version="1.0" encoding="utf-8"?>
+<p:sld xmlns:a="http://schemas.openxmlformats.org/drawingml/2006/main" xmlns:r="http://schemas.openxmlformats.org/officeDocument/2006/relationships" xmlns:p="http://schemas.openxmlformats.org/presentationml/2006/main">
+  <p:cSld>
+    <p:spTree>
+      <p:nvGrpSpPr>
+        <p:cNvPr id="1" name=""/>
+        <p:cNvGrpSpPr/>
+        <p:nvPr/>
+      </p:nvGrpSpPr>
+      <p:grpSpPr>
+        <a:xfrm>
+          <a:off x="0" y="0"/>
+          <a:ext cx="0" cy="0"/>
+          <a:chOff x="0" y="0"/>
+          <a:chExt cx="0" cy="0"/>
+        </a:xfrm>
+      </p:grpSpPr>
+      <p:sp>
+        <p:nvSpPr>
+          <p:cNvPr id="5" name="矩形 4"/>
+          <p:cNvSpPr/>
+          <p:nvPr/>
+        </p:nvSpPr>
+        <p:spPr>
+          <a:xfrm>
+            <a:off x="6005399" y="3447534"/>
+            <a:ext cx="6172200" cy="3410465"/>
+          </a:xfrm>
+          <a:prstGeom prst="rect">
+            <a:avLst/>
+          </a:prstGeom>
+          <a:solidFill>
+            <a:schemeClr val="bg1">
+              <a:lumMod val="95000"/>
+            </a:schemeClr>
+          </a:solidFill>
+          <a:ln>
+            <a:noFill/>
+          </a:ln>
+        </p:spPr>
+        <p:style>
+          <a:lnRef idx="2">
+            <a:schemeClr val="accent1">
+              <a:shade val="50000"/>
+            </a:schemeClr>
+          </a:lnRef>
+          <a:fillRef idx="1">
+            <a:schemeClr val="accent1"/>
+          </a:fillRef>
+          <a:effectRef idx="0">
+            <a:schemeClr val="accent1"/>
+          </a:effectRef>
+          <a:fontRef idx="minor">
+            <a:schemeClr val="lt1"/>
+          </a:fontRef>
+        </p:style>
+        <p:txBody>
+          <a:bodyPr rtlCol="0" anchor="ctr"/>
+          <a:lstStyle/>
+          <a:p>
+            <a:pPr algn="ctr"/>
+            <a:endParaRPr lang="zh-CN" altLang="en-US"/>
+          </a:p>
+        </p:txBody>
+      </p:sp>
+      <p:sp>
+        <p:nvSpPr>
+          <p:cNvPr id="29" name="矩形 28"/>
+          <p:cNvSpPr/>
+          <p:nvPr/>
+        </p:nvSpPr>
+        <p:spPr>
+          <a:xfrm>
+            <a:off x="12346" y="1"/>
+            <a:ext cx="6006821" cy="3447534"/>
+          </a:xfrm>
+          <a:prstGeom prst="rect">
+            <a:avLst/>
+          </a:prstGeom>
+          <a:solidFill>
+            <a:schemeClr val="bg1">
+              <a:lumMod val="95000"/>
+            </a:schemeClr>
+          </a:solidFill>
+          <a:ln>
+            <a:noFill/>
+          </a:ln>
+        </p:spPr>
+        <p:style>
+          <a:lnRef idx="2">
+            <a:schemeClr val="accent1">
+              <a:shade val="50000"/>
+            </a:schemeClr>
+          </a:lnRef>
+          <a:fillRef idx="1">
+            <a:schemeClr val="accent1"/>
+          </a:fillRef>
+          <a:effectRef idx="0">
+            <a:schemeClr val="accent1"/>
+          </a:effectRef>
+          <a:fontRef idx="minor">
+            <a:schemeClr val="lt1"/>
+          </a:fontRef>
+        </p:style>
+        <p:txBody>
+          <a:bodyPr rtlCol="0" anchor="ctr"/>
+          <a:lstStyle/>
+          <a:p>
+            <a:pPr algn="ctr"/>
+            <a:endParaRPr lang="zh-CN" altLang="en-US"/>
+          </a:p>
+        </p:txBody>
+      </p:sp>
+      <p:sp>
+        <p:nvSpPr>
+          <p:cNvPr id="30" name="文本框 29"/>
+          <p:cNvSpPr txBox="1"/>
+          <p:nvPr/>
+        </p:nvSpPr>
+        <p:spPr>
+          <a:xfrm>
+            <a:off x="662538" y="294935"/>
+            <a:ext cx="9205361" cy="1446550"/>
+          </a:xfrm>
+          <a:prstGeom prst="rect">
+            <a:avLst/>
+          </a:prstGeom>
+          <a:noFill/>
+        </p:spPr>
+        <p:txBody>
+          <a:bodyPr wrap="square" rtlCol="0">
+            <a:spAutoFit/>
+          </a:bodyPr>
+          <a:lstStyle/>
+          <a:p>
+            <a:r>
+              <a:rPr lang="en-US" altLang="zh-CN" sz="4400" b="1" dirty="0" smtClean="0">
+                <a:solidFill>
+                  <a:srgbClr val="00ABB4"/>
+                </a:solidFill>
+                <a:latin typeface="微软雅黑" panose="020B0503020204020204" pitchFamily="34" charset="-122"/>
+                <a:ea typeface="微软雅黑" panose="020B0503020204020204" pitchFamily="34" charset="-122"/>
+              </a:rPr>
+              <a:t>Statistical </a:t>
+            </a:r>
+            <a:r>
+              <a:rPr lang="en-US" altLang="zh-CN" sz="4400" b="1" dirty="0" smtClean="0">
+                <a:solidFill>
+                  <a:srgbClr val="00ABB4"/>
+                </a:solidFill>
+                <a:latin typeface="微软雅黑" panose="020B0503020204020204" pitchFamily="34" charset="-122"/>
+                <a:ea typeface="微软雅黑" panose="020B0503020204020204" pitchFamily="34" charset="-122"/>
+              </a:rPr>
+              <a:t>Measurement –</a:t>
+            </a:r>
+          </a:p>
+          <a:p>
+            <a:r>
+              <a:rPr lang="en-US" altLang="zh-CN" sz="4400" b="1" dirty="0" smtClean="0">
+                <a:solidFill>
+                  <a:srgbClr val="00ABB4"/>
+                </a:solidFill>
+                <a:latin typeface="微软雅黑" panose="020B0503020204020204" pitchFamily="34" charset="-122"/>
+                <a:ea typeface="微软雅黑" panose="020B0503020204020204" pitchFamily="34" charset="-122"/>
+              </a:rPr>
+              <a:t>Sub-</a:t>
+            </a:r>
+            <a:r>
+              <a:rPr lang="en-US" altLang="zh-CN" sz="4400" b="1" dirty="0" smtClean="0">
+                <a:solidFill>
+                  <a:srgbClr val="00ABB4"/>
+                </a:solidFill>
+                <a:latin typeface="微软雅黑" panose="020B0503020204020204" pitchFamily="34" charset="-122"/>
+                <a:ea typeface="微软雅黑" panose="020B0503020204020204" pitchFamily="34" charset="-122"/>
+              </a:rPr>
+              <a:t>Modularity</a:t>
+            </a:r>
+            <a:endParaRPr lang="en-US" altLang="zh-CN" sz="4400" b="1" dirty="0">
+              <a:solidFill>
+                <a:srgbClr val="00ABB4"/>
+              </a:solidFill>
+              <a:latin typeface="微软雅黑" panose="020B0503020204020204" pitchFamily="34" charset="-122"/>
+              <a:ea typeface="微软雅黑" panose="020B0503020204020204" pitchFamily="34" charset="-122"/>
+            </a:endParaRPr>
+          </a:p>
+        </p:txBody>
+      </p:sp>
+      <p:sp>
+        <p:nvSpPr>
+          <p:cNvPr id="31" name="Rectangle 96"/>
+          <p:cNvSpPr/>
+          <p:nvPr/>
+        </p:nvSpPr>
+        <p:spPr>
+          <a:xfrm>
+            <a:off x="882747" y="1787520"/>
+            <a:ext cx="10245297" cy="3539430"/>
+          </a:xfrm>
+          <a:prstGeom prst="rect">
+            <a:avLst/>
+          </a:prstGeom>
+        </p:spPr>
+        <p:txBody>
+          <a:bodyPr wrap="square">
+            <a:spAutoFit/>
+          </a:bodyPr>
+          <a:lstStyle/>
+          <a:p>
+            <a:pPr marL="342900" indent="-342900">
+              <a:lnSpc>
+                <a:spcPct val="200000"/>
+              </a:lnSpc>
+              <a:buFont typeface="Arial" panose="020B0604020202020204" pitchFamily="34" charset="0"/>
+              <a:buChar char="•"/>
+            </a:pPr>
+            <a:r>
+              <a:rPr lang="en-US" altLang="zh-CN" sz="2800" b="1" dirty="0" smtClean="0">
+                <a:latin typeface="Meiryo" panose="020B0604030504040204" pitchFamily="34" charset="-128"/>
+                <a:ea typeface="Meiryo" panose="020B0604030504040204" pitchFamily="34" charset="-128"/>
+                <a:cs typeface="Meiryo" panose="020B0604030504040204" pitchFamily="34" charset="-128"/>
+              </a:rPr>
+              <a:t>The number of sub-modules in each module above:</a:t>
+            </a:r>
+            <a:endParaRPr lang="en-US" altLang="zh-CN" sz="2800" b="1" dirty="0" smtClean="0">
+              <a:latin typeface="Meiryo" panose="020B0604030504040204" pitchFamily="34" charset="-128"/>
+              <a:ea typeface="Meiryo" panose="020B0604030504040204" pitchFamily="34" charset="-128"/>
+              <a:cs typeface="Meiryo" panose="020B0604030504040204" pitchFamily="34" charset="-128"/>
+            </a:endParaRPr>
+          </a:p>
+          <a:p>
+            <a:pPr marL="914400" lvl="1" indent="-457200">
+              <a:lnSpc>
+                <a:spcPct val="200000"/>
+              </a:lnSpc>
+              <a:buFont typeface="Arial" panose="020B0604020202020204" pitchFamily="34" charset="0"/>
+              <a:buChar char="•"/>
+            </a:pPr>
+            <a:r>
+              <a:rPr lang="en-US" altLang="zh-CN" sz="2800" dirty="0" smtClean="0">
+                <a:latin typeface="Meiryo" panose="020B0604030504040204" pitchFamily="34" charset="-128"/>
+                <a:ea typeface="Meiryo" panose="020B0604030504040204" pitchFamily="34" charset="-128"/>
+                <a:cs typeface="Meiryo" panose="020B0604030504040204" pitchFamily="34" charset="-128"/>
+              </a:rPr>
+              <a:t>Insular: decrease, but not significant</a:t>
+            </a:r>
+          </a:p>
+          <a:p>
+            <a:pPr marL="914400" lvl="1" indent="-457200">
+              <a:lnSpc>
+                <a:spcPct val="200000"/>
+              </a:lnSpc>
+              <a:buFont typeface="Arial" panose="020B0604020202020204" pitchFamily="34" charset="0"/>
+              <a:buChar char="•"/>
+            </a:pPr>
+            <a:r>
+              <a:rPr lang="en-US" altLang="zh-CN" sz="2800" dirty="0" smtClean="0">
+                <a:latin typeface="Meiryo" panose="020B0604030504040204" pitchFamily="34" charset="-128"/>
+                <a:ea typeface="Meiryo" panose="020B0604030504040204" pitchFamily="34" charset="-128"/>
+                <a:cs typeface="Meiryo" panose="020B0604030504040204" pitchFamily="34" charset="-128"/>
+              </a:rPr>
+              <a:t>Anterior DMN: increase, and P&lt;0.05</a:t>
+            </a:r>
+          </a:p>
+          <a:p>
+            <a:pPr marL="914400" lvl="1" indent="-457200">
+              <a:lnSpc>
+                <a:spcPct val="200000"/>
+              </a:lnSpc>
+              <a:buFont typeface="Arial" panose="020B0604020202020204" pitchFamily="34" charset="0"/>
+              <a:buChar char="•"/>
+            </a:pPr>
+            <a:r>
+              <a:rPr lang="en-US" altLang="zh-CN" sz="2800" dirty="0" smtClean="0">
+                <a:latin typeface="Meiryo" panose="020B0604030504040204" pitchFamily="34" charset="-128"/>
+                <a:ea typeface="Meiryo" panose="020B0604030504040204" pitchFamily="34" charset="-128"/>
+                <a:cs typeface="Meiryo" panose="020B0604030504040204" pitchFamily="34" charset="-128"/>
+              </a:rPr>
+              <a:t>Hypothalamus:</a:t>
+            </a:r>
+            <a:r>
+              <a:rPr lang="en-US" altLang="zh-CN" sz="2800" dirty="0">
+                <a:latin typeface="Meiryo" panose="020B0604030504040204" pitchFamily="34" charset="-128"/>
+                <a:ea typeface="Meiryo" panose="020B0604030504040204" pitchFamily="34" charset="-128"/>
+                <a:cs typeface="Meiryo" panose="020B0604030504040204" pitchFamily="34" charset="-128"/>
+              </a:rPr>
+              <a:t> decrease, but not significant</a:t>
+            </a:r>
+            <a:endParaRPr lang="en-US" altLang="zh-CN" sz="2800" dirty="0" smtClean="0">
+              <a:latin typeface="Meiryo" panose="020B0604030504040204" pitchFamily="34" charset="-128"/>
+              <a:ea typeface="Meiryo" panose="020B0604030504040204" pitchFamily="34" charset="-128"/>
+              <a:cs typeface="Meiryo" panose="020B0604030504040204" pitchFamily="34" charset="-128"/>
+            </a:endParaRPr>
+          </a:p>
+        </p:txBody>
+      </p:sp>
+    </p:spTree>
+    <p:extLst>
+      <p:ext uri="{BB962C8B-B14F-4D97-AF65-F5344CB8AC3E}">
+        <p14:creationId xmlns:p14="http://schemas.microsoft.com/office/powerpoint/2010/main" val="74389441"/>
+      </p:ext>
+    </p:extLst>
+  </p:cSld>
+  <p:clrMapOvr>
+    <a:masterClrMapping/>
+  </p:clrMapOvr>
+  <p:timing>
+    <p:tnLst>
+      <p:par>
+        <p:cTn id="1" dur="indefinite" restart="never" nodeType="tmRoot"/>
+      </p:par>
+    </p:tnLst>
+  </p:timing>
+</p:sld>
+</file>
+
+<file path=ppt/slides/slide13.xml><?xml version="1.0" encoding="utf-8"?>
+<p:sld xmlns:a="http://schemas.openxmlformats.org/drawingml/2006/main" xmlns:r="http://schemas.openxmlformats.org/officeDocument/2006/relationships" xmlns:p="http://schemas.openxmlformats.org/presentationml/2006/main">
+  <p:cSld>
+    <p:spTree>
+      <p:nvGrpSpPr>
+        <p:cNvPr id="1" name=""/>
+        <p:cNvGrpSpPr/>
+        <p:nvPr/>
+      </p:nvGrpSpPr>
+      <p:grpSpPr>
+        <a:xfrm>
+          <a:off x="0" y="0"/>
+          <a:ext cx="0" cy="0"/>
+          <a:chOff x="0" y="0"/>
+          <a:chExt cx="0" cy="0"/>
+        </a:xfrm>
+      </p:grpSpPr>
+      <p:sp>
+        <p:nvSpPr>
+          <p:cNvPr id="5" name="矩形 4"/>
+          <p:cNvSpPr/>
+          <p:nvPr/>
+        </p:nvSpPr>
+        <p:spPr>
+          <a:xfrm>
+            <a:off x="6005399" y="3447534"/>
+            <a:ext cx="6172200" cy="3410465"/>
+          </a:xfrm>
+          <a:prstGeom prst="rect">
+            <a:avLst/>
+          </a:prstGeom>
+          <a:solidFill>
+            <a:schemeClr val="bg1">
+              <a:lumMod val="95000"/>
+            </a:schemeClr>
+          </a:solidFill>
+          <a:ln>
+            <a:noFill/>
+          </a:ln>
+        </p:spPr>
+        <p:style>
+          <a:lnRef idx="2">
+            <a:schemeClr val="accent1">
+              <a:shade val="50000"/>
+            </a:schemeClr>
+          </a:lnRef>
+          <a:fillRef idx="1">
+            <a:schemeClr val="accent1"/>
+          </a:fillRef>
+          <a:effectRef idx="0">
+            <a:schemeClr val="accent1"/>
+          </a:effectRef>
+          <a:fontRef idx="minor">
+            <a:schemeClr val="lt1"/>
+          </a:fontRef>
+        </p:style>
+        <p:txBody>
+          <a:bodyPr rtlCol="0" anchor="ctr"/>
+          <a:lstStyle/>
+          <a:p>
+            <a:pPr algn="ctr"/>
+            <a:endParaRPr lang="zh-CN" altLang="en-US"/>
+          </a:p>
+        </p:txBody>
+      </p:sp>
+      <p:sp>
+        <p:nvSpPr>
+          <p:cNvPr id="29" name="矩形 28"/>
+          <p:cNvSpPr/>
+          <p:nvPr/>
+        </p:nvSpPr>
+        <p:spPr>
+          <a:xfrm>
+            <a:off x="12346" y="1"/>
+            <a:ext cx="6006821" cy="3447534"/>
+          </a:xfrm>
+          <a:prstGeom prst="rect">
+            <a:avLst/>
+          </a:prstGeom>
+          <a:solidFill>
+            <a:schemeClr val="bg1">
+              <a:lumMod val="95000"/>
+            </a:schemeClr>
+          </a:solidFill>
+          <a:ln>
+            <a:noFill/>
+          </a:ln>
+        </p:spPr>
+        <p:style>
+          <a:lnRef idx="2">
+            <a:schemeClr val="accent1">
+              <a:shade val="50000"/>
+            </a:schemeClr>
+          </a:lnRef>
+          <a:fillRef idx="1">
+            <a:schemeClr val="accent1"/>
+          </a:fillRef>
+          <a:effectRef idx="0">
+            <a:schemeClr val="accent1"/>
+          </a:effectRef>
+          <a:fontRef idx="minor">
+            <a:schemeClr val="lt1"/>
+          </a:fontRef>
+        </p:style>
+        <p:txBody>
+          <a:bodyPr rtlCol="0" anchor="ctr"/>
+          <a:lstStyle/>
+          <a:p>
+            <a:pPr algn="ctr"/>
+            <a:endParaRPr lang="zh-CN" altLang="en-US"/>
+          </a:p>
+        </p:txBody>
+      </p:sp>
+      <p:sp>
+        <p:nvSpPr>
+          <p:cNvPr id="30" name="文本框 29"/>
+          <p:cNvSpPr txBox="1"/>
+          <p:nvPr/>
+        </p:nvSpPr>
+        <p:spPr>
+          <a:xfrm>
+            <a:off x="662538" y="294935"/>
+            <a:ext cx="10634112" cy="1446550"/>
+          </a:xfrm>
+          <a:prstGeom prst="rect">
+            <a:avLst/>
+          </a:prstGeom>
+          <a:noFill/>
+        </p:spPr>
+        <p:txBody>
+          <a:bodyPr wrap="square" rtlCol="0">
+            <a:spAutoFit/>
+          </a:bodyPr>
+          <a:lstStyle/>
+          <a:p>
+            <a:r>
+              <a:rPr lang="en-US" altLang="zh-CN" sz="4400" b="1" dirty="0" smtClean="0">
+                <a:solidFill>
+                  <a:srgbClr val="00ABB4"/>
+                </a:solidFill>
+                <a:latin typeface="微软雅黑" panose="020B0503020204020204" pitchFamily="34" charset="-122"/>
+                <a:ea typeface="微软雅黑" panose="020B0503020204020204" pitchFamily="34" charset="-122"/>
+              </a:rPr>
+              <a:t>Statistical </a:t>
+            </a:r>
+            <a:r>
+              <a:rPr lang="en-US" altLang="zh-CN" sz="4400" b="1" dirty="0" smtClean="0">
+                <a:solidFill>
+                  <a:srgbClr val="00ABB4"/>
+                </a:solidFill>
+                <a:latin typeface="微软雅黑" panose="020B0503020204020204" pitchFamily="34" charset="-122"/>
+                <a:ea typeface="微软雅黑" panose="020B0503020204020204" pitchFamily="34" charset="-122"/>
+              </a:rPr>
+              <a:t>Measurement –</a:t>
+            </a:r>
+          </a:p>
+          <a:p>
+            <a:pPr algn="r"/>
+            <a:r>
+              <a:rPr lang="en-US" altLang="zh-CN" sz="4400" b="1" dirty="0">
+                <a:solidFill>
+                  <a:srgbClr val="00ABB4"/>
+                </a:solidFill>
+                <a:latin typeface="微软雅黑" panose="020B0503020204020204" pitchFamily="34" charset="-122"/>
+                <a:ea typeface="微软雅黑" panose="020B0503020204020204" pitchFamily="34" charset="-122"/>
+              </a:rPr>
+              <a:t>MV </a:t>
+            </a:r>
+            <a:r>
+              <a:rPr lang="en-US" altLang="zh-CN" sz="4400" b="1" baseline="-25000" dirty="0">
+                <a:solidFill>
+                  <a:srgbClr val="00ABB4"/>
+                </a:solidFill>
+                <a:latin typeface="微软雅黑" panose="020B0503020204020204" pitchFamily="34" charset="-122"/>
+                <a:ea typeface="微软雅黑" panose="020B0503020204020204" pitchFamily="34" charset="-122"/>
+              </a:rPr>
+              <a:t>k</a:t>
+            </a:r>
+            <a:r>
+              <a:rPr lang="en-US" altLang="zh-CN" sz="4400" b="1" dirty="0">
+                <a:solidFill>
+                  <a:srgbClr val="00ABB4"/>
+                </a:solidFill>
+                <a:latin typeface="微软雅黑" panose="020B0503020204020204" pitchFamily="34" charset="-122"/>
+                <a:ea typeface="微软雅黑" panose="020B0503020204020204" pitchFamily="34" charset="-122"/>
+              </a:rPr>
+              <a:t> (1,2) and MV </a:t>
+            </a:r>
+            <a:r>
+              <a:rPr lang="en-US" altLang="zh-CN" sz="4400" b="1" baseline="-25000" dirty="0">
+                <a:solidFill>
+                  <a:srgbClr val="00ABB4"/>
+                </a:solidFill>
+                <a:latin typeface="微软雅黑" panose="020B0503020204020204" pitchFamily="34" charset="-122"/>
+                <a:ea typeface="微软雅黑" panose="020B0503020204020204" pitchFamily="34" charset="-122"/>
+              </a:rPr>
+              <a:t>k</a:t>
+            </a:r>
+            <a:r>
+              <a:rPr lang="en-US" altLang="zh-CN" sz="4400" b="1" dirty="0">
+                <a:solidFill>
+                  <a:srgbClr val="00ABB4"/>
+                </a:solidFill>
+                <a:latin typeface="微软雅黑" panose="020B0503020204020204" pitchFamily="34" charset="-122"/>
+                <a:ea typeface="微软雅黑" panose="020B0503020204020204" pitchFamily="34" charset="-122"/>
+              </a:rPr>
+              <a:t> (2,3)</a:t>
+            </a:r>
+          </a:p>
+        </p:txBody>
+      </p:sp>
+      <p:sp>
+        <p:nvSpPr>
+          <p:cNvPr id="31" name="Rectangle 96"/>
+          <p:cNvSpPr/>
+          <p:nvPr/>
+        </p:nvSpPr>
+        <p:spPr>
+          <a:xfrm>
+            <a:off x="856944" y="1370752"/>
+            <a:ext cx="10245297" cy="5262979"/>
+          </a:xfrm>
+          <a:prstGeom prst="rect">
+            <a:avLst/>
+          </a:prstGeom>
+        </p:spPr>
+        <p:txBody>
+          <a:bodyPr wrap="square">
+            <a:spAutoFit/>
+          </a:bodyPr>
+          <a:lstStyle/>
+          <a:p>
+            <a:pPr marL="342900" indent="-342900">
+              <a:lnSpc>
+                <a:spcPct val="200000"/>
+              </a:lnSpc>
+              <a:buFont typeface="Arial" panose="020B0604020202020204" pitchFamily="34" charset="0"/>
+              <a:buChar char="•"/>
+            </a:pPr>
+            <a:r>
+              <a:rPr lang="en-US" altLang="zh-CN" sz="2800" dirty="0" smtClean="0">
+                <a:latin typeface="Meiryo" panose="020B0604030504040204" pitchFamily="34" charset="-128"/>
+                <a:ea typeface="Meiryo" panose="020B0604030504040204" pitchFamily="34" charset="-128"/>
+                <a:cs typeface="Meiryo" panose="020B0604030504040204" pitchFamily="34" charset="-128"/>
+              </a:rPr>
+              <a:t>Only calculate one levels</a:t>
+            </a:r>
+            <a:r>
+              <a:rPr lang="en-US" altLang="zh-CN" sz="2800" dirty="0" smtClean="0">
+                <a:latin typeface="Meiryo" panose="020B0604030504040204" pitchFamily="34" charset="-128"/>
+                <a:ea typeface="Meiryo" panose="020B0604030504040204" pitchFamily="34" charset="-128"/>
+                <a:cs typeface="Meiryo" panose="020B0604030504040204" pitchFamily="34" charset="-128"/>
+              </a:rPr>
+              <a:t>:</a:t>
+            </a:r>
+          </a:p>
+          <a:p>
+            <a:pPr marL="800100" lvl="1" indent="-342900">
+              <a:lnSpc>
+                <a:spcPct val="200000"/>
+              </a:lnSpc>
+              <a:buFont typeface="Arial" panose="020B0604020202020204" pitchFamily="34" charset="0"/>
+              <a:buChar char="•"/>
+            </a:pPr>
+            <a:r>
+              <a:rPr lang="en-US" altLang="zh-CN" sz="2800" dirty="0" smtClean="0">
+                <a:latin typeface="Meiryo" panose="020B0604030504040204" pitchFamily="34" charset="-128"/>
+                <a:ea typeface="Meiryo" panose="020B0604030504040204" pitchFamily="34" charset="-128"/>
+                <a:cs typeface="Meiryo" panose="020B0604030504040204" pitchFamily="34" charset="-128"/>
+              </a:rPr>
+              <a:t>each </a:t>
+            </a:r>
+            <a:r>
+              <a:rPr lang="en-US" altLang="zh-CN" sz="2800" dirty="0" smtClean="0">
+                <a:latin typeface="Meiryo" panose="020B0604030504040204" pitchFamily="34" charset="-128"/>
+                <a:ea typeface="Meiryo" panose="020B0604030504040204" pitchFamily="34" charset="-128"/>
+                <a:cs typeface="Meiryo" panose="020B0604030504040204" pitchFamily="34" charset="-128"/>
+              </a:rPr>
+              <a:t>node between pair of </a:t>
+            </a:r>
+            <a:r>
+              <a:rPr lang="en-US" altLang="zh-CN" sz="2800" dirty="0" smtClean="0">
+                <a:latin typeface="Meiryo" panose="020B0604030504040204" pitchFamily="34" charset="-128"/>
+                <a:ea typeface="Meiryo" panose="020B0604030504040204" pitchFamily="34" charset="-128"/>
+                <a:cs typeface="Meiryo" panose="020B0604030504040204" pitchFamily="34" charset="-128"/>
+              </a:rPr>
+              <a:t>dose for each subject</a:t>
+            </a:r>
+          </a:p>
+          <a:p>
+            <a:pPr marL="800100" lvl="1" indent="-342900">
+              <a:lnSpc>
+                <a:spcPct val="200000"/>
+              </a:lnSpc>
+              <a:buFont typeface="Arial" panose="020B0604020202020204" pitchFamily="34" charset="0"/>
+              <a:buChar char="•"/>
+            </a:pPr>
+            <a:r>
+              <a:rPr lang="en-US" altLang="zh-CN" sz="2800" dirty="0" smtClean="0">
+                <a:latin typeface="Meiryo" panose="020B0604030504040204" pitchFamily="34" charset="-128"/>
+                <a:ea typeface="Meiryo" panose="020B0604030504040204" pitchFamily="34" charset="-128"/>
+                <a:cs typeface="Meiryo" panose="020B0604030504040204" pitchFamily="34" charset="-128"/>
+              </a:rPr>
+              <a:t>1:low;2:mid;3:high</a:t>
+            </a:r>
+          </a:p>
+          <a:p>
+            <a:pPr marL="800100" lvl="1" indent="-342900">
+              <a:lnSpc>
+                <a:spcPct val="200000"/>
+              </a:lnSpc>
+              <a:buFont typeface="Arial" panose="020B0604020202020204" pitchFamily="34" charset="0"/>
+              <a:buChar char="•"/>
+            </a:pPr>
+            <a:r>
+              <a:rPr lang="en-US" altLang="zh-CN" sz="2800" dirty="0" smtClean="0">
+                <a:latin typeface="Meiryo" panose="020B0604030504040204" pitchFamily="34" charset="-128"/>
+                <a:ea typeface="Meiryo" panose="020B0604030504040204" pitchFamily="34" charset="-128"/>
+                <a:cs typeface="Meiryo" panose="020B0604030504040204" pitchFamily="34" charset="-128"/>
+              </a:rPr>
+              <a:t>MV </a:t>
+            </a:r>
+            <a:r>
+              <a:rPr lang="en-US" altLang="zh-CN" sz="2800" baseline="-25000" dirty="0" smtClean="0">
+                <a:latin typeface="Meiryo" panose="020B0604030504040204" pitchFamily="34" charset="-128"/>
+                <a:ea typeface="Meiryo" panose="020B0604030504040204" pitchFamily="34" charset="-128"/>
+                <a:cs typeface="Meiryo" panose="020B0604030504040204" pitchFamily="34" charset="-128"/>
+              </a:rPr>
+              <a:t>insular</a:t>
+            </a:r>
+            <a:r>
+              <a:rPr lang="en-US" altLang="zh-CN" sz="2800" dirty="0" smtClean="0">
+                <a:latin typeface="Meiryo" panose="020B0604030504040204" pitchFamily="34" charset="-128"/>
+                <a:ea typeface="Meiryo" panose="020B0604030504040204" pitchFamily="34" charset="-128"/>
+                <a:cs typeface="Meiryo" panose="020B0604030504040204" pitchFamily="34" charset="-128"/>
+              </a:rPr>
+              <a:t> </a:t>
+            </a:r>
+            <a:r>
+              <a:rPr lang="en-US" altLang="zh-CN" sz="2800" dirty="0">
+                <a:latin typeface="Meiryo" panose="020B0604030504040204" pitchFamily="34" charset="-128"/>
+                <a:ea typeface="Meiryo" panose="020B0604030504040204" pitchFamily="34" charset="-128"/>
+                <a:cs typeface="Meiryo" panose="020B0604030504040204" pitchFamily="34" charset="-128"/>
+              </a:rPr>
+              <a:t>(1,2) &lt;</a:t>
+            </a:r>
+            <a:r>
+              <a:rPr lang="en-US" altLang="zh-CN" sz="2800" dirty="0" smtClean="0">
+                <a:latin typeface="Meiryo" panose="020B0604030504040204" pitchFamily="34" charset="-128"/>
+                <a:ea typeface="Meiryo" panose="020B0604030504040204" pitchFamily="34" charset="-128"/>
+                <a:cs typeface="Meiryo" panose="020B0604030504040204" pitchFamily="34" charset="-128"/>
+              </a:rPr>
+              <a:t> </a:t>
+            </a:r>
+            <a:r>
+              <a:rPr lang="en-US" altLang="zh-CN" sz="2800" dirty="0">
+                <a:latin typeface="Meiryo" panose="020B0604030504040204" pitchFamily="34" charset="-128"/>
+                <a:ea typeface="Meiryo" panose="020B0604030504040204" pitchFamily="34" charset="-128"/>
+                <a:cs typeface="Meiryo" panose="020B0604030504040204" pitchFamily="34" charset="-128"/>
+              </a:rPr>
+              <a:t>MV </a:t>
+            </a:r>
+            <a:r>
+              <a:rPr lang="en-US" altLang="zh-CN" sz="2800" baseline="-25000" dirty="0" smtClean="0">
+                <a:latin typeface="Meiryo" panose="020B0604030504040204" pitchFamily="34" charset="-128"/>
+                <a:ea typeface="Meiryo" panose="020B0604030504040204" pitchFamily="34" charset="-128"/>
+                <a:cs typeface="Meiryo" panose="020B0604030504040204" pitchFamily="34" charset="-128"/>
+              </a:rPr>
+              <a:t>insular</a:t>
+            </a:r>
+            <a:r>
+              <a:rPr lang="en-US" altLang="zh-CN" sz="2800" dirty="0" smtClean="0">
+                <a:latin typeface="Meiryo" panose="020B0604030504040204" pitchFamily="34" charset="-128"/>
+                <a:ea typeface="Meiryo" panose="020B0604030504040204" pitchFamily="34" charset="-128"/>
+                <a:cs typeface="Meiryo" panose="020B0604030504040204" pitchFamily="34" charset="-128"/>
+              </a:rPr>
+              <a:t> </a:t>
+            </a:r>
+            <a:r>
+              <a:rPr lang="en-US" altLang="zh-CN" sz="2800" dirty="0">
+                <a:latin typeface="Meiryo" panose="020B0604030504040204" pitchFamily="34" charset="-128"/>
+                <a:ea typeface="Meiryo" panose="020B0604030504040204" pitchFamily="34" charset="-128"/>
+                <a:cs typeface="Meiryo" panose="020B0604030504040204" pitchFamily="34" charset="-128"/>
+              </a:rPr>
+              <a:t>(2,3) </a:t>
+            </a:r>
+            <a:r>
+              <a:rPr lang="en-US" altLang="zh-CN" sz="2800" dirty="0" smtClean="0">
+                <a:latin typeface="Meiryo" panose="020B0604030504040204" pitchFamily="34" charset="-128"/>
+                <a:ea typeface="Meiryo" panose="020B0604030504040204" pitchFamily="34" charset="-128"/>
+                <a:cs typeface="Meiryo" panose="020B0604030504040204" pitchFamily="34" charset="-128"/>
+              </a:rPr>
+              <a:t>,not significant</a:t>
+            </a:r>
+          </a:p>
+          <a:p>
+            <a:pPr marL="800100" lvl="1" indent="-342900">
+              <a:lnSpc>
+                <a:spcPct val="200000"/>
+              </a:lnSpc>
+              <a:buFont typeface="Arial" panose="020B0604020202020204" pitchFamily="34" charset="0"/>
+              <a:buChar char="•"/>
+            </a:pPr>
+            <a:r>
+              <a:rPr lang="en-US" altLang="zh-CN" sz="2800" dirty="0">
+                <a:latin typeface="Meiryo" panose="020B0604030504040204" pitchFamily="34" charset="-128"/>
+                <a:ea typeface="Meiryo" panose="020B0604030504040204" pitchFamily="34" charset="-128"/>
+                <a:cs typeface="Meiryo" panose="020B0604030504040204" pitchFamily="34" charset="-128"/>
+              </a:rPr>
+              <a:t>MV </a:t>
+            </a:r>
+            <a:r>
+              <a:rPr lang="en-US" altLang="zh-CN" sz="2800" baseline="-25000" dirty="0" smtClean="0">
+                <a:latin typeface="Meiryo" panose="020B0604030504040204" pitchFamily="34" charset="-128"/>
+                <a:ea typeface="Meiryo" panose="020B0604030504040204" pitchFamily="34" charset="-128"/>
+                <a:cs typeface="Meiryo" panose="020B0604030504040204" pitchFamily="34" charset="-128"/>
+              </a:rPr>
+              <a:t>ant-DMN</a:t>
+            </a:r>
+            <a:r>
+              <a:rPr lang="en-US" altLang="zh-CN" sz="2800" dirty="0" smtClean="0">
+                <a:latin typeface="Meiryo" panose="020B0604030504040204" pitchFamily="34" charset="-128"/>
+                <a:ea typeface="Meiryo" panose="020B0604030504040204" pitchFamily="34" charset="-128"/>
+                <a:cs typeface="Meiryo" panose="020B0604030504040204" pitchFamily="34" charset="-128"/>
+              </a:rPr>
+              <a:t> </a:t>
+            </a:r>
+            <a:r>
+              <a:rPr lang="en-US" altLang="zh-CN" sz="2800" dirty="0">
+                <a:latin typeface="Meiryo" panose="020B0604030504040204" pitchFamily="34" charset="-128"/>
+                <a:ea typeface="Meiryo" panose="020B0604030504040204" pitchFamily="34" charset="-128"/>
+                <a:cs typeface="Meiryo" panose="020B0604030504040204" pitchFamily="34" charset="-128"/>
+              </a:rPr>
+              <a:t>(1,2) </a:t>
+            </a:r>
+            <a:r>
+              <a:rPr lang="en-US" altLang="zh-CN" sz="2800" dirty="0" smtClean="0">
+                <a:latin typeface="Meiryo" panose="020B0604030504040204" pitchFamily="34" charset="-128"/>
+                <a:ea typeface="Meiryo" panose="020B0604030504040204" pitchFamily="34" charset="-128"/>
+                <a:cs typeface="Meiryo" panose="020B0604030504040204" pitchFamily="34" charset="-128"/>
+              </a:rPr>
+              <a:t>&gt; </a:t>
+            </a:r>
+            <a:r>
+              <a:rPr lang="en-US" altLang="zh-CN" sz="2800" dirty="0">
+                <a:latin typeface="Meiryo" panose="020B0604030504040204" pitchFamily="34" charset="-128"/>
+                <a:ea typeface="Meiryo" panose="020B0604030504040204" pitchFamily="34" charset="-128"/>
+                <a:cs typeface="Meiryo" panose="020B0604030504040204" pitchFamily="34" charset="-128"/>
+              </a:rPr>
+              <a:t>MV </a:t>
+            </a:r>
+            <a:r>
+              <a:rPr lang="en-US" altLang="zh-CN" sz="2800" baseline="-25000" dirty="0" smtClean="0">
+                <a:latin typeface="Meiryo" panose="020B0604030504040204" pitchFamily="34" charset="-128"/>
+                <a:ea typeface="Meiryo" panose="020B0604030504040204" pitchFamily="34" charset="-128"/>
+                <a:cs typeface="Meiryo" panose="020B0604030504040204" pitchFamily="34" charset="-128"/>
+              </a:rPr>
+              <a:t>ANT-DMN</a:t>
+            </a:r>
+            <a:r>
+              <a:rPr lang="en-US" altLang="zh-CN" sz="2800" dirty="0" smtClean="0">
+                <a:latin typeface="Meiryo" panose="020B0604030504040204" pitchFamily="34" charset="-128"/>
+                <a:ea typeface="Meiryo" panose="020B0604030504040204" pitchFamily="34" charset="-128"/>
+                <a:cs typeface="Meiryo" panose="020B0604030504040204" pitchFamily="34" charset="-128"/>
+              </a:rPr>
+              <a:t> </a:t>
+            </a:r>
+            <a:r>
+              <a:rPr lang="en-US" altLang="zh-CN" sz="2800" dirty="0">
+                <a:latin typeface="Meiryo" panose="020B0604030504040204" pitchFamily="34" charset="-128"/>
+                <a:ea typeface="Meiryo" panose="020B0604030504040204" pitchFamily="34" charset="-128"/>
+                <a:cs typeface="Meiryo" panose="020B0604030504040204" pitchFamily="34" charset="-128"/>
+              </a:rPr>
+              <a:t>(2,3</a:t>
+            </a:r>
+            <a:r>
+              <a:rPr lang="en-US" altLang="zh-CN" sz="2800" dirty="0" smtClean="0">
+                <a:latin typeface="Meiryo" panose="020B0604030504040204" pitchFamily="34" charset="-128"/>
+                <a:ea typeface="Meiryo" panose="020B0604030504040204" pitchFamily="34" charset="-128"/>
+                <a:cs typeface="Meiryo" panose="020B0604030504040204" pitchFamily="34" charset="-128"/>
+              </a:rPr>
+              <a:t>)</a:t>
+            </a:r>
+            <a:r>
+              <a:rPr lang="en-US" altLang="zh-CN" sz="2800" dirty="0">
+                <a:latin typeface="Meiryo" panose="020B0604030504040204" pitchFamily="34" charset="-128"/>
+                <a:ea typeface="Meiryo" panose="020B0604030504040204" pitchFamily="34" charset="-128"/>
+                <a:cs typeface="Meiryo" panose="020B0604030504040204" pitchFamily="34" charset="-128"/>
+              </a:rPr>
+              <a:t> ,not significant</a:t>
+            </a:r>
+            <a:endParaRPr lang="en-US" altLang="zh-CN" sz="2800" dirty="0" smtClean="0">
+              <a:latin typeface="Meiryo" panose="020B0604030504040204" pitchFamily="34" charset="-128"/>
+              <a:ea typeface="Meiryo" panose="020B0604030504040204" pitchFamily="34" charset="-128"/>
+              <a:cs typeface="Meiryo" panose="020B0604030504040204" pitchFamily="34" charset="-128"/>
+            </a:endParaRPr>
+          </a:p>
+          <a:p>
+            <a:pPr marL="800100" lvl="1" indent="-342900">
+              <a:lnSpc>
+                <a:spcPct val="200000"/>
+              </a:lnSpc>
+              <a:buFont typeface="Arial" panose="020B0604020202020204" pitchFamily="34" charset="0"/>
+              <a:buChar char="•"/>
+            </a:pPr>
+            <a:r>
+              <a:rPr lang="en-US" altLang="zh-CN" sz="2800" dirty="0">
+                <a:latin typeface="Meiryo" panose="020B0604030504040204" pitchFamily="34" charset="-128"/>
+                <a:ea typeface="Meiryo" panose="020B0604030504040204" pitchFamily="34" charset="-128"/>
+                <a:cs typeface="Meiryo" panose="020B0604030504040204" pitchFamily="34" charset="-128"/>
+              </a:rPr>
+              <a:t>MV </a:t>
+            </a:r>
+            <a:r>
+              <a:rPr lang="en-US" altLang="zh-CN" sz="2800" baseline="-25000" dirty="0" smtClean="0">
+                <a:latin typeface="Meiryo" panose="020B0604030504040204" pitchFamily="34" charset="-128"/>
+                <a:ea typeface="Meiryo" panose="020B0604030504040204" pitchFamily="34" charset="-128"/>
+                <a:cs typeface="Meiryo" panose="020B0604030504040204" pitchFamily="34" charset="-128"/>
+              </a:rPr>
+              <a:t>hypo</a:t>
+            </a:r>
+            <a:r>
+              <a:rPr lang="en-US" altLang="zh-CN" sz="2800" dirty="0" smtClean="0">
+                <a:latin typeface="Meiryo" panose="020B0604030504040204" pitchFamily="34" charset="-128"/>
+                <a:ea typeface="Meiryo" panose="020B0604030504040204" pitchFamily="34" charset="-128"/>
+                <a:cs typeface="Meiryo" panose="020B0604030504040204" pitchFamily="34" charset="-128"/>
+              </a:rPr>
+              <a:t> </a:t>
+            </a:r>
+            <a:r>
+              <a:rPr lang="en-US" altLang="zh-CN" sz="2800" dirty="0">
+                <a:latin typeface="Meiryo" panose="020B0604030504040204" pitchFamily="34" charset="-128"/>
+                <a:ea typeface="Meiryo" panose="020B0604030504040204" pitchFamily="34" charset="-128"/>
+                <a:cs typeface="Meiryo" panose="020B0604030504040204" pitchFamily="34" charset="-128"/>
+              </a:rPr>
+              <a:t>(1,2) &gt; MV </a:t>
+            </a:r>
+            <a:r>
+              <a:rPr lang="en-US" altLang="zh-CN" sz="2800" baseline="-25000" dirty="0" smtClean="0">
+                <a:latin typeface="Meiryo" panose="020B0604030504040204" pitchFamily="34" charset="-128"/>
+                <a:ea typeface="Meiryo" panose="020B0604030504040204" pitchFamily="34" charset="-128"/>
+                <a:cs typeface="Meiryo" panose="020B0604030504040204" pitchFamily="34" charset="-128"/>
+              </a:rPr>
+              <a:t>hypo</a:t>
+            </a:r>
+            <a:r>
+              <a:rPr lang="en-US" altLang="zh-CN" sz="2800" dirty="0" smtClean="0">
+                <a:latin typeface="Meiryo" panose="020B0604030504040204" pitchFamily="34" charset="-128"/>
+                <a:ea typeface="Meiryo" panose="020B0604030504040204" pitchFamily="34" charset="-128"/>
+                <a:cs typeface="Meiryo" panose="020B0604030504040204" pitchFamily="34" charset="-128"/>
+              </a:rPr>
+              <a:t> </a:t>
+            </a:r>
+            <a:r>
+              <a:rPr lang="en-US" altLang="zh-CN" sz="2800" dirty="0">
+                <a:latin typeface="Meiryo" panose="020B0604030504040204" pitchFamily="34" charset="-128"/>
+                <a:ea typeface="Meiryo" panose="020B0604030504040204" pitchFamily="34" charset="-128"/>
+                <a:cs typeface="Meiryo" panose="020B0604030504040204" pitchFamily="34" charset="-128"/>
+              </a:rPr>
+              <a:t>(2,3</a:t>
+            </a:r>
+            <a:r>
+              <a:rPr lang="en-US" altLang="zh-CN" sz="2800" dirty="0" smtClean="0">
+                <a:latin typeface="Meiryo" panose="020B0604030504040204" pitchFamily="34" charset="-128"/>
+                <a:ea typeface="Meiryo" panose="020B0604030504040204" pitchFamily="34" charset="-128"/>
+                <a:cs typeface="Meiryo" panose="020B0604030504040204" pitchFamily="34" charset="-128"/>
+              </a:rPr>
+              <a:t>)</a:t>
+            </a:r>
+            <a:r>
+              <a:rPr lang="en-US" altLang="zh-CN" sz="2800" dirty="0">
+                <a:latin typeface="Meiryo" panose="020B0604030504040204" pitchFamily="34" charset="-128"/>
+                <a:ea typeface="Meiryo" panose="020B0604030504040204" pitchFamily="34" charset="-128"/>
+                <a:cs typeface="Meiryo" panose="020B0604030504040204" pitchFamily="34" charset="-128"/>
+              </a:rPr>
+              <a:t> ,not significant</a:t>
+            </a:r>
+            <a:endParaRPr lang="en-US" altLang="zh-CN" sz="2800" dirty="0" smtClean="0">
+              <a:latin typeface="Meiryo" panose="020B0604030504040204" pitchFamily="34" charset="-128"/>
+              <a:ea typeface="Meiryo" panose="020B0604030504040204" pitchFamily="34" charset="-128"/>
+              <a:cs typeface="Meiryo" panose="020B0604030504040204" pitchFamily="34" charset="-128"/>
+            </a:endParaRPr>
+          </a:p>
+        </p:txBody>
+      </p:sp>
+    </p:spTree>
+    <p:extLst>
+      <p:ext uri="{BB962C8B-B14F-4D97-AF65-F5344CB8AC3E}">
+        <p14:creationId xmlns:p14="http://schemas.microsoft.com/office/powerpoint/2010/main" val="1731885851"/>
+      </p:ext>
+    </p:extLst>
+  </p:cSld>
+  <p:clrMapOvr>
+    <a:masterClrMapping/>
+  </p:clrMapOvr>
+  <p:timing>
+    <p:tnLst>
+      <p:par>
+        <p:cTn id="1" dur="indefinite" restart="never" nodeType="tmRoot"/>
+      </p:par>
+    </p:tnLst>
+  </p:timing>
+</p:sld>
+</file>
+
+<file path=ppt/slides/slide14.xml><?xml version="1.0" encoding="utf-8"?>
+<p:sld xmlns:a="http://schemas.openxmlformats.org/drawingml/2006/main" xmlns:r="http://schemas.openxmlformats.org/officeDocument/2006/relationships" xmlns:p="http://schemas.openxmlformats.org/presentationml/2006/main">
+  <p:cSld>
+    <p:spTree>
+      <p:nvGrpSpPr>
+        <p:cNvPr id="1" name=""/>
+        <p:cNvGrpSpPr/>
+        <p:nvPr/>
+      </p:nvGrpSpPr>
+      <p:grpSpPr>
+        <a:xfrm>
+          <a:off x="0" y="0"/>
+          <a:ext cx="0" cy="0"/>
+          <a:chOff x="0" y="0"/>
+          <a:chExt cx="0" cy="0"/>
+        </a:xfrm>
+      </p:grpSpPr>
+      <p:sp>
+        <p:nvSpPr>
+          <p:cNvPr id="5" name="矩形 4"/>
+          <p:cNvSpPr/>
+          <p:nvPr/>
+        </p:nvSpPr>
+        <p:spPr>
+          <a:xfrm>
+            <a:off x="6005399" y="3447534"/>
+            <a:ext cx="6172200" cy="3410465"/>
+          </a:xfrm>
+          <a:prstGeom prst="rect">
+            <a:avLst/>
+          </a:prstGeom>
+          <a:solidFill>
+            <a:schemeClr val="bg1">
+              <a:lumMod val="95000"/>
+            </a:schemeClr>
+          </a:solidFill>
+          <a:ln>
+            <a:noFill/>
+          </a:ln>
+        </p:spPr>
+        <p:style>
+          <a:lnRef idx="2">
+            <a:schemeClr val="accent1">
+              <a:shade val="50000"/>
+            </a:schemeClr>
+          </a:lnRef>
+          <a:fillRef idx="1">
+            <a:schemeClr val="accent1"/>
+          </a:fillRef>
+          <a:effectRef idx="0">
+            <a:schemeClr val="accent1"/>
+          </a:effectRef>
+          <a:fontRef idx="minor">
+            <a:schemeClr val="lt1"/>
+          </a:fontRef>
+        </p:style>
+        <p:txBody>
+          <a:bodyPr rtlCol="0" anchor="ctr"/>
+          <a:lstStyle/>
+          <a:p>
+            <a:pPr algn="ctr"/>
+            <a:endParaRPr lang="zh-CN" altLang="en-US"/>
+          </a:p>
+        </p:txBody>
+      </p:sp>
+      <p:sp>
+        <p:nvSpPr>
+          <p:cNvPr id="29" name="矩形 28"/>
+          <p:cNvSpPr/>
+          <p:nvPr/>
+        </p:nvSpPr>
+        <p:spPr>
+          <a:xfrm>
+            <a:off x="12346" y="1"/>
+            <a:ext cx="6006821" cy="3447534"/>
+          </a:xfrm>
+          <a:prstGeom prst="rect">
+            <a:avLst/>
+          </a:prstGeom>
+          <a:solidFill>
+            <a:schemeClr val="bg1">
+              <a:lumMod val="95000"/>
+            </a:schemeClr>
+          </a:solidFill>
+          <a:ln>
+            <a:noFill/>
+          </a:ln>
+        </p:spPr>
+        <p:style>
+          <a:lnRef idx="2">
+            <a:schemeClr val="accent1">
+              <a:shade val="50000"/>
+            </a:schemeClr>
+          </a:lnRef>
+          <a:fillRef idx="1">
+            <a:schemeClr val="accent1"/>
+          </a:fillRef>
+          <a:effectRef idx="0">
+            <a:schemeClr val="accent1"/>
+          </a:effectRef>
+          <a:fontRef idx="minor">
+            <a:schemeClr val="lt1"/>
+          </a:fontRef>
+        </p:style>
+        <p:txBody>
+          <a:bodyPr rtlCol="0" anchor="ctr"/>
+          <a:lstStyle/>
+          <a:p>
+            <a:pPr algn="ctr"/>
+            <a:endParaRPr lang="zh-CN" altLang="en-US"/>
+          </a:p>
+        </p:txBody>
+      </p:sp>
+      <p:sp>
+        <p:nvSpPr>
+          <p:cNvPr id="30" name="文本框 29"/>
+          <p:cNvSpPr txBox="1"/>
+          <p:nvPr/>
+        </p:nvSpPr>
+        <p:spPr>
+          <a:xfrm>
+            <a:off x="662538" y="294935"/>
+            <a:ext cx="10634112" cy="1446550"/>
+          </a:xfrm>
+          <a:prstGeom prst="rect">
+            <a:avLst/>
+          </a:prstGeom>
+          <a:noFill/>
+        </p:spPr>
+        <p:txBody>
+          <a:bodyPr wrap="square" rtlCol="0">
+            <a:spAutoFit/>
+          </a:bodyPr>
+          <a:lstStyle/>
+          <a:p>
+            <a:r>
+              <a:rPr lang="en-US" altLang="zh-CN" sz="4400" b="1" dirty="0" smtClean="0">
+                <a:solidFill>
+                  <a:srgbClr val="00ABB4"/>
+                </a:solidFill>
+                <a:latin typeface="微软雅黑" panose="020B0503020204020204" pitchFamily="34" charset="-122"/>
+                <a:ea typeface="微软雅黑" panose="020B0503020204020204" pitchFamily="34" charset="-122"/>
+              </a:rPr>
+              <a:t>Statistical </a:t>
+            </a:r>
+            <a:r>
+              <a:rPr lang="en-US" altLang="zh-CN" sz="4400" b="1" dirty="0" smtClean="0">
+                <a:solidFill>
+                  <a:srgbClr val="00ABB4"/>
+                </a:solidFill>
+                <a:latin typeface="微软雅黑" panose="020B0503020204020204" pitchFamily="34" charset="-122"/>
+                <a:ea typeface="微软雅黑" panose="020B0503020204020204" pitchFamily="34" charset="-122"/>
+              </a:rPr>
+              <a:t>Measurement –</a:t>
+            </a:r>
+          </a:p>
+          <a:p>
+            <a:pPr algn="r"/>
+            <a:r>
+              <a:rPr lang="en-US" altLang="zh-CN" sz="4400" b="1" dirty="0" smtClean="0">
+                <a:solidFill>
+                  <a:srgbClr val="00ABB4"/>
+                </a:solidFill>
+                <a:latin typeface="微软雅黑" panose="020B0503020204020204" pitchFamily="34" charset="-122"/>
+                <a:ea typeface="微软雅黑" panose="020B0503020204020204" pitchFamily="34" charset="-122"/>
+              </a:rPr>
+              <a:t>correlation matrix</a:t>
+            </a:r>
+            <a:endParaRPr lang="en-US" altLang="zh-CN" sz="4400" b="1" dirty="0">
+              <a:solidFill>
+                <a:srgbClr val="00ABB4"/>
+              </a:solidFill>
+              <a:latin typeface="微软雅黑" panose="020B0503020204020204" pitchFamily="34" charset="-122"/>
+              <a:ea typeface="微软雅黑" panose="020B0503020204020204" pitchFamily="34" charset="-122"/>
+            </a:endParaRPr>
+          </a:p>
+        </p:txBody>
+      </p:sp>
+      <p:sp>
+        <p:nvSpPr>
+          <p:cNvPr id="9" name="Rectangle 96"/>
+          <p:cNvSpPr/>
+          <p:nvPr/>
+        </p:nvSpPr>
+        <p:spPr>
+          <a:xfrm>
+            <a:off x="896518" y="1474269"/>
+            <a:ext cx="10245297" cy="1815882"/>
+          </a:xfrm>
+          <a:prstGeom prst="rect">
+            <a:avLst/>
+          </a:prstGeom>
+        </p:spPr>
+        <p:txBody>
+          <a:bodyPr wrap="square">
+            <a:spAutoFit/>
+          </a:bodyPr>
+          <a:lstStyle/>
+          <a:p>
+            <a:pPr marL="342900" indent="-342900">
+              <a:lnSpc>
+                <a:spcPct val="200000"/>
+              </a:lnSpc>
+              <a:buFont typeface="Arial" panose="020B0604020202020204" pitchFamily="34" charset="0"/>
+              <a:buChar char="•"/>
+            </a:pPr>
+            <a:r>
+              <a:rPr lang="en-US" altLang="zh-CN" sz="2800" b="1" dirty="0" smtClean="0">
+                <a:latin typeface="Meiryo" panose="020B0604030504040204" pitchFamily="34" charset="-128"/>
+                <a:ea typeface="Meiryo" panose="020B0604030504040204" pitchFamily="34" charset="-128"/>
+                <a:cs typeface="Meiryo" panose="020B0604030504040204" pitchFamily="34" charset="-128"/>
+              </a:rPr>
+              <a:t>Correlation matrix for each subject for each dose</a:t>
+            </a:r>
+          </a:p>
+          <a:p>
+            <a:pPr marL="800100" lvl="1" indent="-342900">
+              <a:lnSpc>
+                <a:spcPct val="200000"/>
+              </a:lnSpc>
+              <a:buFont typeface="Arial" panose="020B0604020202020204" pitchFamily="34" charset="0"/>
+              <a:buChar char="•"/>
+            </a:pPr>
+            <a:r>
+              <a:rPr lang="en-US" altLang="zh-CN" sz="2800" dirty="0" smtClean="0">
+                <a:latin typeface="Meiryo" panose="020B0604030504040204" pitchFamily="34" charset="-128"/>
+                <a:ea typeface="Meiryo" panose="020B0604030504040204" pitchFamily="34" charset="-128"/>
+                <a:cs typeface="Meiryo" panose="020B0604030504040204" pitchFamily="34" charset="-128"/>
+              </a:rPr>
+              <a:t>Each subject get matrixs below</a:t>
+            </a:r>
+            <a:endParaRPr lang="en-US" altLang="zh-CN" sz="2800" b="1" dirty="0" smtClean="0">
+              <a:latin typeface="Meiryo" panose="020B0604030504040204" pitchFamily="34" charset="-128"/>
+              <a:ea typeface="Meiryo" panose="020B0604030504040204" pitchFamily="34" charset="-128"/>
+              <a:cs typeface="Meiryo" panose="020B0604030504040204" pitchFamily="34" charset="-128"/>
+            </a:endParaRPr>
+          </a:p>
+        </p:txBody>
+      </p:sp>
+      <p:pic>
+        <p:nvPicPr>
+          <p:cNvPr id="10" name="Picture 4"/>
+          <p:cNvPicPr>
+            <a:picLocks noChangeAspect="1" noChangeArrowheads="1"/>
+          </p:cNvPicPr>
+          <p:nvPr/>
+        </p:nvPicPr>
+        <p:blipFill>
+          <a:blip r:embed="rId3">
+            <a:extLst>
+              <a:ext uri="{28A0092B-C50C-407E-A947-70E740481C1C}">
+                <a14:useLocalDpi xmlns:a14="http://schemas.microsoft.com/office/drawing/2010/main" val="0"/>
+              </a:ext>
+            </a:extLst>
+          </a:blip>
+          <a:srcRect/>
+          <a:stretch>
+            <a:fillRect/>
+          </a:stretch>
+        </p:blipFill>
+        <p:spPr bwMode="auto">
+          <a:xfrm>
+            <a:off x="177135" y="3447534"/>
+            <a:ext cx="12000464" cy="3000116"/>
+          </a:xfrm>
+          <a:prstGeom prst="rect">
+            <a:avLst/>
+          </a:prstGeom>
+          <a:noFill/>
+          <a:ln>
+            <a:noFill/>
+          </a:ln>
+          <a:extLst>
+            <a:ext uri="{909E8E84-426E-40DD-AFC4-6F175D3DCCD1}">
+              <a14:hiddenFill xmlns:a14="http://schemas.microsoft.com/office/drawing/2010/main">
+                <a:solidFill>
+                  <a:schemeClr val="accent1"/>
+                </a:solidFill>
+              </a14:hiddenFill>
+            </a:ext>
+            <a:ext uri="{91240B29-F687-4F45-9708-019B960494DF}">
+              <a14:hiddenLine xmlns:a14="http://schemas.microsoft.com/office/drawing/2010/main" w="9525">
+                <a:solidFill>
+                  <a:schemeClr val="tx1"/>
+                </a:solidFill>
+                <a:miter lim="800000"/>
+                <a:headEnd/>
+                <a:tailEnd/>
+              </a14:hiddenLine>
+            </a:ext>
+          </a:extLst>
+        </p:spPr>
+      </p:pic>
+    </p:spTree>
+    <p:extLst>
+      <p:ext uri="{BB962C8B-B14F-4D97-AF65-F5344CB8AC3E}">
+        <p14:creationId xmlns:p14="http://schemas.microsoft.com/office/powerpoint/2010/main" val="1001441716"/>
+      </p:ext>
+    </p:extLst>
+  </p:cSld>
+  <p:clrMapOvr>
+    <a:masterClrMapping/>
+  </p:clrMapOvr>
+  <p:timing>
+    <p:tnLst>
+      <p:par>
+        <p:cTn id="1" dur="indefinite" restart="never" nodeType="tmRoot"/>
+      </p:par>
+    </p:tnLst>
+  </p:timing>
+</p:sld>
+</file>
+
+<file path=ppt/slides/slide15.xml><?xml version="1.0" encoding="utf-8"?>
+<p:sld xmlns:a="http://schemas.openxmlformats.org/drawingml/2006/main" xmlns:r="http://schemas.openxmlformats.org/officeDocument/2006/relationships" xmlns:p="http://schemas.openxmlformats.org/presentationml/2006/main">
+  <p:cSld>
+    <p:spTree>
+      <p:nvGrpSpPr>
+        <p:cNvPr id="1" name=""/>
+        <p:cNvGrpSpPr/>
+        <p:nvPr/>
+      </p:nvGrpSpPr>
+      <p:grpSpPr>
+        <a:xfrm>
+          <a:off x="0" y="0"/>
+          <a:ext cx="0" cy="0"/>
+          <a:chOff x="0" y="0"/>
+          <a:chExt cx="0" cy="0"/>
+        </a:xfrm>
+      </p:grpSpPr>
+      <p:sp>
+        <p:nvSpPr>
+          <p:cNvPr id="5" name="矩形 4"/>
+          <p:cNvSpPr/>
+          <p:nvPr/>
+        </p:nvSpPr>
+        <p:spPr>
+          <a:xfrm>
+            <a:off x="6005399" y="3447534"/>
+            <a:ext cx="6172200" cy="3410465"/>
+          </a:xfrm>
+          <a:prstGeom prst="rect">
+            <a:avLst/>
+          </a:prstGeom>
+          <a:solidFill>
+            <a:schemeClr val="bg1">
+              <a:lumMod val="95000"/>
+            </a:schemeClr>
+          </a:solidFill>
+          <a:ln>
+            <a:noFill/>
+          </a:ln>
+        </p:spPr>
+        <p:style>
+          <a:lnRef idx="2">
+            <a:schemeClr val="accent1">
+              <a:shade val="50000"/>
+            </a:schemeClr>
+          </a:lnRef>
+          <a:fillRef idx="1">
+            <a:schemeClr val="accent1"/>
+          </a:fillRef>
+          <a:effectRef idx="0">
+            <a:schemeClr val="accent1"/>
+          </a:effectRef>
+          <a:fontRef idx="minor">
+            <a:schemeClr val="lt1"/>
+          </a:fontRef>
+        </p:style>
+        <p:txBody>
+          <a:bodyPr rtlCol="0" anchor="ctr"/>
+          <a:lstStyle/>
+          <a:p>
+            <a:pPr algn="ctr"/>
+            <a:endParaRPr lang="zh-CN" altLang="en-US"/>
+          </a:p>
+        </p:txBody>
+      </p:sp>
+      <p:sp>
+        <p:nvSpPr>
+          <p:cNvPr id="29" name="矩形 28"/>
+          <p:cNvSpPr/>
+          <p:nvPr/>
+        </p:nvSpPr>
+        <p:spPr>
+          <a:xfrm>
+            <a:off x="12346" y="1"/>
+            <a:ext cx="6006821" cy="3447534"/>
+          </a:xfrm>
+          <a:prstGeom prst="rect">
+            <a:avLst/>
+          </a:prstGeom>
+          <a:solidFill>
+            <a:schemeClr val="bg1">
+              <a:lumMod val="95000"/>
+            </a:schemeClr>
+          </a:solidFill>
+          <a:ln>
+            <a:noFill/>
+          </a:ln>
+        </p:spPr>
+        <p:style>
+          <a:lnRef idx="2">
+            <a:schemeClr val="accent1">
+              <a:shade val="50000"/>
+            </a:schemeClr>
+          </a:lnRef>
+          <a:fillRef idx="1">
+            <a:schemeClr val="accent1"/>
+          </a:fillRef>
+          <a:effectRef idx="0">
+            <a:schemeClr val="accent1"/>
+          </a:effectRef>
+          <a:fontRef idx="minor">
+            <a:schemeClr val="lt1"/>
+          </a:fontRef>
+        </p:style>
+        <p:txBody>
+          <a:bodyPr rtlCol="0" anchor="ctr"/>
+          <a:lstStyle/>
+          <a:p>
+            <a:pPr algn="ctr"/>
+            <a:endParaRPr lang="zh-CN" altLang="en-US"/>
+          </a:p>
+        </p:txBody>
+      </p:sp>
+      <p:sp>
+        <p:nvSpPr>
+          <p:cNvPr id="30" name="文本框 29"/>
+          <p:cNvSpPr txBox="1"/>
+          <p:nvPr/>
+        </p:nvSpPr>
+        <p:spPr>
+          <a:xfrm>
+            <a:off x="662538" y="294935"/>
+            <a:ext cx="10634112" cy="1446550"/>
+          </a:xfrm>
+          <a:prstGeom prst="rect">
+            <a:avLst/>
+          </a:prstGeom>
+          <a:noFill/>
+        </p:spPr>
+        <p:txBody>
+          <a:bodyPr wrap="square" rtlCol="0">
+            <a:spAutoFit/>
+          </a:bodyPr>
+          <a:lstStyle/>
+          <a:p>
+            <a:r>
+              <a:rPr lang="en-US" altLang="zh-CN" sz="4400" b="1" dirty="0" smtClean="0">
+                <a:solidFill>
+                  <a:srgbClr val="00ABB4"/>
+                </a:solidFill>
+                <a:latin typeface="微软雅黑" panose="020B0503020204020204" pitchFamily="34" charset="-122"/>
+                <a:ea typeface="微软雅黑" panose="020B0503020204020204" pitchFamily="34" charset="-122"/>
+              </a:rPr>
+              <a:t>Statistical </a:t>
+            </a:r>
+            <a:r>
+              <a:rPr lang="en-US" altLang="zh-CN" sz="4400" b="1" dirty="0" smtClean="0">
+                <a:solidFill>
+                  <a:srgbClr val="00ABB4"/>
+                </a:solidFill>
+                <a:latin typeface="微软雅黑" panose="020B0503020204020204" pitchFamily="34" charset="-122"/>
+                <a:ea typeface="微软雅黑" panose="020B0503020204020204" pitchFamily="34" charset="-122"/>
+              </a:rPr>
+              <a:t>Measurement –</a:t>
+            </a:r>
+          </a:p>
+          <a:p>
+            <a:pPr algn="r"/>
+            <a:r>
+              <a:rPr lang="en-US" altLang="zh-CN" sz="4400" b="1" dirty="0" smtClean="0">
+                <a:solidFill>
+                  <a:srgbClr val="00ABB4"/>
+                </a:solidFill>
+                <a:latin typeface="微软雅黑" panose="020B0503020204020204" pitchFamily="34" charset="-122"/>
+                <a:ea typeface="微软雅黑" panose="020B0503020204020204" pitchFamily="34" charset="-122"/>
+              </a:rPr>
+              <a:t>correlation matrix</a:t>
+            </a:r>
+            <a:endParaRPr lang="en-US" altLang="zh-CN" sz="4400" b="1" dirty="0">
+              <a:solidFill>
+                <a:srgbClr val="00ABB4"/>
+              </a:solidFill>
+              <a:latin typeface="微软雅黑" panose="020B0503020204020204" pitchFamily="34" charset="-122"/>
+              <a:ea typeface="微软雅黑" panose="020B0503020204020204" pitchFamily="34" charset="-122"/>
+            </a:endParaRPr>
+          </a:p>
+        </p:txBody>
+      </p:sp>
+      <p:sp>
+        <p:nvSpPr>
+          <p:cNvPr id="9" name="Rectangle 96"/>
+          <p:cNvSpPr/>
+          <p:nvPr/>
+        </p:nvSpPr>
+        <p:spPr>
+          <a:xfrm>
+            <a:off x="896518" y="1474269"/>
+            <a:ext cx="10245297" cy="5262979"/>
+          </a:xfrm>
+          <a:prstGeom prst="rect">
+            <a:avLst/>
+          </a:prstGeom>
+        </p:spPr>
+        <p:txBody>
+          <a:bodyPr wrap="square">
+            <a:spAutoFit/>
+          </a:bodyPr>
+          <a:lstStyle/>
+          <a:p>
+            <a:pPr marL="342900" indent="-342900">
+              <a:lnSpc>
+                <a:spcPct val="200000"/>
+              </a:lnSpc>
+              <a:buFont typeface="Arial" panose="020B0604020202020204" pitchFamily="34" charset="0"/>
+              <a:buChar char="•"/>
+            </a:pPr>
+            <a:r>
+              <a:rPr lang="en-US" altLang="zh-CN" sz="2800" b="1" dirty="0" smtClean="0">
+                <a:latin typeface="Meiryo" panose="020B0604030504040204" pitchFamily="34" charset="-128"/>
+                <a:ea typeface="Meiryo" panose="020B0604030504040204" pitchFamily="34" charset="-128"/>
+                <a:cs typeface="Meiryo" panose="020B0604030504040204" pitchFamily="34" charset="-128"/>
+              </a:rPr>
+              <a:t>Correlation matrix for each subject for each dose</a:t>
+            </a:r>
+          </a:p>
+          <a:p>
+            <a:pPr marL="800100" lvl="1" indent="-342900">
+              <a:lnSpc>
+                <a:spcPct val="200000"/>
+              </a:lnSpc>
+              <a:buFont typeface="Arial" panose="020B0604020202020204" pitchFamily="34" charset="0"/>
+              <a:buChar char="•"/>
+            </a:pPr>
+            <a:r>
+              <a:rPr lang="en-US" altLang="zh-CN" sz="2800" dirty="0" smtClean="0">
+                <a:latin typeface="Meiryo" panose="020B0604030504040204" pitchFamily="34" charset="-128"/>
+                <a:ea typeface="Meiryo" panose="020B0604030504040204" pitchFamily="34" charset="-128"/>
+                <a:cs typeface="Meiryo" panose="020B0604030504040204" pitchFamily="34" charset="-128"/>
+              </a:rPr>
+              <a:t>T-test in pairs of low&amp;mid, low&amp;high, mid&amp;high</a:t>
+            </a:r>
+          </a:p>
+          <a:p>
+            <a:pPr marL="800100" lvl="1" indent="-342900">
+              <a:lnSpc>
+                <a:spcPct val="200000"/>
+              </a:lnSpc>
+              <a:buFont typeface="Arial" panose="020B0604020202020204" pitchFamily="34" charset="0"/>
+              <a:buChar char="•"/>
+            </a:pPr>
+            <a:r>
+              <a:rPr lang="en-US" altLang="zh-CN" sz="2800" dirty="0" smtClean="0">
+                <a:latin typeface="Meiryo" panose="020B0604030504040204" pitchFamily="34" charset="-128"/>
+                <a:ea typeface="Meiryo" panose="020B0604030504040204" pitchFamily="34" charset="-128"/>
+                <a:cs typeface="Meiryo" panose="020B0604030504040204" pitchFamily="34" charset="-128"/>
+              </a:rPr>
+              <a:t>Significance:</a:t>
+            </a:r>
+          </a:p>
+          <a:p>
+            <a:pPr marL="1257300" lvl="2" indent="-342900">
+              <a:lnSpc>
+                <a:spcPct val="200000"/>
+              </a:lnSpc>
+              <a:buFont typeface="Arial" panose="020B0604020202020204" pitchFamily="34" charset="0"/>
+              <a:buChar char="•"/>
+            </a:pPr>
+            <a:r>
+              <a:rPr lang="en-US" altLang="zh-CN" sz="2800" dirty="0" smtClean="0">
+                <a:latin typeface="Meiryo" panose="020B0604030504040204" pitchFamily="34" charset="-128"/>
+                <a:ea typeface="Meiryo" panose="020B0604030504040204" pitchFamily="34" charset="-128"/>
+                <a:cs typeface="Meiryo" panose="020B0604030504040204" pitchFamily="34" charset="-128"/>
+              </a:rPr>
+              <a:t>ant-DMN itself in low&amp;mid and low&amp;high</a:t>
+            </a:r>
+          </a:p>
+          <a:p>
+            <a:pPr marL="1257300" lvl="2" indent="-342900">
+              <a:lnSpc>
+                <a:spcPct val="200000"/>
+              </a:lnSpc>
+              <a:buFont typeface="Arial" panose="020B0604020202020204" pitchFamily="34" charset="0"/>
+              <a:buChar char="•"/>
+            </a:pPr>
+            <a:r>
+              <a:rPr lang="en-US" altLang="zh-CN" sz="2800" dirty="0" smtClean="0">
+                <a:latin typeface="Meiryo" panose="020B0604030504040204" pitchFamily="34" charset="-128"/>
+                <a:ea typeface="Meiryo" panose="020B0604030504040204" pitchFamily="34" charset="-128"/>
+                <a:cs typeface="Meiryo" panose="020B0604030504040204" pitchFamily="34" charset="-128"/>
+              </a:rPr>
+              <a:t>Hypothalamus with pos-DMN in mid&amp;high</a:t>
+            </a:r>
+          </a:p>
+          <a:p>
+            <a:pPr marL="800100" lvl="1" indent="-342900">
+              <a:lnSpc>
+                <a:spcPct val="200000"/>
+              </a:lnSpc>
+              <a:buFont typeface="Arial" panose="020B0604020202020204" pitchFamily="34" charset="0"/>
+              <a:buChar char="•"/>
+            </a:pPr>
+            <a:r>
+              <a:rPr lang="en-US" altLang="zh-CN" sz="2800" dirty="0" smtClean="0">
+                <a:latin typeface="Meiryo" panose="020B0604030504040204" pitchFamily="34" charset="-128"/>
+                <a:ea typeface="Meiryo" panose="020B0604030504040204" pitchFamily="34" charset="-128"/>
+                <a:cs typeface="Meiryo" panose="020B0604030504040204" pitchFamily="34" charset="-128"/>
+              </a:rPr>
+              <a:t>Indicate that:</a:t>
+            </a:r>
+            <a:r>
+              <a:rPr lang="en-US" altLang="zh-CN" sz="2800" dirty="0">
+                <a:latin typeface="Meiryo" panose="020B0604030504040204" pitchFamily="34" charset="-128"/>
+                <a:ea typeface="Meiryo" panose="020B0604030504040204" pitchFamily="34" charset="-128"/>
+                <a:cs typeface="Meiryo" panose="020B0604030504040204" pitchFamily="34" charset="-128"/>
+              </a:rPr>
+              <a:t> </a:t>
+            </a:r>
+            <a:r>
+              <a:rPr lang="en-US" altLang="zh-CN" sz="2800" dirty="0" smtClean="0">
+                <a:latin typeface="Meiryo" panose="020B0604030504040204" pitchFamily="34" charset="-128"/>
+                <a:ea typeface="Meiryo" panose="020B0604030504040204" pitchFamily="34" charset="-128"/>
+                <a:cs typeface="Meiryo" panose="020B0604030504040204" pitchFamily="34" charset="-128"/>
+              </a:rPr>
+              <a:t>corralation decrease</a:t>
+            </a:r>
+          </a:p>
+        </p:txBody>
+      </p:sp>
+    </p:spTree>
+    <p:extLst>
+      <p:ext uri="{BB962C8B-B14F-4D97-AF65-F5344CB8AC3E}">
+        <p14:creationId xmlns:p14="http://schemas.microsoft.com/office/powerpoint/2010/main" val="4263563643"/>
+      </p:ext>
+    </p:extLst>
+  </p:cSld>
+  <p:clrMapOvr>
+    <a:masterClrMapping/>
+  </p:clrMapOvr>
+  <p:timing>
+    <p:tnLst>
+      <p:par>
+        <p:cTn id="1" dur="indefinite" restart="never" nodeType="tmRoot"/>
+      </p:par>
+    </p:tnLst>
+  </p:timing>
+</p:sld>
+</file>
+
+<file path=ppt/slides/slide16.xml><?xml version="1.0" encoding="utf-8"?>
+<p:sld xmlns:a="http://schemas.openxmlformats.org/drawingml/2006/main" xmlns:r="http://schemas.openxmlformats.org/officeDocument/2006/relationships" xmlns:p="http://schemas.openxmlformats.org/presentationml/2006/main">
+  <p:cSld>
+    <p:spTree>
+      <p:nvGrpSpPr>
+        <p:cNvPr id="1" name=""/>
+        <p:cNvGrpSpPr/>
+        <p:nvPr/>
+      </p:nvGrpSpPr>
+      <p:grpSpPr>
+        <a:xfrm>
+          <a:off x="0" y="0"/>
+          <a:ext cx="0" cy="0"/>
+          <a:chOff x="0" y="0"/>
+          <a:chExt cx="0" cy="0"/>
+        </a:xfrm>
+      </p:grpSpPr>
+      <p:sp>
+        <p:nvSpPr>
+          <p:cNvPr id="5" name="矩形 4"/>
+          <p:cNvSpPr/>
+          <p:nvPr/>
+        </p:nvSpPr>
+        <p:spPr>
+          <a:xfrm>
+            <a:off x="6005399" y="0"/>
+            <a:ext cx="6186601" cy="6857999"/>
+          </a:xfrm>
+          <a:prstGeom prst="rect">
+            <a:avLst/>
+          </a:prstGeom>
+          <a:solidFill>
+            <a:schemeClr val="bg1">
+              <a:lumMod val="95000"/>
+            </a:schemeClr>
+          </a:solidFill>
+          <a:ln>
+            <a:noFill/>
+          </a:ln>
+        </p:spPr>
+        <p:style>
+          <a:lnRef idx="2">
+            <a:schemeClr val="accent1">
+              <a:shade val="50000"/>
+            </a:schemeClr>
+          </a:lnRef>
+          <a:fillRef idx="1">
+            <a:schemeClr val="accent1"/>
+          </a:fillRef>
+          <a:effectRef idx="0">
+            <a:schemeClr val="accent1"/>
+          </a:effectRef>
+          <a:fontRef idx="minor">
+            <a:schemeClr val="lt1"/>
+          </a:fontRef>
+        </p:style>
+        <p:txBody>
+          <a:bodyPr rtlCol="0" anchor="ctr"/>
+          <a:lstStyle/>
+          <a:p>
+            <a:pPr algn="ctr"/>
+            <a:endParaRPr lang="zh-CN" altLang="en-US"/>
+          </a:p>
+        </p:txBody>
+      </p:sp>
+      <p:sp>
+        <p:nvSpPr>
+          <p:cNvPr id="30" name="文本框 29"/>
+          <p:cNvSpPr txBox="1"/>
+          <p:nvPr/>
+        </p:nvSpPr>
+        <p:spPr>
+          <a:xfrm>
+            <a:off x="662538" y="294935"/>
+            <a:ext cx="9205361" cy="769441"/>
+          </a:xfrm>
+          <a:prstGeom prst="rect">
+            <a:avLst/>
+          </a:prstGeom>
+          <a:noFill/>
+        </p:spPr>
+        <p:txBody>
+          <a:bodyPr wrap="square" rtlCol="0">
+            <a:spAutoFit/>
+          </a:bodyPr>
+          <a:lstStyle/>
+          <a:p>
+            <a:r>
+              <a:rPr lang="en-US" altLang="zh-CN" sz="4400" b="1" dirty="0" smtClean="0">
+                <a:solidFill>
+                  <a:srgbClr val="00ABB4"/>
+                </a:solidFill>
+                <a:latin typeface="微软雅黑" panose="020B0503020204020204" pitchFamily="34" charset="-122"/>
+                <a:ea typeface="微软雅黑" panose="020B0503020204020204" pitchFamily="34" charset="-122"/>
+              </a:rPr>
+              <a:t>Infer 1 </a:t>
+            </a:r>
+            <a:endParaRPr lang="en-US" altLang="zh-CN" sz="4400" b="1" dirty="0">
+              <a:solidFill>
+                <a:srgbClr val="00ABB4"/>
+              </a:solidFill>
+              <a:latin typeface="微软雅黑" panose="020B0503020204020204" pitchFamily="34" charset="-122"/>
+              <a:ea typeface="微软雅黑" panose="020B0503020204020204" pitchFamily="34" charset="-122"/>
+            </a:endParaRPr>
+          </a:p>
+        </p:txBody>
+      </p:sp>
+      <p:sp>
+        <p:nvSpPr>
+          <p:cNvPr id="31" name="Rectangle 96"/>
+          <p:cNvSpPr/>
+          <p:nvPr/>
+        </p:nvSpPr>
+        <p:spPr>
+          <a:xfrm>
+            <a:off x="896518" y="1556257"/>
+            <a:ext cx="10245297" cy="3539430"/>
+          </a:xfrm>
+          <a:prstGeom prst="rect">
+            <a:avLst/>
+          </a:prstGeom>
+        </p:spPr>
+        <p:txBody>
+          <a:bodyPr wrap="square">
+            <a:spAutoFit/>
+          </a:bodyPr>
+          <a:lstStyle/>
+          <a:p>
+            <a:pPr marL="342900" indent="-342900">
+              <a:lnSpc>
+                <a:spcPct val="200000"/>
+              </a:lnSpc>
+              <a:buFont typeface="Arial" panose="020B0604020202020204" pitchFamily="34" charset="0"/>
+              <a:buChar char="•"/>
+            </a:pPr>
+            <a:r>
+              <a:rPr lang="en-US" altLang="zh-CN" sz="2800" b="1" dirty="0" smtClean="0">
+                <a:latin typeface="Meiryo" panose="020B0604030504040204" pitchFamily="34" charset="-128"/>
+                <a:ea typeface="Meiryo" panose="020B0604030504040204" pitchFamily="34" charset="-128"/>
+                <a:cs typeface="Meiryo" panose="020B0604030504040204" pitchFamily="34" charset="-128"/>
+              </a:rPr>
+              <a:t>Increasing inv</a:t>
+            </a:r>
+            <a:r>
+              <a:rPr lang="en-US" altLang="zh-CN" sz="2800" b="1" dirty="0" smtClean="0">
+                <a:latin typeface="Meiryo" panose="020B0604030504040204" pitchFamily="34" charset="-128"/>
+                <a:ea typeface="Meiryo" panose="020B0604030504040204" pitchFamily="34" charset="-128"/>
+                <a:cs typeface="Meiryo" panose="020B0604030504040204" pitchFamily="34" charset="-128"/>
+              </a:rPr>
+              <a:t>ariability across subjects along dose is beacuse:</a:t>
+            </a:r>
+          </a:p>
+          <a:p>
+            <a:pPr marL="1257300" lvl="2" indent="-342900">
+              <a:lnSpc>
+                <a:spcPct val="200000"/>
+              </a:lnSpc>
+              <a:buFont typeface="Arial" panose="020B0604020202020204" pitchFamily="34" charset="0"/>
+              <a:buChar char="•"/>
+            </a:pPr>
+            <a:r>
+              <a:rPr lang="en-US" altLang="zh-CN" sz="2800" dirty="0" smtClean="0">
+                <a:latin typeface="Meiryo" panose="020B0604030504040204" pitchFamily="34" charset="-128"/>
+                <a:ea typeface="Meiryo" panose="020B0604030504040204" pitchFamily="34" charset="-128"/>
+                <a:cs typeface="Meiryo" panose="020B0604030504040204" pitchFamily="34" charset="-128"/>
+              </a:rPr>
+              <a:t>Correaltion decrease till disappear along dose</a:t>
+            </a:r>
+          </a:p>
+          <a:p>
+            <a:pPr marL="1257300" lvl="2" indent="-342900">
+              <a:lnSpc>
+                <a:spcPct val="200000"/>
+              </a:lnSpc>
+              <a:buFont typeface="Arial" panose="020B0604020202020204" pitchFamily="34" charset="0"/>
+              <a:buChar char="•"/>
+            </a:pPr>
+            <a:r>
+              <a:rPr lang="en-US" altLang="zh-CN" sz="2800" dirty="0" smtClean="0">
+                <a:latin typeface="Meiryo" panose="020B0604030504040204" pitchFamily="34" charset="-128"/>
+                <a:ea typeface="Meiryo" panose="020B0604030504040204" pitchFamily="34" charset="-128"/>
+                <a:cs typeface="Meiryo" panose="020B0604030504040204" pitchFamily="34" charset="-128"/>
+              </a:rPr>
+              <a:t>The number of sub-modules is increase</a:t>
+            </a:r>
+          </a:p>
+        </p:txBody>
+      </p:sp>
+    </p:spTree>
+    <p:extLst>
+      <p:ext uri="{BB962C8B-B14F-4D97-AF65-F5344CB8AC3E}">
+        <p14:creationId xmlns:p14="http://schemas.microsoft.com/office/powerpoint/2010/main" val="146112247"/>
+      </p:ext>
+    </p:extLst>
+  </p:cSld>
+  <p:clrMapOvr>
+    <a:masterClrMapping/>
+  </p:clrMapOvr>
+  <p:timing>
+    <p:tnLst>
+      <p:par>
+        <p:cTn id="1" dur="indefinite" restart="never" nodeType="tmRoot"/>
+      </p:par>
+    </p:tnLst>
+  </p:timing>
+</p:sld>
+</file>
+
+<file path=ppt/slides/slide17.xml><?xml version="1.0" encoding="utf-8"?>
+<p:sld xmlns:a="http://schemas.openxmlformats.org/drawingml/2006/main" xmlns:r="http://schemas.openxmlformats.org/officeDocument/2006/relationships" xmlns:p="http://schemas.openxmlformats.org/presentationml/2006/main">
+  <p:cSld>
+    <p:spTree>
+      <p:nvGrpSpPr>
+        <p:cNvPr id="1" name=""/>
+        <p:cNvGrpSpPr/>
+        <p:nvPr/>
+      </p:nvGrpSpPr>
+      <p:grpSpPr>
+        <a:xfrm>
+          <a:off x="0" y="0"/>
+          <a:ext cx="0" cy="0"/>
+          <a:chOff x="0" y="0"/>
+          <a:chExt cx="0" cy="0"/>
+        </a:xfrm>
+      </p:grpSpPr>
+      <p:sp>
+        <p:nvSpPr>
+          <p:cNvPr id="5" name="矩形 4"/>
+          <p:cNvSpPr/>
+          <p:nvPr/>
+        </p:nvSpPr>
+        <p:spPr>
+          <a:xfrm>
+            <a:off x="6005399" y="0"/>
+            <a:ext cx="6186601" cy="6857999"/>
+          </a:xfrm>
+          <a:prstGeom prst="rect">
+            <a:avLst/>
+          </a:prstGeom>
+          <a:solidFill>
+            <a:schemeClr val="bg1">
+              <a:lumMod val="95000"/>
+            </a:schemeClr>
+          </a:solidFill>
+          <a:ln>
+            <a:noFill/>
+          </a:ln>
+        </p:spPr>
+        <p:style>
+          <a:lnRef idx="2">
+            <a:schemeClr val="accent1">
+              <a:shade val="50000"/>
+            </a:schemeClr>
+          </a:lnRef>
+          <a:fillRef idx="1">
+            <a:schemeClr val="accent1"/>
+          </a:fillRef>
+          <a:effectRef idx="0">
+            <a:schemeClr val="accent1"/>
+          </a:effectRef>
+          <a:fontRef idx="minor">
+            <a:schemeClr val="lt1"/>
+          </a:fontRef>
+        </p:style>
+        <p:txBody>
+          <a:bodyPr rtlCol="0" anchor="ctr"/>
+          <a:lstStyle/>
+          <a:p>
+            <a:pPr algn="ctr"/>
+            <a:endParaRPr lang="zh-CN" altLang="en-US"/>
+          </a:p>
+        </p:txBody>
+      </p:sp>
+      <p:sp>
+        <p:nvSpPr>
+          <p:cNvPr id="30" name="文本框 29"/>
+          <p:cNvSpPr txBox="1"/>
+          <p:nvPr/>
+        </p:nvSpPr>
+        <p:spPr>
+          <a:xfrm>
+            <a:off x="662538" y="294935"/>
+            <a:ext cx="9205361" cy="769441"/>
+          </a:xfrm>
+          <a:prstGeom prst="rect">
+            <a:avLst/>
+          </a:prstGeom>
+          <a:noFill/>
+        </p:spPr>
+        <p:txBody>
+          <a:bodyPr wrap="square" rtlCol="0">
+            <a:spAutoFit/>
+          </a:bodyPr>
+          <a:lstStyle/>
+          <a:p>
+            <a:r>
+              <a:rPr lang="en-US" altLang="zh-CN" sz="4400" b="1" dirty="0" smtClean="0">
+                <a:solidFill>
+                  <a:srgbClr val="00ABB4"/>
+                </a:solidFill>
+                <a:latin typeface="微软雅黑" panose="020B0503020204020204" pitchFamily="34" charset="-122"/>
+                <a:ea typeface="微软雅黑" panose="020B0503020204020204" pitchFamily="34" charset="-122"/>
+              </a:rPr>
+              <a:t>Infer 2</a:t>
+            </a:r>
+            <a:endParaRPr lang="en-US" altLang="zh-CN" sz="4400" b="1" dirty="0">
+              <a:solidFill>
+                <a:srgbClr val="00ABB4"/>
+              </a:solidFill>
+              <a:latin typeface="微软雅黑" panose="020B0503020204020204" pitchFamily="34" charset="-122"/>
+              <a:ea typeface="微软雅黑" panose="020B0503020204020204" pitchFamily="34" charset="-122"/>
+            </a:endParaRPr>
+          </a:p>
+        </p:txBody>
+      </p:sp>
+      <p:sp>
+        <p:nvSpPr>
+          <p:cNvPr id="31" name="Rectangle 96"/>
+          <p:cNvSpPr/>
+          <p:nvPr/>
+        </p:nvSpPr>
+        <p:spPr>
+          <a:xfrm>
+            <a:off x="896518" y="1556257"/>
+            <a:ext cx="10245297" cy="3431709"/>
+          </a:xfrm>
+          <a:prstGeom prst="rect">
+            <a:avLst/>
+          </a:prstGeom>
+        </p:spPr>
+        <p:txBody>
+          <a:bodyPr wrap="square">
+            <a:spAutoFit/>
+          </a:bodyPr>
+          <a:lstStyle/>
+          <a:p>
+            <a:pPr marL="342900" indent="-342900">
+              <a:lnSpc>
+                <a:spcPct val="200000"/>
+              </a:lnSpc>
+              <a:buFont typeface="Arial" panose="020B0604020202020204" pitchFamily="34" charset="0"/>
+              <a:buChar char="•"/>
+            </a:pPr>
+            <a:r>
+              <a:rPr lang="en-US" altLang="zh-CN" sz="2800" b="1" dirty="0" smtClean="0">
+                <a:latin typeface="Meiryo" panose="020B0604030504040204" pitchFamily="34" charset="-128"/>
+                <a:ea typeface="Meiryo" panose="020B0604030504040204" pitchFamily="34" charset="-128"/>
+                <a:cs typeface="Meiryo" panose="020B0604030504040204" pitchFamily="34" charset="-128"/>
+              </a:rPr>
+              <a:t>Decreasing </a:t>
+            </a:r>
+            <a:r>
+              <a:rPr lang="en-US" altLang="zh-CN" sz="2800" b="1" dirty="0">
+                <a:latin typeface="Meiryo" panose="020B0604030504040204" pitchFamily="34" charset="-128"/>
+                <a:ea typeface="Meiryo" panose="020B0604030504040204" pitchFamily="34" charset="-128"/>
+                <a:cs typeface="Meiryo" panose="020B0604030504040204" pitchFamily="34" charset="-128"/>
+              </a:rPr>
+              <a:t>invariability across subjects along dose is beacuse:</a:t>
+            </a:r>
+          </a:p>
+          <a:p>
+            <a:pPr marL="800100" lvl="1" indent="-342900">
+              <a:lnSpc>
+                <a:spcPct val="200000"/>
+              </a:lnSpc>
+              <a:buFont typeface="Arial" panose="020B0604020202020204" pitchFamily="34" charset="0"/>
+              <a:buChar char="•"/>
+            </a:pPr>
+            <a:r>
+              <a:rPr lang="en-US" altLang="zh-CN" sz="2800" dirty="0" smtClean="0">
+                <a:latin typeface="Meiryo" panose="020B0604030504040204" pitchFamily="34" charset="-128"/>
+                <a:ea typeface="Meiryo" panose="020B0604030504040204" pitchFamily="34" charset="-128"/>
+                <a:cs typeface="Meiryo" panose="020B0604030504040204" pitchFamily="34" charset="-128"/>
+              </a:rPr>
+              <a:t>Modules is silencing along dose, and at last all similar to anatomical structure</a:t>
+            </a:r>
+            <a:endParaRPr lang="en-US" altLang="zh-CN" sz="2800" dirty="0" smtClean="0">
+              <a:latin typeface="Meiryo" panose="020B0604030504040204" pitchFamily="34" charset="-128"/>
+              <a:ea typeface="Meiryo" panose="020B0604030504040204" pitchFamily="34" charset="-128"/>
+              <a:cs typeface="Meiryo" panose="020B0604030504040204" pitchFamily="34" charset="-128"/>
+            </a:endParaRPr>
+          </a:p>
+        </p:txBody>
+      </p:sp>
+    </p:spTree>
+    <p:extLst>
+      <p:ext uri="{BB962C8B-B14F-4D97-AF65-F5344CB8AC3E}">
+        <p14:creationId xmlns:p14="http://schemas.microsoft.com/office/powerpoint/2010/main" val="3959228195"/>
+      </p:ext>
+    </p:extLst>
+  </p:cSld>
+  <p:clrMapOvr>
+    <a:masterClrMapping/>
+  </p:clrMapOvr>
+  <p:timing>
+    <p:tnLst>
+      <p:par>
+        <p:cTn id="1" dur="indefinite" restart="never" nodeType="tmRoot"/>
+      </p:par>
+    </p:tnLst>
+  </p:timing>
+</p:sld>
+</file>
+
+<file path=ppt/slides/slide18.xml><?xml version="1.0" encoding="utf-8"?>
+<p:sld xmlns:a="http://schemas.openxmlformats.org/drawingml/2006/main" xmlns:r="http://schemas.openxmlformats.org/officeDocument/2006/relationships" xmlns:p="http://schemas.openxmlformats.org/presentationml/2006/main">
+  <p:cSld>
+    <p:spTree>
+      <p:nvGrpSpPr>
+        <p:cNvPr id="1" name=""/>
+        <p:cNvGrpSpPr/>
+        <p:nvPr/>
+      </p:nvGrpSpPr>
+      <p:grpSpPr>
+        <a:xfrm>
+          <a:off x="0" y="0"/>
+          <a:ext cx="0" cy="0"/>
+          <a:chOff x="0" y="0"/>
+          <a:chExt cx="0" cy="0"/>
+        </a:xfrm>
+      </p:grpSpPr>
+      <p:sp>
+        <p:nvSpPr>
+          <p:cNvPr id="3" name="文本框 2"/>
+          <p:cNvSpPr txBox="1"/>
+          <p:nvPr/>
+        </p:nvSpPr>
+        <p:spPr>
+          <a:xfrm>
+            <a:off x="2618510" y="2333008"/>
+            <a:ext cx="6964407" cy="1261884"/>
+          </a:xfrm>
+          <a:prstGeom prst="rect">
+            <a:avLst/>
+          </a:prstGeom>
+          <a:noFill/>
+        </p:spPr>
+        <p:txBody>
+          <a:bodyPr wrap="none" rtlCol="0">
+            <a:spAutoFit/>
+          </a:bodyPr>
+          <a:lstStyle/>
+          <a:p>
+            <a:pPr algn="ctr"/>
+            <a:r>
+              <a:rPr lang="en-US" altLang="zh-CN" sz="3800" b="1" dirty="0" smtClean="0">
+                <a:solidFill>
+                  <a:srgbClr val="00ABB4"/>
+                </a:solidFill>
+                <a:effectLst>
+                  <a:outerShdw blurRad="38100" dist="38100" dir="2700000" algn="tl">
+                    <a:srgbClr val="000000">
+                      <a:alpha val="43137"/>
+                    </a:srgbClr>
+                  </a:outerShdw>
+                </a:effectLst>
+                <a:latin typeface="微软雅黑" panose="020B0503020204020204" pitchFamily="34" charset="-122"/>
+                <a:ea typeface="微软雅黑" panose="020B0503020204020204" pitchFamily="34" charset="-122"/>
+              </a:rPr>
+              <a:t>Thank you all for listening~</a:t>
+            </a:r>
+            <a:r>
+              <a:rPr lang="en-US" altLang="zh-CN" sz="3800" b="1" dirty="0">
+                <a:solidFill>
+                  <a:srgbClr val="00ABB4"/>
+                </a:solidFill>
+                <a:effectLst>
+                  <a:outerShdw blurRad="38100" dist="38100" dir="2700000" algn="tl">
+                    <a:srgbClr val="000000">
+                      <a:alpha val="43137"/>
+                    </a:srgbClr>
+                  </a:outerShdw>
+                </a:effectLst>
+                <a:latin typeface="微软雅黑" panose="020B0503020204020204" pitchFamily="34" charset="-122"/>
+                <a:ea typeface="微软雅黑" panose="020B0503020204020204" pitchFamily="34" charset="-122"/>
+              </a:rPr>
+              <a:t/>
+            </a:r>
+            <a:br>
+              <a:rPr lang="en-US" altLang="zh-CN" sz="3800" b="1" dirty="0">
+                <a:solidFill>
+                  <a:srgbClr val="00ABB4"/>
+                </a:solidFill>
+                <a:effectLst>
+                  <a:outerShdw blurRad="38100" dist="38100" dir="2700000" algn="tl">
+                    <a:srgbClr val="000000">
+                      <a:alpha val="43137"/>
+                    </a:srgbClr>
+                  </a:outerShdw>
+                </a:effectLst>
+                <a:latin typeface="微软雅黑" panose="020B0503020204020204" pitchFamily="34" charset="-122"/>
+                <a:ea typeface="微软雅黑" panose="020B0503020204020204" pitchFamily="34" charset="-122"/>
+              </a:rPr>
+            </a:br>
+            <a:endParaRPr lang="en-US" altLang="zh-CN" sz="3800" b="1" dirty="0">
               <a:solidFill>
                 <a:srgbClr val="00ABB4"/>
               </a:solidFill>
@@ -3667,7 +7697,7 @@
     </p:spTree>
     <p:extLst>
       <p:ext uri="{BB962C8B-B14F-4D97-AF65-F5344CB8AC3E}">
-        <p14:creationId xmlns:p14="http://schemas.microsoft.com/office/powerpoint/2010/main" val="3247952448"/>
+        <p14:creationId xmlns:p14="http://schemas.microsoft.com/office/powerpoint/2010/main" val="3711594375"/>
       </p:ext>
     </p:extLst>
   </p:cSld>
@@ -3701,10 +7731,281 @@
           <a:chExt cx="0" cy="0"/>
         </a:xfrm>
       </p:grpSpPr>
+      <p:sp>
+        <p:nvSpPr>
+          <p:cNvPr id="5" name="矩形 4"/>
+          <p:cNvSpPr/>
+          <p:nvPr/>
+        </p:nvSpPr>
+        <p:spPr>
+          <a:xfrm>
+            <a:off x="6005399" y="0"/>
+            <a:ext cx="6186601" cy="6857999"/>
+          </a:xfrm>
+          <a:prstGeom prst="rect">
+            <a:avLst/>
+          </a:prstGeom>
+          <a:solidFill>
+            <a:schemeClr val="bg1">
+              <a:lumMod val="95000"/>
+            </a:schemeClr>
+          </a:solidFill>
+          <a:ln>
+            <a:noFill/>
+          </a:ln>
+        </p:spPr>
+        <p:style>
+          <a:lnRef idx="2">
+            <a:schemeClr val="accent1">
+              <a:shade val="50000"/>
+            </a:schemeClr>
+          </a:lnRef>
+          <a:fillRef idx="1">
+            <a:schemeClr val="accent1"/>
+          </a:fillRef>
+          <a:effectRef idx="0">
+            <a:schemeClr val="accent1"/>
+          </a:effectRef>
+          <a:fontRef idx="minor">
+            <a:schemeClr val="lt1"/>
+          </a:fontRef>
+        </p:style>
+        <p:txBody>
+          <a:bodyPr rtlCol="0" anchor="ctr"/>
+          <a:lstStyle/>
+          <a:p>
+            <a:pPr algn="ctr"/>
+            <a:endParaRPr lang="zh-CN" altLang="en-US"/>
+          </a:p>
+        </p:txBody>
+      </p:sp>
+      <p:sp>
+        <p:nvSpPr>
+          <p:cNvPr id="30" name="文本框 29"/>
+          <p:cNvSpPr txBox="1"/>
+          <p:nvPr/>
+        </p:nvSpPr>
+        <p:spPr>
+          <a:xfrm>
+            <a:off x="662538" y="294935"/>
+            <a:ext cx="9205361" cy="769441"/>
+          </a:xfrm>
+          <a:prstGeom prst="rect">
+            <a:avLst/>
+          </a:prstGeom>
+          <a:noFill/>
+        </p:spPr>
+        <p:txBody>
+          <a:bodyPr wrap="square" rtlCol="0">
+            <a:spAutoFit/>
+          </a:bodyPr>
+          <a:lstStyle/>
+          <a:p>
+            <a:r>
+              <a:rPr lang="en-US" altLang="zh-CN" sz="4400" b="1" dirty="0" smtClean="0">
+                <a:solidFill>
+                  <a:srgbClr val="00ABB4"/>
+                </a:solidFill>
+                <a:latin typeface="微软雅黑" panose="020B0503020204020204" pitchFamily="34" charset="-122"/>
+                <a:ea typeface="微软雅黑" panose="020B0503020204020204" pitchFamily="34" charset="-122"/>
+              </a:rPr>
+              <a:t>Data management</a:t>
+            </a:r>
+            <a:endParaRPr lang="en-US" altLang="zh-CN" sz="4400" b="1" dirty="0">
+              <a:solidFill>
+                <a:srgbClr val="00ABB4"/>
+              </a:solidFill>
+              <a:latin typeface="微软雅黑" panose="020B0503020204020204" pitchFamily="34" charset="-122"/>
+              <a:ea typeface="微软雅黑" panose="020B0503020204020204" pitchFamily="34" charset="-122"/>
+            </a:endParaRPr>
+          </a:p>
+        </p:txBody>
+      </p:sp>
+      <p:sp>
+        <p:nvSpPr>
+          <p:cNvPr id="31" name="Rectangle 96"/>
+          <p:cNvSpPr/>
+          <p:nvPr/>
+        </p:nvSpPr>
+        <p:spPr>
+          <a:xfrm>
+            <a:off x="896518" y="1556257"/>
+            <a:ext cx="10245297" cy="3539430"/>
+          </a:xfrm>
+          <a:prstGeom prst="rect">
+            <a:avLst/>
+          </a:prstGeom>
+        </p:spPr>
+        <p:txBody>
+          <a:bodyPr wrap="square">
+            <a:spAutoFit/>
+          </a:bodyPr>
+          <a:lstStyle/>
+          <a:p>
+            <a:pPr marL="342900" indent="-342900">
+              <a:lnSpc>
+                <a:spcPct val="200000"/>
+              </a:lnSpc>
+              <a:buFont typeface="Arial" panose="020B0604020202020204" pitchFamily="34" charset="0"/>
+              <a:buChar char="•"/>
+            </a:pPr>
+            <a:r>
+              <a:rPr lang="en-US" altLang="zh-CN" sz="2800" b="1" dirty="0">
+                <a:latin typeface="Meiryo" panose="020B0604030504040204" pitchFamily="34" charset="-128"/>
+                <a:ea typeface="Meiryo" panose="020B0604030504040204" pitchFamily="34" charset="-128"/>
+                <a:cs typeface="Meiryo" panose="020B0604030504040204" pitchFamily="34" charset="-128"/>
+              </a:rPr>
+              <a:t> </a:t>
+            </a:r>
+            <a:r>
+              <a:rPr lang="en-US" altLang="zh-CN" sz="2800" b="1" dirty="0" smtClean="0">
+                <a:latin typeface="Meiryo" panose="020B0604030504040204" pitchFamily="34" charset="-128"/>
+                <a:ea typeface="Meiryo" panose="020B0604030504040204" pitchFamily="34" charset="-128"/>
+                <a:cs typeface="Meiryo" panose="020B0604030504040204" pitchFamily="34" charset="-128"/>
+              </a:rPr>
+              <a:t>fMRI data</a:t>
+            </a:r>
+          </a:p>
+          <a:p>
+            <a:pPr marL="342900" indent="-342900">
+              <a:lnSpc>
+                <a:spcPct val="200000"/>
+              </a:lnSpc>
+              <a:buFont typeface="Arial" panose="020B0604020202020204" pitchFamily="34" charset="0"/>
+              <a:buChar char="•"/>
+            </a:pPr>
+            <a:r>
+              <a:rPr lang="en-US" altLang="zh-CN" sz="2800" b="1" dirty="0" smtClean="0">
+                <a:latin typeface="Meiryo" panose="020B0604030504040204" pitchFamily="34" charset="-128"/>
+                <a:ea typeface="Meiryo" panose="020B0604030504040204" pitchFamily="34" charset="-128"/>
+                <a:cs typeface="Meiryo" panose="020B0604030504040204" pitchFamily="34" charset="-128"/>
+              </a:rPr>
+              <a:t>All subjects exclude some with bad data : </a:t>
+            </a:r>
+            <a:r>
+              <a:rPr lang="en-US" altLang="zh-CN" sz="2800" dirty="0" smtClean="0">
+                <a:latin typeface="Meiryo" panose="020B0604030504040204" pitchFamily="34" charset="-128"/>
+                <a:ea typeface="Meiryo" panose="020B0604030504040204" pitchFamily="34" charset="-128"/>
+                <a:cs typeface="Meiryo" panose="020B0604030504040204" pitchFamily="34" charset="-128"/>
+              </a:rPr>
+              <a:t>N=</a:t>
+            </a:r>
+            <a:r>
+              <a:rPr lang="en-US" altLang="zh-CN" sz="2800" dirty="0" smtClean="0">
+                <a:latin typeface="Meiryo" panose="020B0604030504040204" pitchFamily="34" charset="-128"/>
+                <a:ea typeface="Meiryo" panose="020B0604030504040204" pitchFamily="34" charset="-128"/>
+                <a:cs typeface="Meiryo" panose="020B0604030504040204" pitchFamily="34" charset="-128"/>
+              </a:rPr>
+              <a:t>11 </a:t>
+            </a:r>
+            <a:r>
+              <a:rPr lang="en-US" altLang="zh-CN" sz="2800" dirty="0" smtClean="0">
+                <a:latin typeface="Meiryo" panose="020B0604030504040204" pitchFamily="34" charset="-128"/>
+                <a:ea typeface="Meiryo" panose="020B0604030504040204" pitchFamily="34" charset="-128"/>
+                <a:cs typeface="Meiryo" panose="020B0604030504040204" pitchFamily="34" charset="-128"/>
+              </a:rPr>
+              <a:t>rats</a:t>
+            </a:r>
+          </a:p>
+          <a:p>
+            <a:pPr marL="342900" indent="-342900">
+              <a:lnSpc>
+                <a:spcPct val="200000"/>
+              </a:lnSpc>
+              <a:buFont typeface="Arial" panose="020B0604020202020204" pitchFamily="34" charset="0"/>
+              <a:buChar char="•"/>
+            </a:pPr>
+            <a:r>
+              <a:rPr lang="en-US" altLang="zh-CN" sz="2800" b="1" dirty="0" smtClean="0">
+                <a:latin typeface="Meiryo" panose="020B0604030504040204" pitchFamily="34" charset="-128"/>
+                <a:ea typeface="Meiryo" panose="020B0604030504040204" pitchFamily="34" charset="-128"/>
+                <a:cs typeface="Meiryo" panose="020B0604030504040204" pitchFamily="34" charset="-128"/>
+              </a:rPr>
+              <a:t>3 Group :</a:t>
+            </a:r>
+            <a:r>
+              <a:rPr lang="en-US" altLang="zh-CN" sz="2800" b="1" dirty="0">
+                <a:latin typeface="Meiryo" panose="020B0604030504040204" pitchFamily="34" charset="-128"/>
+                <a:ea typeface="Meiryo" panose="020B0604030504040204" pitchFamily="34" charset="-128"/>
+                <a:cs typeface="Meiryo" panose="020B0604030504040204" pitchFamily="34" charset="-128"/>
+              </a:rPr>
+              <a:t> </a:t>
+            </a:r>
+            <a:r>
+              <a:rPr lang="en-US" altLang="zh-CN" sz="2800" b="1" dirty="0" smtClean="0">
+                <a:latin typeface="Meiryo" panose="020B0604030504040204" pitchFamily="34" charset="-128"/>
+                <a:ea typeface="Meiryo" panose="020B0604030504040204" pitchFamily="34" charset="-128"/>
+                <a:cs typeface="Meiryo" panose="020B0604030504040204" pitchFamily="34" charset="-128"/>
+              </a:rPr>
+              <a:t> </a:t>
+            </a:r>
+            <a:r>
+              <a:rPr lang="en-US" altLang="zh-CN" sz="2800" dirty="0" smtClean="0">
+                <a:latin typeface="Meiryo" panose="020B0604030504040204" pitchFamily="34" charset="-128"/>
+                <a:ea typeface="Meiryo" panose="020B0604030504040204" pitchFamily="34" charset="-128"/>
+                <a:cs typeface="Meiryo" panose="020B0604030504040204" pitchFamily="34" charset="-128"/>
+              </a:rPr>
+              <a:t>20mg/ml/h </a:t>
+            </a:r>
+            <a:r>
+              <a:rPr lang="en-US" altLang="zh-CN" sz="2800" dirty="0">
+                <a:latin typeface="Meiryo" panose="020B0604030504040204" pitchFamily="34" charset="-128"/>
+                <a:ea typeface="Meiryo" panose="020B0604030504040204" pitchFamily="34" charset="-128"/>
+                <a:cs typeface="Meiryo" panose="020B0604030504040204" pitchFamily="34" charset="-128"/>
+              </a:rPr>
+              <a:t>as low-dose group, </a:t>
+            </a:r>
+            <a:endParaRPr lang="en-US" altLang="zh-CN" sz="2800" dirty="0" smtClean="0">
+              <a:latin typeface="Meiryo" panose="020B0604030504040204" pitchFamily="34" charset="-128"/>
+              <a:ea typeface="Meiryo" panose="020B0604030504040204" pitchFamily="34" charset="-128"/>
+              <a:cs typeface="Meiryo" panose="020B0604030504040204" pitchFamily="34" charset="-128"/>
+            </a:endParaRPr>
+          </a:p>
+          <a:p>
+            <a:pPr>
+              <a:lnSpc>
+                <a:spcPct val="200000"/>
+              </a:lnSpc>
+            </a:pPr>
+            <a:r>
+              <a:rPr lang="en-US" altLang="zh-CN" sz="2800" dirty="0">
+                <a:latin typeface="Meiryo" panose="020B0604030504040204" pitchFamily="34" charset="-128"/>
+                <a:ea typeface="Meiryo" panose="020B0604030504040204" pitchFamily="34" charset="-128"/>
+                <a:cs typeface="Meiryo" panose="020B0604030504040204" pitchFamily="34" charset="-128"/>
+              </a:rPr>
+              <a:t>	</a:t>
+            </a:r>
+            <a:r>
+              <a:rPr lang="en-US" altLang="zh-CN" sz="2800" dirty="0" smtClean="0">
+                <a:latin typeface="Meiryo" panose="020B0604030504040204" pitchFamily="34" charset="-128"/>
+                <a:ea typeface="Meiryo" panose="020B0604030504040204" pitchFamily="34" charset="-128"/>
+                <a:cs typeface="Meiryo" panose="020B0604030504040204" pitchFamily="34" charset="-128"/>
+              </a:rPr>
+              <a:t>            40 </a:t>
+            </a:r>
+            <a:r>
+              <a:rPr lang="en-US" altLang="zh-CN" sz="2800" dirty="0">
+                <a:latin typeface="Meiryo" panose="020B0604030504040204" pitchFamily="34" charset="-128"/>
+                <a:ea typeface="Meiryo" panose="020B0604030504040204" pitchFamily="34" charset="-128"/>
+                <a:cs typeface="Meiryo" panose="020B0604030504040204" pitchFamily="34" charset="-128"/>
+              </a:rPr>
+              <a:t>as mid, 80 as </a:t>
+            </a:r>
+            <a:r>
+              <a:rPr lang="en-US" altLang="zh-CN" sz="2800" dirty="0" smtClean="0">
+                <a:latin typeface="Meiryo" panose="020B0604030504040204" pitchFamily="34" charset="-128"/>
+                <a:ea typeface="Meiryo" panose="020B0604030504040204" pitchFamily="34" charset="-128"/>
+                <a:cs typeface="Meiryo" panose="020B0604030504040204" pitchFamily="34" charset="-128"/>
+              </a:rPr>
+              <a:t>high</a:t>
+            </a:r>
+          </a:p>
+        </p:txBody>
+      </p:sp>
     </p:spTree>
     <p:extLst>
       <p:ext uri="{BB962C8B-B14F-4D97-AF65-F5344CB8AC3E}">
-        <p14:creationId xmlns:p14="http://schemas.microsoft.com/office/powerpoint/2010/main" val="844743312"/>
+        <p14:creationId xmlns:p14="http://schemas.microsoft.com/office/powerpoint/2010/main" val="572571404"/>
       </p:ext>
     </p:extLst>
   </p:cSld>
@@ -3746,6 +8047,266 @@
         </p:nvSpPr>
         <p:spPr>
           <a:xfrm>
+            <a:off x="6005399" y="0"/>
+            <a:ext cx="6172200" cy="6857999"/>
+          </a:xfrm>
+          <a:prstGeom prst="rect">
+            <a:avLst/>
+          </a:prstGeom>
+          <a:solidFill>
+            <a:schemeClr val="bg1">
+              <a:lumMod val="95000"/>
+            </a:schemeClr>
+          </a:solidFill>
+          <a:ln>
+            <a:noFill/>
+          </a:ln>
+        </p:spPr>
+        <p:style>
+          <a:lnRef idx="2">
+            <a:schemeClr val="accent1">
+              <a:shade val="50000"/>
+            </a:schemeClr>
+          </a:lnRef>
+          <a:fillRef idx="1">
+            <a:schemeClr val="accent1"/>
+          </a:fillRef>
+          <a:effectRef idx="0">
+            <a:schemeClr val="accent1"/>
+          </a:effectRef>
+          <a:fontRef idx="minor">
+            <a:schemeClr val="lt1"/>
+          </a:fontRef>
+        </p:style>
+        <p:txBody>
+          <a:bodyPr rtlCol="0" anchor="ctr"/>
+          <a:lstStyle/>
+          <a:p>
+            <a:pPr algn="ctr"/>
+            <a:endParaRPr lang="zh-CN" altLang="en-US"/>
+          </a:p>
+        </p:txBody>
+      </p:sp>
+      <p:sp>
+        <p:nvSpPr>
+          <p:cNvPr id="30" name="文本框 29"/>
+          <p:cNvSpPr txBox="1"/>
+          <p:nvPr/>
+        </p:nvSpPr>
+        <p:spPr>
+          <a:xfrm>
+            <a:off x="662537" y="294935"/>
+            <a:ext cx="6081163" cy="769441"/>
+          </a:xfrm>
+          <a:prstGeom prst="rect">
+            <a:avLst/>
+          </a:prstGeom>
+          <a:noFill/>
+        </p:spPr>
+        <p:txBody>
+          <a:bodyPr wrap="square" rtlCol="0">
+            <a:spAutoFit/>
+          </a:bodyPr>
+          <a:lstStyle/>
+          <a:p>
+            <a:r>
+              <a:rPr lang="en-US" altLang="zh-CN" sz="4400" b="1" dirty="0" smtClean="0">
+                <a:solidFill>
+                  <a:srgbClr val="00ABB4"/>
+                </a:solidFill>
+                <a:latin typeface="微软雅黑" panose="020B0503020204020204" pitchFamily="34" charset="-122"/>
+                <a:ea typeface="微软雅黑" panose="020B0503020204020204" pitchFamily="34" charset="-122"/>
+              </a:rPr>
+              <a:t>Perspective </a:t>
+            </a:r>
+            <a:endParaRPr lang="en-US" altLang="zh-CN" sz="4400" b="1" dirty="0">
+              <a:solidFill>
+                <a:srgbClr val="00ABB4"/>
+              </a:solidFill>
+              <a:latin typeface="微软雅黑" panose="020B0503020204020204" pitchFamily="34" charset="-122"/>
+              <a:ea typeface="微软雅黑" panose="020B0503020204020204" pitchFamily="34" charset="-122"/>
+            </a:endParaRPr>
+          </a:p>
+        </p:txBody>
+      </p:sp>
+      <p:sp>
+        <p:nvSpPr>
+          <p:cNvPr id="31" name="Rectangle 96"/>
+          <p:cNvSpPr/>
+          <p:nvPr/>
+        </p:nvSpPr>
+        <p:spPr>
+          <a:xfrm>
+            <a:off x="662538" y="1064376"/>
+            <a:ext cx="10862712" cy="5262979"/>
+          </a:xfrm>
+          <a:prstGeom prst="rect">
+            <a:avLst/>
+          </a:prstGeom>
+        </p:spPr>
+        <p:txBody>
+          <a:bodyPr wrap="square">
+            <a:spAutoFit/>
+          </a:bodyPr>
+          <a:lstStyle/>
+          <a:p>
+            <a:pPr marL="342900" indent="-342900">
+              <a:lnSpc>
+                <a:spcPct val="200000"/>
+              </a:lnSpc>
+              <a:buFont typeface="Arial" panose="020B0604020202020204" pitchFamily="34" charset="0"/>
+              <a:buChar char="•"/>
+            </a:pPr>
+            <a:r>
+              <a:rPr lang="en-US" altLang="zh-CN" sz="2800" b="1" dirty="0" smtClean="0">
+                <a:latin typeface="Meiryo" panose="020B0604030504040204" pitchFamily="34" charset="-128"/>
+                <a:ea typeface="Meiryo" panose="020B0604030504040204" pitchFamily="34" charset="-128"/>
+                <a:cs typeface="Meiryo" panose="020B0604030504040204" pitchFamily="34" charset="-128"/>
+              </a:rPr>
+              <a:t>Inter-subject modular comparision(done,details later):</a:t>
+            </a:r>
+          </a:p>
+          <a:p>
+            <a:pPr marL="800100" lvl="1" indent="-342900">
+              <a:lnSpc>
+                <a:spcPct val="200000"/>
+              </a:lnSpc>
+              <a:buFont typeface="Arial" panose="020B0604020202020204" pitchFamily="34" charset="0"/>
+              <a:buChar char="•"/>
+            </a:pPr>
+            <a:r>
+              <a:rPr lang="en-US" altLang="zh-CN" sz="2800" dirty="0" smtClean="0">
+                <a:latin typeface="Meiryo" panose="020B0604030504040204" pitchFamily="34" charset="-128"/>
+                <a:ea typeface="Meiryo" panose="020B0604030504040204" pitchFamily="34" charset="-128"/>
+                <a:cs typeface="Meiryo" panose="020B0604030504040204" pitchFamily="34" charset="-128"/>
+              </a:rPr>
+              <a:t>Do modularity for each subject and for each group</a:t>
+            </a:r>
+          </a:p>
+          <a:p>
+            <a:pPr marL="800100" lvl="1" indent="-342900">
+              <a:lnSpc>
+                <a:spcPct val="200000"/>
+              </a:lnSpc>
+              <a:buFont typeface="Arial" panose="020B0604020202020204" pitchFamily="34" charset="0"/>
+              <a:buChar char="•"/>
+            </a:pPr>
+            <a:r>
+              <a:rPr lang="en-US" altLang="zh-CN" sz="2800" dirty="0" smtClean="0">
+                <a:latin typeface="Meiryo" panose="020B0604030504040204" pitchFamily="34" charset="-128"/>
+                <a:ea typeface="Meiryo" panose="020B0604030504040204" pitchFamily="34" charset="-128"/>
+                <a:cs typeface="Meiryo" panose="020B0604030504040204" pitchFamily="34" charset="-128"/>
+              </a:rPr>
+              <a:t>Do modular comparision between each pair of subject in every modules derived </a:t>
+            </a:r>
+            <a:r>
+              <a:rPr lang="en-US" altLang="zh-CN" sz="2800" dirty="0" smtClean="0">
+                <a:latin typeface="Meiryo" panose="020B0604030504040204" pitchFamily="34" charset="-128"/>
+                <a:ea typeface="Meiryo" panose="020B0604030504040204" pitchFamily="34" charset="-128"/>
+                <a:cs typeface="Meiryo" panose="020B0604030504040204" pitchFamily="34" charset="-128"/>
+              </a:rPr>
+              <a:t>from group</a:t>
+            </a:r>
+            <a:endParaRPr lang="en-US" altLang="zh-CN" sz="2800" dirty="0" smtClean="0">
+              <a:latin typeface="Meiryo" panose="020B0604030504040204" pitchFamily="34" charset="-128"/>
+              <a:ea typeface="Meiryo" panose="020B0604030504040204" pitchFamily="34" charset="-128"/>
+              <a:cs typeface="Meiryo" panose="020B0604030504040204" pitchFamily="34" charset="-128"/>
+            </a:endParaRPr>
+          </a:p>
+          <a:p>
+            <a:pPr marL="342900" indent="-342900">
+              <a:lnSpc>
+                <a:spcPct val="200000"/>
+              </a:lnSpc>
+              <a:buFont typeface="Arial" panose="020B0604020202020204" pitchFamily="34" charset="0"/>
+              <a:buChar char="•"/>
+            </a:pPr>
+            <a:r>
+              <a:rPr lang="en-US" altLang="zh-CN" sz="2800" b="1" dirty="0">
+                <a:latin typeface="Meiryo" panose="020B0604030504040204" pitchFamily="34" charset="-128"/>
+                <a:ea typeface="Meiryo" panose="020B0604030504040204" pitchFamily="34" charset="-128"/>
+                <a:cs typeface="Meiryo" panose="020B0604030504040204" pitchFamily="34" charset="-128"/>
+              </a:rPr>
+              <a:t>Inter-subject modular </a:t>
+            </a:r>
+            <a:r>
+              <a:rPr lang="en-US" altLang="zh-CN" sz="2800" b="1" dirty="0" smtClean="0">
+                <a:latin typeface="Meiryo" panose="020B0604030504040204" pitchFamily="34" charset="-128"/>
+                <a:ea typeface="Meiryo" panose="020B0604030504040204" pitchFamily="34" charset="-128"/>
+                <a:cs typeface="Meiryo" panose="020B0604030504040204" pitchFamily="34" charset="-128"/>
+              </a:rPr>
+              <a:t>comparision(next step):</a:t>
+            </a:r>
+          </a:p>
+          <a:p>
+            <a:pPr marL="800100" lvl="1" indent="-342900">
+              <a:lnSpc>
+                <a:spcPct val="200000"/>
+              </a:lnSpc>
+              <a:buFont typeface="Arial" panose="020B0604020202020204" pitchFamily="34" charset="0"/>
+              <a:buChar char="•"/>
+            </a:pPr>
+            <a:r>
+              <a:rPr lang="en-US" altLang="zh-CN" sz="2800" dirty="0" smtClean="0">
+                <a:latin typeface="Meiryo" panose="020B0604030504040204" pitchFamily="34" charset="-128"/>
+                <a:ea typeface="Meiryo" panose="020B0604030504040204" pitchFamily="34" charset="-128"/>
+                <a:cs typeface="Meiryo" panose="020B0604030504040204" pitchFamily="34" charset="-128"/>
+              </a:rPr>
+              <a:t>Some dynamic things</a:t>
+            </a:r>
+            <a:endParaRPr lang="en-US" altLang="zh-CN" sz="2800" dirty="0">
+              <a:latin typeface="Meiryo" panose="020B0604030504040204" pitchFamily="34" charset="-128"/>
+              <a:ea typeface="Meiryo" panose="020B0604030504040204" pitchFamily="34" charset="-128"/>
+              <a:cs typeface="Meiryo" panose="020B0604030504040204" pitchFamily="34" charset="-128"/>
+            </a:endParaRPr>
+          </a:p>
+        </p:txBody>
+      </p:sp>
+    </p:spTree>
+    <p:extLst>
+      <p:ext uri="{BB962C8B-B14F-4D97-AF65-F5344CB8AC3E}">
+        <p14:creationId xmlns:p14="http://schemas.microsoft.com/office/powerpoint/2010/main" val="3798193631"/>
+      </p:ext>
+    </p:extLst>
+  </p:cSld>
+  <p:clrMapOvr>
+    <a:masterClrMapping/>
+  </p:clrMapOvr>
+  <p:timing>
+    <p:tnLst>
+      <p:par>
+        <p:cTn id="1" dur="indefinite" restart="never" nodeType="tmRoot"/>
+      </p:par>
+    </p:tnLst>
+  </p:timing>
+</p:sld>
+</file>
+
+<file path=ppt/slides/slide4.xml><?xml version="1.0" encoding="utf-8"?>
+<p:sld xmlns:a="http://schemas.openxmlformats.org/drawingml/2006/main" xmlns:r="http://schemas.openxmlformats.org/officeDocument/2006/relationships" xmlns:p="http://schemas.openxmlformats.org/presentationml/2006/main">
+  <p:cSld>
+    <p:spTree>
+      <p:nvGrpSpPr>
+        <p:cNvPr id="1" name=""/>
+        <p:cNvGrpSpPr/>
+        <p:nvPr/>
+      </p:nvGrpSpPr>
+      <p:grpSpPr>
+        <a:xfrm>
+          <a:off x="0" y="0"/>
+          <a:ext cx="0" cy="0"/>
+          <a:chOff x="0" y="0"/>
+          <a:chExt cx="0" cy="0"/>
+        </a:xfrm>
+      </p:grpSpPr>
+      <p:sp>
+        <p:nvSpPr>
+          <p:cNvPr id="5" name="矩形 4"/>
+          <p:cNvSpPr/>
+          <p:nvPr/>
+        </p:nvSpPr>
+        <p:spPr>
+          <a:xfrm>
             <a:off x="6005399" y="3447534"/>
             <a:ext cx="6172200" cy="3410465"/>
           </a:xfrm>
@@ -3842,8 +8403,8 @@
         </p:nvSpPr>
         <p:spPr>
           <a:xfrm>
-            <a:off x="662539" y="294935"/>
-            <a:ext cx="7262261" cy="1446550"/>
+            <a:off x="662538" y="294935"/>
+            <a:ext cx="9205361" cy="1446550"/>
           </a:xfrm>
           <a:prstGeom prst="rect">
             <a:avLst/>
@@ -3864,10 +8425,8 @@
                 <a:latin typeface="微软雅黑" panose="020B0503020204020204" pitchFamily="34" charset="-122"/>
                 <a:ea typeface="微软雅黑" panose="020B0503020204020204" pitchFamily="34" charset="-122"/>
               </a:rPr>
-              <a:t>Assessing </a:t>
-            </a:r>
-          </a:p>
-          <a:p>
+              <a:t>Statistical </a:t>
+            </a:r>
             <a:r>
               <a:rPr lang="en-US" altLang="zh-CN" sz="4400" b="1" dirty="0" smtClean="0">
                 <a:solidFill>
@@ -3876,7 +8435,17 @@
                 <a:latin typeface="微软雅黑" panose="020B0503020204020204" pitchFamily="34" charset="-122"/>
                 <a:ea typeface="微软雅黑" panose="020B0503020204020204" pitchFamily="34" charset="-122"/>
               </a:rPr>
-              <a:t>the significance of states</a:t>
+              <a:t>Measurement --</a:t>
+            </a:r>
+            <a:r>
+              <a:rPr lang="en-US" altLang="zh-CN" sz="4400" b="1" dirty="0" smtClean="0">
+                <a:solidFill>
+                  <a:srgbClr val="00ABB4"/>
+                </a:solidFill>
+                <a:latin typeface="微软雅黑" panose="020B0503020204020204" pitchFamily="34" charset="-122"/>
+                <a:ea typeface="微软雅黑" panose="020B0503020204020204" pitchFamily="34" charset="-122"/>
+              </a:rPr>
+              <a:t>Modularity</a:t>
             </a:r>
             <a:endParaRPr lang="en-US" altLang="zh-CN" sz="4400" b="1" dirty="0">
               <a:solidFill>
@@ -3896,8 +8465,8 @@
         </p:nvSpPr>
         <p:spPr>
           <a:xfrm>
-            <a:off x="896518" y="2108707"/>
-            <a:ext cx="10245297" cy="2677656"/>
+            <a:off x="882749" y="1741485"/>
+            <a:ext cx="10245297" cy="3539430"/>
           </a:xfrm>
           <a:prstGeom prst="rect">
             <a:avLst/>
@@ -3922,7 +8491,284 @@
                 <a:ea typeface="Meiryo" panose="020B0604030504040204" pitchFamily="34" charset="-128"/>
                 <a:cs typeface="Meiryo" panose="020B0604030504040204" pitchFamily="34" charset="-128"/>
               </a:rPr>
-              <a:t>2 permutation tests:</a:t>
+              <a:t>7 modules :</a:t>
+            </a:r>
+            <a:endParaRPr lang="en-US" altLang="zh-CN" sz="2800" b="1" dirty="0" smtClean="0">
+              <a:latin typeface="Meiryo" panose="020B0604030504040204" pitchFamily="34" charset="-128"/>
+              <a:ea typeface="Meiryo" panose="020B0604030504040204" pitchFamily="34" charset="-128"/>
+              <a:cs typeface="Meiryo" panose="020B0604030504040204" pitchFamily="34" charset="-128"/>
+            </a:endParaRPr>
+          </a:p>
+          <a:p>
+            <a:pPr marL="914400" lvl="1" indent="-457200">
+              <a:lnSpc>
+                <a:spcPct val="200000"/>
+              </a:lnSpc>
+              <a:buFont typeface="Arial" panose="020B0604020202020204" pitchFamily="34" charset="0"/>
+              <a:buChar char="•"/>
+            </a:pPr>
+            <a:r>
+              <a:rPr lang="en-US" altLang="zh-CN" sz="2800" dirty="0" smtClean="0">
+                <a:latin typeface="Meiryo" panose="020B0604030504040204" pitchFamily="34" charset="-128"/>
+                <a:ea typeface="Meiryo" panose="020B0604030504040204" pitchFamily="34" charset="-128"/>
+                <a:cs typeface="Meiryo" panose="020B0604030504040204" pitchFamily="34" charset="-128"/>
+              </a:rPr>
+              <a:t>Insular,  </a:t>
+            </a:r>
+            <a:r>
+              <a:rPr lang="en-US" altLang="zh-CN" sz="2800" dirty="0" smtClean="0">
+                <a:latin typeface="Meiryo" panose="020B0604030504040204" pitchFamily="34" charset="-128"/>
+                <a:ea typeface="Meiryo" panose="020B0604030504040204" pitchFamily="34" charset="-128"/>
+                <a:cs typeface="Meiryo" panose="020B0604030504040204" pitchFamily="34" charset="-128"/>
+              </a:rPr>
+              <a:t>Anterior DMN, Hippocampus and thalamus, </a:t>
+            </a:r>
+            <a:r>
+              <a:rPr lang="en-US" altLang="zh-CN" sz="2800" dirty="0" smtClean="0">
+                <a:latin typeface="Meiryo" panose="020B0604030504040204" pitchFamily="34" charset="-128"/>
+                <a:ea typeface="Meiryo" panose="020B0604030504040204" pitchFamily="34" charset="-128"/>
+                <a:cs typeface="Meiryo" panose="020B0604030504040204" pitchFamily="34" charset="-128"/>
+              </a:rPr>
+              <a:t>Posterior DMN, Sensory-motor, Striatum, Hypothalamus</a:t>
+            </a:r>
+            <a:endParaRPr lang="en-US" altLang="zh-CN" sz="2800" dirty="0" smtClean="0">
+              <a:latin typeface="Meiryo" panose="020B0604030504040204" pitchFamily="34" charset="-128"/>
+              <a:ea typeface="Meiryo" panose="020B0604030504040204" pitchFamily="34" charset="-128"/>
+              <a:cs typeface="Meiryo" panose="020B0604030504040204" pitchFamily="34" charset="-128"/>
+            </a:endParaRPr>
+          </a:p>
+        </p:txBody>
+      </p:sp>
+    </p:spTree>
+    <p:extLst>
+      <p:ext uri="{BB962C8B-B14F-4D97-AF65-F5344CB8AC3E}">
+        <p14:creationId xmlns:p14="http://schemas.microsoft.com/office/powerpoint/2010/main" val="929069044"/>
+      </p:ext>
+    </p:extLst>
+  </p:cSld>
+  <p:clrMapOvr>
+    <a:masterClrMapping/>
+  </p:clrMapOvr>
+  <p:timing>
+    <p:tnLst>
+      <p:par>
+        <p:cTn id="1" dur="indefinite" restart="never" nodeType="tmRoot"/>
+      </p:par>
+    </p:tnLst>
+  </p:timing>
+</p:sld>
+</file>
+
+<file path=ppt/slides/slide5.xml><?xml version="1.0" encoding="utf-8"?>
+<p:sld xmlns:a="http://schemas.openxmlformats.org/drawingml/2006/main" xmlns:r="http://schemas.openxmlformats.org/officeDocument/2006/relationships" xmlns:p="http://schemas.openxmlformats.org/presentationml/2006/main">
+  <p:cSld>
+    <p:spTree>
+      <p:nvGrpSpPr>
+        <p:cNvPr id="1" name=""/>
+        <p:cNvGrpSpPr/>
+        <p:nvPr/>
+      </p:nvGrpSpPr>
+      <p:grpSpPr>
+        <a:xfrm>
+          <a:off x="0" y="0"/>
+          <a:ext cx="0" cy="0"/>
+          <a:chOff x="0" y="0"/>
+          <a:chExt cx="0" cy="0"/>
+        </a:xfrm>
+      </p:grpSpPr>
+      <p:sp>
+        <p:nvSpPr>
+          <p:cNvPr id="5" name="矩形 4"/>
+          <p:cNvSpPr/>
+          <p:nvPr/>
+        </p:nvSpPr>
+        <p:spPr>
+          <a:xfrm>
+            <a:off x="6005399" y="3447534"/>
+            <a:ext cx="6172200" cy="3410465"/>
+          </a:xfrm>
+          <a:prstGeom prst="rect">
+            <a:avLst/>
+          </a:prstGeom>
+          <a:solidFill>
+            <a:schemeClr val="bg1">
+              <a:lumMod val="95000"/>
+            </a:schemeClr>
+          </a:solidFill>
+          <a:ln>
+            <a:noFill/>
+          </a:ln>
+        </p:spPr>
+        <p:style>
+          <a:lnRef idx="2">
+            <a:schemeClr val="accent1">
+              <a:shade val="50000"/>
+            </a:schemeClr>
+          </a:lnRef>
+          <a:fillRef idx="1">
+            <a:schemeClr val="accent1"/>
+          </a:fillRef>
+          <a:effectRef idx="0">
+            <a:schemeClr val="accent1"/>
+          </a:effectRef>
+          <a:fontRef idx="minor">
+            <a:schemeClr val="lt1"/>
+          </a:fontRef>
+        </p:style>
+        <p:txBody>
+          <a:bodyPr rtlCol="0" anchor="ctr"/>
+          <a:lstStyle/>
+          <a:p>
+            <a:pPr algn="ctr"/>
+            <a:endParaRPr lang="zh-CN" altLang="en-US"/>
+          </a:p>
+        </p:txBody>
+      </p:sp>
+      <p:sp>
+        <p:nvSpPr>
+          <p:cNvPr id="29" name="矩形 28"/>
+          <p:cNvSpPr/>
+          <p:nvPr/>
+        </p:nvSpPr>
+        <p:spPr>
+          <a:xfrm>
+            <a:off x="12346" y="1"/>
+            <a:ext cx="6006821" cy="3447534"/>
+          </a:xfrm>
+          <a:prstGeom prst="rect">
+            <a:avLst/>
+          </a:prstGeom>
+          <a:solidFill>
+            <a:schemeClr val="bg1">
+              <a:lumMod val="95000"/>
+            </a:schemeClr>
+          </a:solidFill>
+          <a:ln>
+            <a:noFill/>
+          </a:ln>
+        </p:spPr>
+        <p:style>
+          <a:lnRef idx="2">
+            <a:schemeClr val="accent1">
+              <a:shade val="50000"/>
+            </a:schemeClr>
+          </a:lnRef>
+          <a:fillRef idx="1">
+            <a:schemeClr val="accent1"/>
+          </a:fillRef>
+          <a:effectRef idx="0">
+            <a:schemeClr val="accent1"/>
+          </a:effectRef>
+          <a:fontRef idx="minor">
+            <a:schemeClr val="lt1"/>
+          </a:fontRef>
+        </p:style>
+        <p:txBody>
+          <a:bodyPr rtlCol="0" anchor="ctr"/>
+          <a:lstStyle/>
+          <a:p>
+            <a:pPr algn="ctr"/>
+            <a:endParaRPr lang="zh-CN" altLang="en-US"/>
+          </a:p>
+        </p:txBody>
+      </p:sp>
+      <p:sp>
+        <p:nvSpPr>
+          <p:cNvPr id="30" name="文本框 29"/>
+          <p:cNvSpPr txBox="1"/>
+          <p:nvPr/>
+        </p:nvSpPr>
+        <p:spPr>
+          <a:xfrm>
+            <a:off x="662538" y="294935"/>
+            <a:ext cx="9205361" cy="769441"/>
+          </a:xfrm>
+          <a:prstGeom prst="rect">
+            <a:avLst/>
+          </a:prstGeom>
+          <a:noFill/>
+        </p:spPr>
+        <p:txBody>
+          <a:bodyPr wrap="square" rtlCol="0">
+            <a:spAutoFit/>
+          </a:bodyPr>
+          <a:lstStyle/>
+          <a:p>
+            <a:r>
+              <a:rPr lang="en-US" altLang="zh-CN" sz="4400" b="1" dirty="0" smtClean="0">
+                <a:solidFill>
+                  <a:srgbClr val="00ABB4"/>
+                </a:solidFill>
+                <a:latin typeface="微软雅黑" panose="020B0503020204020204" pitchFamily="34" charset="-122"/>
+                <a:ea typeface="微软雅黑" panose="020B0503020204020204" pitchFamily="34" charset="-122"/>
+              </a:rPr>
+              <a:t>Statistical </a:t>
+            </a:r>
+            <a:r>
+              <a:rPr lang="en-US" altLang="zh-CN" sz="4400" b="1" dirty="0" smtClean="0">
+                <a:solidFill>
+                  <a:srgbClr val="00ABB4"/>
+                </a:solidFill>
+                <a:latin typeface="微软雅黑" panose="020B0503020204020204" pitchFamily="34" charset="-122"/>
+                <a:ea typeface="微软雅黑" panose="020B0503020204020204" pitchFamily="34" charset="-122"/>
+              </a:rPr>
+              <a:t>Measurement </a:t>
+            </a:r>
+            <a:r>
+              <a:rPr lang="en-US" altLang="zh-CN" sz="4400" b="1" dirty="0" smtClean="0">
+                <a:solidFill>
+                  <a:srgbClr val="00ABB4"/>
+                </a:solidFill>
+                <a:latin typeface="微软雅黑" panose="020B0503020204020204" pitchFamily="34" charset="-122"/>
+                <a:ea typeface="微软雅黑" panose="020B0503020204020204" pitchFamily="34" charset="-122"/>
+              </a:rPr>
+              <a:t>--MV</a:t>
+            </a:r>
+            <a:endParaRPr lang="en-US" altLang="zh-CN" sz="4400" b="1" dirty="0">
+              <a:solidFill>
+                <a:srgbClr val="00ABB4"/>
+              </a:solidFill>
+              <a:latin typeface="微软雅黑" panose="020B0503020204020204" pitchFamily="34" charset="-122"/>
+              <a:ea typeface="微软雅黑" panose="020B0503020204020204" pitchFamily="34" charset="-122"/>
+            </a:endParaRPr>
+          </a:p>
+        </p:txBody>
+      </p:sp>
+      <p:sp>
+        <p:nvSpPr>
+          <p:cNvPr id="31" name="Rectangle 96"/>
+          <p:cNvSpPr/>
+          <p:nvPr/>
+        </p:nvSpPr>
+        <p:spPr>
+          <a:xfrm>
+            <a:off x="882750" y="1064376"/>
+            <a:ext cx="10245297" cy="5262979"/>
+          </a:xfrm>
+          <a:prstGeom prst="rect">
+            <a:avLst/>
+          </a:prstGeom>
+        </p:spPr>
+        <p:txBody>
+          <a:bodyPr wrap="square">
+            <a:spAutoFit/>
+          </a:bodyPr>
+          <a:lstStyle/>
+          <a:p>
+            <a:pPr marL="342900" indent="-342900">
+              <a:lnSpc>
+                <a:spcPct val="200000"/>
+              </a:lnSpc>
+              <a:buFont typeface="Arial" panose="020B0604020202020204" pitchFamily="34" charset="0"/>
+              <a:buChar char="•"/>
+            </a:pPr>
+            <a:r>
+              <a:rPr lang="en-US" altLang="zh-CN" sz="2800" b="1" dirty="0" smtClean="0">
+                <a:latin typeface="Meiryo" panose="020B0604030504040204" pitchFamily="34" charset="-128"/>
+                <a:ea typeface="Meiryo" panose="020B0604030504040204" pitchFamily="34" charset="-128"/>
+                <a:cs typeface="Meiryo" panose="020B0604030504040204" pitchFamily="34" charset="-128"/>
+              </a:rPr>
+              <a:t>Node level – MV(modular variability):</a:t>
             </a:r>
           </a:p>
           <a:p>
@@ -3939,7 +8785,7 @@
                 <a:ea typeface="Meiryo" panose="020B0604030504040204" pitchFamily="34" charset="-128"/>
                 <a:cs typeface="Meiryo" panose="020B0604030504040204" pitchFamily="34" charset="-128"/>
               </a:rPr>
-              <a:t>Examine the significance of state organization</a:t>
+              <a:t>Consider each roi as a node</a:t>
             </a:r>
           </a:p>
           <a:p>
@@ -3956,9 +8802,108 @@
                 <a:ea typeface="Meiryo" panose="020B0604030504040204" pitchFamily="34" charset="-128"/>
                 <a:cs typeface="Meiryo" panose="020B0604030504040204" pitchFamily="34" charset="-128"/>
               </a:rPr>
-              <a:t>Examine the significance of activity in primary states</a:t>
-            </a:r>
-            <a:endParaRPr lang="en-US" altLang="zh-CN" sz="2800" dirty="0">
+              <a:t>Calculate for different levels:</a:t>
+            </a:r>
+          </a:p>
+          <a:p>
+            <a:pPr marL="1257300" lvl="2" indent="-342900">
+              <a:lnSpc>
+                <a:spcPct val="200000"/>
+              </a:lnSpc>
+              <a:buFont typeface="Arial" panose="020B0604020202020204" pitchFamily="34" charset="0"/>
+              <a:buChar char="•"/>
+            </a:pPr>
+            <a:r>
+              <a:rPr lang="en-US" altLang="zh-CN" sz="2800" dirty="0" smtClean="0">
+                <a:latin typeface="Meiryo" panose="020B0604030504040204" pitchFamily="34" charset="-128"/>
+                <a:ea typeface="Meiryo" panose="020B0604030504040204" pitchFamily="34" charset="-128"/>
+                <a:cs typeface="Meiryo" panose="020B0604030504040204" pitchFamily="34" charset="-128"/>
+              </a:rPr>
+              <a:t>1</a:t>
+            </a:r>
+            <a:r>
+              <a:rPr lang="en-US" altLang="zh-CN" sz="2800" baseline="30000" dirty="0" smtClean="0">
+                <a:latin typeface="Meiryo" panose="020B0604030504040204" pitchFamily="34" charset="-128"/>
+                <a:ea typeface="Meiryo" panose="020B0604030504040204" pitchFamily="34" charset="-128"/>
+                <a:cs typeface="Meiryo" panose="020B0604030504040204" pitchFamily="34" charset="-128"/>
+              </a:rPr>
+              <a:t>st</a:t>
+            </a:r>
+            <a:r>
+              <a:rPr lang="en-US" altLang="zh-CN" sz="2800" dirty="0" smtClean="0">
+                <a:latin typeface="Meiryo" panose="020B0604030504040204" pitchFamily="34" charset="-128"/>
+                <a:ea typeface="Meiryo" panose="020B0604030504040204" pitchFamily="34" charset="-128"/>
+                <a:cs typeface="Meiryo" panose="020B0604030504040204" pitchFamily="34" charset="-128"/>
+              </a:rPr>
+              <a:t> level : each node between pair of subject</a:t>
+            </a:r>
+          </a:p>
+          <a:p>
+            <a:pPr marL="1257300" lvl="2" indent="-342900">
+              <a:lnSpc>
+                <a:spcPct val="200000"/>
+              </a:lnSpc>
+              <a:buFont typeface="Arial" panose="020B0604020202020204" pitchFamily="34" charset="0"/>
+              <a:buChar char="•"/>
+            </a:pPr>
+            <a:r>
+              <a:rPr lang="en-US" altLang="zh-CN" sz="2800" dirty="0" smtClean="0">
+                <a:latin typeface="Meiryo" panose="020B0604030504040204" pitchFamily="34" charset="-128"/>
+                <a:ea typeface="Meiryo" panose="020B0604030504040204" pitchFamily="34" charset="-128"/>
+                <a:cs typeface="Meiryo" panose="020B0604030504040204" pitchFamily="34" charset="-128"/>
+              </a:rPr>
+              <a:t>2</a:t>
+            </a:r>
+            <a:r>
+              <a:rPr lang="en-US" altLang="zh-CN" sz="2800" baseline="30000" dirty="0" smtClean="0">
+                <a:latin typeface="Meiryo" panose="020B0604030504040204" pitchFamily="34" charset="-128"/>
+                <a:ea typeface="Meiryo" panose="020B0604030504040204" pitchFamily="34" charset="-128"/>
+                <a:cs typeface="Meiryo" panose="020B0604030504040204" pitchFamily="34" charset="-128"/>
+              </a:rPr>
+              <a:t>nd</a:t>
+            </a:r>
+            <a:r>
+              <a:rPr lang="en-US" altLang="zh-CN" sz="2800" dirty="0" smtClean="0">
+                <a:latin typeface="Meiryo" panose="020B0604030504040204" pitchFamily="34" charset="-128"/>
+                <a:ea typeface="Meiryo" panose="020B0604030504040204" pitchFamily="34" charset="-128"/>
+                <a:cs typeface="Meiryo" panose="020B0604030504040204" pitchFamily="34" charset="-128"/>
+              </a:rPr>
+              <a:t> level: each node foreach subject</a:t>
+            </a:r>
+          </a:p>
+          <a:p>
+            <a:pPr marL="1257300" lvl="2" indent="-342900">
+              <a:lnSpc>
+                <a:spcPct val="200000"/>
+              </a:lnSpc>
+              <a:buFont typeface="Arial" panose="020B0604020202020204" pitchFamily="34" charset="0"/>
+              <a:buChar char="•"/>
+            </a:pPr>
+            <a:r>
+              <a:rPr lang="en-US" altLang="zh-CN" sz="2800" dirty="0" smtClean="0">
+                <a:latin typeface="Meiryo" panose="020B0604030504040204" pitchFamily="34" charset="-128"/>
+                <a:ea typeface="Meiryo" panose="020B0604030504040204" pitchFamily="34" charset="-128"/>
+                <a:cs typeface="Meiryo" panose="020B0604030504040204" pitchFamily="34" charset="-128"/>
+              </a:rPr>
+              <a:t>3</a:t>
+            </a:r>
+            <a:r>
+              <a:rPr lang="en-US" altLang="zh-CN" sz="2800" baseline="30000" dirty="0" smtClean="0">
+                <a:latin typeface="Meiryo" panose="020B0604030504040204" pitchFamily="34" charset="-128"/>
+                <a:ea typeface="Meiryo" panose="020B0604030504040204" pitchFamily="34" charset="-128"/>
+                <a:cs typeface="Meiryo" panose="020B0604030504040204" pitchFamily="34" charset="-128"/>
+              </a:rPr>
+              <a:t>rd</a:t>
+            </a:r>
+            <a:r>
+              <a:rPr lang="en-US" altLang="zh-CN" sz="2800" dirty="0" smtClean="0">
+                <a:latin typeface="Meiryo" panose="020B0604030504040204" pitchFamily="34" charset="-128"/>
+                <a:ea typeface="Meiryo" panose="020B0604030504040204" pitchFamily="34" charset="-128"/>
+                <a:cs typeface="Meiryo" panose="020B0604030504040204" pitchFamily="34" charset="-128"/>
+              </a:rPr>
+              <a:t> level: each node</a:t>
+            </a:r>
+            <a:endParaRPr lang="en-US" altLang="zh-CN" sz="2800" b="1" dirty="0" smtClean="0">
               <a:latin typeface="Meiryo" panose="020B0604030504040204" pitchFamily="34" charset="-128"/>
               <a:ea typeface="Meiryo" panose="020B0604030504040204" pitchFamily="34" charset="-128"/>
               <a:cs typeface="Meiryo" panose="020B0604030504040204" pitchFamily="34" charset="-128"/>
@@ -3986,7 +8931,7 @@
 </p:sld>
 </file>
 
-<file path=ppt/slides/slide4.xml><?xml version="1.0" encoding="utf-8"?>
+<file path=ppt/slides/slide6.xml><?xml version="1.0" encoding="utf-8"?>
 <p:sld xmlns:a="http://schemas.openxmlformats.org/drawingml/2006/main" xmlns:r="http://schemas.openxmlformats.org/officeDocument/2006/relationships" xmlns:p="http://schemas.openxmlformats.org/presentationml/2006/main">
   <p:cSld>
     <p:spTree>
@@ -4005,14 +8950,110 @@
       </p:grpSpPr>
       <p:sp>
         <p:nvSpPr>
-          <p:cNvPr id="3" name="文本框 2"/>
+          <p:cNvPr id="5" name="矩形 4"/>
+          <p:cNvSpPr/>
+          <p:nvPr/>
+        </p:nvSpPr>
+        <p:spPr>
+          <a:xfrm>
+            <a:off x="6005399" y="3447534"/>
+            <a:ext cx="6172200" cy="3410465"/>
+          </a:xfrm>
+          <a:prstGeom prst="rect">
+            <a:avLst/>
+          </a:prstGeom>
+          <a:solidFill>
+            <a:schemeClr val="bg1">
+              <a:lumMod val="95000"/>
+            </a:schemeClr>
+          </a:solidFill>
+          <a:ln>
+            <a:noFill/>
+          </a:ln>
+        </p:spPr>
+        <p:style>
+          <a:lnRef idx="2">
+            <a:schemeClr val="accent1">
+              <a:shade val="50000"/>
+            </a:schemeClr>
+          </a:lnRef>
+          <a:fillRef idx="1">
+            <a:schemeClr val="accent1"/>
+          </a:fillRef>
+          <a:effectRef idx="0">
+            <a:schemeClr val="accent1"/>
+          </a:effectRef>
+          <a:fontRef idx="minor">
+            <a:schemeClr val="lt1"/>
+          </a:fontRef>
+        </p:style>
+        <p:txBody>
+          <a:bodyPr rtlCol="0" anchor="ctr"/>
+          <a:lstStyle/>
+          <a:p>
+            <a:pPr algn="ctr"/>
+            <a:endParaRPr lang="zh-CN" altLang="en-US"/>
+          </a:p>
+        </p:txBody>
+      </p:sp>
+      <p:sp>
+        <p:nvSpPr>
+          <p:cNvPr id="29" name="矩形 28"/>
+          <p:cNvSpPr/>
+          <p:nvPr/>
+        </p:nvSpPr>
+        <p:spPr>
+          <a:xfrm>
+            <a:off x="12346" y="1"/>
+            <a:ext cx="6006821" cy="3447534"/>
+          </a:xfrm>
+          <a:prstGeom prst="rect">
+            <a:avLst/>
+          </a:prstGeom>
+          <a:solidFill>
+            <a:schemeClr val="bg1">
+              <a:lumMod val="95000"/>
+            </a:schemeClr>
+          </a:solidFill>
+          <a:ln>
+            <a:noFill/>
+          </a:ln>
+        </p:spPr>
+        <p:style>
+          <a:lnRef idx="2">
+            <a:schemeClr val="accent1">
+              <a:shade val="50000"/>
+            </a:schemeClr>
+          </a:lnRef>
+          <a:fillRef idx="1">
+            <a:schemeClr val="accent1"/>
+          </a:fillRef>
+          <a:effectRef idx="0">
+            <a:schemeClr val="accent1"/>
+          </a:effectRef>
+          <a:fontRef idx="minor">
+            <a:schemeClr val="lt1"/>
+          </a:fontRef>
+        </p:style>
+        <p:txBody>
+          <a:bodyPr rtlCol="0" anchor="ctr"/>
+          <a:lstStyle/>
+          <a:p>
+            <a:pPr algn="ctr"/>
+            <a:endParaRPr lang="zh-CN" altLang="en-US"/>
+          </a:p>
+        </p:txBody>
+      </p:sp>
+      <p:sp>
+        <p:nvSpPr>
+          <p:cNvPr id="30" name="文本框 29"/>
           <p:cNvSpPr txBox="1"/>
           <p:nvPr/>
         </p:nvSpPr>
         <p:spPr>
           <a:xfrm>
-            <a:off x="2618510" y="2333008"/>
-            <a:ext cx="6964407" cy="1261884"/>
+            <a:off x="662538" y="294935"/>
+            <a:ext cx="9205361" cy="769441"/>
           </a:xfrm>
           <a:prstGeom prst="rect">
             <a:avLst/>
@@ -4020,83 +9061,2265 @@
           <a:noFill/>
         </p:spPr>
         <p:txBody>
-          <a:bodyPr wrap="none" rtlCol="0">
+          <a:bodyPr wrap="square" rtlCol="0">
             <a:spAutoFit/>
           </a:bodyPr>
           <a:lstStyle/>
           <a:p>
-            <a:pPr algn="ctr"/>
-            <a:r>
-              <a:rPr lang="en-US" altLang="zh-CN" sz="3800" b="1" dirty="0" smtClean="0">
+            <a:r>
+              <a:rPr lang="en-US" altLang="zh-CN" sz="4400" b="1" dirty="0" smtClean="0">
                 <a:solidFill>
                   <a:srgbClr val="00ABB4"/>
                 </a:solidFill>
-                <a:effectLst>
-                  <a:outerShdw blurRad="38100" dist="38100" dir="2700000" algn="tl">
-                    <a:srgbClr val="000000">
-                      <a:alpha val="43137"/>
-                    </a:srgbClr>
-                  </a:outerShdw>
-                </a:effectLst>
                 <a:latin typeface="微软雅黑" panose="020B0503020204020204" pitchFamily="34" charset="-122"/>
                 <a:ea typeface="微软雅黑" panose="020B0503020204020204" pitchFamily="34" charset="-122"/>
               </a:rPr>
-              <a:t>Thank you all for listening~</a:t>
-            </a:r>
-            <a:r>
-              <a:rPr lang="en-US" altLang="zh-CN" sz="3800" b="1" dirty="0">
+              <a:t>Statistical </a:t>
+            </a:r>
+            <a:r>
+              <a:rPr lang="en-US" altLang="zh-CN" sz="4400" b="1" dirty="0" smtClean="0">
                 <a:solidFill>
                   <a:srgbClr val="00ABB4"/>
                 </a:solidFill>
-                <a:effectLst>
-                  <a:outerShdw blurRad="38100" dist="38100" dir="2700000" algn="tl">
-                    <a:srgbClr val="000000">
-                      <a:alpha val="43137"/>
-                    </a:srgbClr>
-                  </a:outerShdw>
-                </a:effectLst>
                 <a:latin typeface="微软雅黑" panose="020B0503020204020204" pitchFamily="34" charset="-122"/>
                 <a:ea typeface="微软雅黑" panose="020B0503020204020204" pitchFamily="34" charset="-122"/>
               </a:rPr>
-              <a:t/>
-            </a:r>
-            <a:br>
-              <a:rPr lang="en-US" altLang="zh-CN" sz="3800" b="1" dirty="0">
+              <a:t>Measurement </a:t>
+            </a:r>
+            <a:r>
+              <a:rPr lang="en-US" altLang="zh-CN" sz="4400" b="1" dirty="0" smtClean="0">
                 <a:solidFill>
                   <a:srgbClr val="00ABB4"/>
                 </a:solidFill>
-                <a:effectLst>
-                  <a:outerShdw blurRad="38100" dist="38100" dir="2700000" algn="tl">
-                    <a:srgbClr val="000000">
-                      <a:alpha val="43137"/>
-                    </a:srgbClr>
-                  </a:outerShdw>
-                </a:effectLst>
                 <a:latin typeface="微软雅黑" panose="020B0503020204020204" pitchFamily="34" charset="-122"/>
                 <a:ea typeface="微软雅黑" panose="020B0503020204020204" pitchFamily="34" charset="-122"/>
               </a:rPr>
-            </a:br>
-            <a:endParaRPr lang="en-US" altLang="zh-CN" sz="3800" b="1" dirty="0">
+              <a:t>--MV</a:t>
+            </a:r>
+            <a:endParaRPr lang="en-US" altLang="zh-CN" sz="4400" b="1" dirty="0">
               <a:solidFill>
                 <a:srgbClr val="00ABB4"/>
               </a:solidFill>
-              <a:effectLst>
-                <a:outerShdw blurRad="38100" dist="38100" dir="2700000" algn="tl">
-                  <a:srgbClr val="000000">
-                    <a:alpha val="43137"/>
-                  </a:srgbClr>
-                </a:outerShdw>
-              </a:effectLst>
               <a:latin typeface="微软雅黑" panose="020B0503020204020204" pitchFamily="34" charset="-122"/>
               <a:ea typeface="微软雅黑" panose="020B0503020204020204" pitchFamily="34" charset="-122"/>
             </a:endParaRPr>
           </a:p>
         </p:txBody>
       </p:sp>
+      <mc:AlternateContent xmlns:mc="http://schemas.openxmlformats.org/markup-compatibility/2006">
+        <mc:Choice xmlns:a14="http://schemas.microsoft.com/office/drawing/2010/main" Requires="a14">
+          <p:sp>
+            <p:nvSpPr>
+              <p:cNvPr id="31" name="Rectangle 96"/>
+              <p:cNvSpPr/>
+              <p:nvPr/>
+            </p:nvSpPr>
+            <p:spPr>
+              <a:xfrm>
+                <a:off x="387786" y="1214352"/>
+                <a:ext cx="11262762" cy="4993675"/>
+              </a:xfrm>
+              <a:prstGeom prst="rect">
+                <a:avLst/>
+              </a:prstGeom>
+            </p:spPr>
+            <p:txBody>
+              <a:bodyPr wrap="square">
+                <a:spAutoFit/>
+              </a:bodyPr>
+              <a:lstStyle/>
+              <a:p>
+                <a:pPr marL="800100" lvl="1" indent="-342900">
+                  <a:lnSpc>
+                    <a:spcPct val="200000"/>
+                  </a:lnSpc>
+                  <a:buFont typeface="Arial" panose="020B0604020202020204" pitchFamily="34" charset="0"/>
+                  <a:buChar char="•"/>
+                </a:pPr>
+                <a:r>
+                  <a:rPr lang="en-US" altLang="zh-CN" sz="2800" dirty="0" smtClean="0">
+                    <a:latin typeface="Meiryo" panose="020B0604030504040204" pitchFamily="34" charset="-128"/>
+                    <a:ea typeface="Meiryo" panose="020B0604030504040204" pitchFamily="34" charset="-128"/>
+                    <a:cs typeface="Meiryo" panose="020B0604030504040204" pitchFamily="34" charset="-128"/>
+                  </a:rPr>
+                  <a:t>1</a:t>
+                </a:r>
+                <a:r>
+                  <a:rPr lang="en-US" altLang="zh-CN" sz="2800" baseline="30000" dirty="0">
+                    <a:latin typeface="Meiryo" panose="020B0604030504040204" pitchFamily="34" charset="-128"/>
+                    <a:ea typeface="Meiryo" panose="020B0604030504040204" pitchFamily="34" charset="-128"/>
+                    <a:cs typeface="Meiryo" panose="020B0604030504040204" pitchFamily="34" charset="-128"/>
+                  </a:rPr>
+                  <a:t>st</a:t>
+                </a:r>
+                <a:r>
+                  <a:rPr lang="en-US" altLang="zh-CN" sz="2800" dirty="0">
+                    <a:latin typeface="Meiryo" panose="020B0604030504040204" pitchFamily="34" charset="-128"/>
+                    <a:ea typeface="Meiryo" panose="020B0604030504040204" pitchFamily="34" charset="-128"/>
+                    <a:cs typeface="Meiryo" panose="020B0604030504040204" pitchFamily="34" charset="-128"/>
+                  </a:rPr>
+                  <a:t> level : </a:t>
+                </a:r>
+                <a:r>
+                  <a:rPr lang="en-US" altLang="zh-CN" sz="2800" dirty="0" smtClean="0">
+                    <a:latin typeface="Meiryo" panose="020B0604030504040204" pitchFamily="34" charset="-128"/>
+                    <a:ea typeface="Meiryo" panose="020B0604030504040204" pitchFamily="34" charset="-128"/>
+                    <a:cs typeface="Meiryo" panose="020B0604030504040204" pitchFamily="34" charset="-128"/>
+                  </a:rPr>
+                  <a:t>node k </a:t>
+                </a:r>
+                <a:r>
+                  <a:rPr lang="en-US" altLang="zh-CN" sz="2800" dirty="0">
+                    <a:latin typeface="Meiryo" panose="020B0604030504040204" pitchFamily="34" charset="-128"/>
+                    <a:ea typeface="Meiryo" panose="020B0604030504040204" pitchFamily="34" charset="-128"/>
+                    <a:cs typeface="Meiryo" panose="020B0604030504040204" pitchFamily="34" charset="-128"/>
+                  </a:rPr>
+                  <a:t>between pair of </a:t>
+                </a:r>
+                <a:r>
+                  <a:rPr lang="en-US" altLang="zh-CN" sz="2800" dirty="0" smtClean="0">
+                    <a:latin typeface="Meiryo" panose="020B0604030504040204" pitchFamily="34" charset="-128"/>
+                    <a:ea typeface="Meiryo" panose="020B0604030504040204" pitchFamily="34" charset="-128"/>
+                    <a:cs typeface="Meiryo" panose="020B0604030504040204" pitchFamily="34" charset="-128"/>
+                  </a:rPr>
+                  <a:t>subject(i and j):</a:t>
+                </a:r>
+              </a:p>
+              <a:p>
+                <a:pPr marL="1257300" lvl="2" indent="-342900">
+                  <a:lnSpc>
+                    <a:spcPct val="200000"/>
+                  </a:lnSpc>
+                  <a:buFont typeface="Arial" panose="020B0604020202020204" pitchFamily="34" charset="0"/>
+                  <a:buChar char="•"/>
+                </a:pPr>
+                <a:r>
+                  <a:rPr lang="en-US" altLang="zh-CN" sz="2800" dirty="0" smtClean="0">
+                    <a:latin typeface="Meiryo" panose="020B0604030504040204" pitchFamily="34" charset="-128"/>
+                    <a:ea typeface="Meiryo" panose="020B0604030504040204" pitchFamily="34" charset="-128"/>
+                    <a:cs typeface="Meiryo" panose="020B0604030504040204" pitchFamily="34" charset="-128"/>
+                  </a:rPr>
+                  <a:t>MV </a:t>
+                </a:r>
+                <a:r>
+                  <a:rPr lang="en-US" altLang="zh-CN" sz="2800" baseline="-25000" dirty="0" smtClean="0">
+                    <a:latin typeface="Meiryo" panose="020B0604030504040204" pitchFamily="34" charset="-128"/>
+                    <a:ea typeface="Meiryo" panose="020B0604030504040204" pitchFamily="34" charset="-128"/>
+                    <a:cs typeface="Meiryo" panose="020B0604030504040204" pitchFamily="34" charset="-128"/>
+                  </a:rPr>
+                  <a:t>k</a:t>
+                </a:r>
+                <a:r>
+                  <a:rPr lang="en-US" altLang="zh-CN" sz="2800" dirty="0" smtClean="0">
+                    <a:latin typeface="Meiryo" panose="020B0604030504040204" pitchFamily="34" charset="-128"/>
+                    <a:ea typeface="Meiryo" panose="020B0604030504040204" pitchFamily="34" charset="-128"/>
+                    <a:cs typeface="Meiryo" panose="020B0604030504040204" pitchFamily="34" charset="-128"/>
+                  </a:rPr>
+                  <a:t> (i,j) = 1-</a:t>
+                </a:r>
+                <a14:m>
+                  <m:oMath xmlns:m="http://schemas.openxmlformats.org/officeDocument/2006/math">
+                    <m:f>
+                      <m:fPr>
+                        <m:ctrlPr>
+                          <a:rPr lang="en-US" altLang="zh-CN" sz="2800" i="1" smtClean="0">
+                            <a:latin typeface="Cambria Math"/>
+                            <a:ea typeface="Meiryo" panose="020B0604030504040204" pitchFamily="34" charset="-128"/>
+                            <a:cs typeface="Meiryo" panose="020B0604030504040204" pitchFamily="34" charset="-128"/>
+                          </a:rPr>
+                        </m:ctrlPr>
+                      </m:fPr>
+                      <m:num>
+                        <m:r>
+                          <a:rPr lang="en-US" altLang="zh-CN" sz="2800" b="0" i="1" smtClean="0">
+                            <a:latin typeface="Cambria Math"/>
+                            <a:ea typeface="Meiryo" panose="020B0604030504040204" pitchFamily="34" charset="-128"/>
+                            <a:cs typeface="Meiryo" panose="020B0604030504040204" pitchFamily="34" charset="-128"/>
+                          </a:rPr>
+                          <m:t>|</m:t>
+                        </m:r>
+                        <m:r>
+                          <a:rPr lang="en-US" altLang="zh-CN" sz="2800" b="0" i="1" smtClean="0">
+                            <a:latin typeface="Cambria Math"/>
+                            <a:ea typeface="Meiryo" panose="020B0604030504040204" pitchFamily="34" charset="-128"/>
+                            <a:cs typeface="Meiryo" panose="020B0604030504040204" pitchFamily="34" charset="-128"/>
+                          </a:rPr>
+                          <m:t>𝑀</m:t>
+                        </m:r>
+                        <m:r>
+                          <a:rPr lang="en-US" altLang="zh-CN" sz="2800" b="0" i="1" baseline="-25000" smtClean="0">
+                            <a:latin typeface="Cambria Math"/>
+                            <a:ea typeface="Meiryo" panose="020B0604030504040204" pitchFamily="34" charset="-128"/>
+                            <a:cs typeface="Meiryo" panose="020B0604030504040204" pitchFamily="34" charset="-128"/>
+                          </a:rPr>
+                          <m:t>𝑘</m:t>
+                        </m:r>
+                        <m:d>
+                          <m:dPr>
+                            <m:ctrlPr>
+                              <a:rPr lang="en-US" altLang="zh-CN" sz="2800" b="0" i="1" smtClean="0">
+                                <a:latin typeface="Cambria Math"/>
+                                <a:ea typeface="Meiryo" panose="020B0604030504040204" pitchFamily="34" charset="-128"/>
+                                <a:cs typeface="Meiryo" panose="020B0604030504040204" pitchFamily="34" charset="-128"/>
+                              </a:rPr>
+                            </m:ctrlPr>
+                          </m:dPr>
+                          <m:e>
+                            <m:r>
+                              <a:rPr lang="en-US" altLang="zh-CN" sz="2800" b="0" i="1" smtClean="0">
+                                <a:latin typeface="Cambria Math"/>
+                                <a:ea typeface="Meiryo" panose="020B0604030504040204" pitchFamily="34" charset="-128"/>
+                                <a:cs typeface="Meiryo" panose="020B0604030504040204" pitchFamily="34" charset="-128"/>
+                              </a:rPr>
+                              <m:t>𝑖</m:t>
+                            </m:r>
+                          </m:e>
+                        </m:d>
+                        <m:r>
+                          <a:rPr lang="en-US" altLang="zh-CN" sz="2800" b="0" i="1" smtClean="0">
+                            <a:latin typeface="Cambria Math"/>
+                            <a:ea typeface="Meiryo" panose="020B0604030504040204" pitchFamily="34" charset="-128"/>
+                            <a:cs typeface="Meiryo" panose="020B0604030504040204" pitchFamily="34" charset="-128"/>
+                          </a:rPr>
+                          <m:t> </m:t>
+                        </m:r>
+                        <m:r>
+                          <a:rPr lang="en-US" altLang="zh-CN" sz="2800" b="0" i="1" smtClean="0">
+                            <a:latin typeface="Cambria Math"/>
+                            <a:ea typeface="Cambria Math"/>
+                            <a:cs typeface="Meiryo" panose="020B0604030504040204" pitchFamily="34" charset="-128"/>
+                          </a:rPr>
+                          <m:t>∩ </m:t>
+                        </m:r>
+                        <m:r>
+                          <a:rPr lang="en-US" altLang="zh-CN" sz="2800" b="0" i="1" smtClean="0">
+                            <a:latin typeface="Cambria Math"/>
+                            <a:ea typeface="Meiryo" panose="020B0604030504040204" pitchFamily="34" charset="-128"/>
+                            <a:cs typeface="Meiryo" panose="020B0604030504040204" pitchFamily="34" charset="-128"/>
+                          </a:rPr>
+                          <m:t>𝑀</m:t>
+                        </m:r>
+                        <m:sSup>
+                          <m:sSupPr>
+                            <m:ctrlPr>
+                              <a:rPr lang="en-US" altLang="zh-CN" sz="2800" b="0" i="1" smtClean="0">
+                                <a:latin typeface="Cambria Math"/>
+                                <a:ea typeface="Meiryo" panose="020B0604030504040204" pitchFamily="34" charset="-128"/>
+                                <a:cs typeface="Meiryo" panose="020B0604030504040204" pitchFamily="34" charset="-128"/>
+                              </a:rPr>
+                            </m:ctrlPr>
+                          </m:sSupPr>
+                          <m:e>
+                            <m:r>
+                              <a:rPr lang="en-US" altLang="zh-CN" sz="2800" b="0" i="1" baseline="-25000" smtClean="0">
+                                <a:latin typeface="Cambria Math"/>
+                                <a:ea typeface="Meiryo" panose="020B0604030504040204" pitchFamily="34" charset="-128"/>
+                                <a:cs typeface="Meiryo" panose="020B0604030504040204" pitchFamily="34" charset="-128"/>
+                              </a:rPr>
+                              <m:t>𝑘</m:t>
+                            </m:r>
+                            <m:r>
+                              <a:rPr lang="en-US" altLang="zh-CN" sz="2800" b="0" i="1" smtClean="0">
+                                <a:latin typeface="Cambria Math"/>
+                                <a:ea typeface="Meiryo" panose="020B0604030504040204" pitchFamily="34" charset="-128"/>
+                                <a:cs typeface="Meiryo" panose="020B0604030504040204" pitchFamily="34" charset="-128"/>
+                              </a:rPr>
+                              <m:t>(</m:t>
+                            </m:r>
+                            <m:r>
+                              <a:rPr lang="en-US" altLang="zh-CN" sz="2800" b="0" i="1" smtClean="0">
+                                <a:latin typeface="Cambria Math"/>
+                                <a:ea typeface="Meiryo" panose="020B0604030504040204" pitchFamily="34" charset="-128"/>
+                                <a:cs typeface="Meiryo" panose="020B0604030504040204" pitchFamily="34" charset="-128"/>
+                              </a:rPr>
+                              <m:t>𝑗</m:t>
+                            </m:r>
+                            <m:r>
+                              <a:rPr lang="en-US" altLang="zh-CN" sz="2800" b="0" i="1" smtClean="0">
+                                <a:latin typeface="Cambria Math"/>
+                                <a:ea typeface="Meiryo" panose="020B0604030504040204" pitchFamily="34" charset="-128"/>
+                                <a:cs typeface="Meiryo" panose="020B0604030504040204" pitchFamily="34" charset="-128"/>
+                              </a:rPr>
+                              <m:t>)</m:t>
+                            </m:r>
+                          </m:e>
+                          <m:sup>
+                            <m:r>
+                              <a:rPr lang="en-US" altLang="zh-CN" sz="2800" b="0" i="1" smtClean="0">
+                                <a:latin typeface="Cambria Math"/>
+                                <a:ea typeface="Meiryo" panose="020B0604030504040204" pitchFamily="34" charset="-128"/>
+                                <a:cs typeface="Meiryo" panose="020B0604030504040204" pitchFamily="34" charset="-128"/>
+                              </a:rPr>
+                              <m:t>′</m:t>
+                            </m:r>
+                          </m:sup>
+                        </m:sSup>
+                        <m:r>
+                          <a:rPr lang="en-US" altLang="zh-CN" sz="2800" b="0" i="1" smtClean="0">
+                            <a:latin typeface="Cambria Math"/>
+                            <a:ea typeface="Meiryo" panose="020B0604030504040204" pitchFamily="34" charset="-128"/>
+                            <a:cs typeface="Meiryo" panose="020B0604030504040204" pitchFamily="34" charset="-128"/>
+                            <a:sym typeface="Symbol"/>
+                          </a:rPr>
+                          <m:t>|</m:t>
+                        </m:r>
+                      </m:num>
+                      <m:den>
+                        <m:r>
+                          <a:rPr lang="en-US" altLang="zh-CN" sz="2800" b="0" i="1" smtClean="0">
+                            <a:latin typeface="Cambria Math"/>
+                            <a:ea typeface="Meiryo" panose="020B0604030504040204" pitchFamily="34" charset="-128"/>
+                            <a:cs typeface="Meiryo" panose="020B0604030504040204" pitchFamily="34" charset="-128"/>
+                            <a:sym typeface="Symbol"/>
+                          </a:rPr>
+                          <m:t>|</m:t>
+                        </m:r>
+                        <m:r>
+                          <a:rPr lang="en-US" altLang="zh-CN" sz="2800" b="0" i="1" smtClean="0">
+                            <a:latin typeface="Cambria Math"/>
+                            <a:ea typeface="Meiryo" panose="020B0604030504040204" pitchFamily="34" charset="-128"/>
+                            <a:cs typeface="Meiryo" panose="020B0604030504040204" pitchFamily="34" charset="-128"/>
+                            <a:sym typeface="Symbol"/>
+                          </a:rPr>
+                          <m:t>𝑀𝑘</m:t>
+                        </m:r>
+                        <m:r>
+                          <a:rPr lang="en-US" altLang="zh-CN" sz="2800" b="0" i="1" smtClean="0">
+                            <a:latin typeface="Cambria Math"/>
+                            <a:ea typeface="Meiryo" panose="020B0604030504040204" pitchFamily="34" charset="-128"/>
+                            <a:cs typeface="Meiryo" panose="020B0604030504040204" pitchFamily="34" charset="-128"/>
+                            <a:sym typeface="Symbol"/>
+                          </a:rPr>
+                          <m:t>(</m:t>
+                        </m:r>
+                        <m:r>
+                          <a:rPr lang="en-US" altLang="zh-CN" sz="2800" b="0" i="1" smtClean="0">
+                            <a:latin typeface="Cambria Math"/>
+                            <a:ea typeface="Meiryo" panose="020B0604030504040204" pitchFamily="34" charset="-128"/>
+                            <a:cs typeface="Meiryo" panose="020B0604030504040204" pitchFamily="34" charset="-128"/>
+                            <a:sym typeface="Symbol"/>
+                          </a:rPr>
+                          <m:t>𝑖</m:t>
+                        </m:r>
+                        <m:r>
+                          <a:rPr lang="en-US" altLang="zh-CN" sz="2800" b="0" i="1" smtClean="0">
+                            <a:latin typeface="Cambria Math"/>
+                            <a:ea typeface="Meiryo" panose="020B0604030504040204" pitchFamily="34" charset="-128"/>
+                            <a:cs typeface="Meiryo" panose="020B0604030504040204" pitchFamily="34" charset="-128"/>
+                            <a:sym typeface="Symbol"/>
+                          </a:rPr>
+                          <m:t>)|</m:t>
+                        </m:r>
+                      </m:den>
+                    </m:f>
+                  </m:oMath>
+                </a14:m>
+                <a:r>
+                  <a:rPr lang="en-US" altLang="zh-CN" sz="2800" baseline="-25000" dirty="0" smtClean="0">
+                    <a:latin typeface="Meiryo" panose="020B0604030504040204" pitchFamily="34" charset="-128"/>
+                    <a:ea typeface="Meiryo" panose="020B0604030504040204" pitchFamily="34" charset="-128"/>
+                    <a:cs typeface="Meiryo" panose="020B0604030504040204" pitchFamily="34" charset="-128"/>
+                  </a:rPr>
+                  <a:t> *</a:t>
+                </a:r>
+                <a14:m>
+                  <m:oMath xmlns:m="http://schemas.openxmlformats.org/officeDocument/2006/math">
+                    <m:f>
+                      <m:fPr>
+                        <m:ctrlPr>
+                          <a:rPr lang="en-US" altLang="zh-CN" sz="2800" i="1">
+                            <a:latin typeface="Cambria Math"/>
+                            <a:ea typeface="Meiryo" panose="020B0604030504040204" pitchFamily="34" charset="-128"/>
+                            <a:cs typeface="Meiryo" panose="020B0604030504040204" pitchFamily="34" charset="-128"/>
+                          </a:rPr>
+                        </m:ctrlPr>
+                      </m:fPr>
+                      <m:num>
+                        <m:r>
+                          <a:rPr lang="en-US" altLang="zh-CN" sz="2800" i="1">
+                            <a:latin typeface="Cambria Math"/>
+                            <a:ea typeface="Meiryo" panose="020B0604030504040204" pitchFamily="34" charset="-128"/>
+                            <a:cs typeface="Meiryo" panose="020B0604030504040204" pitchFamily="34" charset="-128"/>
+                          </a:rPr>
+                          <m:t>|</m:t>
+                        </m:r>
+                        <m:r>
+                          <a:rPr lang="en-US" altLang="zh-CN" sz="2800" i="1">
+                            <a:latin typeface="Cambria Math"/>
+                            <a:ea typeface="Meiryo" panose="020B0604030504040204" pitchFamily="34" charset="-128"/>
+                            <a:cs typeface="Meiryo" panose="020B0604030504040204" pitchFamily="34" charset="-128"/>
+                          </a:rPr>
+                          <m:t>𝑀𝑘</m:t>
+                        </m:r>
+                        <m:d>
+                          <m:dPr>
+                            <m:ctrlPr>
+                              <a:rPr lang="en-US" altLang="zh-CN" sz="2800" i="1">
+                                <a:latin typeface="Cambria Math"/>
+                                <a:ea typeface="Meiryo" panose="020B0604030504040204" pitchFamily="34" charset="-128"/>
+                                <a:cs typeface="Meiryo" panose="020B0604030504040204" pitchFamily="34" charset="-128"/>
+                              </a:rPr>
+                            </m:ctrlPr>
+                          </m:dPr>
+                          <m:e>
+                            <m:r>
+                              <a:rPr lang="en-US" altLang="zh-CN" sz="2800" i="1">
+                                <a:latin typeface="Cambria Math"/>
+                                <a:ea typeface="Meiryo" panose="020B0604030504040204" pitchFamily="34" charset="-128"/>
+                                <a:cs typeface="Meiryo" panose="020B0604030504040204" pitchFamily="34" charset="-128"/>
+                              </a:rPr>
+                              <m:t>𝑖</m:t>
+                            </m:r>
+                          </m:e>
+                        </m:d>
+                        <m:r>
+                          <a:rPr lang="en-US" altLang="zh-CN" sz="2800" b="0" i="1" smtClean="0">
+                            <a:latin typeface="Cambria Math"/>
+                            <a:ea typeface="Meiryo" panose="020B0604030504040204" pitchFamily="34" charset="-128"/>
+                            <a:cs typeface="Meiryo" panose="020B0604030504040204" pitchFamily="34" charset="-128"/>
+                          </a:rPr>
+                          <m:t> </m:t>
+                        </m:r>
+                        <m:r>
+                          <a:rPr lang="en-US" altLang="zh-CN" sz="2800" i="1" smtClean="0">
+                            <a:latin typeface="Cambria Math"/>
+                            <a:ea typeface="Cambria Math"/>
+                            <a:cs typeface="Meiryo" panose="020B0604030504040204" pitchFamily="34" charset="-128"/>
+                          </a:rPr>
+                          <m:t>∩</m:t>
+                        </m:r>
+                        <m:r>
+                          <a:rPr lang="en-US" altLang="zh-CN" sz="2800" b="0" i="1" smtClean="0">
+                            <a:latin typeface="Cambria Math"/>
+                            <a:ea typeface="Cambria Math"/>
+                            <a:cs typeface="Meiryo" panose="020B0604030504040204" pitchFamily="34" charset="-128"/>
+                          </a:rPr>
+                          <m:t> </m:t>
+                        </m:r>
+                        <m:r>
+                          <a:rPr lang="en-US" altLang="zh-CN" sz="2800" i="1">
+                            <a:latin typeface="Cambria Math"/>
+                            <a:ea typeface="Meiryo" panose="020B0604030504040204" pitchFamily="34" charset="-128"/>
+                            <a:cs typeface="Meiryo" panose="020B0604030504040204" pitchFamily="34" charset="-128"/>
+                          </a:rPr>
+                          <m:t>𝑀</m:t>
+                        </m:r>
+                        <m:sSup>
+                          <m:sSupPr>
+                            <m:ctrlPr>
+                              <a:rPr lang="en-US" altLang="zh-CN" sz="2800" i="1">
+                                <a:latin typeface="Cambria Math"/>
+                                <a:ea typeface="Meiryo" panose="020B0604030504040204" pitchFamily="34" charset="-128"/>
+                                <a:cs typeface="Meiryo" panose="020B0604030504040204" pitchFamily="34" charset="-128"/>
+                              </a:rPr>
+                            </m:ctrlPr>
+                          </m:sSupPr>
+                          <m:e>
+                            <m:r>
+                              <a:rPr lang="en-US" altLang="zh-CN" sz="2800" i="1" baseline="-25000">
+                                <a:latin typeface="Cambria Math"/>
+                                <a:ea typeface="Meiryo" panose="020B0604030504040204" pitchFamily="34" charset="-128"/>
+                                <a:cs typeface="Meiryo" panose="020B0604030504040204" pitchFamily="34" charset="-128"/>
+                              </a:rPr>
+                              <m:t>𝑘</m:t>
+                            </m:r>
+                            <m:r>
+                              <a:rPr lang="en-US" altLang="zh-CN" sz="2800" i="1">
+                                <a:latin typeface="Cambria Math"/>
+                                <a:ea typeface="Meiryo" panose="020B0604030504040204" pitchFamily="34" charset="-128"/>
+                                <a:cs typeface="Meiryo" panose="020B0604030504040204" pitchFamily="34" charset="-128"/>
+                              </a:rPr>
+                              <m:t>(</m:t>
+                            </m:r>
+                            <m:r>
+                              <a:rPr lang="en-US" altLang="zh-CN" sz="2800" i="1">
+                                <a:latin typeface="Cambria Math"/>
+                                <a:ea typeface="Meiryo" panose="020B0604030504040204" pitchFamily="34" charset="-128"/>
+                                <a:cs typeface="Meiryo" panose="020B0604030504040204" pitchFamily="34" charset="-128"/>
+                              </a:rPr>
+                              <m:t>𝑗</m:t>
+                            </m:r>
+                            <m:r>
+                              <a:rPr lang="en-US" altLang="zh-CN" sz="2800" i="1">
+                                <a:latin typeface="Cambria Math"/>
+                                <a:ea typeface="Meiryo" panose="020B0604030504040204" pitchFamily="34" charset="-128"/>
+                                <a:cs typeface="Meiryo" panose="020B0604030504040204" pitchFamily="34" charset="-128"/>
+                              </a:rPr>
+                              <m:t>)</m:t>
+                            </m:r>
+                          </m:e>
+                          <m:sup>
+                            <m:r>
+                              <a:rPr lang="en-US" altLang="zh-CN" sz="2800" i="1">
+                                <a:latin typeface="Cambria Math"/>
+                                <a:ea typeface="Meiryo" panose="020B0604030504040204" pitchFamily="34" charset="-128"/>
+                                <a:cs typeface="Meiryo" panose="020B0604030504040204" pitchFamily="34" charset="-128"/>
+                              </a:rPr>
+                              <m:t>′</m:t>
+                            </m:r>
+                          </m:sup>
+                        </m:sSup>
+                        <m:r>
+                          <a:rPr lang="en-US" altLang="zh-CN" sz="2800" i="1">
+                            <a:latin typeface="Cambria Math"/>
+                            <a:ea typeface="Meiryo" panose="020B0604030504040204" pitchFamily="34" charset="-128"/>
+                            <a:cs typeface="Meiryo" panose="020B0604030504040204" pitchFamily="34" charset="-128"/>
+                            <a:sym typeface="Symbol"/>
+                          </a:rPr>
+                          <m:t>|</m:t>
+                        </m:r>
+                      </m:num>
+                      <m:den>
+                        <m:r>
+                          <a:rPr lang="en-US" altLang="zh-CN" sz="2800" i="1">
+                            <a:latin typeface="Cambria Math"/>
+                            <a:ea typeface="Meiryo" panose="020B0604030504040204" pitchFamily="34" charset="-128"/>
+                            <a:cs typeface="Meiryo" panose="020B0604030504040204" pitchFamily="34" charset="-128"/>
+                            <a:sym typeface="Symbol"/>
+                          </a:rPr>
+                          <m:t>|</m:t>
+                        </m:r>
+                        <m:r>
+                          <a:rPr lang="en-US" altLang="zh-CN" sz="2800" i="1">
+                            <a:latin typeface="Cambria Math"/>
+                            <a:ea typeface="Meiryo" panose="020B0604030504040204" pitchFamily="34" charset="-128"/>
+                            <a:cs typeface="Meiryo" panose="020B0604030504040204" pitchFamily="34" charset="-128"/>
+                            <a:sym typeface="Symbol"/>
+                          </a:rPr>
+                          <m:t>𝑀𝑘</m:t>
+                        </m:r>
+                        <m:r>
+                          <a:rPr lang="en-US" altLang="zh-CN" sz="2800" i="1">
+                            <a:latin typeface="Cambria Math"/>
+                            <a:ea typeface="Meiryo" panose="020B0604030504040204" pitchFamily="34" charset="-128"/>
+                            <a:cs typeface="Meiryo" panose="020B0604030504040204" pitchFamily="34" charset="-128"/>
+                            <a:sym typeface="Symbol"/>
+                          </a:rPr>
+                          <m:t>(</m:t>
+                        </m:r>
+                        <m:r>
+                          <a:rPr lang="en-US" altLang="zh-CN" sz="2800" b="0" i="1" smtClean="0">
+                            <a:latin typeface="Cambria Math"/>
+                            <a:ea typeface="Meiryo" panose="020B0604030504040204" pitchFamily="34" charset="-128"/>
+                            <a:cs typeface="Meiryo" panose="020B0604030504040204" pitchFamily="34" charset="-128"/>
+                            <a:sym typeface="Symbol"/>
+                          </a:rPr>
+                          <m:t>𝑗</m:t>
+                        </m:r>
+                        <m:r>
+                          <a:rPr lang="en-US" altLang="zh-CN" sz="2800" i="1">
+                            <a:latin typeface="Cambria Math"/>
+                            <a:ea typeface="Meiryo" panose="020B0604030504040204" pitchFamily="34" charset="-128"/>
+                            <a:cs typeface="Meiryo" panose="020B0604030504040204" pitchFamily="34" charset="-128"/>
+                            <a:sym typeface="Symbol"/>
+                          </a:rPr>
+                          <m:t>)|</m:t>
+                        </m:r>
+                      </m:den>
+                    </m:f>
+                  </m:oMath>
+                </a14:m>
+                <a:endParaRPr lang="en-US" altLang="zh-CN" sz="2800" baseline="-25000" dirty="0" smtClean="0">
+                  <a:latin typeface="Meiryo" panose="020B0604030504040204" pitchFamily="34" charset="-128"/>
+                  <a:ea typeface="Meiryo" panose="020B0604030504040204" pitchFamily="34" charset="-128"/>
+                  <a:cs typeface="Meiryo" panose="020B0604030504040204" pitchFamily="34" charset="-128"/>
+                </a:endParaRPr>
+              </a:p>
+              <a:p>
+                <a:pPr marL="1257300" lvl="2" indent="-342900">
+                  <a:lnSpc>
+                    <a:spcPct val="200000"/>
+                  </a:lnSpc>
+                  <a:buFont typeface="Arial" panose="020B0604020202020204" pitchFamily="34" charset="0"/>
+                  <a:buChar char="•"/>
+                </a:pPr>
+                <a14:m>
+                  <m:oMath xmlns:m="http://schemas.openxmlformats.org/officeDocument/2006/math">
+                    <m:r>
+                      <a:rPr lang="en-US" altLang="zh-CN" sz="2800" i="1">
+                        <a:latin typeface="Cambria Math"/>
+                        <a:ea typeface="Meiryo" panose="020B0604030504040204" pitchFamily="34" charset="-128"/>
+                        <a:cs typeface="Meiryo" panose="020B0604030504040204" pitchFamily="34" charset="-128"/>
+                      </a:rPr>
+                      <m:t>𝑀</m:t>
+                    </m:r>
+                    <m:r>
+                      <a:rPr lang="en-US" altLang="zh-CN" sz="2800" i="1" baseline="-25000">
+                        <a:latin typeface="Cambria Math"/>
+                        <a:ea typeface="Meiryo" panose="020B0604030504040204" pitchFamily="34" charset="-128"/>
+                        <a:cs typeface="Meiryo" panose="020B0604030504040204" pitchFamily="34" charset="-128"/>
+                      </a:rPr>
+                      <m:t>𝑘</m:t>
+                    </m:r>
+                    <m:r>
+                      <a:rPr lang="en-US" altLang="zh-CN" sz="2800" i="1">
+                        <a:latin typeface="Cambria Math"/>
+                        <a:ea typeface="Meiryo" panose="020B0604030504040204" pitchFamily="34" charset="-128"/>
+                        <a:cs typeface="Meiryo" panose="020B0604030504040204" pitchFamily="34" charset="-128"/>
+                      </a:rPr>
+                      <m:t>(</m:t>
+                    </m:r>
+                    <m:r>
+                      <a:rPr lang="en-US" altLang="zh-CN" sz="2800" i="1">
+                        <a:latin typeface="Cambria Math"/>
+                        <a:ea typeface="Meiryo" panose="020B0604030504040204" pitchFamily="34" charset="-128"/>
+                        <a:cs typeface="Meiryo" panose="020B0604030504040204" pitchFamily="34" charset="-128"/>
+                      </a:rPr>
+                      <m:t>𝑖</m:t>
+                    </m:r>
+                    <m:r>
+                      <a:rPr lang="en-US" altLang="zh-CN" sz="2800" i="1">
+                        <a:latin typeface="Cambria Math"/>
+                        <a:ea typeface="Meiryo" panose="020B0604030504040204" pitchFamily="34" charset="-128"/>
+                        <a:cs typeface="Meiryo" panose="020B0604030504040204" pitchFamily="34" charset="-128"/>
+                      </a:rPr>
+                      <m:t>)</m:t>
+                    </m:r>
+                  </m:oMath>
+                </a14:m>
+                <a:r>
+                  <a:rPr lang="en-US" altLang="zh-CN" sz="2800" dirty="0" smtClean="0">
+                    <a:latin typeface="Meiryo" panose="020B0604030504040204" pitchFamily="34" charset="-128"/>
+                    <a:ea typeface="Meiryo" panose="020B0604030504040204" pitchFamily="34" charset="-128"/>
+                    <a:cs typeface="Meiryo" panose="020B0604030504040204" pitchFamily="34" charset="-128"/>
+                  </a:rPr>
+                  <a:t> : the module node(roi) k belong in subject k</a:t>
+                </a:r>
+              </a:p>
+              <a:p>
+                <a:pPr marL="1257300" lvl="2" indent="-342900">
+                  <a:lnSpc>
+                    <a:spcPct val="200000"/>
+                  </a:lnSpc>
+                  <a:buFont typeface="Arial" panose="020B0604020202020204" pitchFamily="34" charset="0"/>
+                  <a:buChar char="•"/>
+                </a:pPr>
+                <a14:m>
+                  <m:oMath xmlns:m="http://schemas.openxmlformats.org/officeDocument/2006/math">
+                    <m:r>
+                      <a:rPr lang="en-US" altLang="zh-CN" sz="2800" i="1" dirty="0" smtClean="0">
+                        <a:latin typeface="Cambria Math"/>
+                        <a:ea typeface="Cambria Math"/>
+                        <a:cs typeface="Meiryo" panose="020B0604030504040204" pitchFamily="34" charset="-128"/>
+                      </a:rPr>
+                      <m:t>∩</m:t>
+                    </m:r>
+                  </m:oMath>
+                </a14:m>
+                <a:r>
+                  <a:rPr lang="en-US" altLang="zh-CN" sz="2800" dirty="0" smtClean="0">
+                    <a:latin typeface="Meiryo" panose="020B0604030504040204" pitchFamily="34" charset="-128"/>
+                    <a:ea typeface="Meiryo" panose="020B0604030504040204" pitchFamily="34" charset="-128"/>
+                    <a:cs typeface="Meiryo" panose="020B0604030504040204" pitchFamily="34" charset="-128"/>
+                  </a:rPr>
+                  <a:t>: calculate the nodes both in </a:t>
+                </a:r>
+                <a14:m>
+                  <m:oMath xmlns:m="http://schemas.openxmlformats.org/officeDocument/2006/math">
+                    <m:r>
+                      <a:rPr lang="en-US" altLang="zh-CN" sz="2800" i="1">
+                        <a:latin typeface="Cambria Math"/>
+                        <a:ea typeface="Meiryo" panose="020B0604030504040204" pitchFamily="34" charset="-128"/>
+                        <a:cs typeface="Meiryo" panose="020B0604030504040204" pitchFamily="34" charset="-128"/>
+                      </a:rPr>
+                      <m:t>𝑀</m:t>
+                    </m:r>
+                    <m:r>
+                      <a:rPr lang="en-US" altLang="zh-CN" sz="2800" i="1" baseline="-25000">
+                        <a:latin typeface="Cambria Math"/>
+                        <a:ea typeface="Meiryo" panose="020B0604030504040204" pitchFamily="34" charset="-128"/>
+                        <a:cs typeface="Meiryo" panose="020B0604030504040204" pitchFamily="34" charset="-128"/>
+                      </a:rPr>
+                      <m:t>𝑘</m:t>
+                    </m:r>
+                    <m:r>
+                      <a:rPr lang="en-US" altLang="zh-CN" sz="2800" i="1">
+                        <a:latin typeface="Cambria Math"/>
+                        <a:ea typeface="Meiryo" panose="020B0604030504040204" pitchFamily="34" charset="-128"/>
+                        <a:cs typeface="Meiryo" panose="020B0604030504040204" pitchFamily="34" charset="-128"/>
+                      </a:rPr>
+                      <m:t>(</m:t>
+                    </m:r>
+                    <m:r>
+                      <a:rPr lang="en-US" altLang="zh-CN" sz="2800" i="1">
+                        <a:latin typeface="Cambria Math"/>
+                        <a:ea typeface="Meiryo" panose="020B0604030504040204" pitchFamily="34" charset="-128"/>
+                        <a:cs typeface="Meiryo" panose="020B0604030504040204" pitchFamily="34" charset="-128"/>
+                      </a:rPr>
+                      <m:t>𝑖</m:t>
+                    </m:r>
+                    <m:r>
+                      <a:rPr lang="en-US" altLang="zh-CN" sz="2800" i="1">
+                        <a:latin typeface="Cambria Math"/>
+                        <a:ea typeface="Meiryo" panose="020B0604030504040204" pitchFamily="34" charset="-128"/>
+                        <a:cs typeface="Meiryo" panose="020B0604030504040204" pitchFamily="34" charset="-128"/>
+                      </a:rPr>
+                      <m:t>)</m:t>
+                    </m:r>
+                  </m:oMath>
+                </a14:m>
+                <a:r>
+                  <a:rPr lang="en-US" altLang="zh-CN" sz="2800" dirty="0">
+                    <a:latin typeface="Meiryo" panose="020B0604030504040204" pitchFamily="34" charset="-128"/>
+                    <a:ea typeface="Meiryo" panose="020B0604030504040204" pitchFamily="34" charset="-128"/>
+                    <a:cs typeface="Meiryo" panose="020B0604030504040204" pitchFamily="34" charset="-128"/>
+                  </a:rPr>
+                  <a:t> </a:t>
+                </a:r>
+                <a:r>
+                  <a:rPr lang="en-US" altLang="zh-CN" sz="2800" dirty="0" smtClean="0">
+                    <a:latin typeface="Meiryo" panose="020B0604030504040204" pitchFamily="34" charset="-128"/>
+                    <a:ea typeface="Meiryo" panose="020B0604030504040204" pitchFamily="34" charset="-128"/>
+                    <a:cs typeface="Meiryo" panose="020B0604030504040204" pitchFamily="34" charset="-128"/>
+                  </a:rPr>
+                  <a:t>and </a:t>
+                </a:r>
+                <a14:m>
+                  <m:oMath xmlns:m="http://schemas.openxmlformats.org/officeDocument/2006/math">
+                    <m:r>
+                      <a:rPr lang="en-US" altLang="zh-CN" sz="2800" i="1">
+                        <a:latin typeface="Cambria Math"/>
+                        <a:ea typeface="Meiryo" panose="020B0604030504040204" pitchFamily="34" charset="-128"/>
+                        <a:cs typeface="Meiryo" panose="020B0604030504040204" pitchFamily="34" charset="-128"/>
+                      </a:rPr>
+                      <m:t>𝑀</m:t>
+                    </m:r>
+                    <m:r>
+                      <a:rPr lang="en-US" altLang="zh-CN" sz="2800" i="1" baseline="-25000">
+                        <a:latin typeface="Cambria Math"/>
+                        <a:ea typeface="Meiryo" panose="020B0604030504040204" pitchFamily="34" charset="-128"/>
+                        <a:cs typeface="Meiryo" panose="020B0604030504040204" pitchFamily="34" charset="-128"/>
+                      </a:rPr>
+                      <m:t>𝑘</m:t>
+                    </m:r>
+                    <m:d>
+                      <m:dPr>
+                        <m:ctrlPr>
+                          <a:rPr lang="en-US" altLang="zh-CN" sz="2800" i="1" baseline="-25000">
+                            <a:latin typeface="Cambria Math"/>
+                            <a:ea typeface="Meiryo" panose="020B0604030504040204" pitchFamily="34" charset="-128"/>
+                            <a:cs typeface="Meiryo" panose="020B0604030504040204" pitchFamily="34" charset="-128"/>
+                          </a:rPr>
+                        </m:ctrlPr>
+                      </m:dPr>
+                      <m:e>
+                        <m:r>
+                          <a:rPr lang="en-US" altLang="zh-CN" sz="2800" b="0" i="1" smtClean="0">
+                            <a:latin typeface="Cambria Math"/>
+                            <a:ea typeface="Meiryo" panose="020B0604030504040204" pitchFamily="34" charset="-128"/>
+                            <a:cs typeface="Meiryo" panose="020B0604030504040204" pitchFamily="34" charset="-128"/>
+                          </a:rPr>
+                          <m:t>𝑗</m:t>
+                        </m:r>
+                      </m:e>
+                    </m:d>
+                  </m:oMath>
+                </a14:m>
+                <a:endParaRPr lang="en-US" altLang="zh-CN" sz="2800" dirty="0" smtClean="0">
+                  <a:latin typeface="Meiryo" panose="020B0604030504040204" pitchFamily="34" charset="-128"/>
+                  <a:ea typeface="Meiryo" panose="020B0604030504040204" pitchFamily="34" charset="-128"/>
+                  <a:cs typeface="Meiryo" panose="020B0604030504040204" pitchFamily="34" charset="-128"/>
+                </a:endParaRPr>
+              </a:p>
+              <a:p>
+                <a:pPr marL="1257300" lvl="2" indent="-342900">
+                  <a:lnSpc>
+                    <a:spcPct val="200000"/>
+                  </a:lnSpc>
+                  <a:buFont typeface="Arial" panose="020B0604020202020204" pitchFamily="34" charset="0"/>
+                  <a:buChar char="•"/>
+                </a:pPr>
+                <a:r>
+                  <a:rPr lang="en-US" altLang="zh-CN" sz="2800" dirty="0" smtClean="0">
+                    <a:latin typeface="Meiryo" panose="020B0604030504040204" pitchFamily="34" charset="-128"/>
+                    <a:ea typeface="Meiryo" panose="020B0604030504040204" pitchFamily="34" charset="-128"/>
+                    <a:cs typeface="Meiryo" panose="020B0604030504040204" pitchFamily="34" charset="-128"/>
+                  </a:rPr>
+                  <a:t>|M| : calculate the number of nodes in set M </a:t>
+                </a:r>
+                <a:endParaRPr lang="en-US" altLang="zh-CN" sz="2800" dirty="0">
+                  <a:latin typeface="Meiryo" panose="020B0604030504040204" pitchFamily="34" charset="-128"/>
+                  <a:ea typeface="Meiryo" panose="020B0604030504040204" pitchFamily="34" charset="-128"/>
+                  <a:cs typeface="Meiryo" panose="020B0604030504040204" pitchFamily="34" charset="-128"/>
+                </a:endParaRPr>
+              </a:p>
+            </p:txBody>
+          </p:sp>
+        </mc:Choice>
+        <mc:Fallback>
+          <p:sp>
+            <p:nvSpPr>
+              <p:cNvPr id="31" name="Rectangle 96"/>
+              <p:cNvSpPr>
+                <a:spLocks noRot="1" noChangeAspect="1" noMove="1" noResize="1" noEditPoints="1" noAdjustHandles="1" noChangeArrowheads="1" noChangeShapeType="1" noTextEdit="1"/>
+              </p:cNvSpPr>
+              <p:nvPr/>
+            </p:nvSpPr>
+            <p:spPr>
+              <a:xfrm>
+                <a:off x="387786" y="1214352"/>
+                <a:ext cx="11262762" cy="4993675"/>
+              </a:xfrm>
+              <a:prstGeom prst="rect">
+                <a:avLst/>
+              </a:prstGeom>
+              <a:blipFill rotWithShape="1">
+                <a:blip r:embed="rId3"/>
+                <a:stretch>
+                  <a:fillRect b="-366"/>
+                </a:stretch>
+              </a:blipFill>
+            </p:spPr>
+            <p:txBody>
+              <a:bodyPr/>
+              <a:lstStyle/>
+              <a:p>
+                <a:r>
+                  <a:rPr lang="zh-CN" altLang="en-US">
+                    <a:noFill/>
+                  </a:rPr>
+                  <a:t> </a:t>
+                </a:r>
+              </a:p>
+            </p:txBody>
+          </p:sp>
+        </mc:Fallback>
+      </mc:AlternateContent>
     </p:spTree>
     <p:extLst>
       <p:ext uri="{BB962C8B-B14F-4D97-AF65-F5344CB8AC3E}">
-        <p14:creationId xmlns:p14="http://schemas.microsoft.com/office/powerpoint/2010/main" val="3711594375"/>
+        <p14:creationId xmlns:p14="http://schemas.microsoft.com/office/powerpoint/2010/main" val="2271774800"/>
+      </p:ext>
+    </p:extLst>
+  </p:cSld>
+  <p:clrMapOvr>
+    <a:masterClrMapping/>
+  </p:clrMapOvr>
+  <p:timing>
+    <p:tnLst>
+      <p:par>
+        <p:cTn id="1" dur="indefinite" restart="never" nodeType="tmRoot"/>
+      </p:par>
+    </p:tnLst>
+  </p:timing>
+</p:sld>
+</file>
+
+<file path=ppt/slides/slide7.xml><?xml version="1.0" encoding="utf-8"?>
+<p:sld xmlns:a="http://schemas.openxmlformats.org/drawingml/2006/main" xmlns:r="http://schemas.openxmlformats.org/officeDocument/2006/relationships" xmlns:p="http://schemas.openxmlformats.org/presentationml/2006/main">
+  <p:cSld>
+    <p:spTree>
+      <p:nvGrpSpPr>
+        <p:cNvPr id="1" name=""/>
+        <p:cNvGrpSpPr/>
+        <p:nvPr/>
+      </p:nvGrpSpPr>
+      <p:grpSpPr>
+        <a:xfrm>
+          <a:off x="0" y="0"/>
+          <a:ext cx="0" cy="0"/>
+          <a:chOff x="0" y="0"/>
+          <a:chExt cx="0" cy="0"/>
+        </a:xfrm>
+      </p:grpSpPr>
+      <p:sp>
+        <p:nvSpPr>
+          <p:cNvPr id="5" name="矩形 4"/>
+          <p:cNvSpPr/>
+          <p:nvPr/>
+        </p:nvSpPr>
+        <p:spPr>
+          <a:xfrm>
+            <a:off x="6005399" y="3447534"/>
+            <a:ext cx="6172200" cy="3410465"/>
+          </a:xfrm>
+          <a:prstGeom prst="rect">
+            <a:avLst/>
+          </a:prstGeom>
+          <a:solidFill>
+            <a:schemeClr val="bg1">
+              <a:lumMod val="95000"/>
+            </a:schemeClr>
+          </a:solidFill>
+          <a:ln>
+            <a:noFill/>
+          </a:ln>
+        </p:spPr>
+        <p:style>
+          <a:lnRef idx="2">
+            <a:schemeClr val="accent1">
+              <a:shade val="50000"/>
+            </a:schemeClr>
+          </a:lnRef>
+          <a:fillRef idx="1">
+            <a:schemeClr val="accent1"/>
+          </a:fillRef>
+          <a:effectRef idx="0">
+            <a:schemeClr val="accent1"/>
+          </a:effectRef>
+          <a:fontRef idx="minor">
+            <a:schemeClr val="lt1"/>
+          </a:fontRef>
+        </p:style>
+        <p:txBody>
+          <a:bodyPr rtlCol="0" anchor="ctr"/>
+          <a:lstStyle/>
+          <a:p>
+            <a:pPr algn="ctr"/>
+            <a:endParaRPr lang="zh-CN" altLang="en-US"/>
+          </a:p>
+        </p:txBody>
+      </p:sp>
+      <p:sp>
+        <p:nvSpPr>
+          <p:cNvPr id="29" name="矩形 28"/>
+          <p:cNvSpPr/>
+          <p:nvPr/>
+        </p:nvSpPr>
+        <p:spPr>
+          <a:xfrm>
+            <a:off x="12346" y="1"/>
+            <a:ext cx="6006821" cy="3447534"/>
+          </a:xfrm>
+          <a:prstGeom prst="rect">
+            <a:avLst/>
+          </a:prstGeom>
+          <a:solidFill>
+            <a:schemeClr val="bg1">
+              <a:lumMod val="95000"/>
+            </a:schemeClr>
+          </a:solidFill>
+          <a:ln>
+            <a:noFill/>
+          </a:ln>
+        </p:spPr>
+        <p:style>
+          <a:lnRef idx="2">
+            <a:schemeClr val="accent1">
+              <a:shade val="50000"/>
+            </a:schemeClr>
+          </a:lnRef>
+          <a:fillRef idx="1">
+            <a:schemeClr val="accent1"/>
+          </a:fillRef>
+          <a:effectRef idx="0">
+            <a:schemeClr val="accent1"/>
+          </a:effectRef>
+          <a:fontRef idx="minor">
+            <a:schemeClr val="lt1"/>
+          </a:fontRef>
+        </p:style>
+        <p:txBody>
+          <a:bodyPr rtlCol="0" anchor="ctr"/>
+          <a:lstStyle/>
+          <a:p>
+            <a:pPr algn="ctr"/>
+            <a:endParaRPr lang="zh-CN" altLang="en-US"/>
+          </a:p>
+        </p:txBody>
+      </p:sp>
+      <p:sp>
+        <p:nvSpPr>
+          <p:cNvPr id="30" name="文本框 29"/>
+          <p:cNvSpPr txBox="1"/>
+          <p:nvPr/>
+        </p:nvSpPr>
+        <p:spPr>
+          <a:xfrm>
+            <a:off x="662538" y="294935"/>
+            <a:ext cx="9205361" cy="769441"/>
+          </a:xfrm>
+          <a:prstGeom prst="rect">
+            <a:avLst/>
+          </a:prstGeom>
+          <a:noFill/>
+        </p:spPr>
+        <p:txBody>
+          <a:bodyPr wrap="square" rtlCol="0">
+            <a:spAutoFit/>
+          </a:bodyPr>
+          <a:lstStyle/>
+          <a:p>
+            <a:r>
+              <a:rPr lang="en-US" altLang="zh-CN" sz="4400" b="1" dirty="0" smtClean="0">
+                <a:solidFill>
+                  <a:srgbClr val="00ABB4"/>
+                </a:solidFill>
+                <a:latin typeface="微软雅黑" panose="020B0503020204020204" pitchFamily="34" charset="-122"/>
+                <a:ea typeface="微软雅黑" panose="020B0503020204020204" pitchFamily="34" charset="-122"/>
+              </a:rPr>
+              <a:t>Statistical </a:t>
+            </a:r>
+            <a:r>
+              <a:rPr lang="en-US" altLang="zh-CN" sz="4400" b="1" dirty="0" smtClean="0">
+                <a:solidFill>
+                  <a:srgbClr val="00ABB4"/>
+                </a:solidFill>
+                <a:latin typeface="微软雅黑" panose="020B0503020204020204" pitchFamily="34" charset="-122"/>
+                <a:ea typeface="微软雅黑" panose="020B0503020204020204" pitchFamily="34" charset="-122"/>
+              </a:rPr>
+              <a:t>Measurement </a:t>
+            </a:r>
+            <a:r>
+              <a:rPr lang="en-US" altLang="zh-CN" sz="4400" b="1" dirty="0" smtClean="0">
+                <a:solidFill>
+                  <a:srgbClr val="00ABB4"/>
+                </a:solidFill>
+                <a:latin typeface="微软雅黑" panose="020B0503020204020204" pitchFamily="34" charset="-122"/>
+                <a:ea typeface="微软雅黑" panose="020B0503020204020204" pitchFamily="34" charset="-122"/>
+              </a:rPr>
+              <a:t>--MV</a:t>
+            </a:r>
+            <a:endParaRPr lang="en-US" altLang="zh-CN" sz="4400" b="1" dirty="0">
+              <a:solidFill>
+                <a:srgbClr val="00ABB4"/>
+              </a:solidFill>
+              <a:latin typeface="微软雅黑" panose="020B0503020204020204" pitchFamily="34" charset="-122"/>
+              <a:ea typeface="微软雅黑" panose="020B0503020204020204" pitchFamily="34" charset="-122"/>
+            </a:endParaRPr>
+          </a:p>
+        </p:txBody>
+      </p:sp>
+      <mc:AlternateContent xmlns:mc="http://schemas.openxmlformats.org/markup-compatibility/2006">
+        <mc:Choice xmlns:a14="http://schemas.microsoft.com/office/drawing/2010/main" Requires="a14">
+          <p:sp>
+            <p:nvSpPr>
+              <p:cNvPr id="31" name="Rectangle 96"/>
+              <p:cNvSpPr/>
+              <p:nvPr/>
+            </p:nvSpPr>
+            <p:spPr>
+              <a:xfrm>
+                <a:off x="510135" y="1062010"/>
+                <a:ext cx="10245297" cy="5310043"/>
+              </a:xfrm>
+              <a:prstGeom prst="rect">
+                <a:avLst/>
+              </a:prstGeom>
+            </p:spPr>
+            <p:txBody>
+              <a:bodyPr wrap="square">
+                <a:spAutoFit/>
+              </a:bodyPr>
+              <a:lstStyle/>
+              <a:p>
+                <a:pPr marL="800100" lvl="1" indent="-342900">
+                  <a:lnSpc>
+                    <a:spcPct val="200000"/>
+                  </a:lnSpc>
+                  <a:buFont typeface="Arial" panose="020B0604020202020204" pitchFamily="34" charset="0"/>
+                  <a:buChar char="•"/>
+                </a:pPr>
+                <a:r>
+                  <a:rPr lang="en-US" altLang="zh-CN" sz="2800" dirty="0" smtClean="0">
+                    <a:latin typeface="Meiryo" panose="020B0604030504040204" pitchFamily="34" charset="-128"/>
+                    <a:ea typeface="Meiryo" panose="020B0604030504040204" pitchFamily="34" charset="-128"/>
+                    <a:cs typeface="Meiryo" panose="020B0604030504040204" pitchFamily="34" charset="-128"/>
+                  </a:rPr>
+                  <a:t>2</a:t>
+                </a:r>
+                <a:r>
+                  <a:rPr lang="en-US" altLang="zh-CN" sz="2800" baseline="30000" dirty="0">
+                    <a:latin typeface="Meiryo" panose="020B0604030504040204" pitchFamily="34" charset="-128"/>
+                    <a:ea typeface="Meiryo" panose="020B0604030504040204" pitchFamily="34" charset="-128"/>
+                    <a:cs typeface="Meiryo" panose="020B0604030504040204" pitchFamily="34" charset="-128"/>
+                  </a:rPr>
+                  <a:t>nd</a:t>
+                </a:r>
+                <a:r>
+                  <a:rPr lang="en-US" altLang="zh-CN" sz="2800" dirty="0">
+                    <a:latin typeface="Meiryo" panose="020B0604030504040204" pitchFamily="34" charset="-128"/>
+                    <a:ea typeface="Meiryo" panose="020B0604030504040204" pitchFamily="34" charset="-128"/>
+                    <a:cs typeface="Meiryo" panose="020B0604030504040204" pitchFamily="34" charset="-128"/>
+                  </a:rPr>
+                  <a:t> level: </a:t>
+                </a:r>
+                <a:r>
+                  <a:rPr lang="en-US" altLang="zh-CN" sz="2800" dirty="0" smtClean="0">
+                    <a:latin typeface="Meiryo" panose="020B0604030504040204" pitchFamily="34" charset="-128"/>
+                    <a:ea typeface="Meiryo" panose="020B0604030504040204" pitchFamily="34" charset="-128"/>
+                    <a:cs typeface="Meiryo" panose="020B0604030504040204" pitchFamily="34" charset="-128"/>
+                  </a:rPr>
+                  <a:t>node k for subject i :</a:t>
+                </a:r>
+                <a:endParaRPr lang="en-US" altLang="zh-CN" sz="2800" dirty="0">
+                  <a:latin typeface="Meiryo" panose="020B0604030504040204" pitchFamily="34" charset="-128"/>
+                  <a:ea typeface="Meiryo" panose="020B0604030504040204" pitchFamily="34" charset="-128"/>
+                  <a:cs typeface="Meiryo" panose="020B0604030504040204" pitchFamily="34" charset="-128"/>
+                </a:endParaRPr>
+              </a:p>
+              <a:p>
+                <a:pPr marL="1257300" lvl="2" indent="-342900">
+                  <a:lnSpc>
+                    <a:spcPct val="200000"/>
+                  </a:lnSpc>
+                  <a:buFont typeface="Arial" panose="020B0604020202020204" pitchFamily="34" charset="0"/>
+                  <a:buChar char="•"/>
+                </a:pPr>
+                <a:r>
+                  <a:rPr lang="en-US" altLang="zh-CN" sz="2800" dirty="0" smtClean="0">
+                    <a:latin typeface="Meiryo" panose="020B0604030504040204" pitchFamily="34" charset="-128"/>
+                    <a:ea typeface="Meiryo" panose="020B0604030504040204" pitchFamily="34" charset="-128"/>
+                    <a:cs typeface="Meiryo" panose="020B0604030504040204" pitchFamily="34" charset="-128"/>
+                  </a:rPr>
+                  <a:t>MV </a:t>
+                </a:r>
+                <a:r>
+                  <a:rPr lang="en-US" altLang="zh-CN" sz="2800" baseline="-25000" dirty="0" smtClean="0">
+                    <a:latin typeface="Meiryo" panose="020B0604030504040204" pitchFamily="34" charset="-128"/>
+                    <a:ea typeface="Meiryo" panose="020B0604030504040204" pitchFamily="34" charset="-128"/>
+                    <a:cs typeface="Meiryo" panose="020B0604030504040204" pitchFamily="34" charset="-128"/>
+                  </a:rPr>
+                  <a:t>k</a:t>
+                </a:r>
+                <a:r>
+                  <a:rPr lang="en-US" altLang="zh-CN" sz="2800" dirty="0" smtClean="0">
+                    <a:latin typeface="Meiryo" panose="020B0604030504040204" pitchFamily="34" charset="-128"/>
+                    <a:ea typeface="Meiryo" panose="020B0604030504040204" pitchFamily="34" charset="-128"/>
+                    <a:cs typeface="Meiryo" panose="020B0604030504040204" pitchFamily="34" charset="-128"/>
+                  </a:rPr>
+                  <a:t> (</a:t>
+                </a:r>
+                <a:r>
+                  <a:rPr lang="en-US" altLang="zh-CN" sz="2800" dirty="0" smtClean="0">
+                    <a:latin typeface="Meiryo" panose="020B0604030504040204" pitchFamily="34" charset="-128"/>
+                    <a:ea typeface="Meiryo" panose="020B0604030504040204" pitchFamily="34" charset="-128"/>
+                    <a:cs typeface="Meiryo" panose="020B0604030504040204" pitchFamily="34" charset="-128"/>
+                  </a:rPr>
+                  <a:t>i) = </a:t>
+                </a:r>
+                <a14:m>
+                  <m:oMath xmlns:m="http://schemas.openxmlformats.org/officeDocument/2006/math">
+                    <m:nary>
+                      <m:naryPr>
+                        <m:chr m:val="∑"/>
+                        <m:subHide m:val="on"/>
+                        <m:supHide m:val="on"/>
+                        <m:ctrlPr>
+                          <a:rPr lang="en-US" altLang="zh-CN" sz="2800" i="1" smtClean="0">
+                            <a:latin typeface="Cambria Math"/>
+                            <a:ea typeface="Meiryo" panose="020B0604030504040204" pitchFamily="34" charset="-128"/>
+                            <a:cs typeface="Meiryo" panose="020B0604030504040204" pitchFamily="34" charset="-128"/>
+                          </a:rPr>
+                        </m:ctrlPr>
+                      </m:naryPr>
+                      <m:sub/>
+                      <m:sup/>
+                      <m:e>
+                        <m:r>
+                          <a:rPr lang="en-US" altLang="zh-CN" sz="2800" b="0" i="1" baseline="-25000" smtClean="0">
+                            <a:latin typeface="Cambria Math"/>
+                            <a:ea typeface="Meiryo" panose="020B0604030504040204" pitchFamily="34" charset="-128"/>
+                            <a:cs typeface="Meiryo" panose="020B0604030504040204" pitchFamily="34" charset="-128"/>
+                          </a:rPr>
+                          <m:t>𝑗</m:t>
+                        </m:r>
+                        <m:r>
+                          <a:rPr lang="en-US" altLang="zh-CN" sz="2800" b="0" i="1" baseline="-25000" smtClean="0">
+                            <a:latin typeface="Cambria Math"/>
+                            <a:ea typeface="Cambria Math"/>
+                            <a:cs typeface="Meiryo" panose="020B0604030504040204" pitchFamily="34" charset="-128"/>
+                          </a:rPr>
+                          <m:t>≠</m:t>
+                        </m:r>
+                        <m:r>
+                          <a:rPr lang="en-US" altLang="zh-CN" sz="2800" b="0" i="1" baseline="-25000" smtClean="0">
+                            <a:latin typeface="Cambria Math"/>
+                            <a:ea typeface="Cambria Math"/>
+                            <a:cs typeface="Meiryo" panose="020B0604030504040204" pitchFamily="34" charset="-128"/>
+                          </a:rPr>
+                          <m:t>𝑖</m:t>
+                        </m:r>
+                      </m:e>
+                    </m:nary>
+                  </m:oMath>
+                </a14:m>
+                <a:r>
+                  <a:rPr lang="en-US" altLang="zh-CN" sz="2800" baseline="-25000" dirty="0" smtClean="0">
+                    <a:latin typeface="Meiryo" panose="020B0604030504040204" pitchFamily="34" charset="-128"/>
+                    <a:ea typeface="Meiryo" panose="020B0604030504040204" pitchFamily="34" charset="-128"/>
+                    <a:cs typeface="Meiryo" panose="020B0604030504040204" pitchFamily="34" charset="-128"/>
+                  </a:rPr>
+                  <a:t> </a:t>
+                </a:r>
+                <a:r>
+                  <a:rPr lang="en-US" altLang="zh-CN" sz="2800" dirty="0">
+                    <a:latin typeface="Meiryo" panose="020B0604030504040204" pitchFamily="34" charset="-128"/>
+                    <a:ea typeface="Meiryo" panose="020B0604030504040204" pitchFamily="34" charset="-128"/>
+                    <a:cs typeface="Meiryo" panose="020B0604030504040204" pitchFamily="34" charset="-128"/>
+                  </a:rPr>
+                  <a:t>MV </a:t>
+                </a:r>
+                <a:r>
+                  <a:rPr lang="en-US" altLang="zh-CN" sz="2800" baseline="-25000" dirty="0">
+                    <a:latin typeface="Meiryo" panose="020B0604030504040204" pitchFamily="34" charset="-128"/>
+                    <a:ea typeface="Meiryo" panose="020B0604030504040204" pitchFamily="34" charset="-128"/>
+                    <a:cs typeface="Meiryo" panose="020B0604030504040204" pitchFamily="34" charset="-128"/>
+                  </a:rPr>
+                  <a:t>k</a:t>
+                </a:r>
+                <a:r>
+                  <a:rPr lang="en-US" altLang="zh-CN" sz="2800" dirty="0">
+                    <a:latin typeface="Meiryo" panose="020B0604030504040204" pitchFamily="34" charset="-128"/>
+                    <a:ea typeface="Meiryo" panose="020B0604030504040204" pitchFamily="34" charset="-128"/>
+                    <a:cs typeface="Meiryo" panose="020B0604030504040204" pitchFamily="34" charset="-128"/>
+                  </a:rPr>
+                  <a:t> (i,j) </a:t>
+                </a:r>
+                <a:r>
+                  <a:rPr lang="en-US" altLang="zh-CN" sz="2800" dirty="0" smtClean="0">
+                    <a:latin typeface="Meiryo" panose="020B0604030504040204" pitchFamily="34" charset="-128"/>
+                    <a:ea typeface="Meiryo" panose="020B0604030504040204" pitchFamily="34" charset="-128"/>
+                    <a:cs typeface="Meiryo" panose="020B0604030504040204" pitchFamily="34" charset="-128"/>
+                  </a:rPr>
+                  <a:t> / (N-1)</a:t>
+                </a:r>
+                <a:endParaRPr lang="en-US" altLang="zh-CN" sz="2800" baseline="-25000" dirty="0">
+                  <a:latin typeface="Meiryo" panose="020B0604030504040204" pitchFamily="34" charset="-128"/>
+                  <a:ea typeface="Meiryo" panose="020B0604030504040204" pitchFamily="34" charset="-128"/>
+                  <a:cs typeface="Meiryo" panose="020B0604030504040204" pitchFamily="34" charset="-128"/>
+                </a:endParaRPr>
+              </a:p>
+              <a:p>
+                <a:pPr marL="800100" lvl="1" indent="-342900">
+                  <a:lnSpc>
+                    <a:spcPct val="200000"/>
+                  </a:lnSpc>
+                  <a:buFont typeface="Arial" panose="020B0604020202020204" pitchFamily="34" charset="0"/>
+                  <a:buChar char="•"/>
+                </a:pPr>
+                <a:r>
+                  <a:rPr lang="en-US" altLang="zh-CN" sz="2800" dirty="0" smtClean="0">
+                    <a:latin typeface="Meiryo" panose="020B0604030504040204" pitchFamily="34" charset="-128"/>
+                    <a:ea typeface="Meiryo" panose="020B0604030504040204" pitchFamily="34" charset="-128"/>
+                    <a:cs typeface="Meiryo" panose="020B0604030504040204" pitchFamily="34" charset="-128"/>
+                  </a:rPr>
+                  <a:t>3</a:t>
+                </a:r>
+                <a:r>
+                  <a:rPr lang="en-US" altLang="zh-CN" sz="2800" baseline="30000" dirty="0" smtClean="0">
+                    <a:latin typeface="Meiryo" panose="020B0604030504040204" pitchFamily="34" charset="-128"/>
+                    <a:ea typeface="Meiryo" panose="020B0604030504040204" pitchFamily="34" charset="-128"/>
+                    <a:cs typeface="Meiryo" panose="020B0604030504040204" pitchFamily="34" charset="-128"/>
+                  </a:rPr>
+                  <a:t>rd</a:t>
+                </a:r>
+                <a:r>
+                  <a:rPr lang="en-US" altLang="zh-CN" sz="2800" dirty="0" smtClean="0">
+                    <a:latin typeface="Meiryo" panose="020B0604030504040204" pitchFamily="34" charset="-128"/>
+                    <a:ea typeface="Meiryo" panose="020B0604030504040204" pitchFamily="34" charset="-128"/>
+                    <a:cs typeface="Meiryo" panose="020B0604030504040204" pitchFamily="34" charset="-128"/>
+                  </a:rPr>
+                  <a:t> </a:t>
+                </a:r>
+                <a:r>
+                  <a:rPr lang="en-US" altLang="zh-CN" sz="2800" dirty="0" smtClean="0">
+                    <a:latin typeface="Meiryo" panose="020B0604030504040204" pitchFamily="34" charset="-128"/>
+                    <a:ea typeface="Meiryo" panose="020B0604030504040204" pitchFamily="34" charset="-128"/>
+                    <a:cs typeface="Meiryo" panose="020B0604030504040204" pitchFamily="34" charset="-128"/>
+                  </a:rPr>
+                  <a:t>level: each </a:t>
+                </a:r>
+                <a:r>
+                  <a:rPr lang="en-US" altLang="zh-CN" sz="2800" dirty="0" smtClean="0">
+                    <a:latin typeface="Meiryo" panose="020B0604030504040204" pitchFamily="34" charset="-128"/>
+                    <a:ea typeface="Meiryo" panose="020B0604030504040204" pitchFamily="34" charset="-128"/>
+                    <a:cs typeface="Meiryo" panose="020B0604030504040204" pitchFamily="34" charset="-128"/>
+                  </a:rPr>
+                  <a:t>node :\</a:t>
+                </a:r>
+              </a:p>
+              <a:p>
+                <a:pPr marL="1257300" lvl="2" indent="-342900">
+                  <a:lnSpc>
+                    <a:spcPct val="200000"/>
+                  </a:lnSpc>
+                  <a:buFont typeface="Arial" panose="020B0604020202020204" pitchFamily="34" charset="0"/>
+                  <a:buChar char="•"/>
+                </a:pPr>
+                <a:r>
+                  <a:rPr lang="en-US" altLang="zh-CN" sz="2800" dirty="0">
+                    <a:latin typeface="Meiryo" panose="020B0604030504040204" pitchFamily="34" charset="-128"/>
+                    <a:ea typeface="Meiryo" panose="020B0604030504040204" pitchFamily="34" charset="-128"/>
+                    <a:cs typeface="Meiryo" panose="020B0604030504040204" pitchFamily="34" charset="-128"/>
+                  </a:rPr>
+                  <a:t>MV </a:t>
+                </a:r>
+                <a:r>
+                  <a:rPr lang="en-US" altLang="zh-CN" sz="2800" baseline="-25000" dirty="0" smtClean="0">
+                    <a:latin typeface="Meiryo" panose="020B0604030504040204" pitchFamily="34" charset="-128"/>
+                    <a:ea typeface="Meiryo" panose="020B0604030504040204" pitchFamily="34" charset="-128"/>
+                    <a:cs typeface="Meiryo" panose="020B0604030504040204" pitchFamily="34" charset="-128"/>
+                  </a:rPr>
+                  <a:t>k  </a:t>
+                </a:r>
+                <a:r>
+                  <a:rPr lang="en-US" altLang="zh-CN" sz="2800" dirty="0" smtClean="0">
+                    <a:latin typeface="Meiryo" panose="020B0604030504040204" pitchFamily="34" charset="-128"/>
+                    <a:ea typeface="Meiryo" panose="020B0604030504040204" pitchFamily="34" charset="-128"/>
+                    <a:cs typeface="Meiryo" panose="020B0604030504040204" pitchFamily="34" charset="-128"/>
+                  </a:rPr>
+                  <a:t>= </a:t>
+                </a:r>
+                <a14:m>
+                  <m:oMath xmlns:m="http://schemas.openxmlformats.org/officeDocument/2006/math">
+                    <m:nary>
+                      <m:naryPr>
+                        <m:chr m:val="∑"/>
+                        <m:ctrlPr>
+                          <a:rPr lang="en-US" altLang="zh-CN" sz="2800" i="1" smtClean="0">
+                            <a:latin typeface="Cambria Math"/>
+                            <a:ea typeface="Meiryo" panose="020B0604030504040204" pitchFamily="34" charset="-128"/>
+                            <a:cs typeface="Meiryo" panose="020B0604030504040204" pitchFamily="34" charset="-128"/>
+                          </a:rPr>
+                        </m:ctrlPr>
+                      </m:naryPr>
+                      <m:sub>
+                        <m:r>
+                          <m:rPr>
+                            <m:brk m:alnAt="23"/>
+                          </m:rPr>
+                          <a:rPr lang="en-US" altLang="zh-CN" sz="2800" b="0" i="1" smtClean="0">
+                            <a:latin typeface="Cambria Math"/>
+                            <a:ea typeface="Meiryo" panose="020B0604030504040204" pitchFamily="34" charset="-128"/>
+                            <a:cs typeface="Meiryo" panose="020B0604030504040204" pitchFamily="34" charset="-128"/>
+                          </a:rPr>
+                          <m:t>𝑖</m:t>
+                        </m:r>
+                        <m:r>
+                          <a:rPr lang="en-US" altLang="zh-CN" sz="2800" b="0" i="1" smtClean="0">
+                            <a:latin typeface="Cambria Math"/>
+                            <a:ea typeface="Meiryo" panose="020B0604030504040204" pitchFamily="34" charset="-128"/>
+                            <a:cs typeface="Meiryo" panose="020B0604030504040204" pitchFamily="34" charset="-128"/>
+                          </a:rPr>
+                          <m:t>=1</m:t>
+                        </m:r>
+                      </m:sub>
+                      <m:sup>
+                        <m:r>
+                          <a:rPr lang="en-US" altLang="zh-CN" sz="2800" b="0" i="1" smtClean="0">
+                            <a:latin typeface="Cambria Math"/>
+                            <a:ea typeface="Meiryo" panose="020B0604030504040204" pitchFamily="34" charset="-128"/>
+                            <a:cs typeface="Meiryo" panose="020B0604030504040204" pitchFamily="34" charset="-128"/>
+                          </a:rPr>
+                          <m:t>𝑁</m:t>
+                        </m:r>
+                      </m:sup>
+                      <m:e>
+                        <m:r>
+                          <m:rPr>
+                            <m:nor/>
+                          </m:rPr>
+                          <a:rPr lang="en-US" altLang="zh-CN" sz="2800" dirty="0">
+                            <a:latin typeface="Meiryo" panose="020B0604030504040204" pitchFamily="34" charset="-128"/>
+                            <a:ea typeface="Meiryo" panose="020B0604030504040204" pitchFamily="34" charset="-128"/>
+                            <a:cs typeface="Meiryo" panose="020B0604030504040204" pitchFamily="34" charset="-128"/>
+                          </a:rPr>
+                          <m:t>MV</m:t>
+                        </m:r>
+                        <m:r>
+                          <m:rPr>
+                            <m:nor/>
+                          </m:rPr>
+                          <a:rPr lang="en-US" altLang="zh-CN" sz="2800" dirty="0">
+                            <a:latin typeface="Meiryo" panose="020B0604030504040204" pitchFamily="34" charset="-128"/>
+                            <a:ea typeface="Meiryo" panose="020B0604030504040204" pitchFamily="34" charset="-128"/>
+                            <a:cs typeface="Meiryo" panose="020B0604030504040204" pitchFamily="34" charset="-128"/>
+                          </a:rPr>
+                          <m:t> </m:t>
+                        </m:r>
+                        <m:r>
+                          <m:rPr>
+                            <m:nor/>
+                          </m:rPr>
+                          <a:rPr lang="en-US" altLang="zh-CN" sz="2800" baseline="-25000" dirty="0">
+                            <a:latin typeface="Meiryo" panose="020B0604030504040204" pitchFamily="34" charset="-128"/>
+                            <a:ea typeface="Meiryo" panose="020B0604030504040204" pitchFamily="34" charset="-128"/>
+                            <a:cs typeface="Meiryo" panose="020B0604030504040204" pitchFamily="34" charset="-128"/>
+                          </a:rPr>
+                          <m:t>k</m:t>
+                        </m:r>
+                        <m:r>
+                          <m:rPr>
+                            <m:nor/>
+                          </m:rPr>
+                          <a:rPr lang="en-US" altLang="zh-CN" sz="2800" dirty="0">
+                            <a:latin typeface="Meiryo" panose="020B0604030504040204" pitchFamily="34" charset="-128"/>
+                            <a:ea typeface="Meiryo" panose="020B0604030504040204" pitchFamily="34" charset="-128"/>
+                            <a:cs typeface="Meiryo" panose="020B0604030504040204" pitchFamily="34" charset="-128"/>
+                          </a:rPr>
+                          <m:t> (</m:t>
+                        </m:r>
+                        <m:r>
+                          <m:rPr>
+                            <m:nor/>
+                          </m:rPr>
+                          <a:rPr lang="en-US" altLang="zh-CN" sz="2800" dirty="0">
+                            <a:latin typeface="Meiryo" panose="020B0604030504040204" pitchFamily="34" charset="-128"/>
+                            <a:ea typeface="Meiryo" panose="020B0604030504040204" pitchFamily="34" charset="-128"/>
+                            <a:cs typeface="Meiryo" panose="020B0604030504040204" pitchFamily="34" charset="-128"/>
+                          </a:rPr>
+                          <m:t>i</m:t>
+                        </m:r>
+                        <m:r>
+                          <m:rPr>
+                            <m:nor/>
+                          </m:rPr>
+                          <a:rPr lang="en-US" altLang="zh-CN" sz="2800" dirty="0">
+                            <a:latin typeface="Meiryo" panose="020B0604030504040204" pitchFamily="34" charset="-128"/>
+                            <a:ea typeface="Meiryo" panose="020B0604030504040204" pitchFamily="34" charset="-128"/>
+                            <a:cs typeface="Meiryo" panose="020B0604030504040204" pitchFamily="34" charset="-128"/>
+                          </a:rPr>
+                          <m:t>)</m:t>
+                        </m:r>
+                      </m:e>
+                    </m:nary>
+                  </m:oMath>
+                </a14:m>
+                <a:r>
+                  <a:rPr lang="en-US" altLang="zh-CN" sz="2800" b="1" dirty="0" smtClean="0">
+                    <a:latin typeface="Meiryo" panose="020B0604030504040204" pitchFamily="34" charset="-128"/>
+                    <a:ea typeface="Meiryo" panose="020B0604030504040204" pitchFamily="34" charset="-128"/>
+                    <a:cs typeface="Meiryo" panose="020B0604030504040204" pitchFamily="34" charset="-128"/>
+                  </a:rPr>
+                  <a:t>  </a:t>
+                </a:r>
+                <a:r>
+                  <a:rPr lang="en-US" altLang="zh-CN" sz="2800" dirty="0">
+                    <a:latin typeface="Meiryo" panose="020B0604030504040204" pitchFamily="34" charset="-128"/>
+                    <a:ea typeface="Meiryo" panose="020B0604030504040204" pitchFamily="34" charset="-128"/>
+                    <a:cs typeface="Meiryo" panose="020B0604030504040204" pitchFamily="34" charset="-128"/>
+                  </a:rPr>
+                  <a:t>/ (</a:t>
+                </a:r>
+                <a:r>
+                  <a:rPr lang="en-US" altLang="zh-CN" sz="2800" dirty="0" smtClean="0">
+                    <a:latin typeface="Meiryo" panose="020B0604030504040204" pitchFamily="34" charset="-128"/>
+                    <a:ea typeface="Meiryo" panose="020B0604030504040204" pitchFamily="34" charset="-128"/>
+                    <a:cs typeface="Meiryo" panose="020B0604030504040204" pitchFamily="34" charset="-128"/>
+                  </a:rPr>
+                  <a:t>N-1)</a:t>
+                </a:r>
+              </a:p>
+              <a:p>
+                <a:pPr marL="800100" lvl="1" indent="-342900">
+                  <a:lnSpc>
+                    <a:spcPct val="200000"/>
+                  </a:lnSpc>
+                  <a:buFont typeface="Arial" panose="020B0604020202020204" pitchFamily="34" charset="0"/>
+                  <a:buChar char="•"/>
+                </a:pPr>
+                <a:r>
+                  <a:rPr lang="en-US" altLang="zh-CN" sz="2800" dirty="0" smtClean="0">
+                    <a:latin typeface="Meiryo" panose="020B0604030504040204" pitchFamily="34" charset="-128"/>
+                    <a:ea typeface="Meiryo" panose="020B0604030504040204" pitchFamily="34" charset="-128"/>
+                    <a:cs typeface="Meiryo" panose="020B0604030504040204" pitchFamily="34" charset="-128"/>
+                  </a:rPr>
+                  <a:t>Larger MV means there are more diffenerces across subjects in this node k</a:t>
+                </a:r>
+              </a:p>
+            </p:txBody>
+          </p:sp>
+        </mc:Choice>
+        <mc:Fallback>
+          <p:sp>
+            <p:nvSpPr>
+              <p:cNvPr id="31" name="Rectangle 96"/>
+              <p:cNvSpPr>
+                <a:spLocks noRot="1" noChangeAspect="1" noMove="1" noResize="1" noEditPoints="1" noAdjustHandles="1" noChangeArrowheads="1" noChangeShapeType="1" noTextEdit="1"/>
+              </p:cNvSpPr>
+              <p:nvPr/>
+            </p:nvSpPr>
+            <p:spPr>
+              <a:xfrm>
+                <a:off x="510135" y="1062010"/>
+                <a:ext cx="10245297" cy="5310043"/>
+              </a:xfrm>
+              <a:prstGeom prst="rect">
+                <a:avLst/>
+              </a:prstGeom>
+              <a:blipFill rotWithShape="1">
+                <a:blip r:embed="rId3"/>
+                <a:stretch>
+                  <a:fillRect b="-344"/>
+                </a:stretch>
+              </a:blipFill>
+            </p:spPr>
+            <p:txBody>
+              <a:bodyPr/>
+              <a:lstStyle/>
+              <a:p>
+                <a:r>
+                  <a:rPr lang="zh-CN" altLang="en-US">
+                    <a:noFill/>
+                  </a:rPr>
+                  <a:t> </a:t>
+                </a:r>
+              </a:p>
+            </p:txBody>
+          </p:sp>
+        </mc:Fallback>
+      </mc:AlternateContent>
+    </p:spTree>
+    <p:extLst>
+      <p:ext uri="{BB962C8B-B14F-4D97-AF65-F5344CB8AC3E}">
+        <p14:creationId xmlns:p14="http://schemas.microsoft.com/office/powerpoint/2010/main" val="3581559488"/>
+      </p:ext>
+    </p:extLst>
+  </p:cSld>
+  <p:clrMapOvr>
+    <a:masterClrMapping/>
+  </p:clrMapOvr>
+  <p:timing>
+    <p:tnLst>
+      <p:par>
+        <p:cTn id="1" dur="indefinite" restart="never" nodeType="tmRoot"/>
+      </p:par>
+    </p:tnLst>
+  </p:timing>
+</p:sld>
+</file>
+
+<file path=ppt/slides/slide8.xml><?xml version="1.0" encoding="utf-8"?>
+<p:sld xmlns:a="http://schemas.openxmlformats.org/drawingml/2006/main" xmlns:r="http://schemas.openxmlformats.org/officeDocument/2006/relationships" xmlns:p="http://schemas.openxmlformats.org/presentationml/2006/main">
+  <p:cSld>
+    <p:spTree>
+      <p:nvGrpSpPr>
+        <p:cNvPr id="1" name=""/>
+        <p:cNvGrpSpPr/>
+        <p:nvPr/>
+      </p:nvGrpSpPr>
+      <p:grpSpPr>
+        <a:xfrm>
+          <a:off x="0" y="0"/>
+          <a:ext cx="0" cy="0"/>
+          <a:chOff x="0" y="0"/>
+          <a:chExt cx="0" cy="0"/>
+        </a:xfrm>
+      </p:grpSpPr>
+      <p:sp>
+        <p:nvSpPr>
+          <p:cNvPr id="5" name="矩形 4"/>
+          <p:cNvSpPr/>
+          <p:nvPr/>
+        </p:nvSpPr>
+        <p:spPr>
+          <a:xfrm>
+            <a:off x="6005399" y="3447534"/>
+            <a:ext cx="6172200" cy="3410465"/>
+          </a:xfrm>
+          <a:prstGeom prst="rect">
+            <a:avLst/>
+          </a:prstGeom>
+          <a:solidFill>
+            <a:schemeClr val="bg1">
+              <a:lumMod val="95000"/>
+            </a:schemeClr>
+          </a:solidFill>
+          <a:ln>
+            <a:noFill/>
+          </a:ln>
+        </p:spPr>
+        <p:style>
+          <a:lnRef idx="2">
+            <a:schemeClr val="accent1">
+              <a:shade val="50000"/>
+            </a:schemeClr>
+          </a:lnRef>
+          <a:fillRef idx="1">
+            <a:schemeClr val="accent1"/>
+          </a:fillRef>
+          <a:effectRef idx="0">
+            <a:schemeClr val="accent1"/>
+          </a:effectRef>
+          <a:fontRef idx="minor">
+            <a:schemeClr val="lt1"/>
+          </a:fontRef>
+        </p:style>
+        <p:txBody>
+          <a:bodyPr rtlCol="0" anchor="ctr"/>
+          <a:lstStyle/>
+          <a:p>
+            <a:pPr algn="ctr"/>
+            <a:endParaRPr lang="zh-CN" altLang="en-US"/>
+          </a:p>
+        </p:txBody>
+      </p:sp>
+      <p:sp>
+        <p:nvSpPr>
+          <p:cNvPr id="29" name="矩形 28"/>
+          <p:cNvSpPr/>
+          <p:nvPr/>
+        </p:nvSpPr>
+        <p:spPr>
+          <a:xfrm>
+            <a:off x="12346" y="1"/>
+            <a:ext cx="6006821" cy="3447534"/>
+          </a:xfrm>
+          <a:prstGeom prst="rect">
+            <a:avLst/>
+          </a:prstGeom>
+          <a:solidFill>
+            <a:schemeClr val="bg1">
+              <a:lumMod val="95000"/>
+            </a:schemeClr>
+          </a:solidFill>
+          <a:ln>
+            <a:noFill/>
+          </a:ln>
+        </p:spPr>
+        <p:style>
+          <a:lnRef idx="2">
+            <a:schemeClr val="accent1">
+              <a:shade val="50000"/>
+            </a:schemeClr>
+          </a:lnRef>
+          <a:fillRef idx="1">
+            <a:schemeClr val="accent1"/>
+          </a:fillRef>
+          <a:effectRef idx="0">
+            <a:schemeClr val="accent1"/>
+          </a:effectRef>
+          <a:fontRef idx="minor">
+            <a:schemeClr val="lt1"/>
+          </a:fontRef>
+        </p:style>
+        <p:txBody>
+          <a:bodyPr rtlCol="0" anchor="ctr"/>
+          <a:lstStyle/>
+          <a:p>
+            <a:pPr algn="ctr"/>
+            <a:endParaRPr lang="zh-CN" altLang="en-US"/>
+          </a:p>
+        </p:txBody>
+      </p:sp>
+      <p:sp>
+        <p:nvSpPr>
+          <p:cNvPr id="30" name="文本框 29"/>
+          <p:cNvSpPr txBox="1"/>
+          <p:nvPr/>
+        </p:nvSpPr>
+        <p:spPr>
+          <a:xfrm>
+            <a:off x="662538" y="294935"/>
+            <a:ext cx="10538862" cy="769441"/>
+          </a:xfrm>
+          <a:prstGeom prst="rect">
+            <a:avLst/>
+          </a:prstGeom>
+          <a:noFill/>
+        </p:spPr>
+        <p:txBody>
+          <a:bodyPr wrap="square" rtlCol="0">
+            <a:spAutoFit/>
+          </a:bodyPr>
+          <a:lstStyle/>
+          <a:p>
+            <a:pPr marL="0" lvl="1"/>
+            <a:r>
+              <a:rPr lang="en-US" altLang="zh-CN" sz="4400" b="1" dirty="0" smtClean="0">
+                <a:solidFill>
+                  <a:srgbClr val="00ABB4"/>
+                </a:solidFill>
+                <a:latin typeface="微软雅黑" panose="020B0503020204020204" pitchFamily="34" charset="-122"/>
+                <a:ea typeface="微软雅黑" panose="020B0503020204020204" pitchFamily="34" charset="-122"/>
+              </a:rPr>
+              <a:t>Statistical Measurement --</a:t>
+            </a:r>
+            <a:r>
+              <a:rPr lang="en-US" altLang="zh-CN" sz="4400" b="1" dirty="0">
+                <a:solidFill>
+                  <a:srgbClr val="00ABB4"/>
+                </a:solidFill>
+                <a:latin typeface="微软雅黑" panose="020B0503020204020204" pitchFamily="34" charset="-122"/>
+                <a:ea typeface="微软雅黑" panose="020B0503020204020204" pitchFamily="34" charset="-122"/>
+              </a:rPr>
+              <a:t>MV </a:t>
+            </a:r>
+            <a:r>
+              <a:rPr lang="en-US" altLang="zh-CN" sz="4400" b="1" baseline="-25000" dirty="0">
+                <a:solidFill>
+                  <a:srgbClr val="00ABB4"/>
+                </a:solidFill>
+                <a:latin typeface="微软雅黑" panose="020B0503020204020204" pitchFamily="34" charset="-122"/>
+                <a:ea typeface="微软雅黑" panose="020B0503020204020204" pitchFamily="34" charset="-122"/>
+              </a:rPr>
+              <a:t>k</a:t>
+            </a:r>
+            <a:r>
+              <a:rPr lang="en-US" altLang="zh-CN" sz="4400" b="1" dirty="0">
+                <a:solidFill>
+                  <a:srgbClr val="00ABB4"/>
+                </a:solidFill>
+                <a:latin typeface="微软雅黑" panose="020B0503020204020204" pitchFamily="34" charset="-122"/>
+                <a:ea typeface="微软雅黑" panose="020B0503020204020204" pitchFamily="34" charset="-122"/>
+              </a:rPr>
+              <a:t> (i</a:t>
+            </a:r>
+            <a:r>
+              <a:rPr lang="en-US" altLang="zh-CN" sz="4400" b="1" dirty="0" smtClean="0">
+                <a:solidFill>
+                  <a:srgbClr val="00ABB4"/>
+                </a:solidFill>
+                <a:latin typeface="微软雅黑" panose="020B0503020204020204" pitchFamily="34" charset="-122"/>
+                <a:ea typeface="微软雅黑" panose="020B0503020204020204" pitchFamily="34" charset="-122"/>
+              </a:rPr>
+              <a:t>):</a:t>
+            </a:r>
+            <a:endParaRPr lang="en-US" altLang="zh-CN" sz="4400" b="1" dirty="0">
+              <a:solidFill>
+                <a:srgbClr val="00ABB4"/>
+              </a:solidFill>
+              <a:latin typeface="微软雅黑" panose="020B0503020204020204" pitchFamily="34" charset="-122"/>
+              <a:ea typeface="微软雅黑" panose="020B0503020204020204" pitchFamily="34" charset="-122"/>
+            </a:endParaRPr>
+          </a:p>
+        </p:txBody>
+      </p:sp>
+      <p:sp>
+        <p:nvSpPr>
+          <p:cNvPr id="31" name="Rectangle 96"/>
+          <p:cNvSpPr/>
+          <p:nvPr/>
+        </p:nvSpPr>
+        <p:spPr>
+          <a:xfrm>
+            <a:off x="12346" y="1089674"/>
+            <a:ext cx="10909082" cy="5262979"/>
+          </a:xfrm>
+          <a:prstGeom prst="rect">
+            <a:avLst/>
+          </a:prstGeom>
+        </p:spPr>
+        <p:txBody>
+          <a:bodyPr wrap="square">
+            <a:spAutoFit/>
+          </a:bodyPr>
+          <a:lstStyle/>
+          <a:p>
+            <a:pPr marL="1257300" lvl="2" indent="-342900">
+              <a:lnSpc>
+                <a:spcPct val="200000"/>
+              </a:lnSpc>
+              <a:buFont typeface="Arial" panose="020B0604020202020204" pitchFamily="34" charset="0"/>
+              <a:buChar char="•"/>
+            </a:pPr>
+            <a:r>
+              <a:rPr lang="en-US" altLang="zh-CN" sz="2800" dirty="0" smtClean="0">
+                <a:latin typeface="Meiryo" panose="020B0604030504040204" pitchFamily="34" charset="-128"/>
+                <a:ea typeface="Meiryo" panose="020B0604030504040204" pitchFamily="34" charset="-128"/>
+                <a:cs typeface="Meiryo" panose="020B0604030504040204" pitchFamily="34" charset="-128"/>
+              </a:rPr>
+              <a:t>We do averge across nodes(rois) in each module</a:t>
+            </a:r>
+          </a:p>
+          <a:p>
+            <a:pPr marL="1714500" lvl="3" indent="-342900">
+              <a:lnSpc>
+                <a:spcPct val="200000"/>
+              </a:lnSpc>
+              <a:buFont typeface="Arial" panose="020B0604020202020204" pitchFamily="34" charset="0"/>
+              <a:buChar char="•"/>
+            </a:pPr>
+            <a:r>
+              <a:rPr lang="en-US" altLang="zh-CN" sz="2800" dirty="0" smtClean="0">
+                <a:latin typeface="Meiryo" panose="020B0604030504040204" pitchFamily="34" charset="-128"/>
+                <a:ea typeface="Meiryo" panose="020B0604030504040204" pitchFamily="34" charset="-128"/>
+                <a:cs typeface="Meiryo" panose="020B0604030504040204" pitchFamily="34" charset="-128"/>
+              </a:rPr>
+              <a:t>11 subjects, 3 doses, 7 modules</a:t>
+            </a:r>
+          </a:p>
+          <a:p>
+            <a:pPr marL="1257300" lvl="2" indent="-342900">
+              <a:lnSpc>
+                <a:spcPct val="200000"/>
+              </a:lnSpc>
+              <a:buFont typeface="Arial" panose="020B0604020202020204" pitchFamily="34" charset="0"/>
+              <a:buChar char="•"/>
+            </a:pPr>
+            <a:r>
+              <a:rPr lang="en-US" altLang="zh-CN" sz="2800" dirty="0" smtClean="0">
+                <a:latin typeface="Meiryo" panose="020B0604030504040204" pitchFamily="34" charset="-128"/>
+                <a:ea typeface="Meiryo" panose="020B0604030504040204" pitchFamily="34" charset="-128"/>
+                <a:cs typeface="Meiryo" panose="020B0604030504040204" pitchFamily="34" charset="-128"/>
+              </a:rPr>
+              <a:t>Two-way ANOVA: </a:t>
+            </a:r>
+          </a:p>
+          <a:p>
+            <a:pPr marL="1257300" lvl="2" indent="-342900">
+              <a:lnSpc>
+                <a:spcPct val="200000"/>
+              </a:lnSpc>
+              <a:buFont typeface="Arial" panose="020B0604020202020204" pitchFamily="34" charset="0"/>
+              <a:buChar char="•"/>
+            </a:pPr>
+            <a:r>
+              <a:rPr lang="en-US" altLang="zh-CN" sz="2800" dirty="0" smtClean="0">
+                <a:latin typeface="Meiryo" panose="020B0604030504040204" pitchFamily="34" charset="-128"/>
+                <a:ea typeface="Meiryo" panose="020B0604030504040204" pitchFamily="34" charset="-128"/>
+                <a:cs typeface="Meiryo" panose="020B0604030504040204" pitchFamily="34" charset="-128"/>
+              </a:rPr>
+              <a:t>Significance</a:t>
+            </a:r>
+            <a:r>
+              <a:rPr lang="en-US" altLang="zh-CN" sz="2800" dirty="0">
+                <a:latin typeface="Meiryo" panose="020B0604030504040204" pitchFamily="34" charset="-128"/>
+                <a:ea typeface="Meiryo" panose="020B0604030504040204" pitchFamily="34" charset="-128"/>
+                <a:cs typeface="Meiryo" panose="020B0604030504040204" pitchFamily="34" charset="-128"/>
+              </a:rPr>
+              <a:t>: dose(F=11.9336,P&lt;4.3639e-1), 				</a:t>
+            </a:r>
+            <a:r>
+              <a:rPr lang="en-US" altLang="zh-CN" sz="2800" dirty="0" smtClean="0">
+                <a:latin typeface="Meiryo" panose="020B0604030504040204" pitchFamily="34" charset="-128"/>
+                <a:ea typeface="Meiryo" panose="020B0604030504040204" pitchFamily="34" charset="-128"/>
+                <a:cs typeface="Meiryo" panose="020B0604030504040204" pitchFamily="34" charset="-128"/>
+              </a:rPr>
+              <a:t>module(F=13.1388,P&lt;3.3891e-06)</a:t>
+            </a:r>
+          </a:p>
+          <a:p>
+            <a:pPr marL="1257300" lvl="2" indent="-342900">
+              <a:lnSpc>
+                <a:spcPct val="200000"/>
+              </a:lnSpc>
+              <a:buFont typeface="Arial" panose="020B0604020202020204" pitchFamily="34" charset="0"/>
+              <a:buChar char="•"/>
+            </a:pPr>
+            <a:r>
+              <a:rPr lang="en-US" altLang="zh-CN" sz="2800" dirty="0">
+                <a:latin typeface="Meiryo" panose="020B0604030504040204" pitchFamily="34" charset="-128"/>
+                <a:ea typeface="Meiryo" panose="020B0604030504040204" pitchFamily="34" charset="-128"/>
+                <a:cs typeface="Meiryo" panose="020B0604030504040204" pitchFamily="34" charset="-128"/>
+              </a:rPr>
+              <a:t>Interaction : </a:t>
+            </a:r>
+            <a:r>
+              <a:rPr lang="en-US" altLang="zh-CN" sz="2800" dirty="0" smtClean="0">
+                <a:latin typeface="Meiryo" panose="020B0604030504040204" pitchFamily="34" charset="-128"/>
+                <a:ea typeface="Meiryo" panose="020B0604030504040204" pitchFamily="34" charset="-128"/>
+                <a:cs typeface="Meiryo" panose="020B0604030504040204" pitchFamily="34" charset="-128"/>
+              </a:rPr>
+              <a:t>F=0.2903,P&lt;0.9983</a:t>
+            </a:r>
+          </a:p>
+        </p:txBody>
+      </p:sp>
+    </p:spTree>
+    <p:extLst>
+      <p:ext uri="{BB962C8B-B14F-4D97-AF65-F5344CB8AC3E}">
+        <p14:creationId xmlns:p14="http://schemas.microsoft.com/office/powerpoint/2010/main" val="1226840153"/>
+      </p:ext>
+    </p:extLst>
+  </p:cSld>
+  <p:clrMapOvr>
+    <a:masterClrMapping/>
+  </p:clrMapOvr>
+  <p:timing>
+    <p:tnLst>
+      <p:par>
+        <p:cTn id="1" dur="indefinite" restart="never" nodeType="tmRoot"/>
+      </p:par>
+    </p:tnLst>
+  </p:timing>
+</p:sld>
+</file>
+
+<file path=ppt/slides/slide9.xml><?xml version="1.0" encoding="utf-8"?>
+<p:sld xmlns:a="http://schemas.openxmlformats.org/drawingml/2006/main" xmlns:r="http://schemas.openxmlformats.org/officeDocument/2006/relationships" xmlns:p="http://schemas.openxmlformats.org/presentationml/2006/main">
+  <p:cSld>
+    <p:spTree>
+      <p:nvGrpSpPr>
+        <p:cNvPr id="1" name=""/>
+        <p:cNvGrpSpPr/>
+        <p:nvPr/>
+      </p:nvGrpSpPr>
+      <p:grpSpPr>
+        <a:xfrm>
+          <a:off x="0" y="0"/>
+          <a:ext cx="0" cy="0"/>
+          <a:chOff x="0" y="0"/>
+          <a:chExt cx="0" cy="0"/>
+        </a:xfrm>
+      </p:grpSpPr>
+      <p:sp>
+        <p:nvSpPr>
+          <p:cNvPr id="5" name="矩形 4"/>
+          <p:cNvSpPr/>
+          <p:nvPr/>
+        </p:nvSpPr>
+        <p:spPr>
+          <a:xfrm>
+            <a:off x="6005399" y="3447534"/>
+            <a:ext cx="6172200" cy="3410465"/>
+          </a:xfrm>
+          <a:prstGeom prst="rect">
+            <a:avLst/>
+          </a:prstGeom>
+          <a:solidFill>
+            <a:schemeClr val="bg1">
+              <a:lumMod val="95000"/>
+            </a:schemeClr>
+          </a:solidFill>
+          <a:ln>
+            <a:noFill/>
+          </a:ln>
+        </p:spPr>
+        <p:style>
+          <a:lnRef idx="2">
+            <a:schemeClr val="accent1">
+              <a:shade val="50000"/>
+            </a:schemeClr>
+          </a:lnRef>
+          <a:fillRef idx="1">
+            <a:schemeClr val="accent1"/>
+          </a:fillRef>
+          <a:effectRef idx="0">
+            <a:schemeClr val="accent1"/>
+          </a:effectRef>
+          <a:fontRef idx="minor">
+            <a:schemeClr val="lt1"/>
+          </a:fontRef>
+        </p:style>
+        <p:txBody>
+          <a:bodyPr rtlCol="0" anchor="ctr"/>
+          <a:lstStyle/>
+          <a:p>
+            <a:pPr algn="ctr"/>
+            <a:endParaRPr lang="zh-CN" altLang="en-US"/>
+          </a:p>
+        </p:txBody>
+      </p:sp>
+      <p:sp>
+        <p:nvSpPr>
+          <p:cNvPr id="29" name="矩形 28"/>
+          <p:cNvSpPr/>
+          <p:nvPr/>
+        </p:nvSpPr>
+        <p:spPr>
+          <a:xfrm>
+            <a:off x="12346" y="1"/>
+            <a:ext cx="6006821" cy="3447534"/>
+          </a:xfrm>
+          <a:prstGeom prst="rect">
+            <a:avLst/>
+          </a:prstGeom>
+          <a:solidFill>
+            <a:schemeClr val="bg1">
+              <a:lumMod val="95000"/>
+            </a:schemeClr>
+          </a:solidFill>
+          <a:ln>
+            <a:noFill/>
+          </a:ln>
+        </p:spPr>
+        <p:style>
+          <a:lnRef idx="2">
+            <a:schemeClr val="accent1">
+              <a:shade val="50000"/>
+            </a:schemeClr>
+          </a:lnRef>
+          <a:fillRef idx="1">
+            <a:schemeClr val="accent1"/>
+          </a:fillRef>
+          <a:effectRef idx="0">
+            <a:schemeClr val="accent1"/>
+          </a:effectRef>
+          <a:fontRef idx="minor">
+            <a:schemeClr val="lt1"/>
+          </a:fontRef>
+        </p:style>
+        <p:txBody>
+          <a:bodyPr rtlCol="0" anchor="ctr"/>
+          <a:lstStyle/>
+          <a:p>
+            <a:pPr algn="ctr"/>
+            <a:endParaRPr lang="zh-CN" altLang="en-US"/>
+          </a:p>
+        </p:txBody>
+      </p:sp>
+      <p:sp>
+        <p:nvSpPr>
+          <p:cNvPr id="31" name="Rectangle 96"/>
+          <p:cNvSpPr/>
+          <p:nvPr/>
+        </p:nvSpPr>
+        <p:spPr>
+          <a:xfrm>
+            <a:off x="662538" y="1096331"/>
+            <a:ext cx="10991850" cy="5262979"/>
+          </a:xfrm>
+          <a:prstGeom prst="rect">
+            <a:avLst/>
+          </a:prstGeom>
+        </p:spPr>
+        <p:txBody>
+          <a:bodyPr wrap="square">
+            <a:spAutoFit/>
+          </a:bodyPr>
+          <a:lstStyle/>
+          <a:p>
+            <a:pPr marL="342900" indent="-342900">
+              <a:lnSpc>
+                <a:spcPct val="200000"/>
+              </a:lnSpc>
+              <a:buFont typeface="Arial" panose="020B0604020202020204" pitchFamily="34" charset="0"/>
+              <a:buChar char="•"/>
+            </a:pPr>
+            <a:r>
+              <a:rPr lang="en-US" altLang="zh-CN" sz="2800" dirty="0" smtClean="0">
+                <a:latin typeface="Meiryo" panose="020B0604030504040204" pitchFamily="34" charset="-128"/>
+                <a:ea typeface="Meiryo" panose="020B0604030504040204" pitchFamily="34" charset="-128"/>
+                <a:cs typeface="Meiryo" panose="020B0604030504040204" pitchFamily="34" charset="-128"/>
+              </a:rPr>
+              <a:t>One-way ANOVA for each dose(module as the factor):</a:t>
+            </a:r>
+          </a:p>
+          <a:p>
+            <a:pPr marL="800100" lvl="1" indent="-342900">
+              <a:lnSpc>
+                <a:spcPct val="200000"/>
+              </a:lnSpc>
+              <a:buFont typeface="Arial" panose="020B0604020202020204" pitchFamily="34" charset="0"/>
+              <a:buChar char="•"/>
+            </a:pPr>
+            <a:r>
+              <a:rPr lang="en-US" altLang="zh-CN" sz="2800" dirty="0" smtClean="0">
+                <a:latin typeface="Meiryo" panose="020B0604030504040204" pitchFamily="34" charset="-128"/>
+                <a:ea typeface="Meiryo" panose="020B0604030504040204" pitchFamily="34" charset="-128"/>
+                <a:cs typeface="Meiryo" panose="020B0604030504040204" pitchFamily="34" charset="-128"/>
+              </a:rPr>
+              <a:t>Low </a:t>
+            </a:r>
+            <a:r>
+              <a:rPr lang="en-US" altLang="zh-CN" sz="2800" dirty="0">
+                <a:latin typeface="Meiryo" panose="020B0604030504040204" pitchFamily="34" charset="-128"/>
+                <a:ea typeface="Meiryo" panose="020B0604030504040204" pitchFamily="34" charset="-128"/>
+                <a:cs typeface="Meiryo" panose="020B0604030504040204" pitchFamily="34" charset="-128"/>
+              </a:rPr>
+              <a:t>dose : F=3.6321, </a:t>
+            </a:r>
+            <a:r>
+              <a:rPr lang="en-US" altLang="zh-CN" sz="2800" dirty="0" smtClean="0">
+                <a:latin typeface="Meiryo" panose="020B0604030504040204" pitchFamily="34" charset="-128"/>
+                <a:ea typeface="Meiryo" panose="020B0604030504040204" pitchFamily="34" charset="-128"/>
+                <a:cs typeface="Meiryo" panose="020B0604030504040204" pitchFamily="34" charset="-128"/>
+              </a:rPr>
+              <a:t>P&lt;5.8987e-04</a:t>
+            </a:r>
+          </a:p>
+          <a:p>
+            <a:pPr marL="800100" lvl="1" indent="-342900">
+              <a:lnSpc>
+                <a:spcPct val="200000"/>
+              </a:lnSpc>
+              <a:buFont typeface="Arial" panose="020B0604020202020204" pitchFamily="34" charset="0"/>
+              <a:buChar char="•"/>
+            </a:pPr>
+            <a:r>
+              <a:rPr lang="en-US" altLang="zh-CN" sz="2800" dirty="0" smtClean="0">
+                <a:latin typeface="Meiryo" panose="020B0604030504040204" pitchFamily="34" charset="-128"/>
+                <a:ea typeface="Meiryo" panose="020B0604030504040204" pitchFamily="34" charset="-128"/>
+                <a:cs typeface="Meiryo" panose="020B0604030504040204" pitchFamily="34" charset="-128"/>
+              </a:rPr>
+              <a:t>Mid </a:t>
+            </a:r>
+            <a:r>
+              <a:rPr lang="en-US" altLang="zh-CN" sz="2800" dirty="0">
+                <a:latin typeface="Meiryo" panose="020B0604030504040204" pitchFamily="34" charset="-128"/>
+                <a:ea typeface="Meiryo" panose="020B0604030504040204" pitchFamily="34" charset="-128"/>
+                <a:cs typeface="Meiryo" panose="020B0604030504040204" pitchFamily="34" charset="-128"/>
+              </a:rPr>
+              <a:t>dose : F=6.5128, P&lt;2.9444e-07</a:t>
+            </a:r>
+          </a:p>
+          <a:p>
+            <a:pPr marL="800100" lvl="1" indent="-342900">
+              <a:lnSpc>
+                <a:spcPct val="200000"/>
+              </a:lnSpc>
+              <a:buFont typeface="Arial" panose="020B0604020202020204" pitchFamily="34" charset="0"/>
+              <a:buChar char="•"/>
+            </a:pPr>
+            <a:r>
+              <a:rPr lang="en-US" altLang="zh-CN" sz="2800" dirty="0" smtClean="0">
+                <a:latin typeface="Meiryo" panose="020B0604030504040204" pitchFamily="34" charset="-128"/>
+                <a:ea typeface="Meiryo" panose="020B0604030504040204" pitchFamily="34" charset="-128"/>
+                <a:cs typeface="Meiryo" panose="020B0604030504040204" pitchFamily="34" charset="-128"/>
+              </a:rPr>
+              <a:t>High dose </a:t>
+            </a:r>
+            <a:r>
+              <a:rPr lang="en-US" altLang="zh-CN" sz="2800" dirty="0">
+                <a:latin typeface="Meiryo" panose="020B0604030504040204" pitchFamily="34" charset="-128"/>
+                <a:ea typeface="Meiryo" panose="020B0604030504040204" pitchFamily="34" charset="-128"/>
+                <a:cs typeface="Meiryo" panose="020B0604030504040204" pitchFamily="34" charset="-128"/>
+              </a:rPr>
+              <a:t>: F=8.9626, </a:t>
+            </a:r>
+            <a:r>
+              <a:rPr lang="en-US" altLang="zh-CN" sz="2800" dirty="0" smtClean="0">
+                <a:latin typeface="Meiryo" panose="020B0604030504040204" pitchFamily="34" charset="-128"/>
+                <a:ea typeface="Meiryo" panose="020B0604030504040204" pitchFamily="34" charset="-128"/>
+                <a:cs typeface="Meiryo" panose="020B0604030504040204" pitchFamily="34" charset="-128"/>
+              </a:rPr>
+              <a:t>P&lt;8.2378e-10</a:t>
+            </a:r>
+          </a:p>
+          <a:p>
+            <a:pPr marL="342900" indent="-342900">
+              <a:lnSpc>
+                <a:spcPct val="200000"/>
+              </a:lnSpc>
+              <a:buFont typeface="Arial" panose="020B0604020202020204" pitchFamily="34" charset="0"/>
+              <a:buChar char="•"/>
+            </a:pPr>
+            <a:r>
+              <a:rPr lang="en-US" altLang="zh-CN" sz="2800" dirty="0">
+                <a:latin typeface="Meiryo" panose="020B0604030504040204" pitchFamily="34" charset="-128"/>
+                <a:ea typeface="Meiryo" panose="020B0604030504040204" pitchFamily="34" charset="-128"/>
+                <a:cs typeface="Meiryo" panose="020B0604030504040204" pitchFamily="34" charset="-128"/>
+              </a:rPr>
+              <a:t>One-way ANOVA for each </a:t>
+            </a:r>
+            <a:r>
+              <a:rPr lang="en-US" altLang="zh-CN" sz="2800" dirty="0" smtClean="0">
+                <a:latin typeface="Meiryo" panose="020B0604030504040204" pitchFamily="34" charset="-128"/>
+                <a:ea typeface="Meiryo" panose="020B0604030504040204" pitchFamily="34" charset="-128"/>
+                <a:cs typeface="Meiryo" panose="020B0604030504040204" pitchFamily="34" charset="-128"/>
+              </a:rPr>
+              <a:t>module(dose </a:t>
+            </a:r>
+            <a:r>
+              <a:rPr lang="en-US" altLang="zh-CN" sz="2800" dirty="0">
+                <a:latin typeface="Meiryo" panose="020B0604030504040204" pitchFamily="34" charset="-128"/>
+                <a:ea typeface="Meiryo" panose="020B0604030504040204" pitchFamily="34" charset="-128"/>
+                <a:cs typeface="Meiryo" panose="020B0604030504040204" pitchFamily="34" charset="-128"/>
+              </a:rPr>
+              <a:t>as the factor</a:t>
+            </a:r>
+            <a:r>
+              <a:rPr lang="en-US" altLang="zh-CN" sz="2800" dirty="0" smtClean="0">
+                <a:latin typeface="Meiryo" panose="020B0604030504040204" pitchFamily="34" charset="-128"/>
+                <a:ea typeface="Meiryo" panose="020B0604030504040204" pitchFamily="34" charset="-128"/>
+                <a:cs typeface="Meiryo" panose="020B0604030504040204" pitchFamily="34" charset="-128"/>
+              </a:rPr>
+              <a:t>):</a:t>
+            </a:r>
+          </a:p>
+          <a:p>
+            <a:pPr marL="800100" lvl="1" indent="-342900">
+              <a:lnSpc>
+                <a:spcPct val="200000"/>
+              </a:lnSpc>
+              <a:buFont typeface="Arial" panose="020B0604020202020204" pitchFamily="34" charset="0"/>
+              <a:buChar char="•"/>
+            </a:pPr>
+            <a:r>
+              <a:rPr lang="en-US" altLang="zh-CN" sz="2800" dirty="0" smtClean="0">
+                <a:latin typeface="Meiryo" panose="020B0604030504040204" pitchFamily="34" charset="-128"/>
+                <a:ea typeface="Meiryo" panose="020B0604030504040204" pitchFamily="34" charset="-128"/>
+                <a:cs typeface="Meiryo" panose="020B0604030504040204" pitchFamily="34" charset="-128"/>
+              </a:rPr>
+              <a:t>Significance in :  insular, ant-DMN,and hypothalamus</a:t>
+            </a:r>
+            <a:endParaRPr lang="en-US" altLang="zh-CN" sz="2800" dirty="0">
+              <a:latin typeface="Meiryo" panose="020B0604030504040204" pitchFamily="34" charset="-128"/>
+              <a:ea typeface="Meiryo" panose="020B0604030504040204" pitchFamily="34" charset="-128"/>
+              <a:cs typeface="Meiryo" panose="020B0604030504040204" pitchFamily="34" charset="-128"/>
+            </a:endParaRPr>
+          </a:p>
+        </p:txBody>
+      </p:sp>
+      <p:sp>
+        <p:nvSpPr>
+          <p:cNvPr id="6" name="文本框 29"/>
+          <p:cNvSpPr txBox="1"/>
+          <p:nvPr/>
+        </p:nvSpPr>
+        <p:spPr>
+          <a:xfrm>
+            <a:off x="662538" y="294935"/>
+            <a:ext cx="10538862" cy="769441"/>
+          </a:xfrm>
+          <a:prstGeom prst="rect">
+            <a:avLst/>
+          </a:prstGeom>
+          <a:noFill/>
+        </p:spPr>
+        <p:txBody>
+          <a:bodyPr wrap="square" rtlCol="0">
+            <a:spAutoFit/>
+          </a:bodyPr>
+          <a:lstStyle/>
+          <a:p>
+            <a:pPr marL="0" lvl="1"/>
+            <a:r>
+              <a:rPr lang="en-US" altLang="zh-CN" sz="4400" b="1" dirty="0" smtClean="0">
+                <a:solidFill>
+                  <a:srgbClr val="00ABB4"/>
+                </a:solidFill>
+                <a:latin typeface="微软雅黑" panose="020B0503020204020204" pitchFamily="34" charset="-122"/>
+                <a:ea typeface="微软雅黑" panose="020B0503020204020204" pitchFamily="34" charset="-122"/>
+              </a:rPr>
+              <a:t>Statistical Measurement --</a:t>
+            </a:r>
+            <a:r>
+              <a:rPr lang="en-US" altLang="zh-CN" sz="4400" b="1" dirty="0">
+                <a:solidFill>
+                  <a:srgbClr val="00ABB4"/>
+                </a:solidFill>
+                <a:latin typeface="微软雅黑" panose="020B0503020204020204" pitchFamily="34" charset="-122"/>
+                <a:ea typeface="微软雅黑" panose="020B0503020204020204" pitchFamily="34" charset="-122"/>
+              </a:rPr>
+              <a:t>MV </a:t>
+            </a:r>
+            <a:r>
+              <a:rPr lang="en-US" altLang="zh-CN" sz="4400" b="1" baseline="-25000" dirty="0">
+                <a:solidFill>
+                  <a:srgbClr val="00ABB4"/>
+                </a:solidFill>
+                <a:latin typeface="微软雅黑" panose="020B0503020204020204" pitchFamily="34" charset="-122"/>
+                <a:ea typeface="微软雅黑" panose="020B0503020204020204" pitchFamily="34" charset="-122"/>
+              </a:rPr>
+              <a:t>k</a:t>
+            </a:r>
+            <a:r>
+              <a:rPr lang="en-US" altLang="zh-CN" sz="4400" b="1" dirty="0">
+                <a:solidFill>
+                  <a:srgbClr val="00ABB4"/>
+                </a:solidFill>
+                <a:latin typeface="微软雅黑" panose="020B0503020204020204" pitchFamily="34" charset="-122"/>
+                <a:ea typeface="微软雅黑" panose="020B0503020204020204" pitchFamily="34" charset="-122"/>
+              </a:rPr>
+              <a:t> (i</a:t>
+            </a:r>
+            <a:r>
+              <a:rPr lang="en-US" altLang="zh-CN" sz="4400" b="1" dirty="0" smtClean="0">
+                <a:solidFill>
+                  <a:srgbClr val="00ABB4"/>
+                </a:solidFill>
+                <a:latin typeface="微软雅黑" panose="020B0503020204020204" pitchFamily="34" charset="-122"/>
+                <a:ea typeface="微软雅黑" panose="020B0503020204020204" pitchFamily="34" charset="-122"/>
+              </a:rPr>
+              <a:t>):</a:t>
+            </a:r>
+            <a:endParaRPr lang="en-US" altLang="zh-CN" sz="4400" b="1" dirty="0">
+              <a:solidFill>
+                <a:srgbClr val="00ABB4"/>
+              </a:solidFill>
+              <a:latin typeface="微软雅黑" panose="020B0503020204020204" pitchFamily="34" charset="-122"/>
+              <a:ea typeface="微软雅黑" panose="020B0503020204020204" pitchFamily="34" charset="-122"/>
+            </a:endParaRPr>
+          </a:p>
+        </p:txBody>
+      </p:sp>
+    </p:spTree>
+    <p:extLst>
+      <p:ext uri="{BB962C8B-B14F-4D97-AF65-F5344CB8AC3E}">
+        <p14:creationId xmlns:p14="http://schemas.microsoft.com/office/powerpoint/2010/main" val="3716977268"/>
       </p:ext>
     </p:extLst>
   </p:cSld>

--- a/Work/CurrentResults.pptx
+++ b/Work/CurrentResults.pptx
@@ -5,7 +5,7 @@
     <p:sldMasterId id="2147483648" r:id="rId1"/>
   </p:sldMasterIdLst>
   <p:notesMasterIdLst>
-    <p:notesMasterId r:id="rId20"/>
+    <p:notesMasterId r:id="rId23"/>
   </p:notesMasterIdLst>
   <p:sldIdLst>
     <p:sldId id="442" r:id="rId2"/>
@@ -20,12 +20,15 @@
     <p:sldId id="455" r:id="rId11"/>
     <p:sldId id="467" r:id="rId12"/>
     <p:sldId id="468" r:id="rId13"/>
-    <p:sldId id="469" r:id="rId14"/>
-    <p:sldId id="470" r:id="rId15"/>
-    <p:sldId id="471" r:id="rId16"/>
-    <p:sldId id="472" r:id="rId17"/>
-    <p:sldId id="473" r:id="rId18"/>
-    <p:sldId id="303" r:id="rId19"/>
+    <p:sldId id="476" r:id="rId14"/>
+    <p:sldId id="469" r:id="rId15"/>
+    <p:sldId id="475" r:id="rId16"/>
+    <p:sldId id="470" r:id="rId17"/>
+    <p:sldId id="471" r:id="rId18"/>
+    <p:sldId id="474" r:id="rId19"/>
+    <p:sldId id="472" r:id="rId20"/>
+    <p:sldId id="473" r:id="rId21"/>
+    <p:sldId id="303" r:id="rId22"/>
   </p:sldIdLst>
   <p:sldSz cx="12192000" cy="6858000"/>
   <p:notesSz cx="6858000" cy="9144000"/>
@@ -126,7 +129,7 @@
   </p:defaultTextStyle>
   <p:extLst>
     <p:ext uri="{EFAFB233-063F-42B5-8137-9DF3F51BA10A}">
-      <p15:sldGuideLst xmlns="" xmlns:p15="http://schemas.microsoft.com/office/powerpoint/2012/main">
+      <p15:sldGuideLst xmlns:p15="http://schemas.microsoft.com/office/powerpoint/2012/main" xmlns="">
         <p15:guide id="1" orient="horz" pos="2160">
           <p15:clr>
             <a:srgbClr val="A4A3A4"/>
@@ -883,11 +886,11 @@
           <a:p>
             <a:r>
               <a:rPr lang="en-US" altLang="zh-CN" dirty="0" smtClean="0"/>
-              <a:t>May explain the increase</a:t>
+              <a:t>Explain</a:t>
             </a:r>
             <a:r>
               <a:rPr lang="en-US" altLang="zh-CN" baseline="0" dirty="0" smtClean="0"/>
-              <a:t> or decrease between low&amp;mid or mid&amp;hgih</a:t>
+              <a:t> why these modules show increase or decrease variability across subjects along dose</a:t>
             </a:r>
             <a:endParaRPr lang="zh-CN" altLang="en-US" dirty="0"/>
           </a:p>
@@ -973,6 +976,14 @@
           <a:bodyPr/>
           <a:lstStyle/>
           <a:p>
+            <a:r>
+              <a:rPr lang="en-US" altLang="zh-CN" dirty="0" smtClean="0"/>
+              <a:t>May explain the increase</a:t>
+            </a:r>
+            <a:r>
+              <a:rPr lang="en-US" altLang="zh-CN" baseline="0" dirty="0" smtClean="0"/>
+              <a:t> or decrease between low&amp;mid or mid&amp;hgih</a:t>
+            </a:r>
             <a:endParaRPr lang="zh-CN" altLang="en-US" dirty="0"/>
           </a:p>
         </p:txBody>
@@ -1059,7 +1070,11 @@
           <a:p>
             <a:r>
               <a:rPr lang="en-US" altLang="zh-CN" dirty="0" smtClean="0"/>
-              <a:t>So we can explain why</a:t>
+              <a:t>May explain the increase</a:t>
+            </a:r>
+            <a:r>
+              <a:rPr lang="en-US" altLang="zh-CN" baseline="0" dirty="0" smtClean="0"/>
+              <a:t> or decrease between low&amp;mid or mid&amp;hgih</a:t>
             </a:r>
             <a:endParaRPr lang="zh-CN" altLang="en-US" dirty="0"/>
           </a:p>
@@ -1269,6 +1284,174 @@
 </p:notes>
 </file>
 
+<file path=ppt/notesSlides/notesSlide18.xml><?xml version="1.0" encoding="utf-8"?>
+<p:notes xmlns:a="http://schemas.openxmlformats.org/drawingml/2006/main" xmlns:r="http://schemas.openxmlformats.org/officeDocument/2006/relationships" xmlns:p="http://schemas.openxmlformats.org/presentationml/2006/main">
+  <p:cSld>
+    <p:spTree>
+      <p:nvGrpSpPr>
+        <p:cNvPr id="1" name=""/>
+        <p:cNvGrpSpPr/>
+        <p:nvPr/>
+      </p:nvGrpSpPr>
+      <p:grpSpPr>
+        <a:xfrm>
+          <a:off x="0" y="0"/>
+          <a:ext cx="0" cy="0"/>
+          <a:chOff x="0" y="0"/>
+          <a:chExt cx="0" cy="0"/>
+        </a:xfrm>
+      </p:grpSpPr>
+      <p:sp>
+        <p:nvSpPr>
+          <p:cNvPr id="2" name="幻灯片图像占位符 1"/>
+          <p:cNvSpPr>
+            <a:spLocks noGrp="1" noRot="1" noChangeAspect="1"/>
+          </p:cNvSpPr>
+          <p:nvPr>
+            <p:ph type="sldImg"/>
+          </p:nvPr>
+        </p:nvSpPr>
+        <p:spPr/>
+      </p:sp>
+      <p:sp>
+        <p:nvSpPr>
+          <p:cNvPr id="3" name="备注占位符 2"/>
+          <p:cNvSpPr>
+            <a:spLocks noGrp="1"/>
+          </p:cNvSpPr>
+          <p:nvPr>
+            <p:ph type="body" idx="1"/>
+          </p:nvPr>
+        </p:nvSpPr>
+        <p:spPr/>
+        <p:txBody>
+          <a:bodyPr/>
+          <a:lstStyle/>
+          <a:p>
+            <a:endParaRPr lang="zh-CN" altLang="en-US" dirty="0"/>
+          </a:p>
+        </p:txBody>
+      </p:sp>
+      <p:sp>
+        <p:nvSpPr>
+          <p:cNvPr id="4" name="灯片编号占位符 3"/>
+          <p:cNvSpPr>
+            <a:spLocks noGrp="1"/>
+          </p:cNvSpPr>
+          <p:nvPr>
+            <p:ph type="sldNum" sz="quarter" idx="10"/>
+          </p:nvPr>
+        </p:nvSpPr>
+        <p:spPr/>
+        <p:txBody>
+          <a:bodyPr/>
+          <a:lstStyle/>
+          <a:p>
+            <a:fld id="{DD202784-B46A-4EF4-B218-4316F9133D14}" type="slidenum">
+              <a:rPr lang="zh-CN" altLang="en-US" smtClean="0"/>
+              <a:t>18</a:t>
+            </a:fld>
+            <a:endParaRPr lang="zh-CN" altLang="en-US"/>
+          </a:p>
+        </p:txBody>
+      </p:sp>
+    </p:spTree>
+    <p:extLst>
+      <p:ext uri="{BB962C8B-B14F-4D97-AF65-F5344CB8AC3E}">
+        <p14:creationId xmlns:p14="http://schemas.microsoft.com/office/powerpoint/2010/main" val="3776015239"/>
+      </p:ext>
+    </p:extLst>
+  </p:cSld>
+  <p:clrMapOvr>
+    <a:masterClrMapping/>
+  </p:clrMapOvr>
+</p:notes>
+</file>
+
+<file path=ppt/notesSlides/notesSlide19.xml><?xml version="1.0" encoding="utf-8"?>
+<p:notes xmlns:a="http://schemas.openxmlformats.org/drawingml/2006/main" xmlns:r="http://schemas.openxmlformats.org/officeDocument/2006/relationships" xmlns:p="http://schemas.openxmlformats.org/presentationml/2006/main">
+  <p:cSld>
+    <p:spTree>
+      <p:nvGrpSpPr>
+        <p:cNvPr id="1" name=""/>
+        <p:cNvGrpSpPr/>
+        <p:nvPr/>
+      </p:nvGrpSpPr>
+      <p:grpSpPr>
+        <a:xfrm>
+          <a:off x="0" y="0"/>
+          <a:ext cx="0" cy="0"/>
+          <a:chOff x="0" y="0"/>
+          <a:chExt cx="0" cy="0"/>
+        </a:xfrm>
+      </p:grpSpPr>
+      <p:sp>
+        <p:nvSpPr>
+          <p:cNvPr id="2" name="幻灯片图像占位符 1"/>
+          <p:cNvSpPr>
+            <a:spLocks noGrp="1" noRot="1" noChangeAspect="1"/>
+          </p:cNvSpPr>
+          <p:nvPr>
+            <p:ph type="sldImg"/>
+          </p:nvPr>
+        </p:nvSpPr>
+        <p:spPr/>
+      </p:sp>
+      <p:sp>
+        <p:nvSpPr>
+          <p:cNvPr id="3" name="备注占位符 2"/>
+          <p:cNvSpPr>
+            <a:spLocks noGrp="1"/>
+          </p:cNvSpPr>
+          <p:nvPr>
+            <p:ph type="body" idx="1"/>
+          </p:nvPr>
+        </p:nvSpPr>
+        <p:spPr/>
+        <p:txBody>
+          <a:bodyPr/>
+          <a:lstStyle/>
+          <a:p>
+            <a:endParaRPr lang="zh-CN" altLang="en-US" dirty="0"/>
+          </a:p>
+        </p:txBody>
+      </p:sp>
+      <p:sp>
+        <p:nvSpPr>
+          <p:cNvPr id="4" name="灯片编号占位符 3"/>
+          <p:cNvSpPr>
+            <a:spLocks noGrp="1"/>
+          </p:cNvSpPr>
+          <p:nvPr>
+            <p:ph type="sldNum" sz="quarter" idx="10"/>
+          </p:nvPr>
+        </p:nvSpPr>
+        <p:spPr/>
+        <p:txBody>
+          <a:bodyPr/>
+          <a:lstStyle/>
+          <a:p>
+            <a:fld id="{DD202784-B46A-4EF4-B218-4316F9133D14}" type="slidenum">
+              <a:rPr lang="zh-CN" altLang="en-US" smtClean="0"/>
+              <a:t>19</a:t>
+            </a:fld>
+            <a:endParaRPr lang="zh-CN" altLang="en-US"/>
+          </a:p>
+        </p:txBody>
+      </p:sp>
+    </p:spTree>
+    <p:extLst>
+      <p:ext uri="{BB962C8B-B14F-4D97-AF65-F5344CB8AC3E}">
+        <p14:creationId xmlns:p14="http://schemas.microsoft.com/office/powerpoint/2010/main" val="3776015239"/>
+      </p:ext>
+    </p:extLst>
+  </p:cSld>
+  <p:clrMapOvr>
+    <a:masterClrMapping/>
+  </p:clrMapOvr>
+</p:notes>
+</file>
+
 <file path=ppt/notesSlides/notesSlide2.xml><?xml version="1.0" encoding="utf-8"?>
 <p:notes xmlns:a="http://schemas.openxmlformats.org/drawingml/2006/main" xmlns:r="http://schemas.openxmlformats.org/officeDocument/2006/relationships" xmlns:p="http://schemas.openxmlformats.org/presentationml/2006/main">
   <p:cSld>
@@ -1343,6 +1526,90 @@
             <a:fld id="{DD202784-B46A-4EF4-B218-4316F9133D14}" type="slidenum">
               <a:rPr lang="zh-CN" altLang="en-US" smtClean="0"/>
               <a:t>2</a:t>
+            </a:fld>
+            <a:endParaRPr lang="zh-CN" altLang="en-US"/>
+          </a:p>
+        </p:txBody>
+      </p:sp>
+    </p:spTree>
+    <p:extLst>
+      <p:ext uri="{BB962C8B-B14F-4D97-AF65-F5344CB8AC3E}">
+        <p14:creationId xmlns:p14="http://schemas.microsoft.com/office/powerpoint/2010/main" val="3776015239"/>
+      </p:ext>
+    </p:extLst>
+  </p:cSld>
+  <p:clrMapOvr>
+    <a:masterClrMapping/>
+  </p:clrMapOvr>
+</p:notes>
+</file>
+
+<file path=ppt/notesSlides/notesSlide20.xml><?xml version="1.0" encoding="utf-8"?>
+<p:notes xmlns:a="http://schemas.openxmlformats.org/drawingml/2006/main" xmlns:r="http://schemas.openxmlformats.org/officeDocument/2006/relationships" xmlns:p="http://schemas.openxmlformats.org/presentationml/2006/main">
+  <p:cSld>
+    <p:spTree>
+      <p:nvGrpSpPr>
+        <p:cNvPr id="1" name=""/>
+        <p:cNvGrpSpPr/>
+        <p:nvPr/>
+      </p:nvGrpSpPr>
+      <p:grpSpPr>
+        <a:xfrm>
+          <a:off x="0" y="0"/>
+          <a:ext cx="0" cy="0"/>
+          <a:chOff x="0" y="0"/>
+          <a:chExt cx="0" cy="0"/>
+        </a:xfrm>
+      </p:grpSpPr>
+      <p:sp>
+        <p:nvSpPr>
+          <p:cNvPr id="2" name="幻灯片图像占位符 1"/>
+          <p:cNvSpPr>
+            <a:spLocks noGrp="1" noRot="1" noChangeAspect="1"/>
+          </p:cNvSpPr>
+          <p:nvPr>
+            <p:ph type="sldImg"/>
+          </p:nvPr>
+        </p:nvSpPr>
+        <p:spPr/>
+      </p:sp>
+      <p:sp>
+        <p:nvSpPr>
+          <p:cNvPr id="3" name="备注占位符 2"/>
+          <p:cNvSpPr>
+            <a:spLocks noGrp="1"/>
+          </p:cNvSpPr>
+          <p:nvPr>
+            <p:ph type="body" idx="1"/>
+          </p:nvPr>
+        </p:nvSpPr>
+        <p:spPr/>
+        <p:txBody>
+          <a:bodyPr/>
+          <a:lstStyle/>
+          <a:p>
+            <a:endParaRPr lang="zh-CN" altLang="en-US" dirty="0"/>
+          </a:p>
+        </p:txBody>
+      </p:sp>
+      <p:sp>
+        <p:nvSpPr>
+          <p:cNvPr id="4" name="灯片编号占位符 3"/>
+          <p:cNvSpPr>
+            <a:spLocks noGrp="1"/>
+          </p:cNvSpPr>
+          <p:nvPr>
+            <p:ph type="sldNum" sz="quarter" idx="10"/>
+          </p:nvPr>
+        </p:nvSpPr>
+        <p:spPr/>
+        <p:txBody>
+          <a:bodyPr/>
+          <a:lstStyle/>
+          <a:p>
+            <a:fld id="{DD202784-B46A-4EF4-B218-4316F9133D14}" type="slidenum">
+              <a:rPr lang="zh-CN" altLang="en-US" smtClean="0"/>
+              <a:t>20</a:t>
             </a:fld>
             <a:endParaRPr lang="zh-CN" altLang="en-US"/>
           </a:p>
@@ -5449,8 +5716,10 @@
                 <a:latin typeface="微软雅黑" panose="020B0503020204020204" pitchFamily="34" charset="-122"/>
                 <a:ea typeface="微软雅黑" panose="020B0503020204020204" pitchFamily="34" charset="-122"/>
               </a:rPr>
-              <a:t>Statistical </a:t>
-            </a:r>
+              <a:t>Statistical Measurement –</a:t>
+            </a:r>
+          </a:p>
+          <a:p>
             <a:r>
               <a:rPr lang="en-US" altLang="zh-CN" sz="4400" b="1" dirty="0" smtClean="0">
                 <a:solidFill>
@@ -5459,29 +5728,7 @@
                 <a:latin typeface="微软雅黑" panose="020B0503020204020204" pitchFamily="34" charset="-122"/>
                 <a:ea typeface="微软雅黑" panose="020B0503020204020204" pitchFamily="34" charset="-122"/>
               </a:rPr>
-              <a:t>Measurement –</a:t>
-            </a:r>
-          </a:p>
-          <a:p>
-            <a:r>
-              <a:rPr lang="en-US" altLang="zh-CN" sz="4400" b="1" dirty="0" smtClean="0">
-                <a:solidFill>
-                  <a:srgbClr val="00ABB4"/>
-                </a:solidFill>
-                <a:latin typeface="微软雅黑" panose="020B0503020204020204" pitchFamily="34" charset="-122"/>
-                <a:ea typeface="微软雅黑" panose="020B0503020204020204" pitchFamily="34" charset="-122"/>
-              </a:rPr>
-              <a:t>Sub-</a:t>
-            </a:r>
-            <a:r>
-              <a:rPr lang="en-US" altLang="zh-CN" sz="4400" b="1" dirty="0" smtClean="0">
-                <a:solidFill>
-                  <a:srgbClr val="00ABB4"/>
-                </a:solidFill>
-                <a:latin typeface="微软雅黑" panose="020B0503020204020204" pitchFamily="34" charset="-122"/>
-                <a:ea typeface="微软雅黑" panose="020B0503020204020204" pitchFamily="34" charset="-122"/>
-              </a:rPr>
-              <a:t>Modularity</a:t>
+              <a:t>Sub-Modularity</a:t>
             </a:r>
             <a:endParaRPr lang="en-US" altLang="zh-CN" sz="4400" b="1" dirty="0">
               <a:solidFill>
@@ -5529,11 +5776,6 @@
               </a:rPr>
               <a:t>Do modularity in modules:</a:t>
             </a:r>
-            <a:endParaRPr lang="en-US" altLang="zh-CN" sz="2800" b="1" dirty="0" smtClean="0">
-              <a:latin typeface="Meiryo" panose="020B0604030504040204" pitchFamily="34" charset="-128"/>
-              <a:ea typeface="Meiryo" panose="020B0604030504040204" pitchFamily="34" charset="-128"/>
-              <a:cs typeface="Meiryo" panose="020B0604030504040204" pitchFamily="34" charset="-128"/>
-            </a:endParaRPr>
           </a:p>
           <a:p>
             <a:pPr marL="914400" lvl="1" indent="-457200">
@@ -5549,23 +5791,7 @@
                 <a:ea typeface="Meiryo" panose="020B0604030504040204" pitchFamily="34" charset="-128"/>
                 <a:cs typeface="Meiryo" panose="020B0604030504040204" pitchFamily="34" charset="-128"/>
               </a:rPr>
-              <a:t>Insular,  </a:t>
-            </a:r>
-            <a:r>
-              <a:rPr lang="en-US" altLang="zh-CN" sz="2800" dirty="0" smtClean="0">
-                <a:latin typeface="Meiryo" panose="020B0604030504040204" pitchFamily="34" charset="-128"/>
-                <a:ea typeface="Meiryo" panose="020B0604030504040204" pitchFamily="34" charset="-128"/>
-                <a:cs typeface="Meiryo" panose="020B0604030504040204" pitchFamily="34" charset="-128"/>
-              </a:rPr>
-              <a:t>Anterior DMN, </a:t>
-            </a:r>
-            <a:r>
-              <a:rPr lang="en-US" altLang="zh-CN" sz="2800" dirty="0" smtClean="0">
-                <a:latin typeface="Meiryo" panose="020B0604030504040204" pitchFamily="34" charset="-128"/>
-                <a:ea typeface="Meiryo" panose="020B0604030504040204" pitchFamily="34" charset="-128"/>
-                <a:cs typeface="Meiryo" panose="020B0604030504040204" pitchFamily="34" charset="-128"/>
-              </a:rPr>
-              <a:t>Hypothalamus</a:t>
+              <a:t>Insular,  Anterior DMN, Hypothalamus</a:t>
             </a:r>
           </a:p>
           <a:p>
@@ -5584,11 +5810,6 @@
               </a:rPr>
               <a:t>The modules above show significantly increase(ant-DMN and Hypo) or decrease(Insular) in MV along dose</a:t>
             </a:r>
-            <a:endParaRPr lang="en-US" altLang="zh-CN" sz="2800" dirty="0" smtClean="0">
-              <a:latin typeface="Meiryo" panose="020B0604030504040204" pitchFamily="34" charset="-128"/>
-              <a:ea typeface="Meiryo" panose="020B0604030504040204" pitchFamily="34" charset="-128"/>
-              <a:cs typeface="Meiryo" panose="020B0604030504040204" pitchFamily="34" charset="-128"/>
-            </a:endParaRPr>
           </a:p>
         </p:txBody>
       </p:sp>
@@ -5755,8 +5976,10 @@
                 <a:latin typeface="微软雅黑" panose="020B0503020204020204" pitchFamily="34" charset="-122"/>
                 <a:ea typeface="微软雅黑" panose="020B0503020204020204" pitchFamily="34" charset="-122"/>
               </a:rPr>
-              <a:t>Statistical </a:t>
-            </a:r>
+              <a:t>Statistical Measurement –</a:t>
+            </a:r>
+          </a:p>
+          <a:p>
             <a:r>
               <a:rPr lang="en-US" altLang="zh-CN" sz="4400" b="1" dirty="0" smtClean="0">
                 <a:solidFill>
@@ -5765,29 +5988,7 @@
                 <a:latin typeface="微软雅黑" panose="020B0503020204020204" pitchFamily="34" charset="-122"/>
                 <a:ea typeface="微软雅黑" panose="020B0503020204020204" pitchFamily="34" charset="-122"/>
               </a:rPr>
-              <a:t>Measurement –</a:t>
-            </a:r>
-          </a:p>
-          <a:p>
-            <a:r>
-              <a:rPr lang="en-US" altLang="zh-CN" sz="4400" b="1" dirty="0" smtClean="0">
-                <a:solidFill>
-                  <a:srgbClr val="00ABB4"/>
-                </a:solidFill>
-                <a:latin typeface="微软雅黑" panose="020B0503020204020204" pitchFamily="34" charset="-122"/>
-                <a:ea typeface="微软雅黑" panose="020B0503020204020204" pitchFamily="34" charset="-122"/>
-              </a:rPr>
-              <a:t>Sub-</a:t>
-            </a:r>
-            <a:r>
-              <a:rPr lang="en-US" altLang="zh-CN" sz="4400" b="1" dirty="0" smtClean="0">
-                <a:solidFill>
-                  <a:srgbClr val="00ABB4"/>
-                </a:solidFill>
-                <a:latin typeface="微软雅黑" panose="020B0503020204020204" pitchFamily="34" charset="-122"/>
-                <a:ea typeface="微软雅黑" panose="020B0503020204020204" pitchFamily="34" charset="-122"/>
-              </a:rPr>
-              <a:t>Modularity</a:t>
+              <a:t>Sub-Modularity</a:t>
             </a:r>
             <a:endParaRPr lang="en-US" altLang="zh-CN" sz="4400" b="1" dirty="0">
               <a:solidFill>
@@ -5808,7 +6009,7 @@
         <p:spPr>
           <a:xfrm>
             <a:off x="882747" y="1787520"/>
-            <a:ext cx="10245297" cy="3539430"/>
+            <a:ext cx="10245297" cy="4401205"/>
           </a:xfrm>
           <a:prstGeom prst="rect">
             <a:avLst/>
@@ -5835,11 +6036,6 @@
               </a:rPr>
               <a:t>The number of sub-modules in each module above:</a:t>
             </a:r>
-            <a:endParaRPr lang="en-US" altLang="zh-CN" sz="2800" b="1" dirty="0" smtClean="0">
-              <a:latin typeface="Meiryo" panose="020B0604030504040204" pitchFamily="34" charset="-128"/>
-              <a:ea typeface="Meiryo" panose="020B0604030504040204" pitchFamily="34" charset="-128"/>
-              <a:cs typeface="Meiryo" panose="020B0604030504040204" pitchFamily="34" charset="-128"/>
-            </a:endParaRPr>
           </a:p>
           <a:p>
             <a:pPr marL="914400" lvl="1" indent="-457200">
@@ -5897,7 +6093,32 @@
                 <a:ea typeface="Meiryo" panose="020B0604030504040204" pitchFamily="34" charset="-128"/>
                 <a:cs typeface="Meiryo" panose="020B0604030504040204" pitchFamily="34" charset="-128"/>
               </a:rPr>
-              <a:t> decrease, but not significant</a:t>
+              <a:t> decrease, but not </a:t>
+            </a:r>
+            <a:r>
+              <a:rPr lang="en-US" altLang="zh-CN" sz="2800" dirty="0" smtClean="0">
+                <a:latin typeface="Meiryo" panose="020B0604030504040204" pitchFamily="34" charset="-128"/>
+                <a:ea typeface="Meiryo" panose="020B0604030504040204" pitchFamily="34" charset="-128"/>
+                <a:cs typeface="Meiryo" panose="020B0604030504040204" pitchFamily="34" charset="-128"/>
+              </a:rPr>
+              <a:t>significant</a:t>
+            </a:r>
+          </a:p>
+          <a:p>
+            <a:pPr marL="914400" lvl="1" indent="-457200">
+              <a:lnSpc>
+                <a:spcPct val="200000"/>
+              </a:lnSpc>
+              <a:buFont typeface="Arial" panose="020B0604020202020204" pitchFamily="34" charset="0"/>
+              <a:buChar char="•"/>
+            </a:pPr>
+            <a:r>
+              <a:rPr lang="en-US" altLang="zh-CN" sz="2800" dirty="0" smtClean="0">
+                <a:latin typeface="Meiryo" panose="020B0604030504040204" pitchFamily="34" charset="-128"/>
+                <a:ea typeface="Meiryo" panose="020B0604030504040204" pitchFamily="34" charset="-128"/>
+                <a:cs typeface="Meiryo" panose="020B0604030504040204" pitchFamily="34" charset="-128"/>
+              </a:rPr>
+              <a:t>Bar graph below</a:t>
             </a:r>
             <a:endParaRPr lang="en-US" altLang="zh-CN" sz="2800" dirty="0" smtClean="0">
               <a:latin typeface="Meiryo" panose="020B0604030504040204" pitchFamily="34" charset="-128"/>
@@ -6049,7 +6270,7 @@
         <p:spPr>
           <a:xfrm>
             <a:off x="662538" y="294935"/>
-            <a:ext cx="10634112" cy="1446550"/>
+            <a:ext cx="9205361" cy="1446550"/>
           </a:xfrm>
           <a:prstGeom prst="rect">
             <a:avLst/>
@@ -6070,8 +6291,10 @@
                 <a:latin typeface="微软雅黑" panose="020B0503020204020204" pitchFamily="34" charset="-122"/>
                 <a:ea typeface="微软雅黑" panose="020B0503020204020204" pitchFamily="34" charset="-122"/>
               </a:rPr>
-              <a:t>Statistical </a:t>
-            </a:r>
+              <a:t>Statistical Measurement –</a:t>
+            </a:r>
+          </a:p>
+          <a:p>
             <a:r>
               <a:rPr lang="en-US" altLang="zh-CN" sz="4400" b="1" dirty="0" smtClean="0">
                 <a:solidFill>
@@ -6080,442 +6303,76 @@
                 <a:latin typeface="微软雅黑" panose="020B0503020204020204" pitchFamily="34" charset="-122"/>
                 <a:ea typeface="微软雅黑" panose="020B0503020204020204" pitchFamily="34" charset="-122"/>
               </a:rPr>
-              <a:t>Measurement –</a:t>
-            </a:r>
-          </a:p>
-          <a:p>
-            <a:pPr algn="r"/>
-            <a:r>
-              <a:rPr lang="en-US" altLang="zh-CN" sz="4400" b="1" dirty="0">
-                <a:solidFill>
-                  <a:srgbClr val="00ABB4"/>
-                </a:solidFill>
-                <a:latin typeface="微软雅黑" panose="020B0503020204020204" pitchFamily="34" charset="-122"/>
-                <a:ea typeface="微软雅黑" panose="020B0503020204020204" pitchFamily="34" charset="-122"/>
-              </a:rPr>
-              <a:t>MV </a:t>
-            </a:r>
-            <a:r>
-              <a:rPr lang="en-US" altLang="zh-CN" sz="4400" b="1" baseline="-25000" dirty="0">
-                <a:solidFill>
-                  <a:srgbClr val="00ABB4"/>
-                </a:solidFill>
-                <a:latin typeface="微软雅黑" panose="020B0503020204020204" pitchFamily="34" charset="-122"/>
-                <a:ea typeface="微软雅黑" panose="020B0503020204020204" pitchFamily="34" charset="-122"/>
-              </a:rPr>
-              <a:t>k</a:t>
-            </a:r>
-            <a:r>
-              <a:rPr lang="en-US" altLang="zh-CN" sz="4400" b="1" dirty="0">
-                <a:solidFill>
-                  <a:srgbClr val="00ABB4"/>
-                </a:solidFill>
-                <a:latin typeface="微软雅黑" panose="020B0503020204020204" pitchFamily="34" charset="-122"/>
-                <a:ea typeface="微软雅黑" panose="020B0503020204020204" pitchFamily="34" charset="-122"/>
-              </a:rPr>
-              <a:t> (1,2) and MV </a:t>
-            </a:r>
-            <a:r>
-              <a:rPr lang="en-US" altLang="zh-CN" sz="4400" b="1" baseline="-25000" dirty="0">
-                <a:solidFill>
-                  <a:srgbClr val="00ABB4"/>
-                </a:solidFill>
-                <a:latin typeface="微软雅黑" panose="020B0503020204020204" pitchFamily="34" charset="-122"/>
-                <a:ea typeface="微软雅黑" panose="020B0503020204020204" pitchFamily="34" charset="-122"/>
-              </a:rPr>
-              <a:t>k</a:t>
-            </a:r>
-            <a:r>
-              <a:rPr lang="en-US" altLang="zh-CN" sz="4400" b="1" dirty="0">
-                <a:solidFill>
-                  <a:srgbClr val="00ABB4"/>
-                </a:solidFill>
-                <a:latin typeface="微软雅黑" panose="020B0503020204020204" pitchFamily="34" charset="-122"/>
-                <a:ea typeface="微软雅黑" panose="020B0503020204020204" pitchFamily="34" charset="-122"/>
-              </a:rPr>
-              <a:t> (2,3)</a:t>
-            </a:r>
-          </a:p>
-        </p:txBody>
-      </p:sp>
-      <p:sp>
-        <p:nvSpPr>
-          <p:cNvPr id="31" name="Rectangle 96"/>
-          <p:cNvSpPr/>
+              <a:t>Sub-Modularity</a:t>
+            </a:r>
+            <a:endParaRPr lang="en-US" altLang="zh-CN" sz="4400" b="1" dirty="0">
+              <a:solidFill>
+                <a:srgbClr val="00ABB4"/>
+              </a:solidFill>
+              <a:latin typeface="微软雅黑" panose="020B0503020204020204" pitchFamily="34" charset="-122"/>
+              <a:ea typeface="微软雅黑" panose="020B0503020204020204" pitchFamily="34" charset="-122"/>
+            </a:endParaRPr>
+          </a:p>
+        </p:txBody>
+      </p:sp>
+      <p:pic>
+        <p:nvPicPr>
+          <p:cNvPr id="6146" name="Picture 2"/>
+          <p:cNvPicPr>
+            <a:picLocks noChangeAspect="1" noChangeArrowheads="1"/>
+          </p:cNvPicPr>
           <p:nvPr/>
-        </p:nvSpPr>
-        <p:spPr>
+        </p:nvPicPr>
+        <p:blipFill>
+          <a:blip r:embed="rId3">
+            <a:extLst>
+              <a:ext uri="{28A0092B-C50C-407E-A947-70E740481C1C}">
+                <a14:useLocalDpi xmlns:a14="http://schemas.microsoft.com/office/drawing/2010/main" val="0"/>
+              </a:ext>
+            </a:extLst>
+          </a:blip>
+          <a:srcRect/>
+          <a:stretch>
+            <a:fillRect/>
+          </a:stretch>
+        </p:blipFill>
+        <p:spPr bwMode="auto">
           <a:xfrm>
-            <a:off x="856944" y="1370752"/>
-            <a:ext cx="10245297" cy="5262979"/>
+            <a:off x="1577854" y="2100262"/>
+            <a:ext cx="8882625" cy="4186237"/>
           </a:xfrm>
           <a:prstGeom prst="rect">
             <a:avLst/>
           </a:prstGeom>
+          <a:noFill/>
+          <a:ln>
+            <a:noFill/>
+          </a:ln>
+          <a:extLst>
+            <a:ext uri="{909E8E84-426E-40DD-AFC4-6F175D3DCCD1}">
+              <a14:hiddenFill xmlns:a14="http://schemas.microsoft.com/office/drawing/2010/main">
+                <a:solidFill>
+                  <a:schemeClr val="accent1"/>
+                </a:solidFill>
+              </a14:hiddenFill>
+            </a:ext>
+            <a:ext uri="{91240B29-F687-4F45-9708-019B960494DF}">
+              <a14:hiddenLine xmlns:a14="http://schemas.microsoft.com/office/drawing/2010/main" w="9525">
+                <a:solidFill>
+                  <a:schemeClr val="tx1"/>
+                </a:solidFill>
+                <a:miter lim="800000"/>
+                <a:headEnd/>
+                <a:tailEnd/>
+              </a14:hiddenLine>
+            </a:ext>
+          </a:extLst>
         </p:spPr>
-        <p:txBody>
-          <a:bodyPr wrap="square">
-            <a:spAutoFit/>
-          </a:bodyPr>
-          <a:lstStyle/>
-          <a:p>
-            <a:pPr marL="342900" indent="-342900">
-              <a:lnSpc>
-                <a:spcPct val="200000"/>
-              </a:lnSpc>
-              <a:buFont typeface="Arial" panose="020B0604020202020204" pitchFamily="34" charset="0"/>
-              <a:buChar char="•"/>
-            </a:pPr>
-            <a:r>
-              <a:rPr lang="en-US" altLang="zh-CN" sz="2800" dirty="0" smtClean="0">
-                <a:latin typeface="Meiryo" panose="020B0604030504040204" pitchFamily="34" charset="-128"/>
-                <a:ea typeface="Meiryo" panose="020B0604030504040204" pitchFamily="34" charset="-128"/>
-                <a:cs typeface="Meiryo" panose="020B0604030504040204" pitchFamily="34" charset="-128"/>
-              </a:rPr>
-              <a:t>Only calculate one levels</a:t>
-            </a:r>
-            <a:r>
-              <a:rPr lang="en-US" altLang="zh-CN" sz="2800" dirty="0" smtClean="0">
-                <a:latin typeface="Meiryo" panose="020B0604030504040204" pitchFamily="34" charset="-128"/>
-                <a:ea typeface="Meiryo" panose="020B0604030504040204" pitchFamily="34" charset="-128"/>
-                <a:cs typeface="Meiryo" panose="020B0604030504040204" pitchFamily="34" charset="-128"/>
-              </a:rPr>
-              <a:t>:</a:t>
-            </a:r>
-          </a:p>
-          <a:p>
-            <a:pPr marL="800100" lvl="1" indent="-342900">
-              <a:lnSpc>
-                <a:spcPct val="200000"/>
-              </a:lnSpc>
-              <a:buFont typeface="Arial" panose="020B0604020202020204" pitchFamily="34" charset="0"/>
-              <a:buChar char="•"/>
-            </a:pPr>
-            <a:r>
-              <a:rPr lang="en-US" altLang="zh-CN" sz="2800" dirty="0" smtClean="0">
-                <a:latin typeface="Meiryo" panose="020B0604030504040204" pitchFamily="34" charset="-128"/>
-                <a:ea typeface="Meiryo" panose="020B0604030504040204" pitchFamily="34" charset="-128"/>
-                <a:cs typeface="Meiryo" panose="020B0604030504040204" pitchFamily="34" charset="-128"/>
-              </a:rPr>
-              <a:t>each </a:t>
-            </a:r>
-            <a:r>
-              <a:rPr lang="en-US" altLang="zh-CN" sz="2800" dirty="0" smtClean="0">
-                <a:latin typeface="Meiryo" panose="020B0604030504040204" pitchFamily="34" charset="-128"/>
-                <a:ea typeface="Meiryo" panose="020B0604030504040204" pitchFamily="34" charset="-128"/>
-                <a:cs typeface="Meiryo" panose="020B0604030504040204" pitchFamily="34" charset="-128"/>
-              </a:rPr>
-              <a:t>node between pair of </a:t>
-            </a:r>
-            <a:r>
-              <a:rPr lang="en-US" altLang="zh-CN" sz="2800" dirty="0" smtClean="0">
-                <a:latin typeface="Meiryo" panose="020B0604030504040204" pitchFamily="34" charset="-128"/>
-                <a:ea typeface="Meiryo" panose="020B0604030504040204" pitchFamily="34" charset="-128"/>
-                <a:cs typeface="Meiryo" panose="020B0604030504040204" pitchFamily="34" charset="-128"/>
-              </a:rPr>
-              <a:t>dose for each subject</a:t>
-            </a:r>
-          </a:p>
-          <a:p>
-            <a:pPr marL="800100" lvl="1" indent="-342900">
-              <a:lnSpc>
-                <a:spcPct val="200000"/>
-              </a:lnSpc>
-              <a:buFont typeface="Arial" panose="020B0604020202020204" pitchFamily="34" charset="0"/>
-              <a:buChar char="•"/>
-            </a:pPr>
-            <a:r>
-              <a:rPr lang="en-US" altLang="zh-CN" sz="2800" dirty="0" smtClean="0">
-                <a:latin typeface="Meiryo" panose="020B0604030504040204" pitchFamily="34" charset="-128"/>
-                <a:ea typeface="Meiryo" panose="020B0604030504040204" pitchFamily="34" charset="-128"/>
-                <a:cs typeface="Meiryo" panose="020B0604030504040204" pitchFamily="34" charset="-128"/>
-              </a:rPr>
-              <a:t>1:low;2:mid;3:high</a:t>
-            </a:r>
-          </a:p>
-          <a:p>
-            <a:pPr marL="800100" lvl="1" indent="-342900">
-              <a:lnSpc>
-                <a:spcPct val="200000"/>
-              </a:lnSpc>
-              <a:buFont typeface="Arial" panose="020B0604020202020204" pitchFamily="34" charset="0"/>
-              <a:buChar char="•"/>
-            </a:pPr>
-            <a:r>
-              <a:rPr lang="en-US" altLang="zh-CN" sz="2800" dirty="0" smtClean="0">
-                <a:latin typeface="Meiryo" panose="020B0604030504040204" pitchFamily="34" charset="-128"/>
-                <a:ea typeface="Meiryo" panose="020B0604030504040204" pitchFamily="34" charset="-128"/>
-                <a:cs typeface="Meiryo" panose="020B0604030504040204" pitchFamily="34" charset="-128"/>
-              </a:rPr>
-              <a:t>MV </a:t>
-            </a:r>
-            <a:r>
-              <a:rPr lang="en-US" altLang="zh-CN" sz="2800" baseline="-25000" dirty="0" smtClean="0">
-                <a:latin typeface="Meiryo" panose="020B0604030504040204" pitchFamily="34" charset="-128"/>
-                <a:ea typeface="Meiryo" panose="020B0604030504040204" pitchFamily="34" charset="-128"/>
-                <a:cs typeface="Meiryo" panose="020B0604030504040204" pitchFamily="34" charset="-128"/>
-              </a:rPr>
-              <a:t>insular</a:t>
-            </a:r>
-            <a:r>
-              <a:rPr lang="en-US" altLang="zh-CN" sz="2800" dirty="0" smtClean="0">
-                <a:latin typeface="Meiryo" panose="020B0604030504040204" pitchFamily="34" charset="-128"/>
-                <a:ea typeface="Meiryo" panose="020B0604030504040204" pitchFamily="34" charset="-128"/>
-                <a:cs typeface="Meiryo" panose="020B0604030504040204" pitchFamily="34" charset="-128"/>
-              </a:rPr>
-              <a:t> </a:t>
-            </a:r>
-            <a:r>
-              <a:rPr lang="en-US" altLang="zh-CN" sz="2800" dirty="0">
-                <a:latin typeface="Meiryo" panose="020B0604030504040204" pitchFamily="34" charset="-128"/>
-                <a:ea typeface="Meiryo" panose="020B0604030504040204" pitchFamily="34" charset="-128"/>
-                <a:cs typeface="Meiryo" panose="020B0604030504040204" pitchFamily="34" charset="-128"/>
-              </a:rPr>
-              <a:t>(1,2) &lt;</a:t>
-            </a:r>
-            <a:r>
-              <a:rPr lang="en-US" altLang="zh-CN" sz="2800" dirty="0" smtClean="0">
-                <a:latin typeface="Meiryo" panose="020B0604030504040204" pitchFamily="34" charset="-128"/>
-                <a:ea typeface="Meiryo" panose="020B0604030504040204" pitchFamily="34" charset="-128"/>
-                <a:cs typeface="Meiryo" panose="020B0604030504040204" pitchFamily="34" charset="-128"/>
-              </a:rPr>
-              <a:t> </a:t>
-            </a:r>
-            <a:r>
-              <a:rPr lang="en-US" altLang="zh-CN" sz="2800" dirty="0">
-                <a:latin typeface="Meiryo" panose="020B0604030504040204" pitchFamily="34" charset="-128"/>
-                <a:ea typeface="Meiryo" panose="020B0604030504040204" pitchFamily="34" charset="-128"/>
-                <a:cs typeface="Meiryo" panose="020B0604030504040204" pitchFamily="34" charset="-128"/>
-              </a:rPr>
-              <a:t>MV </a:t>
-            </a:r>
-            <a:r>
-              <a:rPr lang="en-US" altLang="zh-CN" sz="2800" baseline="-25000" dirty="0" smtClean="0">
-                <a:latin typeface="Meiryo" panose="020B0604030504040204" pitchFamily="34" charset="-128"/>
-                <a:ea typeface="Meiryo" panose="020B0604030504040204" pitchFamily="34" charset="-128"/>
-                <a:cs typeface="Meiryo" panose="020B0604030504040204" pitchFamily="34" charset="-128"/>
-              </a:rPr>
-              <a:t>insular</a:t>
-            </a:r>
-            <a:r>
-              <a:rPr lang="en-US" altLang="zh-CN" sz="2800" dirty="0" smtClean="0">
-                <a:latin typeface="Meiryo" panose="020B0604030504040204" pitchFamily="34" charset="-128"/>
-                <a:ea typeface="Meiryo" panose="020B0604030504040204" pitchFamily="34" charset="-128"/>
-                <a:cs typeface="Meiryo" panose="020B0604030504040204" pitchFamily="34" charset="-128"/>
-              </a:rPr>
-              <a:t> </a:t>
-            </a:r>
-            <a:r>
-              <a:rPr lang="en-US" altLang="zh-CN" sz="2800" dirty="0">
-                <a:latin typeface="Meiryo" panose="020B0604030504040204" pitchFamily="34" charset="-128"/>
-                <a:ea typeface="Meiryo" panose="020B0604030504040204" pitchFamily="34" charset="-128"/>
-                <a:cs typeface="Meiryo" panose="020B0604030504040204" pitchFamily="34" charset="-128"/>
-              </a:rPr>
-              <a:t>(2,3) </a:t>
-            </a:r>
-            <a:r>
-              <a:rPr lang="en-US" altLang="zh-CN" sz="2800" dirty="0" smtClean="0">
-                <a:latin typeface="Meiryo" panose="020B0604030504040204" pitchFamily="34" charset="-128"/>
-                <a:ea typeface="Meiryo" panose="020B0604030504040204" pitchFamily="34" charset="-128"/>
-                <a:cs typeface="Meiryo" panose="020B0604030504040204" pitchFamily="34" charset="-128"/>
-              </a:rPr>
-              <a:t>,not significant</a:t>
-            </a:r>
-          </a:p>
-          <a:p>
-            <a:pPr marL="800100" lvl="1" indent="-342900">
-              <a:lnSpc>
-                <a:spcPct val="200000"/>
-              </a:lnSpc>
-              <a:buFont typeface="Arial" panose="020B0604020202020204" pitchFamily="34" charset="0"/>
-              <a:buChar char="•"/>
-            </a:pPr>
-            <a:r>
-              <a:rPr lang="en-US" altLang="zh-CN" sz="2800" dirty="0">
-                <a:latin typeface="Meiryo" panose="020B0604030504040204" pitchFamily="34" charset="-128"/>
-                <a:ea typeface="Meiryo" panose="020B0604030504040204" pitchFamily="34" charset="-128"/>
-                <a:cs typeface="Meiryo" panose="020B0604030504040204" pitchFamily="34" charset="-128"/>
-              </a:rPr>
-              <a:t>MV </a:t>
-            </a:r>
-            <a:r>
-              <a:rPr lang="en-US" altLang="zh-CN" sz="2800" baseline="-25000" dirty="0" smtClean="0">
-                <a:latin typeface="Meiryo" panose="020B0604030504040204" pitchFamily="34" charset="-128"/>
-                <a:ea typeface="Meiryo" panose="020B0604030504040204" pitchFamily="34" charset="-128"/>
-                <a:cs typeface="Meiryo" panose="020B0604030504040204" pitchFamily="34" charset="-128"/>
-              </a:rPr>
-              <a:t>ant-DMN</a:t>
-            </a:r>
-            <a:r>
-              <a:rPr lang="en-US" altLang="zh-CN" sz="2800" dirty="0" smtClean="0">
-                <a:latin typeface="Meiryo" panose="020B0604030504040204" pitchFamily="34" charset="-128"/>
-                <a:ea typeface="Meiryo" panose="020B0604030504040204" pitchFamily="34" charset="-128"/>
-                <a:cs typeface="Meiryo" panose="020B0604030504040204" pitchFamily="34" charset="-128"/>
-              </a:rPr>
-              <a:t> </a:t>
-            </a:r>
-            <a:r>
-              <a:rPr lang="en-US" altLang="zh-CN" sz="2800" dirty="0">
-                <a:latin typeface="Meiryo" panose="020B0604030504040204" pitchFamily="34" charset="-128"/>
-                <a:ea typeface="Meiryo" panose="020B0604030504040204" pitchFamily="34" charset="-128"/>
-                <a:cs typeface="Meiryo" panose="020B0604030504040204" pitchFamily="34" charset="-128"/>
-              </a:rPr>
-              <a:t>(1,2) </a:t>
-            </a:r>
-            <a:r>
-              <a:rPr lang="en-US" altLang="zh-CN" sz="2800" dirty="0" smtClean="0">
-                <a:latin typeface="Meiryo" panose="020B0604030504040204" pitchFamily="34" charset="-128"/>
-                <a:ea typeface="Meiryo" panose="020B0604030504040204" pitchFamily="34" charset="-128"/>
-                <a:cs typeface="Meiryo" panose="020B0604030504040204" pitchFamily="34" charset="-128"/>
-              </a:rPr>
-              <a:t>&gt; </a:t>
-            </a:r>
-            <a:r>
-              <a:rPr lang="en-US" altLang="zh-CN" sz="2800" dirty="0">
-                <a:latin typeface="Meiryo" panose="020B0604030504040204" pitchFamily="34" charset="-128"/>
-                <a:ea typeface="Meiryo" panose="020B0604030504040204" pitchFamily="34" charset="-128"/>
-                <a:cs typeface="Meiryo" panose="020B0604030504040204" pitchFamily="34" charset="-128"/>
-              </a:rPr>
-              <a:t>MV </a:t>
-            </a:r>
-            <a:r>
-              <a:rPr lang="en-US" altLang="zh-CN" sz="2800" baseline="-25000" dirty="0" smtClean="0">
-                <a:latin typeface="Meiryo" panose="020B0604030504040204" pitchFamily="34" charset="-128"/>
-                <a:ea typeface="Meiryo" panose="020B0604030504040204" pitchFamily="34" charset="-128"/>
-                <a:cs typeface="Meiryo" panose="020B0604030504040204" pitchFamily="34" charset="-128"/>
-              </a:rPr>
-              <a:t>ANT-DMN</a:t>
-            </a:r>
-            <a:r>
-              <a:rPr lang="en-US" altLang="zh-CN" sz="2800" dirty="0" smtClean="0">
-                <a:latin typeface="Meiryo" panose="020B0604030504040204" pitchFamily="34" charset="-128"/>
-                <a:ea typeface="Meiryo" panose="020B0604030504040204" pitchFamily="34" charset="-128"/>
-                <a:cs typeface="Meiryo" panose="020B0604030504040204" pitchFamily="34" charset="-128"/>
-              </a:rPr>
-              <a:t> </a:t>
-            </a:r>
-            <a:r>
-              <a:rPr lang="en-US" altLang="zh-CN" sz="2800" dirty="0">
-                <a:latin typeface="Meiryo" panose="020B0604030504040204" pitchFamily="34" charset="-128"/>
-                <a:ea typeface="Meiryo" panose="020B0604030504040204" pitchFamily="34" charset="-128"/>
-                <a:cs typeface="Meiryo" panose="020B0604030504040204" pitchFamily="34" charset="-128"/>
-              </a:rPr>
-              <a:t>(2,3</a:t>
-            </a:r>
-            <a:r>
-              <a:rPr lang="en-US" altLang="zh-CN" sz="2800" dirty="0" smtClean="0">
-                <a:latin typeface="Meiryo" panose="020B0604030504040204" pitchFamily="34" charset="-128"/>
-                <a:ea typeface="Meiryo" panose="020B0604030504040204" pitchFamily="34" charset="-128"/>
-                <a:cs typeface="Meiryo" panose="020B0604030504040204" pitchFamily="34" charset="-128"/>
-              </a:rPr>
-              <a:t>)</a:t>
-            </a:r>
-            <a:r>
-              <a:rPr lang="en-US" altLang="zh-CN" sz="2800" dirty="0">
-                <a:latin typeface="Meiryo" panose="020B0604030504040204" pitchFamily="34" charset="-128"/>
-                <a:ea typeface="Meiryo" panose="020B0604030504040204" pitchFamily="34" charset="-128"/>
-                <a:cs typeface="Meiryo" panose="020B0604030504040204" pitchFamily="34" charset="-128"/>
-              </a:rPr>
-              <a:t> ,not significant</a:t>
-            </a:r>
-            <a:endParaRPr lang="en-US" altLang="zh-CN" sz="2800" dirty="0" smtClean="0">
-              <a:latin typeface="Meiryo" panose="020B0604030504040204" pitchFamily="34" charset="-128"/>
-              <a:ea typeface="Meiryo" panose="020B0604030504040204" pitchFamily="34" charset="-128"/>
-              <a:cs typeface="Meiryo" panose="020B0604030504040204" pitchFamily="34" charset="-128"/>
-            </a:endParaRPr>
-          </a:p>
-          <a:p>
-            <a:pPr marL="800100" lvl="1" indent="-342900">
-              <a:lnSpc>
-                <a:spcPct val="200000"/>
-              </a:lnSpc>
-              <a:buFont typeface="Arial" panose="020B0604020202020204" pitchFamily="34" charset="0"/>
-              <a:buChar char="•"/>
-            </a:pPr>
-            <a:r>
-              <a:rPr lang="en-US" altLang="zh-CN" sz="2800" dirty="0">
-                <a:latin typeface="Meiryo" panose="020B0604030504040204" pitchFamily="34" charset="-128"/>
-                <a:ea typeface="Meiryo" panose="020B0604030504040204" pitchFamily="34" charset="-128"/>
-                <a:cs typeface="Meiryo" panose="020B0604030504040204" pitchFamily="34" charset="-128"/>
-              </a:rPr>
-              <a:t>MV </a:t>
-            </a:r>
-            <a:r>
-              <a:rPr lang="en-US" altLang="zh-CN" sz="2800" baseline="-25000" dirty="0" smtClean="0">
-                <a:latin typeface="Meiryo" panose="020B0604030504040204" pitchFamily="34" charset="-128"/>
-                <a:ea typeface="Meiryo" panose="020B0604030504040204" pitchFamily="34" charset="-128"/>
-                <a:cs typeface="Meiryo" panose="020B0604030504040204" pitchFamily="34" charset="-128"/>
-              </a:rPr>
-              <a:t>hypo</a:t>
-            </a:r>
-            <a:r>
-              <a:rPr lang="en-US" altLang="zh-CN" sz="2800" dirty="0" smtClean="0">
-                <a:latin typeface="Meiryo" panose="020B0604030504040204" pitchFamily="34" charset="-128"/>
-                <a:ea typeface="Meiryo" panose="020B0604030504040204" pitchFamily="34" charset="-128"/>
-                <a:cs typeface="Meiryo" panose="020B0604030504040204" pitchFamily="34" charset="-128"/>
-              </a:rPr>
-              <a:t> </a:t>
-            </a:r>
-            <a:r>
-              <a:rPr lang="en-US" altLang="zh-CN" sz="2800" dirty="0">
-                <a:latin typeface="Meiryo" panose="020B0604030504040204" pitchFamily="34" charset="-128"/>
-                <a:ea typeface="Meiryo" panose="020B0604030504040204" pitchFamily="34" charset="-128"/>
-                <a:cs typeface="Meiryo" panose="020B0604030504040204" pitchFamily="34" charset="-128"/>
-              </a:rPr>
-              <a:t>(1,2) &gt; MV </a:t>
-            </a:r>
-            <a:r>
-              <a:rPr lang="en-US" altLang="zh-CN" sz="2800" baseline="-25000" dirty="0" smtClean="0">
-                <a:latin typeface="Meiryo" panose="020B0604030504040204" pitchFamily="34" charset="-128"/>
-                <a:ea typeface="Meiryo" panose="020B0604030504040204" pitchFamily="34" charset="-128"/>
-                <a:cs typeface="Meiryo" panose="020B0604030504040204" pitchFamily="34" charset="-128"/>
-              </a:rPr>
-              <a:t>hypo</a:t>
-            </a:r>
-            <a:r>
-              <a:rPr lang="en-US" altLang="zh-CN" sz="2800" dirty="0" smtClean="0">
-                <a:latin typeface="Meiryo" panose="020B0604030504040204" pitchFamily="34" charset="-128"/>
-                <a:ea typeface="Meiryo" panose="020B0604030504040204" pitchFamily="34" charset="-128"/>
-                <a:cs typeface="Meiryo" panose="020B0604030504040204" pitchFamily="34" charset="-128"/>
-              </a:rPr>
-              <a:t> </a:t>
-            </a:r>
-            <a:r>
-              <a:rPr lang="en-US" altLang="zh-CN" sz="2800" dirty="0">
-                <a:latin typeface="Meiryo" panose="020B0604030504040204" pitchFamily="34" charset="-128"/>
-                <a:ea typeface="Meiryo" panose="020B0604030504040204" pitchFamily="34" charset="-128"/>
-                <a:cs typeface="Meiryo" panose="020B0604030504040204" pitchFamily="34" charset="-128"/>
-              </a:rPr>
-              <a:t>(2,3</a:t>
-            </a:r>
-            <a:r>
-              <a:rPr lang="en-US" altLang="zh-CN" sz="2800" dirty="0" smtClean="0">
-                <a:latin typeface="Meiryo" panose="020B0604030504040204" pitchFamily="34" charset="-128"/>
-                <a:ea typeface="Meiryo" panose="020B0604030504040204" pitchFamily="34" charset="-128"/>
-                <a:cs typeface="Meiryo" panose="020B0604030504040204" pitchFamily="34" charset="-128"/>
-              </a:rPr>
-              <a:t>)</a:t>
-            </a:r>
-            <a:r>
-              <a:rPr lang="en-US" altLang="zh-CN" sz="2800" dirty="0">
-                <a:latin typeface="Meiryo" panose="020B0604030504040204" pitchFamily="34" charset="-128"/>
-                <a:ea typeface="Meiryo" panose="020B0604030504040204" pitchFamily="34" charset="-128"/>
-                <a:cs typeface="Meiryo" panose="020B0604030504040204" pitchFamily="34" charset="-128"/>
-              </a:rPr>
-              <a:t> ,not significant</a:t>
-            </a:r>
-            <a:endParaRPr lang="en-US" altLang="zh-CN" sz="2800" dirty="0" smtClean="0">
-              <a:latin typeface="Meiryo" panose="020B0604030504040204" pitchFamily="34" charset="-128"/>
-              <a:ea typeface="Meiryo" panose="020B0604030504040204" pitchFamily="34" charset="-128"/>
-              <a:cs typeface="Meiryo" panose="020B0604030504040204" pitchFamily="34" charset="-128"/>
-            </a:endParaRPr>
-          </a:p>
-        </p:txBody>
-      </p:sp>
+      </p:pic>
     </p:spTree>
     <p:extLst>
       <p:ext uri="{BB962C8B-B14F-4D97-AF65-F5344CB8AC3E}">
-        <p14:creationId xmlns:p14="http://schemas.microsoft.com/office/powerpoint/2010/main" val="1731885851"/>
+        <p14:creationId xmlns:p14="http://schemas.microsoft.com/office/powerpoint/2010/main" val="2536732300"/>
       </p:ext>
     </p:extLst>
   </p:cSld>
@@ -6675,7 +6532,30 @@
                 <a:latin typeface="微软雅黑" panose="020B0503020204020204" pitchFamily="34" charset="-122"/>
                 <a:ea typeface="微软雅黑" panose="020B0503020204020204" pitchFamily="34" charset="-122"/>
               </a:rPr>
-              <a:t>Statistical </a:t>
+              <a:t>Statistical Measurement –</a:t>
+            </a:r>
+          </a:p>
+          <a:p>
+            <a:pPr algn="r"/>
+            <a:r>
+              <a:rPr lang="en-US" altLang="zh-CN" sz="4400" b="1" dirty="0">
+                <a:solidFill>
+                  <a:srgbClr val="00ABB4"/>
+                </a:solidFill>
+                <a:latin typeface="微软雅黑" panose="020B0503020204020204" pitchFamily="34" charset="-122"/>
+                <a:ea typeface="微软雅黑" panose="020B0503020204020204" pitchFamily="34" charset="-122"/>
+              </a:rPr>
+              <a:t>MV </a:t>
+            </a:r>
+            <a:r>
+              <a:rPr lang="en-US" altLang="zh-CN" sz="4400" b="1" baseline="-25000" dirty="0">
+                <a:solidFill>
+                  <a:srgbClr val="00ABB4"/>
+                </a:solidFill>
+                <a:latin typeface="微软雅黑" panose="020B0503020204020204" pitchFamily="34" charset="-122"/>
+                <a:ea typeface="微软雅黑" panose="020B0503020204020204" pitchFamily="34" charset="-122"/>
+              </a:rPr>
+              <a:t> </a:t>
             </a:r>
             <a:r>
               <a:rPr lang="en-US" altLang="zh-CN" sz="4400" b="1" dirty="0" smtClean="0">
@@ -6685,20 +6565,7 @@
                 <a:latin typeface="微软雅黑" panose="020B0503020204020204" pitchFamily="34" charset="-122"/>
                 <a:ea typeface="微软雅黑" panose="020B0503020204020204" pitchFamily="34" charset="-122"/>
               </a:rPr>
-              <a:t>Measurement –</a:t>
-            </a:r>
-          </a:p>
-          <a:p>
-            <a:pPr algn="r"/>
-            <a:r>
-              <a:rPr lang="en-US" altLang="zh-CN" sz="4400" b="1" dirty="0" smtClean="0">
-                <a:solidFill>
-                  <a:srgbClr val="00ABB4"/>
-                </a:solidFill>
-                <a:latin typeface="微软雅黑" panose="020B0503020204020204" pitchFamily="34" charset="-122"/>
-                <a:ea typeface="微软雅黑" panose="020B0503020204020204" pitchFamily="34" charset="-122"/>
-              </a:rPr>
-              <a:t>correlation matrix</a:t>
+              <a:t>across doses</a:t>
             </a:r>
             <a:endParaRPr lang="en-US" altLang="zh-CN" sz="4400" b="1" dirty="0">
               <a:solidFill>
@@ -6712,14 +6579,14 @@
       </p:sp>
       <p:sp>
         <p:nvSpPr>
-          <p:cNvPr id="9" name="Rectangle 96"/>
+          <p:cNvPr id="31" name="Rectangle 96"/>
           <p:cNvSpPr/>
           <p:nvPr/>
         </p:nvSpPr>
         <p:spPr>
           <a:xfrm>
-            <a:off x="896518" y="1474269"/>
-            <a:ext cx="10245297" cy="1815882"/>
+            <a:off x="856944" y="1923202"/>
+            <a:ext cx="10245297" cy="4401205"/>
           </a:xfrm>
           <a:prstGeom prst="rect">
             <a:avLst/>
@@ -6739,13 +6606,50 @@
               <a:buChar char="•"/>
             </a:pPr>
             <a:r>
-              <a:rPr lang="en-US" altLang="zh-CN" sz="2800" b="1" dirty="0" smtClean="0">
+              <a:rPr lang="en-US" altLang="zh-CN" sz="2800" dirty="0" smtClean="0">
                 <a:latin typeface="Meiryo" panose="020B0604030504040204" pitchFamily="34" charset="-128"/>
                 <a:ea typeface="Meiryo" panose="020B0604030504040204" pitchFamily="34" charset="-128"/>
                 <a:cs typeface="Meiryo" panose="020B0604030504040204" pitchFamily="34" charset="-128"/>
               </a:rPr>
-              <a:t>Correlation matrix for each subject for each dose</a:t>
-            </a:r>
+              <a:t>Only calculate </a:t>
+            </a:r>
+            <a:r>
+              <a:rPr lang="en-US" altLang="zh-CN" sz="2800" dirty="0" smtClean="0">
+                <a:latin typeface="Meiryo" panose="020B0604030504040204" pitchFamily="34" charset="-128"/>
+                <a:ea typeface="Meiryo" panose="020B0604030504040204" pitchFamily="34" charset="-128"/>
+                <a:cs typeface="Meiryo" panose="020B0604030504040204" pitchFamily="34" charset="-128"/>
+              </a:rPr>
+              <a:t>in the way of 1</a:t>
+            </a:r>
+            <a:r>
+              <a:rPr lang="en-US" altLang="zh-CN" sz="2800" baseline="30000" dirty="0" smtClean="0">
+                <a:latin typeface="Meiryo" panose="020B0604030504040204" pitchFamily="34" charset="-128"/>
+                <a:ea typeface="Meiryo" panose="020B0604030504040204" pitchFamily="34" charset="-128"/>
+                <a:cs typeface="Meiryo" panose="020B0604030504040204" pitchFamily="34" charset="-128"/>
+              </a:rPr>
+              <a:t>st</a:t>
+            </a:r>
+            <a:r>
+              <a:rPr lang="en-US" altLang="zh-CN" sz="2800" dirty="0" smtClean="0">
+                <a:latin typeface="Meiryo" panose="020B0604030504040204" pitchFamily="34" charset="-128"/>
+                <a:ea typeface="Meiryo" panose="020B0604030504040204" pitchFamily="34" charset="-128"/>
+                <a:cs typeface="Meiryo" panose="020B0604030504040204" pitchFamily="34" charset="-128"/>
+              </a:rPr>
+              <a:t> </a:t>
+            </a:r>
+            <a:r>
+              <a:rPr lang="en-US" altLang="zh-CN" sz="2800" dirty="0" smtClean="0">
+                <a:latin typeface="Meiryo" panose="020B0604030504040204" pitchFamily="34" charset="-128"/>
+                <a:ea typeface="Meiryo" panose="020B0604030504040204" pitchFamily="34" charset="-128"/>
+                <a:cs typeface="Meiryo" panose="020B0604030504040204" pitchFamily="34" charset="-128"/>
+              </a:rPr>
+              <a:t> level mentioned before:</a:t>
+            </a:r>
+            <a:endParaRPr lang="en-US" altLang="zh-CN" sz="2800" dirty="0" smtClean="0">
+              <a:latin typeface="Meiryo" panose="020B0604030504040204" pitchFamily="34" charset="-128"/>
+              <a:ea typeface="Meiryo" panose="020B0604030504040204" pitchFamily="34" charset="-128"/>
+              <a:cs typeface="Meiryo" panose="020B0604030504040204" pitchFamily="34" charset="-128"/>
+            </a:endParaRPr>
           </a:p>
           <a:p>
             <a:pPr marL="800100" lvl="1" indent="-342900">
@@ -6761,9 +6665,43 @@
                 <a:ea typeface="Meiryo" panose="020B0604030504040204" pitchFamily="34" charset="-128"/>
                 <a:cs typeface="Meiryo" panose="020B0604030504040204" pitchFamily="34" charset="-128"/>
               </a:rPr>
-              <a:t>Each subject get matrixs below</a:t>
-            </a:r>
-            <a:endParaRPr lang="en-US" altLang="zh-CN" sz="2800" b="1" dirty="0" smtClean="0">
+              <a:t>each node between pair of dose for each subject</a:t>
+            </a:r>
+          </a:p>
+          <a:p>
+            <a:pPr marL="800100" lvl="1" indent="-342900">
+              <a:lnSpc>
+                <a:spcPct val="200000"/>
+              </a:lnSpc>
+              <a:buFont typeface="Arial" panose="020B0604020202020204" pitchFamily="34" charset="0"/>
+              <a:buChar char="•"/>
+            </a:pPr>
+            <a:r>
+              <a:rPr lang="en-US" altLang="zh-CN" sz="2800" dirty="0" smtClean="0">
+                <a:latin typeface="Meiryo" panose="020B0604030504040204" pitchFamily="34" charset="-128"/>
+                <a:ea typeface="Meiryo" panose="020B0604030504040204" pitchFamily="34" charset="-128"/>
+                <a:cs typeface="Meiryo" panose="020B0604030504040204" pitchFamily="34" charset="-128"/>
+              </a:rPr>
+              <a:t>1:low;2:mid;3:high</a:t>
+            </a:r>
+          </a:p>
+          <a:p>
+            <a:pPr marL="800100" lvl="1" indent="-342900">
+              <a:lnSpc>
+                <a:spcPct val="200000"/>
+              </a:lnSpc>
+              <a:buFont typeface="Arial" panose="020B0604020202020204" pitchFamily="34" charset="0"/>
+              <a:buChar char="•"/>
+            </a:pPr>
+            <a:r>
+              <a:rPr lang="en-US" altLang="zh-CN" sz="2800" dirty="0" smtClean="0">
+                <a:latin typeface="Meiryo" panose="020B0604030504040204" pitchFamily="34" charset="-128"/>
+                <a:ea typeface="Meiryo" panose="020B0604030504040204" pitchFamily="34" charset="-128"/>
+                <a:cs typeface="Meiryo" panose="020B0604030504040204" pitchFamily="34" charset="-128"/>
+              </a:rPr>
+              <a:t>There’s smaller or bigger tendency, but all not significant ,shown in bar graph below</a:t>
+            </a:r>
+            <a:endParaRPr lang="en-US" altLang="zh-CN" sz="2800" dirty="0" smtClean="0">
               <a:latin typeface="Meiryo" panose="020B0604030504040204" pitchFamily="34" charset="-128"/>
               <a:ea typeface="Meiryo" panose="020B0604030504040204" pitchFamily="34" charset="-128"/>
               <a:cs typeface="Meiryo" panose="020B0604030504040204" pitchFamily="34" charset="-128"/>
@@ -6771,9 +6709,217 @@
           </a:p>
         </p:txBody>
       </p:sp>
+    </p:spTree>
+    <p:extLst>
+      <p:ext uri="{BB962C8B-B14F-4D97-AF65-F5344CB8AC3E}">
+        <p14:creationId xmlns:p14="http://schemas.microsoft.com/office/powerpoint/2010/main" val="1731885851"/>
+      </p:ext>
+    </p:extLst>
+  </p:cSld>
+  <p:clrMapOvr>
+    <a:masterClrMapping/>
+  </p:clrMapOvr>
+  <p:timing>
+    <p:tnLst>
+      <p:par>
+        <p:cTn id="1" dur="indefinite" restart="never" nodeType="tmRoot"/>
+      </p:par>
+    </p:tnLst>
+  </p:timing>
+</p:sld>
+</file>
+
+<file path=ppt/slides/slide15.xml><?xml version="1.0" encoding="utf-8"?>
+<p:sld xmlns:a="http://schemas.openxmlformats.org/drawingml/2006/main" xmlns:r="http://schemas.openxmlformats.org/officeDocument/2006/relationships" xmlns:p="http://schemas.openxmlformats.org/presentationml/2006/main">
+  <p:cSld>
+    <p:spTree>
+      <p:nvGrpSpPr>
+        <p:cNvPr id="1" name=""/>
+        <p:cNvGrpSpPr/>
+        <p:nvPr/>
+      </p:nvGrpSpPr>
+      <p:grpSpPr>
+        <a:xfrm>
+          <a:off x="0" y="0"/>
+          <a:ext cx="0" cy="0"/>
+          <a:chOff x="0" y="0"/>
+          <a:chExt cx="0" cy="0"/>
+        </a:xfrm>
+      </p:grpSpPr>
+      <p:sp>
+        <p:nvSpPr>
+          <p:cNvPr id="5" name="矩形 4"/>
+          <p:cNvSpPr/>
+          <p:nvPr/>
+        </p:nvSpPr>
+        <p:spPr>
+          <a:xfrm>
+            <a:off x="6005399" y="3447534"/>
+            <a:ext cx="6172200" cy="3410465"/>
+          </a:xfrm>
+          <a:prstGeom prst="rect">
+            <a:avLst/>
+          </a:prstGeom>
+          <a:solidFill>
+            <a:schemeClr val="bg1">
+              <a:lumMod val="95000"/>
+            </a:schemeClr>
+          </a:solidFill>
+          <a:ln>
+            <a:noFill/>
+          </a:ln>
+        </p:spPr>
+        <p:style>
+          <a:lnRef idx="2">
+            <a:schemeClr val="accent1">
+              <a:shade val="50000"/>
+            </a:schemeClr>
+          </a:lnRef>
+          <a:fillRef idx="1">
+            <a:schemeClr val="accent1"/>
+          </a:fillRef>
+          <a:effectRef idx="0">
+            <a:schemeClr val="accent1"/>
+          </a:effectRef>
+          <a:fontRef idx="minor">
+            <a:schemeClr val="lt1"/>
+          </a:fontRef>
+        </p:style>
+        <p:txBody>
+          <a:bodyPr rtlCol="0" anchor="ctr"/>
+          <a:lstStyle/>
+          <a:p>
+            <a:pPr algn="ctr"/>
+            <a:endParaRPr lang="zh-CN" altLang="en-US"/>
+          </a:p>
+        </p:txBody>
+      </p:sp>
+      <p:sp>
+        <p:nvSpPr>
+          <p:cNvPr id="29" name="矩形 28"/>
+          <p:cNvSpPr/>
+          <p:nvPr/>
+        </p:nvSpPr>
+        <p:spPr>
+          <a:xfrm>
+            <a:off x="12346" y="1"/>
+            <a:ext cx="6006821" cy="3447534"/>
+          </a:xfrm>
+          <a:prstGeom prst="rect">
+            <a:avLst/>
+          </a:prstGeom>
+          <a:solidFill>
+            <a:schemeClr val="bg1">
+              <a:lumMod val="95000"/>
+            </a:schemeClr>
+          </a:solidFill>
+          <a:ln>
+            <a:noFill/>
+          </a:ln>
+        </p:spPr>
+        <p:style>
+          <a:lnRef idx="2">
+            <a:schemeClr val="accent1">
+              <a:shade val="50000"/>
+            </a:schemeClr>
+          </a:lnRef>
+          <a:fillRef idx="1">
+            <a:schemeClr val="accent1"/>
+          </a:fillRef>
+          <a:effectRef idx="0">
+            <a:schemeClr val="accent1"/>
+          </a:effectRef>
+          <a:fontRef idx="minor">
+            <a:schemeClr val="lt1"/>
+          </a:fontRef>
+        </p:style>
+        <p:txBody>
+          <a:bodyPr rtlCol="0" anchor="ctr"/>
+          <a:lstStyle/>
+          <a:p>
+            <a:pPr algn="ctr"/>
+            <a:endParaRPr lang="zh-CN" altLang="en-US"/>
+          </a:p>
+        </p:txBody>
+      </p:sp>
+      <p:sp>
+        <p:nvSpPr>
+          <p:cNvPr id="6" name="文本框 29"/>
+          <p:cNvSpPr txBox="1"/>
+          <p:nvPr/>
+        </p:nvSpPr>
+        <p:spPr>
+          <a:xfrm>
+            <a:off x="662538" y="294935"/>
+            <a:ext cx="10634112" cy="1446550"/>
+          </a:xfrm>
+          <a:prstGeom prst="rect">
+            <a:avLst/>
+          </a:prstGeom>
+          <a:noFill/>
+        </p:spPr>
+        <p:txBody>
+          <a:bodyPr wrap="square" rtlCol="0">
+            <a:spAutoFit/>
+          </a:bodyPr>
+          <a:lstStyle/>
+          <a:p>
+            <a:r>
+              <a:rPr lang="en-US" altLang="zh-CN" sz="4400" b="1" dirty="0" smtClean="0">
+                <a:solidFill>
+                  <a:srgbClr val="00ABB4"/>
+                </a:solidFill>
+                <a:latin typeface="微软雅黑" panose="020B0503020204020204" pitchFamily="34" charset="-122"/>
+                <a:ea typeface="微软雅黑" panose="020B0503020204020204" pitchFamily="34" charset="-122"/>
+              </a:rPr>
+              <a:t>Statistical Measurement –</a:t>
+            </a:r>
+          </a:p>
+          <a:p>
+            <a:pPr algn="r"/>
+            <a:r>
+              <a:rPr lang="en-US" altLang="zh-CN" sz="4400" b="1" dirty="0">
+                <a:solidFill>
+                  <a:srgbClr val="00ABB4"/>
+                </a:solidFill>
+                <a:latin typeface="微软雅黑" panose="020B0503020204020204" pitchFamily="34" charset="-122"/>
+                <a:ea typeface="微软雅黑" panose="020B0503020204020204" pitchFamily="34" charset="-122"/>
+              </a:rPr>
+              <a:t>MV </a:t>
+            </a:r>
+            <a:r>
+              <a:rPr lang="en-US" altLang="zh-CN" sz="4400" b="1" baseline="-25000" dirty="0">
+                <a:solidFill>
+                  <a:srgbClr val="00ABB4"/>
+                </a:solidFill>
+                <a:latin typeface="微软雅黑" panose="020B0503020204020204" pitchFamily="34" charset="-122"/>
+                <a:ea typeface="微软雅黑" panose="020B0503020204020204" pitchFamily="34" charset="-122"/>
+              </a:rPr>
+              <a:t> </a:t>
+            </a:r>
+            <a:r>
+              <a:rPr lang="en-US" altLang="zh-CN" sz="4400" b="1" dirty="0" smtClean="0">
+                <a:solidFill>
+                  <a:srgbClr val="00ABB4"/>
+                </a:solidFill>
+                <a:latin typeface="微软雅黑" panose="020B0503020204020204" pitchFamily="34" charset="-122"/>
+                <a:ea typeface="微软雅黑" panose="020B0503020204020204" pitchFamily="34" charset="-122"/>
+              </a:rPr>
+              <a:t>across doses</a:t>
+            </a:r>
+            <a:endParaRPr lang="en-US" altLang="zh-CN" sz="4400" b="1" dirty="0">
+              <a:solidFill>
+                <a:srgbClr val="00ABB4"/>
+              </a:solidFill>
+              <a:latin typeface="微软雅黑" panose="020B0503020204020204" pitchFamily="34" charset="-122"/>
+              <a:ea typeface="微软雅黑" panose="020B0503020204020204" pitchFamily="34" charset="-122"/>
+            </a:endParaRPr>
+          </a:p>
+        </p:txBody>
+      </p:sp>
       <p:pic>
         <p:nvPicPr>
-          <p:cNvPr id="10" name="Picture 4"/>
+          <p:cNvPr id="5122" name="Picture 2"/>
           <p:cNvPicPr>
             <a:picLocks noChangeAspect="1" noChangeArrowheads="1"/>
           </p:cNvPicPr>
@@ -6794,8 +6940,302 @@
         </p:blipFill>
         <p:spPr bwMode="auto">
           <a:xfrm>
-            <a:off x="177135" y="3447534"/>
-            <a:ext cx="12000464" cy="3000116"/>
+            <a:off x="2343150" y="1889827"/>
+            <a:ext cx="7718973" cy="4491923"/>
+          </a:xfrm>
+          <a:prstGeom prst="rect">
+            <a:avLst/>
+          </a:prstGeom>
+          <a:noFill/>
+          <a:ln>
+            <a:noFill/>
+          </a:ln>
+          <a:extLst>
+            <a:ext uri="{909E8E84-426E-40DD-AFC4-6F175D3DCCD1}">
+              <a14:hiddenFill xmlns:a14="http://schemas.microsoft.com/office/drawing/2010/main">
+                <a:solidFill>
+                  <a:schemeClr val="accent1"/>
+                </a:solidFill>
+              </a14:hiddenFill>
+            </a:ext>
+            <a:ext uri="{91240B29-F687-4F45-9708-019B960494DF}">
+              <a14:hiddenLine xmlns:a14="http://schemas.microsoft.com/office/drawing/2010/main" w="9525">
+                <a:solidFill>
+                  <a:schemeClr val="tx1"/>
+                </a:solidFill>
+                <a:miter lim="800000"/>
+                <a:headEnd/>
+                <a:tailEnd/>
+              </a14:hiddenLine>
+            </a:ext>
+          </a:extLst>
+        </p:spPr>
+      </p:pic>
+    </p:spTree>
+    <p:extLst>
+      <p:ext uri="{BB962C8B-B14F-4D97-AF65-F5344CB8AC3E}">
+        <p14:creationId xmlns:p14="http://schemas.microsoft.com/office/powerpoint/2010/main" val="3343825297"/>
+      </p:ext>
+    </p:extLst>
+  </p:cSld>
+  <p:clrMapOvr>
+    <a:masterClrMapping/>
+  </p:clrMapOvr>
+  <p:timing>
+    <p:tnLst>
+      <p:par>
+        <p:cTn id="1" dur="indefinite" restart="never" nodeType="tmRoot"/>
+      </p:par>
+    </p:tnLst>
+  </p:timing>
+</p:sld>
+</file>
+
+<file path=ppt/slides/slide16.xml><?xml version="1.0" encoding="utf-8"?>
+<p:sld xmlns:a="http://schemas.openxmlformats.org/drawingml/2006/main" xmlns:r="http://schemas.openxmlformats.org/officeDocument/2006/relationships" xmlns:p="http://schemas.openxmlformats.org/presentationml/2006/main">
+  <p:cSld>
+    <p:spTree>
+      <p:nvGrpSpPr>
+        <p:cNvPr id="1" name=""/>
+        <p:cNvGrpSpPr/>
+        <p:nvPr/>
+      </p:nvGrpSpPr>
+      <p:grpSpPr>
+        <a:xfrm>
+          <a:off x="0" y="0"/>
+          <a:ext cx="0" cy="0"/>
+          <a:chOff x="0" y="0"/>
+          <a:chExt cx="0" cy="0"/>
+        </a:xfrm>
+      </p:grpSpPr>
+      <p:sp>
+        <p:nvSpPr>
+          <p:cNvPr id="5" name="矩形 4"/>
+          <p:cNvSpPr/>
+          <p:nvPr/>
+        </p:nvSpPr>
+        <p:spPr>
+          <a:xfrm>
+            <a:off x="6005399" y="3447534"/>
+            <a:ext cx="6172200" cy="3410465"/>
+          </a:xfrm>
+          <a:prstGeom prst="rect">
+            <a:avLst/>
+          </a:prstGeom>
+          <a:solidFill>
+            <a:schemeClr val="bg1">
+              <a:lumMod val="95000"/>
+            </a:schemeClr>
+          </a:solidFill>
+          <a:ln>
+            <a:noFill/>
+          </a:ln>
+        </p:spPr>
+        <p:style>
+          <a:lnRef idx="2">
+            <a:schemeClr val="accent1">
+              <a:shade val="50000"/>
+            </a:schemeClr>
+          </a:lnRef>
+          <a:fillRef idx="1">
+            <a:schemeClr val="accent1"/>
+          </a:fillRef>
+          <a:effectRef idx="0">
+            <a:schemeClr val="accent1"/>
+          </a:effectRef>
+          <a:fontRef idx="minor">
+            <a:schemeClr val="lt1"/>
+          </a:fontRef>
+        </p:style>
+        <p:txBody>
+          <a:bodyPr rtlCol="0" anchor="ctr"/>
+          <a:lstStyle/>
+          <a:p>
+            <a:pPr algn="ctr"/>
+            <a:endParaRPr lang="zh-CN" altLang="en-US"/>
+          </a:p>
+        </p:txBody>
+      </p:sp>
+      <p:sp>
+        <p:nvSpPr>
+          <p:cNvPr id="29" name="矩形 28"/>
+          <p:cNvSpPr/>
+          <p:nvPr/>
+        </p:nvSpPr>
+        <p:spPr>
+          <a:xfrm>
+            <a:off x="12346" y="1"/>
+            <a:ext cx="6006821" cy="3447534"/>
+          </a:xfrm>
+          <a:prstGeom prst="rect">
+            <a:avLst/>
+          </a:prstGeom>
+          <a:solidFill>
+            <a:schemeClr val="bg1">
+              <a:lumMod val="95000"/>
+            </a:schemeClr>
+          </a:solidFill>
+          <a:ln>
+            <a:noFill/>
+          </a:ln>
+        </p:spPr>
+        <p:style>
+          <a:lnRef idx="2">
+            <a:schemeClr val="accent1">
+              <a:shade val="50000"/>
+            </a:schemeClr>
+          </a:lnRef>
+          <a:fillRef idx="1">
+            <a:schemeClr val="accent1"/>
+          </a:fillRef>
+          <a:effectRef idx="0">
+            <a:schemeClr val="accent1"/>
+          </a:effectRef>
+          <a:fontRef idx="minor">
+            <a:schemeClr val="lt1"/>
+          </a:fontRef>
+        </p:style>
+        <p:txBody>
+          <a:bodyPr rtlCol="0" anchor="ctr"/>
+          <a:lstStyle/>
+          <a:p>
+            <a:pPr algn="ctr"/>
+            <a:endParaRPr lang="zh-CN" altLang="en-US"/>
+          </a:p>
+        </p:txBody>
+      </p:sp>
+      <p:sp>
+        <p:nvSpPr>
+          <p:cNvPr id="30" name="文本框 29"/>
+          <p:cNvSpPr txBox="1"/>
+          <p:nvPr/>
+        </p:nvSpPr>
+        <p:spPr>
+          <a:xfrm>
+            <a:off x="662538" y="294935"/>
+            <a:ext cx="10634112" cy="1446550"/>
+          </a:xfrm>
+          <a:prstGeom prst="rect">
+            <a:avLst/>
+          </a:prstGeom>
+          <a:noFill/>
+        </p:spPr>
+        <p:txBody>
+          <a:bodyPr wrap="square" rtlCol="0">
+            <a:spAutoFit/>
+          </a:bodyPr>
+          <a:lstStyle/>
+          <a:p>
+            <a:r>
+              <a:rPr lang="en-US" altLang="zh-CN" sz="4400" b="1" dirty="0" smtClean="0">
+                <a:solidFill>
+                  <a:srgbClr val="00ABB4"/>
+                </a:solidFill>
+                <a:latin typeface="微软雅黑" panose="020B0503020204020204" pitchFamily="34" charset="-122"/>
+                <a:ea typeface="微软雅黑" panose="020B0503020204020204" pitchFamily="34" charset="-122"/>
+              </a:rPr>
+              <a:t>Statistical Measurement –</a:t>
+            </a:r>
+          </a:p>
+          <a:p>
+            <a:pPr algn="r"/>
+            <a:r>
+              <a:rPr lang="en-US" altLang="zh-CN" sz="4400" b="1" dirty="0" smtClean="0">
+                <a:solidFill>
+                  <a:srgbClr val="00ABB4"/>
+                </a:solidFill>
+                <a:latin typeface="微软雅黑" panose="020B0503020204020204" pitchFamily="34" charset="-122"/>
+                <a:ea typeface="微软雅黑" panose="020B0503020204020204" pitchFamily="34" charset="-122"/>
+              </a:rPr>
+              <a:t>correlation matrix</a:t>
+            </a:r>
+            <a:endParaRPr lang="en-US" altLang="zh-CN" sz="4400" b="1" dirty="0">
+              <a:solidFill>
+                <a:srgbClr val="00ABB4"/>
+              </a:solidFill>
+              <a:latin typeface="微软雅黑" panose="020B0503020204020204" pitchFamily="34" charset="-122"/>
+              <a:ea typeface="微软雅黑" panose="020B0503020204020204" pitchFamily="34" charset="-122"/>
+            </a:endParaRPr>
+          </a:p>
+        </p:txBody>
+      </p:sp>
+      <p:sp>
+        <p:nvSpPr>
+          <p:cNvPr id="9" name="Rectangle 96"/>
+          <p:cNvSpPr/>
+          <p:nvPr/>
+        </p:nvSpPr>
+        <p:spPr>
+          <a:xfrm>
+            <a:off x="896518" y="1474269"/>
+            <a:ext cx="10245297" cy="846386"/>
+          </a:xfrm>
+          <a:prstGeom prst="rect">
+            <a:avLst/>
+          </a:prstGeom>
+        </p:spPr>
+        <p:txBody>
+          <a:bodyPr wrap="square">
+            <a:spAutoFit/>
+          </a:bodyPr>
+          <a:lstStyle/>
+          <a:p>
+            <a:pPr marL="342900" indent="-342900">
+              <a:lnSpc>
+                <a:spcPct val="200000"/>
+              </a:lnSpc>
+              <a:buFont typeface="Arial" panose="020B0604020202020204" pitchFamily="34" charset="0"/>
+              <a:buChar char="•"/>
+            </a:pPr>
+            <a:r>
+              <a:rPr lang="en-US" altLang="zh-CN" sz="2800" b="1" dirty="0" smtClean="0">
+                <a:latin typeface="Meiryo" panose="020B0604030504040204" pitchFamily="34" charset="-128"/>
+                <a:ea typeface="Meiryo" panose="020B0604030504040204" pitchFamily="34" charset="-128"/>
+                <a:cs typeface="Meiryo" panose="020B0604030504040204" pitchFamily="34" charset="-128"/>
+              </a:rPr>
+              <a:t>Correlation matrix for each subject for each </a:t>
+            </a:r>
+            <a:r>
+              <a:rPr lang="en-US" altLang="zh-CN" sz="2800" b="1" dirty="0" smtClean="0">
+                <a:latin typeface="Meiryo" panose="020B0604030504040204" pitchFamily="34" charset="-128"/>
+                <a:ea typeface="Meiryo" panose="020B0604030504040204" pitchFamily="34" charset="-128"/>
+                <a:cs typeface="Meiryo" panose="020B0604030504040204" pitchFamily="34" charset="-128"/>
+              </a:rPr>
+              <a:t>dose</a:t>
+            </a:r>
+            <a:endParaRPr lang="en-US" altLang="zh-CN" sz="2800" b="1" dirty="0" smtClean="0">
+              <a:latin typeface="Meiryo" panose="020B0604030504040204" pitchFamily="34" charset="-128"/>
+              <a:ea typeface="Meiryo" panose="020B0604030504040204" pitchFamily="34" charset="-128"/>
+              <a:cs typeface="Meiryo" panose="020B0604030504040204" pitchFamily="34" charset="-128"/>
+            </a:endParaRPr>
+          </a:p>
+        </p:txBody>
+      </p:sp>
+      <p:pic>
+        <p:nvPicPr>
+          <p:cNvPr id="2050" name="Picture 2"/>
+          <p:cNvPicPr>
+            <a:picLocks noChangeAspect="1" noChangeArrowheads="1"/>
+          </p:cNvPicPr>
+          <p:nvPr/>
+        </p:nvPicPr>
+        <p:blipFill>
+          <a:blip r:embed="rId3">
+            <a:extLst>
+              <a:ext uri="{28A0092B-C50C-407E-A947-70E740481C1C}">
+                <a14:useLocalDpi xmlns:a14="http://schemas.microsoft.com/office/drawing/2010/main" val="0"/>
+              </a:ext>
+            </a:extLst>
+          </a:blip>
+          <a:srcRect/>
+          <a:stretch>
+            <a:fillRect/>
+          </a:stretch>
+        </p:blipFill>
+        <p:spPr bwMode="auto">
+          <a:xfrm>
+            <a:off x="163250" y="2580281"/>
+            <a:ext cx="11711833" cy="3591919"/>
           </a:xfrm>
           <a:prstGeom prst="rect">
             <a:avLst/>
@@ -6845,7 +7285,7 @@
 </p:sld>
 </file>
 
-<file path=ppt/slides/slide15.xml><?xml version="1.0" encoding="utf-8"?>
+<file path=ppt/slides/slide17.xml><?xml version="1.0" encoding="utf-8"?>
 <p:sld xmlns:a="http://schemas.openxmlformats.org/drawingml/2006/main" xmlns:r="http://schemas.openxmlformats.org/officeDocument/2006/relationships" xmlns:p="http://schemas.openxmlformats.org/presentationml/2006/main">
   <p:cSld>
     <p:spTree>
@@ -6988,17 +7428,7 @@
                 <a:latin typeface="微软雅黑" panose="020B0503020204020204" pitchFamily="34" charset="-122"/>
                 <a:ea typeface="微软雅黑" panose="020B0503020204020204" pitchFamily="34" charset="-122"/>
               </a:rPr>
-              <a:t>Statistical </a:t>
-            </a:r>
-            <a:r>
-              <a:rPr lang="en-US" altLang="zh-CN" sz="4400" b="1" dirty="0" smtClean="0">
-                <a:solidFill>
-                  <a:srgbClr val="00ABB4"/>
-                </a:solidFill>
-                <a:latin typeface="微软雅黑" panose="020B0503020204020204" pitchFamily="34" charset="-122"/>
-                <a:ea typeface="微软雅黑" panose="020B0503020204020204" pitchFamily="34" charset="-122"/>
-              </a:rPr>
-              <a:t>Measurement –</a:t>
+              <a:t>Statistical Measurement –</a:t>
             </a:r>
           </a:p>
           <a:p>
@@ -7032,7 +7462,7 @@
         <p:spPr>
           <a:xfrm>
             <a:off x="896518" y="1474269"/>
-            <a:ext cx="10245297" cy="5262979"/>
+            <a:ext cx="10245297" cy="954107"/>
           </a:xfrm>
           <a:prstGeom prst="rect">
             <a:avLst/>
@@ -7044,7 +7474,7 @@
           </a:bodyPr>
           <a:lstStyle/>
           <a:p>
-            <a:pPr marL="342900" indent="-342900">
+            <a:pPr marL="342900" lvl="1" indent="-342900">
               <a:lnSpc>
                 <a:spcPct val="200000"/>
               </a:lnSpc>
@@ -7057,112 +7487,86 @@
                 <a:ea typeface="Meiryo" panose="020B0604030504040204" pitchFamily="34" charset="-128"/>
                 <a:cs typeface="Meiryo" panose="020B0604030504040204" pitchFamily="34" charset="-128"/>
               </a:rPr>
-              <a:t>Correlation matrix for each subject for each dose</a:t>
-            </a:r>
-          </a:p>
-          <a:p>
-            <a:pPr marL="800100" lvl="1" indent="-342900">
-              <a:lnSpc>
-                <a:spcPct val="200000"/>
-              </a:lnSpc>
-              <a:buFont typeface="Arial" panose="020B0604020202020204" pitchFamily="34" charset="0"/>
-              <a:buChar char="•"/>
-            </a:pPr>
-            <a:r>
-              <a:rPr lang="en-US" altLang="zh-CN" sz="2800" dirty="0" smtClean="0">
+              <a:t>Significance in t-test </a:t>
+            </a:r>
+            <a:r>
+              <a:rPr lang="en-US" altLang="zh-CN" sz="2800" b="1" dirty="0">
                 <a:latin typeface="Meiryo" panose="020B0604030504040204" pitchFamily="34" charset="-128"/>
                 <a:ea typeface="Meiryo" panose="020B0604030504040204" pitchFamily="34" charset="-128"/>
                 <a:cs typeface="Meiryo" panose="020B0604030504040204" pitchFamily="34" charset="-128"/>
               </a:rPr>
-              <a:t>T-test in pairs of low&amp;mid, low&amp;high, mid&amp;high</a:t>
-            </a:r>
-          </a:p>
-          <a:p>
-            <a:pPr marL="800100" lvl="1" indent="-342900">
-              <a:lnSpc>
-                <a:spcPct val="200000"/>
-              </a:lnSpc>
-              <a:buFont typeface="Arial" panose="020B0604020202020204" pitchFamily="34" charset="0"/>
-              <a:buChar char="•"/>
-            </a:pPr>
-            <a:r>
-              <a:rPr lang="en-US" altLang="zh-CN" sz="2800" dirty="0" smtClean="0">
+              <a:t>in pairs of </a:t>
+            </a:r>
+            <a:r>
+              <a:rPr lang="en-US" altLang="zh-CN" sz="2800" b="1" dirty="0" smtClean="0">
                 <a:latin typeface="Meiryo" panose="020B0604030504040204" pitchFamily="34" charset="-128"/>
                 <a:ea typeface="Meiryo" panose="020B0604030504040204" pitchFamily="34" charset="-128"/>
                 <a:cs typeface="Meiryo" panose="020B0604030504040204" pitchFamily="34" charset="-128"/>
               </a:rPr>
-              <a:t>Significance:</a:t>
-            </a:r>
-          </a:p>
-          <a:p>
-            <a:pPr marL="1257300" lvl="2" indent="-342900">
-              <a:lnSpc>
-                <a:spcPct val="200000"/>
-              </a:lnSpc>
-              <a:buFont typeface="Arial" panose="020B0604020202020204" pitchFamily="34" charset="0"/>
-              <a:buChar char="•"/>
-            </a:pPr>
-            <a:r>
-              <a:rPr lang="en-US" altLang="zh-CN" sz="2800" dirty="0" smtClean="0">
-                <a:latin typeface="Meiryo" panose="020B0604030504040204" pitchFamily="34" charset="-128"/>
-                <a:ea typeface="Meiryo" panose="020B0604030504040204" pitchFamily="34" charset="-128"/>
-                <a:cs typeface="Meiryo" panose="020B0604030504040204" pitchFamily="34" charset="-128"/>
-              </a:rPr>
-              <a:t>ant-DMN itself in low&amp;mid and low&amp;high</a:t>
-            </a:r>
-          </a:p>
-          <a:p>
-            <a:pPr marL="1257300" lvl="2" indent="-342900">
-              <a:lnSpc>
-                <a:spcPct val="200000"/>
-              </a:lnSpc>
-              <a:buFont typeface="Arial" panose="020B0604020202020204" pitchFamily="34" charset="0"/>
-              <a:buChar char="•"/>
-            </a:pPr>
-            <a:r>
-              <a:rPr lang="en-US" altLang="zh-CN" sz="2800" dirty="0" smtClean="0">
-                <a:latin typeface="Meiryo" panose="020B0604030504040204" pitchFamily="34" charset="-128"/>
-                <a:ea typeface="Meiryo" panose="020B0604030504040204" pitchFamily="34" charset="-128"/>
-                <a:cs typeface="Meiryo" panose="020B0604030504040204" pitchFamily="34" charset="-128"/>
-              </a:rPr>
-              <a:t>Hypothalamus with pos-DMN in mid&amp;high</a:t>
-            </a:r>
-          </a:p>
-          <a:p>
-            <a:pPr marL="800100" lvl="1" indent="-342900">
-              <a:lnSpc>
-                <a:spcPct val="200000"/>
-              </a:lnSpc>
-              <a:buFont typeface="Arial" panose="020B0604020202020204" pitchFamily="34" charset="0"/>
-              <a:buChar char="•"/>
-            </a:pPr>
-            <a:r>
-              <a:rPr lang="en-US" altLang="zh-CN" sz="2800" dirty="0" smtClean="0">
-                <a:latin typeface="Meiryo" panose="020B0604030504040204" pitchFamily="34" charset="-128"/>
-                <a:ea typeface="Meiryo" panose="020B0604030504040204" pitchFamily="34" charset="-128"/>
-                <a:cs typeface="Meiryo" panose="020B0604030504040204" pitchFamily="34" charset="-128"/>
-              </a:rPr>
-              <a:t>Indicate that:</a:t>
-            </a:r>
-            <a:r>
-              <a:rPr lang="en-US" altLang="zh-CN" sz="2800" dirty="0">
-                <a:latin typeface="Meiryo" panose="020B0604030504040204" pitchFamily="34" charset="-128"/>
-                <a:ea typeface="Meiryo" panose="020B0604030504040204" pitchFamily="34" charset="-128"/>
-                <a:cs typeface="Meiryo" panose="020B0604030504040204" pitchFamily="34" charset="-128"/>
-              </a:rPr>
-              <a:t> </a:t>
-            </a:r>
-            <a:r>
-              <a:rPr lang="en-US" altLang="zh-CN" sz="2800" dirty="0" smtClean="0">
-                <a:latin typeface="Meiryo" panose="020B0604030504040204" pitchFamily="34" charset="-128"/>
-                <a:ea typeface="Meiryo" panose="020B0604030504040204" pitchFamily="34" charset="-128"/>
-                <a:cs typeface="Meiryo" panose="020B0604030504040204" pitchFamily="34" charset="-128"/>
-              </a:rPr>
-              <a:t>corralation decrease</a:t>
-            </a:r>
-          </a:p>
-        </p:txBody>
-      </p:sp>
+              <a:t>doses</a:t>
+            </a:r>
+            <a:endParaRPr lang="en-US" altLang="zh-CN" sz="2800" b="1" dirty="0">
+              <a:latin typeface="Meiryo" panose="020B0604030504040204" pitchFamily="34" charset="-128"/>
+              <a:ea typeface="Meiryo" panose="020B0604030504040204" pitchFamily="34" charset="-128"/>
+              <a:cs typeface="Meiryo" panose="020B0604030504040204" pitchFamily="34" charset="-128"/>
+            </a:endParaRPr>
+          </a:p>
+        </p:txBody>
+      </p:sp>
+      <p:pic>
+        <p:nvPicPr>
+          <p:cNvPr id="3074" name="Picture 2"/>
+          <p:cNvPicPr>
+            <a:picLocks noChangeAspect="1" noChangeArrowheads="1"/>
+          </p:cNvPicPr>
+          <p:nvPr/>
+        </p:nvPicPr>
+        <p:blipFill>
+          <a:blip r:embed="rId3">
+            <a:extLst>
+              <a:ext uri="{28A0092B-C50C-407E-A947-70E740481C1C}">
+                <a14:useLocalDpi xmlns:a14="http://schemas.microsoft.com/office/drawing/2010/main" val="0"/>
+              </a:ext>
+            </a:extLst>
+          </a:blip>
+          <a:srcRect/>
+          <a:stretch>
+            <a:fillRect/>
+          </a:stretch>
+        </p:blipFill>
+        <p:spPr bwMode="auto">
+          <a:xfrm>
+            <a:off x="2424627" y="2320655"/>
+            <a:ext cx="7189080" cy="4292436"/>
+          </a:xfrm>
+          <a:prstGeom prst="rect">
+            <a:avLst/>
+          </a:prstGeom>
+          <a:noFill/>
+          <a:ln>
+            <a:noFill/>
+          </a:ln>
+          <a:extLst>
+            <a:ext uri="{909E8E84-426E-40DD-AFC4-6F175D3DCCD1}">
+              <a14:hiddenFill xmlns:a14="http://schemas.microsoft.com/office/drawing/2010/main">
+                <a:solidFill>
+                  <a:schemeClr val="accent1"/>
+                </a:solidFill>
+              </a14:hiddenFill>
+            </a:ext>
+            <a:ext uri="{91240B29-F687-4F45-9708-019B960494DF}">
+              <a14:hiddenLine xmlns:a14="http://schemas.microsoft.com/office/drawing/2010/main" w="9525">
+                <a:solidFill>
+                  <a:schemeClr val="tx1"/>
+                </a:solidFill>
+                <a:miter lim="800000"/>
+                <a:headEnd/>
+                <a:tailEnd/>
+              </a14:hiddenLine>
+            </a:ext>
+          </a:extLst>
+        </p:spPr>
+      </p:pic>
     </p:spTree>
     <p:extLst>
       <p:ext uri="{BB962C8B-B14F-4D97-AF65-F5344CB8AC3E}">
@@ -7183,7 +7587,293 @@
 </p:sld>
 </file>
 
-<file path=ppt/slides/slide16.xml><?xml version="1.0" encoding="utf-8"?>
+<file path=ppt/slides/slide18.xml><?xml version="1.0" encoding="utf-8"?>
+<p:sld xmlns:a="http://schemas.openxmlformats.org/drawingml/2006/main" xmlns:r="http://schemas.openxmlformats.org/officeDocument/2006/relationships" xmlns:p="http://schemas.openxmlformats.org/presentationml/2006/main">
+  <p:cSld>
+    <p:spTree>
+      <p:nvGrpSpPr>
+        <p:cNvPr id="1" name=""/>
+        <p:cNvGrpSpPr/>
+        <p:nvPr/>
+      </p:nvGrpSpPr>
+      <p:grpSpPr>
+        <a:xfrm>
+          <a:off x="0" y="0"/>
+          <a:ext cx="0" cy="0"/>
+          <a:chOff x="0" y="0"/>
+          <a:chExt cx="0" cy="0"/>
+        </a:xfrm>
+      </p:grpSpPr>
+      <p:sp>
+        <p:nvSpPr>
+          <p:cNvPr id="5" name="矩形 4"/>
+          <p:cNvSpPr/>
+          <p:nvPr/>
+        </p:nvSpPr>
+        <p:spPr>
+          <a:xfrm>
+            <a:off x="6005399" y="3447534"/>
+            <a:ext cx="6172200" cy="3410465"/>
+          </a:xfrm>
+          <a:prstGeom prst="rect">
+            <a:avLst/>
+          </a:prstGeom>
+          <a:solidFill>
+            <a:schemeClr val="bg1">
+              <a:lumMod val="95000"/>
+            </a:schemeClr>
+          </a:solidFill>
+          <a:ln>
+            <a:noFill/>
+          </a:ln>
+        </p:spPr>
+        <p:style>
+          <a:lnRef idx="2">
+            <a:schemeClr val="accent1">
+              <a:shade val="50000"/>
+            </a:schemeClr>
+          </a:lnRef>
+          <a:fillRef idx="1">
+            <a:schemeClr val="accent1"/>
+          </a:fillRef>
+          <a:effectRef idx="0">
+            <a:schemeClr val="accent1"/>
+          </a:effectRef>
+          <a:fontRef idx="minor">
+            <a:schemeClr val="lt1"/>
+          </a:fontRef>
+        </p:style>
+        <p:txBody>
+          <a:bodyPr rtlCol="0" anchor="ctr"/>
+          <a:lstStyle/>
+          <a:p>
+            <a:pPr algn="ctr"/>
+            <a:endParaRPr lang="zh-CN" altLang="en-US"/>
+          </a:p>
+        </p:txBody>
+      </p:sp>
+      <p:sp>
+        <p:nvSpPr>
+          <p:cNvPr id="29" name="矩形 28"/>
+          <p:cNvSpPr/>
+          <p:nvPr/>
+        </p:nvSpPr>
+        <p:spPr>
+          <a:xfrm>
+            <a:off x="12346" y="1"/>
+            <a:ext cx="6006821" cy="3447534"/>
+          </a:xfrm>
+          <a:prstGeom prst="rect">
+            <a:avLst/>
+          </a:prstGeom>
+          <a:solidFill>
+            <a:schemeClr val="bg1">
+              <a:lumMod val="95000"/>
+            </a:schemeClr>
+          </a:solidFill>
+          <a:ln>
+            <a:noFill/>
+          </a:ln>
+        </p:spPr>
+        <p:style>
+          <a:lnRef idx="2">
+            <a:schemeClr val="accent1">
+              <a:shade val="50000"/>
+            </a:schemeClr>
+          </a:lnRef>
+          <a:fillRef idx="1">
+            <a:schemeClr val="accent1"/>
+          </a:fillRef>
+          <a:effectRef idx="0">
+            <a:schemeClr val="accent1"/>
+          </a:effectRef>
+          <a:fontRef idx="minor">
+            <a:schemeClr val="lt1"/>
+          </a:fontRef>
+        </p:style>
+        <p:txBody>
+          <a:bodyPr rtlCol="0" anchor="ctr"/>
+          <a:lstStyle/>
+          <a:p>
+            <a:pPr algn="ctr"/>
+            <a:endParaRPr lang="zh-CN" altLang="en-US"/>
+          </a:p>
+        </p:txBody>
+      </p:sp>
+      <p:sp>
+        <p:nvSpPr>
+          <p:cNvPr id="30" name="文本框 29"/>
+          <p:cNvSpPr txBox="1"/>
+          <p:nvPr/>
+        </p:nvSpPr>
+        <p:spPr>
+          <a:xfrm>
+            <a:off x="662538" y="294935"/>
+            <a:ext cx="10634112" cy="1446550"/>
+          </a:xfrm>
+          <a:prstGeom prst="rect">
+            <a:avLst/>
+          </a:prstGeom>
+          <a:noFill/>
+        </p:spPr>
+        <p:txBody>
+          <a:bodyPr wrap="square" rtlCol="0">
+            <a:spAutoFit/>
+          </a:bodyPr>
+          <a:lstStyle/>
+          <a:p>
+            <a:r>
+              <a:rPr lang="en-US" altLang="zh-CN" sz="4400" b="1" dirty="0" smtClean="0">
+                <a:solidFill>
+                  <a:srgbClr val="00ABB4"/>
+                </a:solidFill>
+                <a:latin typeface="微软雅黑" panose="020B0503020204020204" pitchFamily="34" charset="-122"/>
+                <a:ea typeface="微软雅黑" panose="020B0503020204020204" pitchFamily="34" charset="-122"/>
+              </a:rPr>
+              <a:t>Statistical Measurement –</a:t>
+            </a:r>
+          </a:p>
+          <a:p>
+            <a:pPr algn="r"/>
+            <a:r>
+              <a:rPr lang="en-US" altLang="zh-CN" sz="4400" b="1" dirty="0" smtClean="0">
+                <a:solidFill>
+                  <a:srgbClr val="00ABB4"/>
+                </a:solidFill>
+                <a:latin typeface="微软雅黑" panose="020B0503020204020204" pitchFamily="34" charset="-122"/>
+                <a:ea typeface="微软雅黑" panose="020B0503020204020204" pitchFamily="34" charset="-122"/>
+              </a:rPr>
+              <a:t>correlation matrix</a:t>
+            </a:r>
+            <a:endParaRPr lang="en-US" altLang="zh-CN" sz="4400" b="1" dirty="0">
+              <a:solidFill>
+                <a:srgbClr val="00ABB4"/>
+              </a:solidFill>
+              <a:latin typeface="微软雅黑" panose="020B0503020204020204" pitchFamily="34" charset="-122"/>
+              <a:ea typeface="微软雅黑" panose="020B0503020204020204" pitchFamily="34" charset="-122"/>
+            </a:endParaRPr>
+          </a:p>
+        </p:txBody>
+      </p:sp>
+      <p:sp>
+        <p:nvSpPr>
+          <p:cNvPr id="9" name="Rectangle 96"/>
+          <p:cNvSpPr/>
+          <p:nvPr/>
+        </p:nvSpPr>
+        <p:spPr>
+          <a:xfrm>
+            <a:off x="896518" y="1474269"/>
+            <a:ext cx="10245297" cy="846386"/>
+          </a:xfrm>
+          <a:prstGeom prst="rect">
+            <a:avLst/>
+          </a:prstGeom>
+        </p:spPr>
+        <p:txBody>
+          <a:bodyPr wrap="square">
+            <a:spAutoFit/>
+          </a:bodyPr>
+          <a:lstStyle/>
+          <a:p>
+            <a:pPr marL="342900" lvl="1" indent="-342900">
+              <a:lnSpc>
+                <a:spcPct val="200000"/>
+              </a:lnSpc>
+              <a:buFont typeface="Arial" panose="020B0604020202020204" pitchFamily="34" charset="0"/>
+              <a:buChar char="•"/>
+            </a:pPr>
+            <a:r>
+              <a:rPr lang="en-US" altLang="zh-CN" sz="2800" b="1" dirty="0">
+                <a:latin typeface="Meiryo" panose="020B0604030504040204" pitchFamily="34" charset="-128"/>
+                <a:ea typeface="Meiryo" panose="020B0604030504040204" pitchFamily="34" charset="-128"/>
+                <a:cs typeface="Meiryo" panose="020B0604030504040204" pitchFamily="34" charset="-128"/>
+              </a:rPr>
+              <a:t>Significance in t-test in pairs of doses</a:t>
+            </a:r>
+            <a:endParaRPr lang="en-US" altLang="zh-CN" sz="2800" b="1" dirty="0">
+              <a:latin typeface="Meiryo" panose="020B0604030504040204" pitchFamily="34" charset="-128"/>
+              <a:ea typeface="Meiryo" panose="020B0604030504040204" pitchFamily="34" charset="-128"/>
+              <a:cs typeface="Meiryo" panose="020B0604030504040204" pitchFamily="34" charset="-128"/>
+            </a:endParaRPr>
+          </a:p>
+        </p:txBody>
+      </p:sp>
+      <p:pic>
+        <p:nvPicPr>
+          <p:cNvPr id="4098" name="Picture 2"/>
+          <p:cNvPicPr>
+            <a:picLocks noChangeAspect="1" noChangeArrowheads="1"/>
+          </p:cNvPicPr>
+          <p:nvPr/>
+        </p:nvPicPr>
+        <p:blipFill>
+          <a:blip r:embed="rId3">
+            <a:extLst>
+              <a:ext uri="{28A0092B-C50C-407E-A947-70E740481C1C}">
+                <a14:useLocalDpi xmlns:a14="http://schemas.microsoft.com/office/drawing/2010/main" val="0"/>
+              </a:ext>
+            </a:extLst>
+          </a:blip>
+          <a:srcRect/>
+          <a:stretch>
+            <a:fillRect/>
+          </a:stretch>
+        </p:blipFill>
+        <p:spPr bwMode="auto">
+          <a:xfrm>
+            <a:off x="2299481" y="2320655"/>
+            <a:ext cx="7439372" cy="4295775"/>
+          </a:xfrm>
+          <a:prstGeom prst="rect">
+            <a:avLst/>
+          </a:prstGeom>
+          <a:noFill/>
+          <a:ln>
+            <a:noFill/>
+          </a:ln>
+          <a:extLst>
+            <a:ext uri="{909E8E84-426E-40DD-AFC4-6F175D3DCCD1}">
+              <a14:hiddenFill xmlns:a14="http://schemas.microsoft.com/office/drawing/2010/main">
+                <a:solidFill>
+                  <a:schemeClr val="accent1"/>
+                </a:solidFill>
+              </a14:hiddenFill>
+            </a:ext>
+            <a:ext uri="{91240B29-F687-4F45-9708-019B960494DF}">
+              <a14:hiddenLine xmlns:a14="http://schemas.microsoft.com/office/drawing/2010/main" w="9525">
+                <a:solidFill>
+                  <a:schemeClr val="tx1"/>
+                </a:solidFill>
+                <a:miter lim="800000"/>
+                <a:headEnd/>
+                <a:tailEnd/>
+              </a14:hiddenLine>
+            </a:ext>
+          </a:extLst>
+        </p:spPr>
+      </p:pic>
+    </p:spTree>
+    <p:extLst>
+      <p:ext uri="{BB962C8B-B14F-4D97-AF65-F5344CB8AC3E}">
+        <p14:creationId xmlns:p14="http://schemas.microsoft.com/office/powerpoint/2010/main" val="4222509928"/>
+      </p:ext>
+    </p:extLst>
+  </p:cSld>
+  <p:clrMapOvr>
+    <a:masterClrMapping/>
+  </p:clrMapOvr>
+  <p:timing>
+    <p:tnLst>
+      <p:par>
+        <p:cTn id="1" dur="indefinite" restart="never" nodeType="tmRoot"/>
+      </p:par>
+    </p:tnLst>
+  </p:timing>
+</p:sld>
+</file>
+
+<file path=ppt/slides/slide19.xml><?xml version="1.0" encoding="utf-8"?>
 <p:sld xmlns:a="http://schemas.openxmlformats.org/drawingml/2006/main" xmlns:r="http://schemas.openxmlformats.org/officeDocument/2006/relationships" xmlns:p="http://schemas.openxmlformats.org/presentationml/2006/main">
   <p:cSld>
     <p:spTree>
@@ -7324,15 +8014,7 @@
                 <a:ea typeface="Meiryo" panose="020B0604030504040204" pitchFamily="34" charset="-128"/>
                 <a:cs typeface="Meiryo" panose="020B0604030504040204" pitchFamily="34" charset="-128"/>
               </a:rPr>
-              <a:t>Increasing inv</a:t>
-            </a:r>
-            <a:r>
-              <a:rPr lang="en-US" altLang="zh-CN" sz="2800" b="1" dirty="0" smtClean="0">
-                <a:latin typeface="Meiryo" panose="020B0604030504040204" pitchFamily="34" charset="-128"/>
-                <a:ea typeface="Meiryo" panose="020B0604030504040204" pitchFamily="34" charset="-128"/>
-                <a:cs typeface="Meiryo" panose="020B0604030504040204" pitchFamily="34" charset="-128"/>
-              </a:rPr>
-              <a:t>ariability across subjects along dose is beacuse:</a:t>
+              <a:t>Increasing invariability across subjects along dose is beacuse:</a:t>
             </a:r>
           </a:p>
           <a:p>
@@ -7391,7 +8073,7 @@
 </p:sld>
 </file>
 
-<file path=ppt/slides/slide17.xml><?xml version="1.0" encoding="utf-8"?>
+<file path=ppt/slides/slide2.xml><?xml version="1.0" encoding="utf-8"?>
 <p:sld xmlns:a="http://schemas.openxmlformats.org/drawingml/2006/main" xmlns:r="http://schemas.openxmlformats.org/officeDocument/2006/relationships" xmlns:p="http://schemas.openxmlformats.org/presentationml/2006/main">
   <p:cSld>
     <p:spTree>
@@ -7486,7 +8168,7 @@
                 <a:latin typeface="微软雅黑" panose="020B0503020204020204" pitchFamily="34" charset="-122"/>
                 <a:ea typeface="微软雅黑" panose="020B0503020204020204" pitchFamily="34" charset="-122"/>
               </a:rPr>
-              <a:t>Infer 2</a:t>
+              <a:t>Data management</a:t>
             </a:r>
             <a:endParaRPr lang="en-US" altLang="zh-CN" sz="4400" b="1" dirty="0">
               <a:solidFill>
@@ -7507,7 +8189,7 @@
         <p:spPr>
           <a:xfrm>
             <a:off x="896518" y="1556257"/>
-            <a:ext cx="10245297" cy="3431709"/>
+            <a:ext cx="10245297" cy="3539430"/>
           </a:xfrm>
           <a:prstGeom prst="rect">
             <a:avLst/>
@@ -7527,24 +8209,24 @@
               <a:buChar char="•"/>
             </a:pPr>
             <a:r>
+              <a:rPr lang="en-US" altLang="zh-CN" sz="2800" b="1" dirty="0">
+                <a:latin typeface="Meiryo" panose="020B0604030504040204" pitchFamily="34" charset="-128"/>
+                <a:ea typeface="Meiryo" panose="020B0604030504040204" pitchFamily="34" charset="-128"/>
+                <a:cs typeface="Meiryo" panose="020B0604030504040204" pitchFamily="34" charset="-128"/>
+              </a:rPr>
+              <a:t> </a:t>
+            </a:r>
+            <a:r>
               <a:rPr lang="en-US" altLang="zh-CN" sz="2800" b="1" dirty="0" smtClean="0">
                 <a:latin typeface="Meiryo" panose="020B0604030504040204" pitchFamily="34" charset="-128"/>
                 <a:ea typeface="Meiryo" panose="020B0604030504040204" pitchFamily="34" charset="-128"/>
                 <a:cs typeface="Meiryo" panose="020B0604030504040204" pitchFamily="34" charset="-128"/>
               </a:rPr>
-              <a:t>Decreasing </a:t>
-            </a:r>
-            <a:r>
-              <a:rPr lang="en-US" altLang="zh-CN" sz="2800" b="1" dirty="0">
-                <a:latin typeface="Meiryo" panose="020B0604030504040204" pitchFamily="34" charset="-128"/>
-                <a:ea typeface="Meiryo" panose="020B0604030504040204" pitchFamily="34" charset="-128"/>
-                <a:cs typeface="Meiryo" panose="020B0604030504040204" pitchFamily="34" charset="-128"/>
-              </a:rPr>
-              <a:t>invariability across subjects along dose is beacuse:</a:t>
-            </a:r>
-          </a:p>
-          <a:p>
-            <a:pPr marL="800100" lvl="1" indent="-342900">
+              <a:t>fMRI data</a:t>
+            </a:r>
+          </a:p>
+          <a:p>
+            <a:pPr marL="342900" indent="-342900">
               <a:lnSpc>
                 <a:spcPct val="200000"/>
               </a:lnSpc>
@@ -7552,12 +8234,69 @@
               <a:buChar char="•"/>
             </a:pPr>
             <a:r>
+              <a:rPr lang="en-US" altLang="zh-CN" sz="2800" b="1" dirty="0" smtClean="0">
+                <a:latin typeface="Meiryo" panose="020B0604030504040204" pitchFamily="34" charset="-128"/>
+                <a:ea typeface="Meiryo" panose="020B0604030504040204" pitchFamily="34" charset="-128"/>
+                <a:cs typeface="Meiryo" panose="020B0604030504040204" pitchFamily="34" charset="-128"/>
+              </a:rPr>
+              <a:t>All subjects exclude some with bad data : </a:t>
+            </a:r>
+            <a:r>
               <a:rPr lang="en-US" altLang="zh-CN" sz="2800" dirty="0" smtClean="0">
                 <a:latin typeface="Meiryo" panose="020B0604030504040204" pitchFamily="34" charset="-128"/>
                 <a:ea typeface="Meiryo" panose="020B0604030504040204" pitchFamily="34" charset="-128"/>
                 <a:cs typeface="Meiryo" panose="020B0604030504040204" pitchFamily="34" charset="-128"/>
               </a:rPr>
-              <a:t>Modules is silencing along dose, and at last all similar to anatomical structure</a:t>
+              <a:t>N=11 rats</a:t>
+            </a:r>
+          </a:p>
+          <a:p>
+            <a:pPr marL="342900" indent="-342900">
+              <a:lnSpc>
+                <a:spcPct val="200000"/>
+              </a:lnSpc>
+              <a:buFont typeface="Arial" panose="020B0604020202020204" pitchFamily="34" charset="0"/>
+              <a:buChar char="•"/>
+            </a:pPr>
+            <a:r>
+              <a:rPr lang="en-US" altLang="zh-CN" sz="2800" b="1" dirty="0" smtClean="0">
+                <a:latin typeface="Meiryo" panose="020B0604030504040204" pitchFamily="34" charset="-128"/>
+                <a:ea typeface="Meiryo" panose="020B0604030504040204" pitchFamily="34" charset="-128"/>
+                <a:cs typeface="Meiryo" panose="020B0604030504040204" pitchFamily="34" charset="-128"/>
+              </a:rPr>
+              <a:t>3 Group :</a:t>
+            </a:r>
+            <a:r>
+              <a:rPr lang="en-US" altLang="zh-CN" sz="2800" b="1" dirty="0">
+                <a:latin typeface="Meiryo" panose="020B0604030504040204" pitchFamily="34" charset="-128"/>
+                <a:ea typeface="Meiryo" panose="020B0604030504040204" pitchFamily="34" charset="-128"/>
+                <a:cs typeface="Meiryo" panose="020B0604030504040204" pitchFamily="34" charset="-128"/>
+              </a:rPr>
+              <a:t> </a:t>
+            </a:r>
+            <a:r>
+              <a:rPr lang="en-US" altLang="zh-CN" sz="2800" b="1" dirty="0" smtClean="0">
+                <a:latin typeface="Meiryo" panose="020B0604030504040204" pitchFamily="34" charset="-128"/>
+                <a:ea typeface="Meiryo" panose="020B0604030504040204" pitchFamily="34" charset="-128"/>
+                <a:cs typeface="Meiryo" panose="020B0604030504040204" pitchFamily="34" charset="-128"/>
+              </a:rPr>
+              <a:t> </a:t>
+            </a:r>
+            <a:r>
+              <a:rPr lang="en-US" altLang="zh-CN" sz="2800" dirty="0" smtClean="0">
+                <a:latin typeface="Meiryo" panose="020B0604030504040204" pitchFamily="34" charset="-128"/>
+                <a:ea typeface="Meiryo" panose="020B0604030504040204" pitchFamily="34" charset="-128"/>
+                <a:cs typeface="Meiryo" panose="020B0604030504040204" pitchFamily="34" charset="-128"/>
+              </a:rPr>
+              <a:t>20mg/ml/h </a:t>
+            </a:r>
+            <a:r>
+              <a:rPr lang="en-US" altLang="zh-CN" sz="2800" dirty="0">
+                <a:latin typeface="Meiryo" panose="020B0604030504040204" pitchFamily="34" charset="-128"/>
+                <a:ea typeface="Meiryo" panose="020B0604030504040204" pitchFamily="34" charset="-128"/>
+                <a:cs typeface="Meiryo" panose="020B0604030504040204" pitchFamily="34" charset="-128"/>
+              </a:rPr>
+              <a:t>as low-dose group, </a:t>
             </a:r>
             <a:endParaRPr lang="en-US" altLang="zh-CN" sz="2800" dirty="0" smtClean="0">
               <a:latin typeface="Meiryo" panose="020B0604030504040204" pitchFamily="34" charset="-128"/>
@@ -7565,12 +8304,51 @@
               <a:cs typeface="Meiryo" panose="020B0604030504040204" pitchFamily="34" charset="-128"/>
             </a:endParaRPr>
           </a:p>
+          <a:p>
+            <a:pPr>
+              <a:lnSpc>
+                <a:spcPct val="200000"/>
+              </a:lnSpc>
+            </a:pPr>
+            <a:r>
+              <a:rPr lang="en-US" altLang="zh-CN" sz="2800" dirty="0">
+                <a:latin typeface="Meiryo" panose="020B0604030504040204" pitchFamily="34" charset="-128"/>
+                <a:ea typeface="Meiryo" panose="020B0604030504040204" pitchFamily="34" charset="-128"/>
+                <a:cs typeface="Meiryo" panose="020B0604030504040204" pitchFamily="34" charset="-128"/>
+              </a:rPr>
+              <a:t>	</a:t>
+            </a:r>
+            <a:r>
+              <a:rPr lang="en-US" altLang="zh-CN" sz="2800" dirty="0" smtClean="0">
+                <a:latin typeface="Meiryo" panose="020B0604030504040204" pitchFamily="34" charset="-128"/>
+                <a:ea typeface="Meiryo" panose="020B0604030504040204" pitchFamily="34" charset="-128"/>
+                <a:cs typeface="Meiryo" panose="020B0604030504040204" pitchFamily="34" charset="-128"/>
+              </a:rPr>
+              <a:t>            40 </a:t>
+            </a:r>
+            <a:r>
+              <a:rPr lang="en-US" altLang="zh-CN" sz="2800" dirty="0">
+                <a:latin typeface="Meiryo" panose="020B0604030504040204" pitchFamily="34" charset="-128"/>
+                <a:ea typeface="Meiryo" panose="020B0604030504040204" pitchFamily="34" charset="-128"/>
+                <a:cs typeface="Meiryo" panose="020B0604030504040204" pitchFamily="34" charset="-128"/>
+              </a:rPr>
+              <a:t>as mid, 80 as </a:t>
+            </a:r>
+            <a:r>
+              <a:rPr lang="en-US" altLang="zh-CN" sz="2800" dirty="0" smtClean="0">
+                <a:latin typeface="Meiryo" panose="020B0604030504040204" pitchFamily="34" charset="-128"/>
+                <a:ea typeface="Meiryo" panose="020B0604030504040204" pitchFamily="34" charset="-128"/>
+                <a:cs typeface="Meiryo" panose="020B0604030504040204" pitchFamily="34" charset="-128"/>
+              </a:rPr>
+              <a:t>high</a:t>
+            </a:r>
+          </a:p>
         </p:txBody>
       </p:sp>
     </p:spTree>
     <p:extLst>
       <p:ext uri="{BB962C8B-B14F-4D97-AF65-F5344CB8AC3E}">
-        <p14:creationId xmlns:p14="http://schemas.microsoft.com/office/powerpoint/2010/main" val="3959228195"/>
+        <p14:creationId xmlns:p14="http://schemas.microsoft.com/office/powerpoint/2010/main" val="572571404"/>
       </p:ext>
     </p:extLst>
   </p:cSld>
@@ -7587,134 +8365,7 @@
 </p:sld>
 </file>
 
-<file path=ppt/slides/slide18.xml><?xml version="1.0" encoding="utf-8"?>
-<p:sld xmlns:a="http://schemas.openxmlformats.org/drawingml/2006/main" xmlns:r="http://schemas.openxmlformats.org/officeDocument/2006/relationships" xmlns:p="http://schemas.openxmlformats.org/presentationml/2006/main">
-  <p:cSld>
-    <p:spTree>
-      <p:nvGrpSpPr>
-        <p:cNvPr id="1" name=""/>
-        <p:cNvGrpSpPr/>
-        <p:nvPr/>
-      </p:nvGrpSpPr>
-      <p:grpSpPr>
-        <a:xfrm>
-          <a:off x="0" y="0"/>
-          <a:ext cx="0" cy="0"/>
-          <a:chOff x="0" y="0"/>
-          <a:chExt cx="0" cy="0"/>
-        </a:xfrm>
-      </p:grpSpPr>
-      <p:sp>
-        <p:nvSpPr>
-          <p:cNvPr id="3" name="文本框 2"/>
-          <p:cNvSpPr txBox="1"/>
-          <p:nvPr/>
-        </p:nvSpPr>
-        <p:spPr>
-          <a:xfrm>
-            <a:off x="2618510" y="2333008"/>
-            <a:ext cx="6964407" cy="1261884"/>
-          </a:xfrm>
-          <a:prstGeom prst="rect">
-            <a:avLst/>
-          </a:prstGeom>
-          <a:noFill/>
-        </p:spPr>
-        <p:txBody>
-          <a:bodyPr wrap="none" rtlCol="0">
-            <a:spAutoFit/>
-          </a:bodyPr>
-          <a:lstStyle/>
-          <a:p>
-            <a:pPr algn="ctr"/>
-            <a:r>
-              <a:rPr lang="en-US" altLang="zh-CN" sz="3800" b="1" dirty="0" smtClean="0">
-                <a:solidFill>
-                  <a:srgbClr val="00ABB4"/>
-                </a:solidFill>
-                <a:effectLst>
-                  <a:outerShdw blurRad="38100" dist="38100" dir="2700000" algn="tl">
-                    <a:srgbClr val="000000">
-                      <a:alpha val="43137"/>
-                    </a:srgbClr>
-                  </a:outerShdw>
-                </a:effectLst>
-                <a:latin typeface="微软雅黑" panose="020B0503020204020204" pitchFamily="34" charset="-122"/>
-                <a:ea typeface="微软雅黑" panose="020B0503020204020204" pitchFamily="34" charset="-122"/>
-              </a:rPr>
-              <a:t>Thank you all for listening~</a:t>
-            </a:r>
-            <a:r>
-              <a:rPr lang="en-US" altLang="zh-CN" sz="3800" b="1" dirty="0">
-                <a:solidFill>
-                  <a:srgbClr val="00ABB4"/>
-                </a:solidFill>
-                <a:effectLst>
-                  <a:outerShdw blurRad="38100" dist="38100" dir="2700000" algn="tl">
-                    <a:srgbClr val="000000">
-                      <a:alpha val="43137"/>
-                    </a:srgbClr>
-                  </a:outerShdw>
-                </a:effectLst>
-                <a:latin typeface="微软雅黑" panose="020B0503020204020204" pitchFamily="34" charset="-122"/>
-                <a:ea typeface="微软雅黑" panose="020B0503020204020204" pitchFamily="34" charset="-122"/>
-              </a:rPr>
-              <a:t/>
-            </a:r>
-            <a:br>
-              <a:rPr lang="en-US" altLang="zh-CN" sz="3800" b="1" dirty="0">
-                <a:solidFill>
-                  <a:srgbClr val="00ABB4"/>
-                </a:solidFill>
-                <a:effectLst>
-                  <a:outerShdw blurRad="38100" dist="38100" dir="2700000" algn="tl">
-                    <a:srgbClr val="000000">
-                      <a:alpha val="43137"/>
-                    </a:srgbClr>
-                  </a:outerShdw>
-                </a:effectLst>
-                <a:latin typeface="微软雅黑" panose="020B0503020204020204" pitchFamily="34" charset="-122"/>
-                <a:ea typeface="微软雅黑" panose="020B0503020204020204" pitchFamily="34" charset="-122"/>
-              </a:rPr>
-            </a:br>
-            <a:endParaRPr lang="en-US" altLang="zh-CN" sz="3800" b="1" dirty="0">
-              <a:solidFill>
-                <a:srgbClr val="00ABB4"/>
-              </a:solidFill>
-              <a:effectLst>
-                <a:outerShdw blurRad="38100" dist="38100" dir="2700000" algn="tl">
-                  <a:srgbClr val="000000">
-                    <a:alpha val="43137"/>
-                  </a:srgbClr>
-                </a:outerShdw>
-              </a:effectLst>
-              <a:latin typeface="微软雅黑" panose="020B0503020204020204" pitchFamily="34" charset="-122"/>
-              <a:ea typeface="微软雅黑" panose="020B0503020204020204" pitchFamily="34" charset="-122"/>
-            </a:endParaRPr>
-          </a:p>
-        </p:txBody>
-      </p:sp>
-    </p:spTree>
-    <p:extLst>
-      <p:ext uri="{BB962C8B-B14F-4D97-AF65-F5344CB8AC3E}">
-        <p14:creationId xmlns:p14="http://schemas.microsoft.com/office/powerpoint/2010/main" val="3711594375"/>
-      </p:ext>
-    </p:extLst>
-  </p:cSld>
-  <p:clrMapOvr>
-    <a:masterClrMapping/>
-  </p:clrMapOvr>
-  <p:timing>
-    <p:tnLst>
-      <p:par>
-        <p:cTn id="1" dur="indefinite" restart="never" nodeType="tmRoot"/>
-      </p:par>
-    </p:tnLst>
-  </p:timing>
-</p:sld>
-</file>
-
-<file path=ppt/slides/slide2.xml><?xml version="1.0" encoding="utf-8"?>
+<file path=ppt/slides/slide20.xml><?xml version="1.0" encoding="utf-8"?>
 <p:sld xmlns:a="http://schemas.openxmlformats.org/drawingml/2006/main" xmlns:r="http://schemas.openxmlformats.org/officeDocument/2006/relationships" xmlns:p="http://schemas.openxmlformats.org/presentationml/2006/main">
   <p:cSld>
     <p:spTree>
@@ -7809,7 +8460,7 @@
                 <a:latin typeface="微软雅黑" panose="020B0503020204020204" pitchFamily="34" charset="-122"/>
                 <a:ea typeface="微软雅黑" panose="020B0503020204020204" pitchFamily="34" charset="-122"/>
               </a:rPr>
-              <a:t>Data management</a:t>
+              <a:t>Infer 2</a:t>
             </a:r>
             <a:endParaRPr lang="en-US" altLang="zh-CN" sz="4400" b="1" dirty="0">
               <a:solidFill>
@@ -7830,7 +8481,7 @@
         <p:spPr>
           <a:xfrm>
             <a:off x="896518" y="1556257"/>
-            <a:ext cx="10245297" cy="3539430"/>
+            <a:ext cx="10245297" cy="3431709"/>
           </a:xfrm>
           <a:prstGeom prst="rect">
             <a:avLst/>
@@ -7850,24 +8501,24 @@
               <a:buChar char="•"/>
             </a:pPr>
             <a:r>
+              <a:rPr lang="en-US" altLang="zh-CN" sz="2800" b="1" dirty="0" smtClean="0">
+                <a:latin typeface="Meiryo" panose="020B0604030504040204" pitchFamily="34" charset="-128"/>
+                <a:ea typeface="Meiryo" panose="020B0604030504040204" pitchFamily="34" charset="-128"/>
+                <a:cs typeface="Meiryo" panose="020B0604030504040204" pitchFamily="34" charset="-128"/>
+              </a:rPr>
+              <a:t>Decreasing </a:t>
+            </a:r>
+            <a:r>
               <a:rPr lang="en-US" altLang="zh-CN" sz="2800" b="1" dirty="0">
                 <a:latin typeface="Meiryo" panose="020B0604030504040204" pitchFamily="34" charset="-128"/>
                 <a:ea typeface="Meiryo" panose="020B0604030504040204" pitchFamily="34" charset="-128"/>
                 <a:cs typeface="Meiryo" panose="020B0604030504040204" pitchFamily="34" charset="-128"/>
               </a:rPr>
-              <a:t> </a:t>
-            </a:r>
-            <a:r>
-              <a:rPr lang="en-US" altLang="zh-CN" sz="2800" b="1" dirty="0" smtClean="0">
-                <a:latin typeface="Meiryo" panose="020B0604030504040204" pitchFamily="34" charset="-128"/>
-                <a:ea typeface="Meiryo" panose="020B0604030504040204" pitchFamily="34" charset="-128"/>
-                <a:cs typeface="Meiryo" panose="020B0604030504040204" pitchFamily="34" charset="-128"/>
-              </a:rPr>
-              <a:t>fMRI data</a:t>
-            </a:r>
-          </a:p>
-          <a:p>
-            <a:pPr marL="342900" indent="-342900">
+              <a:t>invariability across subjects along dose is beacuse:</a:t>
+            </a:r>
+          </a:p>
+          <a:p>
+            <a:pPr marL="800100" lvl="1" indent="-342900">
               <a:lnSpc>
                 <a:spcPct val="200000"/>
               </a:lnSpc>
@@ -7875,129 +8526,12 @@
               <a:buChar char="•"/>
             </a:pPr>
             <a:r>
-              <a:rPr lang="en-US" altLang="zh-CN" sz="2800" b="1" dirty="0" smtClean="0">
-                <a:latin typeface="Meiryo" panose="020B0604030504040204" pitchFamily="34" charset="-128"/>
-                <a:ea typeface="Meiryo" panose="020B0604030504040204" pitchFamily="34" charset="-128"/>
-                <a:cs typeface="Meiryo" panose="020B0604030504040204" pitchFamily="34" charset="-128"/>
-              </a:rPr>
-              <a:t>All subjects exclude some with bad data : </a:t>
-            </a:r>
-            <a:r>
               <a:rPr lang="en-US" altLang="zh-CN" sz="2800" dirty="0" smtClean="0">
                 <a:latin typeface="Meiryo" panose="020B0604030504040204" pitchFamily="34" charset="-128"/>
                 <a:ea typeface="Meiryo" panose="020B0604030504040204" pitchFamily="34" charset="-128"/>
                 <a:cs typeface="Meiryo" panose="020B0604030504040204" pitchFamily="34" charset="-128"/>
               </a:rPr>
-              <a:t>N=</a:t>
-            </a:r>
-            <a:r>
-              <a:rPr lang="en-US" altLang="zh-CN" sz="2800" dirty="0" smtClean="0">
-                <a:latin typeface="Meiryo" panose="020B0604030504040204" pitchFamily="34" charset="-128"/>
-                <a:ea typeface="Meiryo" panose="020B0604030504040204" pitchFamily="34" charset="-128"/>
-                <a:cs typeface="Meiryo" panose="020B0604030504040204" pitchFamily="34" charset="-128"/>
-              </a:rPr>
-              <a:t>11 </a:t>
-            </a:r>
-            <a:r>
-              <a:rPr lang="en-US" altLang="zh-CN" sz="2800" dirty="0" smtClean="0">
-                <a:latin typeface="Meiryo" panose="020B0604030504040204" pitchFamily="34" charset="-128"/>
-                <a:ea typeface="Meiryo" panose="020B0604030504040204" pitchFamily="34" charset="-128"/>
-                <a:cs typeface="Meiryo" panose="020B0604030504040204" pitchFamily="34" charset="-128"/>
-              </a:rPr>
-              <a:t>rats</a:t>
-            </a:r>
-          </a:p>
-          <a:p>
-            <a:pPr marL="342900" indent="-342900">
-              <a:lnSpc>
-                <a:spcPct val="200000"/>
-              </a:lnSpc>
-              <a:buFont typeface="Arial" panose="020B0604020202020204" pitchFamily="34" charset="0"/>
-              <a:buChar char="•"/>
-            </a:pPr>
-            <a:r>
-              <a:rPr lang="en-US" altLang="zh-CN" sz="2800" b="1" dirty="0" smtClean="0">
-                <a:latin typeface="Meiryo" panose="020B0604030504040204" pitchFamily="34" charset="-128"/>
-                <a:ea typeface="Meiryo" panose="020B0604030504040204" pitchFamily="34" charset="-128"/>
-                <a:cs typeface="Meiryo" panose="020B0604030504040204" pitchFamily="34" charset="-128"/>
-              </a:rPr>
-              <a:t>3 Group :</a:t>
-            </a:r>
-            <a:r>
-              <a:rPr lang="en-US" altLang="zh-CN" sz="2800" b="1" dirty="0">
-                <a:latin typeface="Meiryo" panose="020B0604030504040204" pitchFamily="34" charset="-128"/>
-                <a:ea typeface="Meiryo" panose="020B0604030504040204" pitchFamily="34" charset="-128"/>
-                <a:cs typeface="Meiryo" panose="020B0604030504040204" pitchFamily="34" charset="-128"/>
-              </a:rPr>
-              <a:t> </a:t>
-            </a:r>
-            <a:r>
-              <a:rPr lang="en-US" altLang="zh-CN" sz="2800" b="1" dirty="0" smtClean="0">
-                <a:latin typeface="Meiryo" panose="020B0604030504040204" pitchFamily="34" charset="-128"/>
-                <a:ea typeface="Meiryo" panose="020B0604030504040204" pitchFamily="34" charset="-128"/>
-                <a:cs typeface="Meiryo" panose="020B0604030504040204" pitchFamily="34" charset="-128"/>
-              </a:rPr>
-              <a:t> </a:t>
-            </a:r>
-            <a:r>
-              <a:rPr lang="en-US" altLang="zh-CN" sz="2800" dirty="0" smtClean="0">
-                <a:latin typeface="Meiryo" panose="020B0604030504040204" pitchFamily="34" charset="-128"/>
-                <a:ea typeface="Meiryo" panose="020B0604030504040204" pitchFamily="34" charset="-128"/>
-                <a:cs typeface="Meiryo" panose="020B0604030504040204" pitchFamily="34" charset="-128"/>
-              </a:rPr>
-              <a:t>20mg/ml/h </a:t>
-            </a:r>
-            <a:r>
-              <a:rPr lang="en-US" altLang="zh-CN" sz="2800" dirty="0">
-                <a:latin typeface="Meiryo" panose="020B0604030504040204" pitchFamily="34" charset="-128"/>
-                <a:ea typeface="Meiryo" panose="020B0604030504040204" pitchFamily="34" charset="-128"/>
-                <a:cs typeface="Meiryo" panose="020B0604030504040204" pitchFamily="34" charset="-128"/>
-              </a:rPr>
-              <a:t>as low-dose group, </a:t>
-            </a:r>
-            <a:endParaRPr lang="en-US" altLang="zh-CN" sz="2800" dirty="0" smtClean="0">
-              <a:latin typeface="Meiryo" panose="020B0604030504040204" pitchFamily="34" charset="-128"/>
-              <a:ea typeface="Meiryo" panose="020B0604030504040204" pitchFamily="34" charset="-128"/>
-              <a:cs typeface="Meiryo" panose="020B0604030504040204" pitchFamily="34" charset="-128"/>
-            </a:endParaRPr>
-          </a:p>
-          <a:p>
-            <a:pPr>
-              <a:lnSpc>
-                <a:spcPct val="200000"/>
-              </a:lnSpc>
-            </a:pPr>
-            <a:r>
-              <a:rPr lang="en-US" altLang="zh-CN" sz="2800" dirty="0">
-                <a:latin typeface="Meiryo" panose="020B0604030504040204" pitchFamily="34" charset="-128"/>
-                <a:ea typeface="Meiryo" panose="020B0604030504040204" pitchFamily="34" charset="-128"/>
-                <a:cs typeface="Meiryo" panose="020B0604030504040204" pitchFamily="34" charset="-128"/>
-              </a:rPr>
-              <a:t>	</a:t>
-            </a:r>
-            <a:r>
-              <a:rPr lang="en-US" altLang="zh-CN" sz="2800" dirty="0" smtClean="0">
-                <a:latin typeface="Meiryo" panose="020B0604030504040204" pitchFamily="34" charset="-128"/>
-                <a:ea typeface="Meiryo" panose="020B0604030504040204" pitchFamily="34" charset="-128"/>
-                <a:cs typeface="Meiryo" panose="020B0604030504040204" pitchFamily="34" charset="-128"/>
-              </a:rPr>
-              <a:t>            40 </a:t>
-            </a:r>
-            <a:r>
-              <a:rPr lang="en-US" altLang="zh-CN" sz="2800" dirty="0">
-                <a:latin typeface="Meiryo" panose="020B0604030504040204" pitchFamily="34" charset="-128"/>
-                <a:ea typeface="Meiryo" panose="020B0604030504040204" pitchFamily="34" charset="-128"/>
-                <a:cs typeface="Meiryo" panose="020B0604030504040204" pitchFamily="34" charset="-128"/>
-              </a:rPr>
-              <a:t>as mid, 80 as </a:t>
-            </a:r>
-            <a:r>
-              <a:rPr lang="en-US" altLang="zh-CN" sz="2800" dirty="0" smtClean="0">
-                <a:latin typeface="Meiryo" panose="020B0604030504040204" pitchFamily="34" charset="-128"/>
-                <a:ea typeface="Meiryo" panose="020B0604030504040204" pitchFamily="34" charset="-128"/>
-                <a:cs typeface="Meiryo" panose="020B0604030504040204" pitchFamily="34" charset="-128"/>
-              </a:rPr>
-              <a:t>high</a:t>
+              <a:t>Modules is silencing along dose, and at last all similar to anatomical structure</a:t>
             </a:r>
           </a:p>
         </p:txBody>
@@ -8005,7 +8539,134 @@
     </p:spTree>
     <p:extLst>
       <p:ext uri="{BB962C8B-B14F-4D97-AF65-F5344CB8AC3E}">
-        <p14:creationId xmlns:p14="http://schemas.microsoft.com/office/powerpoint/2010/main" val="572571404"/>
+        <p14:creationId xmlns:p14="http://schemas.microsoft.com/office/powerpoint/2010/main" val="3959228195"/>
+      </p:ext>
+    </p:extLst>
+  </p:cSld>
+  <p:clrMapOvr>
+    <a:masterClrMapping/>
+  </p:clrMapOvr>
+  <p:timing>
+    <p:tnLst>
+      <p:par>
+        <p:cTn id="1" dur="indefinite" restart="never" nodeType="tmRoot"/>
+      </p:par>
+    </p:tnLst>
+  </p:timing>
+</p:sld>
+</file>
+
+<file path=ppt/slides/slide21.xml><?xml version="1.0" encoding="utf-8"?>
+<p:sld xmlns:a="http://schemas.openxmlformats.org/drawingml/2006/main" xmlns:r="http://schemas.openxmlformats.org/officeDocument/2006/relationships" xmlns:p="http://schemas.openxmlformats.org/presentationml/2006/main">
+  <p:cSld>
+    <p:spTree>
+      <p:nvGrpSpPr>
+        <p:cNvPr id="1" name=""/>
+        <p:cNvGrpSpPr/>
+        <p:nvPr/>
+      </p:nvGrpSpPr>
+      <p:grpSpPr>
+        <a:xfrm>
+          <a:off x="0" y="0"/>
+          <a:ext cx="0" cy="0"/>
+          <a:chOff x="0" y="0"/>
+          <a:chExt cx="0" cy="0"/>
+        </a:xfrm>
+      </p:grpSpPr>
+      <p:sp>
+        <p:nvSpPr>
+          <p:cNvPr id="3" name="文本框 2"/>
+          <p:cNvSpPr txBox="1"/>
+          <p:nvPr/>
+        </p:nvSpPr>
+        <p:spPr>
+          <a:xfrm>
+            <a:off x="2618510" y="2333008"/>
+            <a:ext cx="6964407" cy="1261884"/>
+          </a:xfrm>
+          <a:prstGeom prst="rect">
+            <a:avLst/>
+          </a:prstGeom>
+          <a:noFill/>
+        </p:spPr>
+        <p:txBody>
+          <a:bodyPr wrap="none" rtlCol="0">
+            <a:spAutoFit/>
+          </a:bodyPr>
+          <a:lstStyle/>
+          <a:p>
+            <a:pPr algn="ctr"/>
+            <a:r>
+              <a:rPr lang="en-US" altLang="zh-CN" sz="3800" b="1" dirty="0" smtClean="0">
+                <a:solidFill>
+                  <a:srgbClr val="00ABB4"/>
+                </a:solidFill>
+                <a:effectLst>
+                  <a:outerShdw blurRad="38100" dist="38100" dir="2700000" algn="tl">
+                    <a:srgbClr val="000000">
+                      <a:alpha val="43137"/>
+                    </a:srgbClr>
+                  </a:outerShdw>
+                </a:effectLst>
+                <a:latin typeface="微软雅黑" panose="020B0503020204020204" pitchFamily="34" charset="-122"/>
+                <a:ea typeface="微软雅黑" panose="020B0503020204020204" pitchFamily="34" charset="-122"/>
+              </a:rPr>
+              <a:t>Thank you all for listening~</a:t>
+            </a:r>
+            <a:r>
+              <a:rPr lang="en-US" altLang="zh-CN" sz="3800" b="1" dirty="0">
+                <a:solidFill>
+                  <a:srgbClr val="00ABB4"/>
+                </a:solidFill>
+                <a:effectLst>
+                  <a:outerShdw blurRad="38100" dist="38100" dir="2700000" algn="tl">
+                    <a:srgbClr val="000000">
+                      <a:alpha val="43137"/>
+                    </a:srgbClr>
+                  </a:outerShdw>
+                </a:effectLst>
+                <a:latin typeface="微软雅黑" panose="020B0503020204020204" pitchFamily="34" charset="-122"/>
+                <a:ea typeface="微软雅黑" panose="020B0503020204020204" pitchFamily="34" charset="-122"/>
+              </a:rPr>
+              <a:t/>
+            </a:r>
+            <a:br>
+              <a:rPr lang="en-US" altLang="zh-CN" sz="3800" b="1" dirty="0">
+                <a:solidFill>
+                  <a:srgbClr val="00ABB4"/>
+                </a:solidFill>
+                <a:effectLst>
+                  <a:outerShdw blurRad="38100" dist="38100" dir="2700000" algn="tl">
+                    <a:srgbClr val="000000">
+                      <a:alpha val="43137"/>
+                    </a:srgbClr>
+                  </a:outerShdw>
+                </a:effectLst>
+                <a:latin typeface="微软雅黑" panose="020B0503020204020204" pitchFamily="34" charset="-122"/>
+                <a:ea typeface="微软雅黑" panose="020B0503020204020204" pitchFamily="34" charset="-122"/>
+              </a:rPr>
+            </a:br>
+            <a:endParaRPr lang="en-US" altLang="zh-CN" sz="3800" b="1" dirty="0">
+              <a:solidFill>
+                <a:srgbClr val="00ABB4"/>
+              </a:solidFill>
+              <a:effectLst>
+                <a:outerShdw blurRad="38100" dist="38100" dir="2700000" algn="tl">
+                  <a:srgbClr val="000000">
+                    <a:alpha val="43137"/>
+                  </a:srgbClr>
+                </a:outerShdw>
+              </a:effectLst>
+              <a:latin typeface="微软雅黑" panose="020B0503020204020204" pitchFamily="34" charset="-122"/>
+              <a:ea typeface="微软雅黑" panose="020B0503020204020204" pitchFamily="34" charset="-122"/>
+            </a:endParaRPr>
+          </a:p>
+        </p:txBody>
+      </p:sp>
+    </p:spTree>
+    <p:extLst>
+      <p:ext uri="{BB962C8B-B14F-4D97-AF65-F5344CB8AC3E}">
+        <p14:creationId xmlns:p14="http://schemas.microsoft.com/office/powerpoint/2010/main" val="3711594375"/>
       </p:ext>
     </p:extLst>
   </p:cSld>
@@ -8197,21 +8858,8 @@
                 <a:ea typeface="Meiryo" panose="020B0604030504040204" pitchFamily="34" charset="-128"/>
                 <a:cs typeface="Meiryo" panose="020B0604030504040204" pitchFamily="34" charset="-128"/>
               </a:rPr>
-              <a:t>Do modular comparision between each pair of subject in every modules derived </a:t>
-            </a:r>
-            <a:r>
-              <a:rPr lang="en-US" altLang="zh-CN" sz="2800" dirty="0" smtClean="0">
-                <a:latin typeface="Meiryo" panose="020B0604030504040204" pitchFamily="34" charset="-128"/>
-                <a:ea typeface="Meiryo" panose="020B0604030504040204" pitchFamily="34" charset="-128"/>
-                <a:cs typeface="Meiryo" panose="020B0604030504040204" pitchFamily="34" charset="-128"/>
-              </a:rPr>
-              <a:t>from group</a:t>
-            </a:r>
-            <a:endParaRPr lang="en-US" altLang="zh-CN" sz="2800" dirty="0" smtClean="0">
-              <a:latin typeface="Meiryo" panose="020B0604030504040204" pitchFamily="34" charset="-128"/>
-              <a:ea typeface="Meiryo" panose="020B0604030504040204" pitchFamily="34" charset="-128"/>
-              <a:cs typeface="Meiryo" panose="020B0604030504040204" pitchFamily="34" charset="-128"/>
-            </a:endParaRPr>
+              <a:t>Do modular comparision between each pair of subject in every modules derived from group</a:t>
+            </a:r>
           </a:p>
           <a:p>
             <a:pPr marL="342900" indent="-342900">
@@ -8425,27 +9073,7 @@
                 <a:latin typeface="微软雅黑" panose="020B0503020204020204" pitchFamily="34" charset="-122"/>
                 <a:ea typeface="微软雅黑" panose="020B0503020204020204" pitchFamily="34" charset="-122"/>
               </a:rPr>
-              <a:t>Statistical </a:t>
-            </a:r>
-            <a:r>
-              <a:rPr lang="en-US" altLang="zh-CN" sz="4400" b="1" dirty="0" smtClean="0">
-                <a:solidFill>
-                  <a:srgbClr val="00ABB4"/>
-                </a:solidFill>
-                <a:latin typeface="微软雅黑" panose="020B0503020204020204" pitchFamily="34" charset="-122"/>
-                <a:ea typeface="微软雅黑" panose="020B0503020204020204" pitchFamily="34" charset="-122"/>
-              </a:rPr>
-              <a:t>Measurement --</a:t>
-            </a:r>
-            <a:r>
-              <a:rPr lang="en-US" altLang="zh-CN" sz="4400" b="1" dirty="0" smtClean="0">
-                <a:solidFill>
-                  <a:srgbClr val="00ABB4"/>
-                </a:solidFill>
-                <a:latin typeface="微软雅黑" panose="020B0503020204020204" pitchFamily="34" charset="-122"/>
-                <a:ea typeface="微软雅黑" panose="020B0503020204020204" pitchFamily="34" charset="-122"/>
-              </a:rPr>
-              <a:t>Modularity</a:t>
+              <a:t>Statistical Measurement --Modularity</a:t>
             </a:r>
             <a:endParaRPr lang="en-US" altLang="zh-CN" sz="4400" b="1" dirty="0">
               <a:solidFill>
@@ -8465,8 +9093,8 @@
         </p:nvSpPr>
         <p:spPr>
           <a:xfrm>
-            <a:off x="882749" y="1741485"/>
-            <a:ext cx="10245297" cy="3539430"/>
+            <a:off x="662538" y="1741485"/>
+            <a:ext cx="7842151" cy="4401205"/>
           </a:xfrm>
           <a:prstGeom prst="rect">
             <a:avLst/>
@@ -8493,11 +9121,6 @@
               </a:rPr>
               <a:t>7 modules :</a:t>
             </a:r>
-            <a:endParaRPr lang="en-US" altLang="zh-CN" sz="2800" b="1" dirty="0" smtClean="0">
-              <a:latin typeface="Meiryo" panose="020B0604030504040204" pitchFamily="34" charset="-128"/>
-              <a:ea typeface="Meiryo" panose="020B0604030504040204" pitchFamily="34" charset="-128"/>
-              <a:cs typeface="Meiryo" panose="020B0604030504040204" pitchFamily="34" charset="-128"/>
-            </a:endParaRPr>
           </a:p>
           <a:p>
             <a:pPr marL="914400" lvl="1" indent="-457200">
@@ -8513,7 +9136,7 @@
                 <a:ea typeface="Meiryo" panose="020B0604030504040204" pitchFamily="34" charset="-128"/>
                 <a:cs typeface="Meiryo" panose="020B0604030504040204" pitchFamily="34" charset="-128"/>
               </a:rPr>
-              <a:t>Insular,  </a:t>
+              <a:t>Insular,  Anterior DMN, Hippocampus and thalamus, Posterior DMN</a:t>
             </a:r>
             <a:r>
               <a:rPr lang="en-US" altLang="zh-CN" sz="2800" dirty="0" smtClean="0">
@@ -8521,7 +9144,7 @@
                 <a:ea typeface="Meiryo" panose="020B0604030504040204" pitchFamily="34" charset="-128"/>
                 <a:cs typeface="Meiryo" panose="020B0604030504040204" pitchFamily="34" charset="-128"/>
               </a:rPr>
-              <a:t>Anterior DMN, Hippocampus and thalamus, </a:t>
+              <a:t>, </a:t>
             </a:r>
             <a:r>
               <a:rPr lang="en-US" altLang="zh-CN" sz="2800" dirty="0" smtClean="0">
@@ -8529,16 +9152,65 @@
                 <a:ea typeface="Meiryo" panose="020B0604030504040204" pitchFamily="34" charset="-128"/>
                 <a:cs typeface="Meiryo" panose="020B0604030504040204" pitchFamily="34" charset="-128"/>
               </a:rPr>
-              <a:t>Posterior DMN, Sensory-motor, Striatum, Hypothalamus</a:t>
-            </a:r>
-            <a:endParaRPr lang="en-US" altLang="zh-CN" sz="2800" dirty="0" smtClean="0">
-              <a:latin typeface="Meiryo" panose="020B0604030504040204" pitchFamily="34" charset="-128"/>
-              <a:ea typeface="Meiryo" panose="020B0604030504040204" pitchFamily="34" charset="-128"/>
-              <a:cs typeface="Meiryo" panose="020B0604030504040204" pitchFamily="34" charset="-128"/>
-            </a:endParaRPr>
-          </a:p>
-        </p:txBody>
-      </p:sp>
+              <a:t>Sensory-motor, Striatum, Hypothalamus</a:t>
+            </a:r>
+          </a:p>
+        </p:txBody>
+      </p:sp>
+      <p:pic>
+        <p:nvPicPr>
+          <p:cNvPr id="1026" name="Picture 2"/>
+          <p:cNvPicPr>
+            <a:picLocks noChangeAspect="1" noChangeArrowheads="1"/>
+          </p:cNvPicPr>
+          <p:nvPr/>
+        </p:nvPicPr>
+        <p:blipFill>
+          <a:blip r:embed="rId3">
+            <a:extLst>
+              <a:ext uri="{28A0092B-C50C-407E-A947-70E740481C1C}">
+                <a14:useLocalDpi xmlns:a14="http://schemas.microsoft.com/office/drawing/2010/main" val="0"/>
+              </a:ext>
+            </a:extLst>
+          </a:blip>
+          <a:srcRect/>
+          <a:stretch>
+            <a:fillRect/>
+          </a:stretch>
+        </p:blipFill>
+        <p:spPr bwMode="auto">
+          <a:xfrm>
+            <a:off x="7010400" y="3514209"/>
+            <a:ext cx="5181600" cy="2924175"/>
+          </a:xfrm>
+          <a:prstGeom prst="rect">
+            <a:avLst/>
+          </a:prstGeom>
+          <a:noFill/>
+          <a:ln>
+            <a:noFill/>
+          </a:ln>
+          <a:extLst>
+            <a:ext uri="{909E8E84-426E-40DD-AFC4-6F175D3DCCD1}">
+              <a14:hiddenFill xmlns:a14="http://schemas.microsoft.com/office/drawing/2010/main">
+                <a:solidFill>
+                  <a:schemeClr val="accent1"/>
+                </a:solidFill>
+              </a14:hiddenFill>
+            </a:ext>
+            <a:ext uri="{91240B29-F687-4F45-9708-019B960494DF}">
+              <a14:hiddenLine xmlns:a14="http://schemas.microsoft.com/office/drawing/2010/main" w="9525">
+                <a:solidFill>
+                  <a:schemeClr val="tx1"/>
+                </a:solidFill>
+                <a:miter lim="800000"/>
+                <a:headEnd/>
+                <a:tailEnd/>
+              </a14:hiddenLine>
+            </a:ext>
+          </a:extLst>
+        </p:spPr>
+      </p:pic>
     </p:spTree>
     <p:extLst>
       <p:ext uri="{BB962C8B-B14F-4D97-AF65-F5344CB8AC3E}">
@@ -8681,7 +9353,7 @@
         <p:spPr>
           <a:xfrm>
             <a:off x="662538" y="294935"/>
-            <a:ext cx="9205361" cy="769441"/>
+            <a:ext cx="9205361" cy="1446550"/>
           </a:xfrm>
           <a:prstGeom prst="rect">
             <a:avLst/>
@@ -8702,7 +9374,7 @@
                 <a:latin typeface="微软雅黑" panose="020B0503020204020204" pitchFamily="34" charset="-122"/>
                 <a:ea typeface="微软雅黑" panose="020B0503020204020204" pitchFamily="34" charset="-122"/>
               </a:rPr>
-              <a:t>Statistical </a:t>
+              <a:t>Statistical Measurement </a:t>
             </a:r>
             <a:r>
               <a:rPr lang="en-US" altLang="zh-CN" sz="4400" b="1" dirty="0" smtClean="0">
@@ -8712,8 +9384,11 @@
                 <a:latin typeface="微软雅黑" panose="020B0503020204020204" pitchFamily="34" charset="-122"/>
                 <a:ea typeface="微软雅黑" panose="020B0503020204020204" pitchFamily="34" charset="-122"/>
               </a:rPr>
-              <a:t>Measurement </a:t>
-            </a:r>
+              <a:t>–</a:t>
+            </a:r>
+          </a:p>
+          <a:p>
+            <a:pPr algn="r"/>
             <a:r>
               <a:rPr lang="en-US" altLang="zh-CN" sz="4400" b="1" dirty="0" smtClean="0">
                 <a:solidFill>
@@ -8722,7 +9397,7 @@
                 <a:latin typeface="微软雅黑" panose="020B0503020204020204" pitchFamily="34" charset="-122"/>
                 <a:ea typeface="微软雅黑" panose="020B0503020204020204" pitchFamily="34" charset="-122"/>
               </a:rPr>
-              <a:t>--MV</a:t>
+              <a:t>MV across subjects</a:t>
             </a:r>
             <a:endParaRPr lang="en-US" altLang="zh-CN" sz="4400" b="1" dirty="0">
               <a:solidFill>
@@ -8742,7 +9417,7 @@
         </p:nvSpPr>
         <p:spPr>
           <a:xfrm>
-            <a:off x="882750" y="1064376"/>
+            <a:off x="896518" y="1407275"/>
             <a:ext cx="10245297" cy="5262979"/>
           </a:xfrm>
           <a:prstGeom prst="rect">
@@ -9074,27 +9749,7 @@
                 <a:latin typeface="微软雅黑" panose="020B0503020204020204" pitchFamily="34" charset="-122"/>
                 <a:ea typeface="微软雅黑" panose="020B0503020204020204" pitchFamily="34" charset="-122"/>
               </a:rPr>
-              <a:t>Statistical </a:t>
-            </a:r>
-            <a:r>
-              <a:rPr lang="en-US" altLang="zh-CN" sz="4400" b="1" dirty="0" smtClean="0">
-                <a:solidFill>
-                  <a:srgbClr val="00ABB4"/>
-                </a:solidFill>
-                <a:latin typeface="微软雅黑" panose="020B0503020204020204" pitchFamily="34" charset="-122"/>
-                <a:ea typeface="微软雅黑" panose="020B0503020204020204" pitchFamily="34" charset="-122"/>
-              </a:rPr>
-              <a:t>Measurement </a:t>
-            </a:r>
-            <a:r>
-              <a:rPr lang="en-US" altLang="zh-CN" sz="4400" b="1" dirty="0" smtClean="0">
-                <a:solidFill>
-                  <a:srgbClr val="00ABB4"/>
-                </a:solidFill>
-                <a:latin typeface="微软雅黑" panose="020B0503020204020204" pitchFamily="34" charset="-122"/>
-                <a:ea typeface="微软雅黑" panose="020B0503020204020204" pitchFamily="34" charset="-122"/>
-              </a:rPr>
-              <a:t>--MV</a:t>
+              <a:t>Statistical Measurement --MV</a:t>
             </a:r>
             <a:endParaRPr lang="en-US" altLang="zh-CN" sz="4400" b="1" dirty="0">
               <a:solidFill>
@@ -9106,8 +9761,8 @@
           </a:p>
         </p:txBody>
       </p:sp>
-      <mc:AlternateContent xmlns:mc="http://schemas.openxmlformats.org/markup-compatibility/2006">
-        <mc:Choice xmlns:a14="http://schemas.microsoft.com/office/drawing/2010/main" Requires="a14">
+      <mc:AlternateContent xmlns:mc="http://schemas.openxmlformats.org/markup-compatibility/2006" xmlns:a14="http://schemas.microsoft.com/office/drawing/2010/main">
+        <mc:Choice Requires="a14">
           <p:sp>
             <p:nvSpPr>
               <p:cNvPr id="31" name="Rectangle 96"/>
@@ -9244,15 +9899,7 @@
                             <a:ea typeface="Meiryo" panose="020B0604030504040204" pitchFamily="34" charset="-128"/>
                             <a:cs typeface="Meiryo" panose="020B0604030504040204" pitchFamily="34" charset="-128"/>
                           </a:rPr>
-                          <m:t>𝑀</m:t>
-                        </m:r>
-                        <m:r>
-                          <a:rPr lang="en-US" altLang="zh-CN" sz="2800" b="0" i="1" baseline="-25000" smtClean="0">
-                            <a:latin typeface="Cambria Math"/>
-                            <a:ea typeface="Meiryo" panose="020B0604030504040204" pitchFamily="34" charset="-128"/>
-                            <a:cs typeface="Meiryo" panose="020B0604030504040204" pitchFamily="34" charset="-128"/>
-                          </a:rPr>
-                          <m:t>𝑘</m:t>
+                          <m:t>𝑀𝑘</m:t>
                         </m:r>
                         <m:d>
                           <m:dPr>
@@ -9846,7 +10493,7 @@
             </p:txBody>
           </p:sp>
         </mc:Choice>
-        <mc:Fallback>
+        <mc:Fallback xmlns="">
           <p:sp>
             <p:nvSpPr>
               <p:cNvPr id="31" name="Rectangle 96"/>
@@ -10048,27 +10695,7 @@
                 <a:latin typeface="微软雅黑" panose="020B0503020204020204" pitchFamily="34" charset="-122"/>
                 <a:ea typeface="微软雅黑" panose="020B0503020204020204" pitchFamily="34" charset="-122"/>
               </a:rPr>
-              <a:t>Statistical </a:t>
-            </a:r>
-            <a:r>
-              <a:rPr lang="en-US" altLang="zh-CN" sz="4400" b="1" dirty="0" smtClean="0">
-                <a:solidFill>
-                  <a:srgbClr val="00ABB4"/>
-                </a:solidFill>
-                <a:latin typeface="微软雅黑" panose="020B0503020204020204" pitchFamily="34" charset="-122"/>
-                <a:ea typeface="微软雅黑" panose="020B0503020204020204" pitchFamily="34" charset="-122"/>
-              </a:rPr>
-              <a:t>Measurement </a:t>
-            </a:r>
-            <a:r>
-              <a:rPr lang="en-US" altLang="zh-CN" sz="4400" b="1" dirty="0" smtClean="0">
-                <a:solidFill>
-                  <a:srgbClr val="00ABB4"/>
-                </a:solidFill>
-                <a:latin typeface="微软雅黑" panose="020B0503020204020204" pitchFamily="34" charset="-122"/>
-                <a:ea typeface="微软雅黑" panose="020B0503020204020204" pitchFamily="34" charset="-122"/>
-              </a:rPr>
-              <a:t>--MV</a:t>
+              <a:t>Statistical Measurement --MV</a:t>
             </a:r>
             <a:endParaRPr lang="en-US" altLang="zh-CN" sz="4400" b="1" dirty="0">
               <a:solidFill>
@@ -10080,8 +10707,8 @@
           </a:p>
         </p:txBody>
       </p:sp>
-      <mc:AlternateContent xmlns:mc="http://schemas.openxmlformats.org/markup-compatibility/2006">
-        <mc:Choice xmlns:a14="http://schemas.microsoft.com/office/drawing/2010/main" Requires="a14">
+      <mc:AlternateContent xmlns:mc="http://schemas.openxmlformats.org/markup-compatibility/2006" xmlns:a14="http://schemas.microsoft.com/office/drawing/2010/main">
+        <mc:Choice Requires="a14">
           <p:sp>
             <p:nvSpPr>
               <p:cNvPr id="31" name="Rectangle 96"/>
@@ -10178,15 +10805,7 @@
                     <a:ea typeface="Meiryo" panose="020B0604030504040204" pitchFamily="34" charset="-128"/>
                     <a:cs typeface="Meiryo" panose="020B0604030504040204" pitchFamily="34" charset="-128"/>
                   </a:rPr>
-                  <a:t> (</a:t>
-                </a:r>
-                <a:r>
-                  <a:rPr lang="en-US" altLang="zh-CN" sz="2800" dirty="0" smtClean="0">
-                    <a:latin typeface="Meiryo" panose="020B0604030504040204" pitchFamily="34" charset="-128"/>
-                    <a:ea typeface="Meiryo" panose="020B0604030504040204" pitchFamily="34" charset="-128"/>
-                    <a:cs typeface="Meiryo" panose="020B0604030504040204" pitchFamily="34" charset="-128"/>
-                  </a:rPr>
-                  <a:t>i) = </a:t>
+                  <a:t> (i) = </a:t>
                 </a:r>
                 <a14:m>
                   <m:oMath xmlns:m="http://schemas.openxmlformats.org/officeDocument/2006/math">
@@ -10310,23 +10929,7 @@
                     <a:ea typeface="Meiryo" panose="020B0604030504040204" pitchFamily="34" charset="-128"/>
                     <a:cs typeface="Meiryo" panose="020B0604030504040204" pitchFamily="34" charset="-128"/>
                   </a:rPr>
-                  <a:t> </a:t>
-                </a:r>
-                <a:r>
-                  <a:rPr lang="en-US" altLang="zh-CN" sz="2800" dirty="0" smtClean="0">
-                    <a:latin typeface="Meiryo" panose="020B0604030504040204" pitchFamily="34" charset="-128"/>
-                    <a:ea typeface="Meiryo" panose="020B0604030504040204" pitchFamily="34" charset="-128"/>
-                    <a:cs typeface="Meiryo" panose="020B0604030504040204" pitchFamily="34" charset="-128"/>
-                  </a:rPr>
-                  <a:t>level: each </a:t>
-                </a:r>
-                <a:r>
-                  <a:rPr lang="en-US" altLang="zh-CN" sz="2800" dirty="0" smtClean="0">
-                    <a:latin typeface="Meiryo" panose="020B0604030504040204" pitchFamily="34" charset="-128"/>
-                    <a:ea typeface="Meiryo" panose="020B0604030504040204" pitchFamily="34" charset="-128"/>
-                    <a:cs typeface="Meiryo" panose="020B0604030504040204" pitchFamily="34" charset="-128"/>
-                  </a:rPr>
-                  <a:t>node :\</a:t>
+                  <a:t> level: each node :\</a:t>
                 </a:r>
               </a:p>
               <a:p>
@@ -10521,7 +11124,7 @@
             </p:txBody>
           </p:sp>
         </mc:Choice>
-        <mc:Fallback>
+        <mc:Fallback xmlns="">
           <p:sp>
             <p:nvSpPr>
               <p:cNvPr id="31" name="Rectangle 96"/>
@@ -11650,7 +12253,7 @@
   <a:extraClrSchemeLst/>
   <a:extLst>
     <a:ext uri="{05A4C25C-085E-4340-85A3-A5531E510DB2}">
-      <thm15:themeFamily xmlns="" xmlns:thm15="http://schemas.microsoft.com/office/thememl/2012/main" name="Office Theme" id="{62F939B6-93AF-4DB8-9C6B-D6C7DFDC589F}" vid="{4A3C46E8-61CC-4603-A589-7422A47A8E4A}"/>
+      <thm15:themeFamily xmlns:thm15="http://schemas.microsoft.com/office/thememl/2012/main" xmlns="" name="Office Theme" id="{62F939B6-93AF-4DB8-9C6B-D6C7DFDC589F}" vid="{4A3C46E8-61CC-4603-A589-7422A47A8E4A}"/>
     </a:ext>
   </a:extLst>
 </a:theme>
@@ -11911,7 +12514,7 @@
   <a:extraClrSchemeLst/>
   <a:extLst>
     <a:ext uri="{05A4C25C-085E-4340-85A3-A5531E510DB2}">
-      <thm15:themeFamily xmlns="" xmlns:thm15="http://schemas.microsoft.com/office/thememl/2012/main" name="Office Theme" id="{62F939B6-93AF-4DB8-9C6B-D6C7DFDC589F}" vid="{4A3C46E8-61CC-4603-A589-7422A47A8E4A}"/>
+      <thm15:themeFamily xmlns:thm15="http://schemas.microsoft.com/office/thememl/2012/main" xmlns="" name="Office Theme" id="{62F939B6-93AF-4DB8-9C6B-D6C7DFDC589F}" vid="{4A3C46E8-61CC-4603-A589-7422A47A8E4A}"/>
     </a:ext>
   </a:extLst>
 </a:theme>
